--- a/dokumentointi.pptx
+++ b/dokumentointi.pptx
@@ -3360,8 +3360,16 @@
           <a:lstStyle/>
           <a:p>
             <a:r>
-              <a:rPr lang="fi-FI" dirty="0"/>
-              <a:t>Random: </a:t>
+              <a:rPr lang="fi-FI" b="1" dirty="0"/>
+              <a:t>Random</a:t>
+            </a:r>
+            <a:r>
+              <a:rPr lang="fi-FI" dirty="0"/>
+              <a:t>:</a:t>
+            </a:r>
+            <a:r>
+              <a:rPr lang="fi-FI" b="1" dirty="0"/>
+              <a:t> </a:t>
             </a:r>
           </a:p>
           <a:p>
@@ -3416,22 +3424,42 @@
           </a:p>
           <a:p>
             <a:r>
-              <a:rPr lang="fi-FI" b="1" dirty="0" err="1"/>
+              <a:rPr lang="fi-FI" b="1" dirty="0" err="1">
+                <a:highlight>
+                  <a:srgbClr val="00FF00"/>
+                </a:highlight>
+              </a:rPr>
               <a:t>Quick</a:t>
             </a:r>
             <a:r>
-              <a:rPr lang="fi-FI" b="1" dirty="0"/>
-              <a:t> </a:t>
-            </a:r>
-            <a:r>
-              <a:rPr lang="fi-FI" b="1" dirty="0" err="1"/>
+              <a:rPr lang="fi-FI" b="1" dirty="0">
+                <a:highlight>
+                  <a:srgbClr val="00FF00"/>
+                </a:highlight>
+              </a:rPr>
+              <a:t> </a:t>
+            </a:r>
+            <a:r>
+              <a:rPr lang="fi-FI" b="1" dirty="0" err="1">
+                <a:highlight>
+                  <a:srgbClr val="00FF00"/>
+                </a:highlight>
+              </a:rPr>
               <a:t>Sort</a:t>
             </a:r>
             <a:r>
-              <a:rPr lang="fi-FI" b="1" dirty="0"/>
+              <a:rPr lang="fi-FI" b="1" dirty="0">
+                <a:highlight>
+                  <a:srgbClr val="00FF00"/>
+                </a:highlight>
+              </a:rPr>
               <a:t>: 2,151ms</a:t>
             </a:r>
-            <a:endParaRPr lang="fi-FI" dirty="0"/>
+            <a:endParaRPr lang="fi-FI" dirty="0">
+              <a:highlight>
+                <a:srgbClr val="00FF00"/>
+              </a:highlight>
+            </a:endParaRPr>
           </a:p>
           <a:p>
             <a:r>
@@ -3522,9 +3550,14 @@
           <a:lstStyle/>
           <a:p>
             <a:r>
-              <a:rPr lang="fi-FI" dirty="0"/>
+              <a:rPr lang="fi-FI" b="1" dirty="0"/>
               <a:t>Laskeva</a:t>
             </a:r>
+            <a:r>
+              <a:rPr lang="fi-FI" dirty="0"/>
+              <a:t>:</a:t>
+            </a:r>
+            <a:endParaRPr lang="fi-FI" b="1" dirty="0"/>
           </a:p>
           <a:p>
             <a:r>
@@ -3640,18 +3673,34 @@
           </a:p>
           <a:p>
             <a:r>
-              <a:rPr lang="fi-FI" b="1" dirty="0"/>
+              <a:rPr lang="fi-FI" b="1" dirty="0">
+                <a:highlight>
+                  <a:srgbClr val="00FF00"/>
+                </a:highlight>
+              </a:rPr>
               <a:t>Java </a:t>
             </a:r>
             <a:r>
-              <a:rPr lang="fi-FI" b="1" dirty="0" err="1"/>
+              <a:rPr lang="fi-FI" b="1" dirty="0" err="1">
+                <a:highlight>
+                  <a:srgbClr val="00FF00"/>
+                </a:highlight>
+              </a:rPr>
               <a:t>Arrays.sort</a:t>
             </a:r>
             <a:r>
-              <a:rPr lang="fi-FI" b="1" dirty="0"/>
+              <a:rPr lang="fi-FI" b="1" dirty="0">
+                <a:highlight>
+                  <a:srgbClr val="00FF00"/>
+                </a:highlight>
+              </a:rPr>
               <a:t>: 0,220ms</a:t>
             </a:r>
-            <a:endParaRPr lang="fi-FI" dirty="0"/>
+            <a:endParaRPr lang="fi-FI" dirty="0">
+              <a:highlight>
+                <a:srgbClr val="00FF00"/>
+              </a:highlight>
+            </a:endParaRPr>
           </a:p>
           <a:p>
             <a:endParaRPr lang="fi-FI" dirty="0"/>
@@ -3687,28 +3736,53 @@
           <a:lstStyle/>
           <a:p>
             <a:r>
-              <a:rPr lang="fi-FI" dirty="0"/>
+              <a:rPr lang="fi-FI" b="1" dirty="0"/>
               <a:t>Nouseva</a:t>
             </a:r>
-          </a:p>
-          <a:p>
-            <a:r>
-              <a:rPr lang="fi-FI" b="1" dirty="0" err="1"/>
+            <a:r>
+              <a:rPr lang="fi-FI" dirty="0"/>
+              <a:t>:</a:t>
+            </a:r>
+            <a:endParaRPr lang="fi-FI" b="1" dirty="0"/>
+          </a:p>
+          <a:p>
+            <a:r>
+              <a:rPr lang="fi-FI" b="1" dirty="0" err="1">
+                <a:highlight>
+                  <a:srgbClr val="00FF00"/>
+                </a:highlight>
+              </a:rPr>
               <a:t>Insertion</a:t>
             </a:r>
             <a:r>
-              <a:rPr lang="fi-FI" b="1" dirty="0"/>
-              <a:t> </a:t>
-            </a:r>
-            <a:r>
-              <a:rPr lang="fi-FI" b="1" dirty="0" err="1"/>
+              <a:rPr lang="fi-FI" b="1" dirty="0">
+                <a:highlight>
+                  <a:srgbClr val="00FF00"/>
+                </a:highlight>
+              </a:rPr>
+              <a:t> </a:t>
+            </a:r>
+            <a:r>
+              <a:rPr lang="fi-FI" b="1" dirty="0" err="1">
+                <a:highlight>
+                  <a:srgbClr val="00FF00"/>
+                </a:highlight>
+              </a:rPr>
               <a:t>Sort</a:t>
             </a:r>
             <a:r>
-              <a:rPr lang="fi-FI" b="1" dirty="0"/>
+              <a:rPr lang="fi-FI" b="1" dirty="0">
+                <a:highlight>
+                  <a:srgbClr val="00FF00"/>
+                </a:highlight>
+              </a:rPr>
               <a:t>: 0,032ms</a:t>
             </a:r>
-            <a:endParaRPr lang="fi-FI" dirty="0"/>
+            <a:endParaRPr lang="fi-FI" dirty="0">
+              <a:highlight>
+                <a:srgbClr val="00FF00"/>
+              </a:highlight>
+            </a:endParaRPr>
           </a:p>
           <a:p>
             <a:r>
@@ -3923,8 +3997,12 @@
           <a:lstStyle/>
           <a:p>
             <a:r>
-              <a:rPr lang="fi-FI" dirty="0"/>
-              <a:t>Random: </a:t>
+              <a:rPr lang="fi-FI" b="1" dirty="0"/>
+              <a:t>Random</a:t>
+            </a:r>
+            <a:r>
+              <a:rPr lang="fi-FI" dirty="0"/>
+              <a:t>: </a:t>
             </a:r>
           </a:p>
           <a:p>
@@ -3979,22 +4057,42 @@
           </a:p>
           <a:p>
             <a:r>
-              <a:rPr lang="fi-FI" b="1" dirty="0" err="1"/>
+              <a:rPr lang="fi-FI" b="1" dirty="0" err="1">
+                <a:highlight>
+                  <a:srgbClr val="00FF00"/>
+                </a:highlight>
+              </a:rPr>
               <a:t>Quick</a:t>
             </a:r>
             <a:r>
-              <a:rPr lang="fi-FI" b="1" dirty="0"/>
-              <a:t> </a:t>
-            </a:r>
-            <a:r>
-              <a:rPr lang="fi-FI" b="1" dirty="0" err="1"/>
+              <a:rPr lang="fi-FI" b="1" dirty="0">
+                <a:highlight>
+                  <a:srgbClr val="00FF00"/>
+                </a:highlight>
+              </a:rPr>
+              <a:t> </a:t>
+            </a:r>
+            <a:r>
+              <a:rPr lang="fi-FI" b="1" dirty="0" err="1">
+                <a:highlight>
+                  <a:srgbClr val="00FF00"/>
+                </a:highlight>
+              </a:rPr>
               <a:t>Sort</a:t>
             </a:r>
             <a:r>
-              <a:rPr lang="fi-FI" b="1" dirty="0"/>
+              <a:rPr lang="fi-FI" b="1" dirty="0">
+                <a:highlight>
+                  <a:srgbClr val="00FF00"/>
+                </a:highlight>
+              </a:rPr>
               <a:t>: 27,550ms</a:t>
             </a:r>
-            <a:endParaRPr lang="fi-FI" dirty="0"/>
+            <a:endParaRPr lang="fi-FI" dirty="0">
+              <a:highlight>
+                <a:srgbClr val="00FF00"/>
+              </a:highlight>
+            </a:endParaRPr>
           </a:p>
           <a:p>
             <a:r>
@@ -4085,8 +4183,12 @@
           <a:lstStyle/>
           <a:p>
             <a:r>
-              <a:rPr lang="fi-FI" dirty="0"/>
-              <a:t>Laskeva: </a:t>
+              <a:rPr lang="fi-FI" b="1" dirty="0"/>
+              <a:t>Laskeva</a:t>
+            </a:r>
+            <a:r>
+              <a:rPr lang="fi-FI" dirty="0"/>
+              <a:t>: </a:t>
             </a:r>
           </a:p>
           <a:p>
@@ -4203,18 +4305,34 @@
           </a:p>
           <a:p>
             <a:r>
-              <a:rPr lang="fi-FI" b="1" dirty="0"/>
+              <a:rPr lang="fi-FI" b="1" dirty="0">
+                <a:highlight>
+                  <a:srgbClr val="00FF00"/>
+                </a:highlight>
+              </a:rPr>
               <a:t>Java </a:t>
             </a:r>
             <a:r>
-              <a:rPr lang="fi-FI" b="1" dirty="0" err="1"/>
+              <a:rPr lang="fi-FI" b="1" dirty="0" err="1">
+                <a:highlight>
+                  <a:srgbClr val="00FF00"/>
+                </a:highlight>
+              </a:rPr>
               <a:t>Arrays.sort</a:t>
             </a:r>
             <a:r>
-              <a:rPr lang="fi-FI" b="1" dirty="0"/>
+              <a:rPr lang="fi-FI" b="1" dirty="0">
+                <a:highlight>
+                  <a:srgbClr val="00FF00"/>
+                </a:highlight>
+              </a:rPr>
               <a:t>: 5,243ms</a:t>
             </a:r>
-            <a:endParaRPr lang="fi-FI" dirty="0"/>
+            <a:endParaRPr lang="fi-FI" dirty="0">
+              <a:highlight>
+                <a:srgbClr val="00FF00"/>
+              </a:highlight>
+            </a:endParaRPr>
           </a:p>
         </p:txBody>
       </p:sp>
@@ -4247,8 +4365,12 @@
           <a:lstStyle/>
           <a:p>
             <a:r>
-              <a:rPr lang="fi-FI" dirty="0"/>
-              <a:t>Nouseva: </a:t>
+              <a:rPr lang="fi-FI" b="1" dirty="0"/>
+              <a:t>Nouseva</a:t>
+            </a:r>
+            <a:r>
+              <a:rPr lang="fi-FI" dirty="0"/>
+              <a:t>: </a:t>
             </a:r>
           </a:p>
           <a:p>
@@ -4271,22 +4393,42 @@
           </a:p>
           <a:p>
             <a:r>
-              <a:rPr lang="fi-FI" b="1" dirty="0" err="1"/>
+              <a:rPr lang="fi-FI" b="1" dirty="0" err="1">
+                <a:highlight>
+                  <a:srgbClr val="00FF00"/>
+                </a:highlight>
+              </a:rPr>
               <a:t>Bubble</a:t>
             </a:r>
             <a:r>
-              <a:rPr lang="fi-FI" b="1" dirty="0"/>
-              <a:t> </a:t>
-            </a:r>
-            <a:r>
-              <a:rPr lang="fi-FI" b="1" dirty="0" err="1"/>
+              <a:rPr lang="fi-FI" b="1" dirty="0">
+                <a:highlight>
+                  <a:srgbClr val="00FF00"/>
+                </a:highlight>
+              </a:rPr>
+              <a:t> </a:t>
+            </a:r>
+            <a:r>
+              <a:rPr lang="fi-FI" b="1" dirty="0" err="1">
+                <a:highlight>
+                  <a:srgbClr val="00FF00"/>
+                </a:highlight>
+              </a:rPr>
               <a:t>Sort</a:t>
             </a:r>
             <a:r>
-              <a:rPr lang="fi-FI" b="1" dirty="0"/>
+              <a:rPr lang="fi-FI" b="1" dirty="0">
+                <a:highlight>
+                  <a:srgbClr val="00FF00"/>
+                </a:highlight>
+              </a:rPr>
               <a:t>: 0,352ms</a:t>
             </a:r>
-            <a:endParaRPr lang="fi-FI" dirty="0"/>
+            <a:endParaRPr lang="fi-FI" dirty="0">
+              <a:highlight>
+                <a:srgbClr val="00FF00"/>
+              </a:highlight>
+            </a:endParaRPr>
           </a:p>
           <a:p>
             <a:r>
@@ -4841,8 +4983,8 @@
         </p:nvSpPr>
         <p:spPr>
           <a:xfrm>
-            <a:off x="569743" y="513051"/>
-            <a:ext cx="11052513" cy="461665"/>
+            <a:off x="590214" y="171857"/>
+            <a:ext cx="11613564" cy="1200329"/>
           </a:xfrm>
           <a:prstGeom prst="rect">
             <a:avLst/>
@@ -4887,7 +5029,30 @@
               <a:rPr lang="fi-FI" sz="2400" dirty="0" err="1"/>
               <a:t>high</a:t>
             </a:r>
-            <a:endParaRPr lang="fi-FI" sz="2400" dirty="0"/>
+            <a:r>
+              <a:rPr lang="fi-FI" sz="2400" dirty="0"/>
+              <a:t> + 1,</a:t>
+            </a:r>
+          </a:p>
+          <a:p>
+            <a:r>
+              <a:rPr lang="fi-FI" sz="2400" dirty="0"/>
+              <a:t>tällöin normaalin </a:t>
+            </a:r>
+            <a:r>
+              <a:rPr lang="fi-FI" sz="2400" dirty="0" err="1"/>
+              <a:t>Quick</a:t>
+            </a:r>
+            <a:r>
+              <a:rPr lang="fi-FI" sz="2400" dirty="0"/>
+              <a:t> Sortin laskevan / nousevan datan O(n^2) huonointa tapausta</a:t>
+            </a:r>
+          </a:p>
+          <a:p>
+            <a:r>
+              <a:rPr lang="fi-FI" sz="2400" dirty="0"/>
+              <a:t>ei tapahdu</a:t>
+            </a:r>
           </a:p>
         </p:txBody>
       </p:sp>
@@ -5919,8 +6084,8 @@
         </p:nvSpPr>
         <p:spPr>
           <a:xfrm>
-            <a:off x="3801793" y="189915"/>
-            <a:ext cx="4588413" cy="523220"/>
+            <a:off x="3636436" y="217211"/>
+            <a:ext cx="4919126" cy="523220"/>
           </a:xfrm>
           <a:prstGeom prst="rect">
             <a:avLst/>
@@ -5934,8 +6099,423 @@
           <a:lstStyle/>
           <a:p>
             <a:r>
-              <a:rPr lang="fi-FI" sz="2800" dirty="0"/>
-              <a:t>Suoritusajat verrattuna O(n)</a:t>
+              <a:rPr lang="fi-FI" sz="2800" b="1" dirty="0"/>
+              <a:t>Algoritmien aikavaatimukset</a:t>
+            </a:r>
+          </a:p>
+        </p:txBody>
+      </p:sp>
+      <p:sp>
+        <p:nvSpPr>
+          <p:cNvPr id="3" name="Tekstiruutu 2">
+            <a:extLst>
+              <a:ext uri="{FF2B5EF4-FFF2-40B4-BE49-F238E27FC236}">
+                <a16:creationId xmlns:a16="http://schemas.microsoft.com/office/drawing/2014/main" id="{343B529F-445D-67B8-9EF4-96C34C1521C7}"/>
+              </a:ext>
+            </a:extLst>
+          </p:cNvPr>
+          <p:cNvSpPr txBox="1"/>
+          <p:nvPr/>
+        </p:nvSpPr>
+        <p:spPr>
+          <a:xfrm>
+            <a:off x="2691156" y="1373160"/>
+            <a:ext cx="3404843" cy="2862322"/>
+          </a:xfrm>
+          <a:prstGeom prst="rect">
+            <a:avLst/>
+          </a:prstGeom>
+          <a:noFill/>
+        </p:spPr>
+        <p:txBody>
+          <a:bodyPr wrap="none" rtlCol="0">
+            <a:spAutoFit/>
+          </a:bodyPr>
+          <a:lstStyle/>
+          <a:p>
+            <a:r>
+              <a:rPr lang="fi-FI" b="1" dirty="0"/>
+              <a:t>Random datalla:</a:t>
+            </a:r>
+          </a:p>
+          <a:p>
+            <a:endParaRPr lang="fi-FI" b="1" dirty="0"/>
+          </a:p>
+          <a:p>
+            <a:r>
+              <a:rPr lang="fi-FI" dirty="0" err="1"/>
+              <a:t>Insertion</a:t>
+            </a:r>
+            <a:r>
+              <a:rPr lang="fi-FI" dirty="0"/>
+              <a:t> </a:t>
+            </a:r>
+            <a:r>
+              <a:rPr lang="fi-FI" dirty="0" err="1"/>
+              <a:t>Sort</a:t>
+            </a:r>
+            <a:r>
+              <a:rPr lang="fi-FI" dirty="0"/>
+              <a:t>: 11368,485ms</a:t>
+            </a:r>
+          </a:p>
+          <a:p>
+            <a:r>
+              <a:rPr lang="fi-FI" dirty="0" err="1"/>
+              <a:t>Bubble</a:t>
+            </a:r>
+            <a:r>
+              <a:rPr lang="fi-FI" dirty="0"/>
+              <a:t> </a:t>
+            </a:r>
+            <a:r>
+              <a:rPr lang="fi-FI" dirty="0" err="1"/>
+              <a:t>Sort</a:t>
+            </a:r>
+            <a:r>
+              <a:rPr lang="fi-FI" dirty="0"/>
+              <a:t>: 116265,203ms</a:t>
+            </a:r>
+          </a:p>
+          <a:p>
+            <a:r>
+              <a:rPr lang="fi-FI" dirty="0"/>
+              <a:t>Shell </a:t>
+            </a:r>
+            <a:r>
+              <a:rPr lang="fi-FI" dirty="0" err="1"/>
+              <a:t>Sort</a:t>
+            </a:r>
+            <a:r>
+              <a:rPr lang="fi-FI" dirty="0"/>
+              <a:t>: 41,431ms</a:t>
+            </a:r>
+          </a:p>
+          <a:p>
+            <a:r>
+              <a:rPr lang="fi-FI" dirty="0" err="1"/>
+              <a:t>Quick</a:t>
+            </a:r>
+            <a:r>
+              <a:rPr lang="fi-FI" dirty="0"/>
+              <a:t> </a:t>
+            </a:r>
+            <a:r>
+              <a:rPr lang="fi-FI" dirty="0" err="1"/>
+              <a:t>Sort</a:t>
+            </a:r>
+            <a:r>
+              <a:rPr lang="fi-FI" dirty="0"/>
+              <a:t>: 27,550ms</a:t>
+            </a:r>
+          </a:p>
+          <a:p>
+            <a:r>
+              <a:rPr lang="fi-FI" dirty="0" err="1"/>
+              <a:t>Optimized</a:t>
+            </a:r>
+            <a:r>
+              <a:rPr lang="fi-FI" dirty="0"/>
+              <a:t> </a:t>
+            </a:r>
+            <a:r>
+              <a:rPr lang="fi-FI" dirty="0" err="1"/>
+              <a:t>Quick</a:t>
+            </a:r>
+            <a:r>
+              <a:rPr lang="fi-FI" dirty="0"/>
+              <a:t> </a:t>
+            </a:r>
+            <a:r>
+              <a:rPr lang="fi-FI" dirty="0" err="1"/>
+              <a:t>Sort</a:t>
+            </a:r>
+            <a:r>
+              <a:rPr lang="fi-FI" dirty="0"/>
+              <a:t>: 32,031ms</a:t>
+            </a:r>
+          </a:p>
+          <a:p>
+            <a:r>
+              <a:rPr lang="fi-FI" dirty="0" err="1"/>
+              <a:t>Merge</a:t>
+            </a:r>
+            <a:r>
+              <a:rPr lang="fi-FI" dirty="0"/>
+              <a:t> </a:t>
+            </a:r>
+            <a:r>
+              <a:rPr lang="fi-FI" dirty="0" err="1"/>
+              <a:t>Sort</a:t>
+            </a:r>
+            <a:r>
+              <a:rPr lang="fi-FI" dirty="0"/>
+              <a:t>: 44,241ms</a:t>
+            </a:r>
+          </a:p>
+          <a:p>
+            <a:r>
+              <a:rPr lang="fi-FI" dirty="0"/>
+              <a:t>Java </a:t>
+            </a:r>
+            <a:r>
+              <a:rPr lang="fi-FI" dirty="0" err="1"/>
+              <a:t>Arrays.sort</a:t>
+            </a:r>
+            <a:r>
+              <a:rPr lang="fi-FI" dirty="0"/>
+              <a:t>: 33,275ms</a:t>
+            </a:r>
+          </a:p>
+          <a:p>
+            <a:endParaRPr lang="fi-FI" dirty="0"/>
+          </a:p>
+        </p:txBody>
+      </p:sp>
+      <p:sp>
+        <p:nvSpPr>
+          <p:cNvPr id="4" name="Tekstiruutu 3">
+            <a:extLst>
+              <a:ext uri="{FF2B5EF4-FFF2-40B4-BE49-F238E27FC236}">
+                <a16:creationId xmlns:a16="http://schemas.microsoft.com/office/drawing/2014/main" id="{98CEA4C2-B349-75FF-08E5-25B0E0594098}"/>
+              </a:ext>
+            </a:extLst>
+          </p:cNvPr>
+          <p:cNvSpPr txBox="1"/>
+          <p:nvPr/>
+        </p:nvSpPr>
+        <p:spPr>
+          <a:xfrm>
+            <a:off x="6096001" y="1373160"/>
+            <a:ext cx="6095999" cy="2862322"/>
+          </a:xfrm>
+          <a:prstGeom prst="rect">
+            <a:avLst/>
+          </a:prstGeom>
+          <a:noFill/>
+        </p:spPr>
+        <p:txBody>
+          <a:bodyPr wrap="square" rtlCol="0">
+            <a:spAutoFit/>
+          </a:bodyPr>
+          <a:lstStyle/>
+          <a:p>
+            <a:r>
+              <a:rPr lang="fi-FI" b="1" dirty="0"/>
+              <a:t>Aikavaatimukset:</a:t>
+            </a:r>
+          </a:p>
+          <a:p>
+            <a:endParaRPr lang="fi-FI" b="1" dirty="0"/>
+          </a:p>
+          <a:p>
+            <a:r>
+              <a:rPr lang="fi-FI" dirty="0" err="1"/>
+              <a:t>Insertion</a:t>
+            </a:r>
+            <a:r>
+              <a:rPr lang="fi-FI" dirty="0"/>
+              <a:t> </a:t>
+            </a:r>
+            <a:r>
+              <a:rPr lang="fi-FI" dirty="0" err="1"/>
+              <a:t>Sort</a:t>
+            </a:r>
+            <a:r>
+              <a:rPr lang="fi-FI" dirty="0"/>
+              <a:t>: aina O(n^2)</a:t>
+            </a:r>
+          </a:p>
+          <a:p>
+            <a:r>
+              <a:rPr lang="fi-FI" dirty="0" err="1"/>
+              <a:t>Bubble</a:t>
+            </a:r>
+            <a:r>
+              <a:rPr lang="fi-FI" dirty="0"/>
+              <a:t> </a:t>
+            </a:r>
+            <a:r>
+              <a:rPr lang="fi-FI" dirty="0" err="1"/>
+              <a:t>Sort</a:t>
+            </a:r>
+            <a:r>
+              <a:rPr lang="fi-FI" dirty="0"/>
+              <a:t>: aina O(n^2)</a:t>
+            </a:r>
+          </a:p>
+          <a:p>
+            <a:r>
+              <a:rPr lang="fi-FI" dirty="0"/>
+              <a:t>Shell </a:t>
+            </a:r>
+            <a:r>
+              <a:rPr lang="fi-FI" dirty="0" err="1"/>
+              <a:t>Sort</a:t>
+            </a:r>
+            <a:r>
+              <a:rPr lang="fi-FI" dirty="0"/>
+              <a:t>: KA. O(n^1.5)*, huonoin O(n^2)</a:t>
+            </a:r>
+          </a:p>
+          <a:p>
+            <a:r>
+              <a:rPr lang="fi-FI" dirty="0" err="1"/>
+              <a:t>Quick</a:t>
+            </a:r>
+            <a:r>
+              <a:rPr lang="fi-FI" dirty="0"/>
+              <a:t> </a:t>
+            </a:r>
+            <a:r>
+              <a:rPr lang="fi-FI" dirty="0" err="1"/>
+              <a:t>Sort</a:t>
+            </a:r>
+            <a:r>
+              <a:rPr lang="fi-FI" dirty="0"/>
+              <a:t>: KA. O(</a:t>
+            </a:r>
+            <a:r>
+              <a:rPr lang="fi-FI" dirty="0" err="1"/>
+              <a:t>nlogn</a:t>
+            </a:r>
+            <a:r>
+              <a:rPr lang="fi-FI" dirty="0"/>
+              <a:t>), huonoin O(n^2)</a:t>
+            </a:r>
+          </a:p>
+          <a:p>
+            <a:r>
+              <a:rPr lang="fi-FI" dirty="0" err="1"/>
+              <a:t>Optimized</a:t>
+            </a:r>
+            <a:r>
+              <a:rPr lang="fi-FI" dirty="0"/>
+              <a:t> </a:t>
+            </a:r>
+            <a:r>
+              <a:rPr lang="fi-FI" dirty="0" err="1"/>
+              <a:t>Quick</a:t>
+            </a:r>
+            <a:r>
+              <a:rPr lang="fi-FI" dirty="0"/>
+              <a:t> </a:t>
+            </a:r>
+            <a:r>
+              <a:rPr lang="fi-FI" dirty="0" err="1"/>
+              <a:t>Sort</a:t>
+            </a:r>
+            <a:r>
+              <a:rPr lang="fi-FI" dirty="0"/>
+              <a:t>: O(</a:t>
+            </a:r>
+            <a:r>
+              <a:rPr lang="fi-FI" dirty="0" err="1"/>
+              <a:t>nlogn</a:t>
+            </a:r>
+            <a:r>
+              <a:rPr lang="fi-FI" dirty="0"/>
+              <a:t>), huonoin O(n^2)**</a:t>
+            </a:r>
+          </a:p>
+          <a:p>
+            <a:r>
+              <a:rPr lang="fi-FI" dirty="0" err="1"/>
+              <a:t>Merge</a:t>
+            </a:r>
+            <a:r>
+              <a:rPr lang="fi-FI" dirty="0"/>
+              <a:t> </a:t>
+            </a:r>
+            <a:r>
+              <a:rPr lang="fi-FI" dirty="0" err="1"/>
+              <a:t>Sort</a:t>
+            </a:r>
+            <a:r>
+              <a:rPr lang="fi-FI" dirty="0"/>
+              <a:t>: aina O(</a:t>
+            </a:r>
+            <a:r>
+              <a:rPr lang="fi-FI" dirty="0" err="1"/>
+              <a:t>nlogn</a:t>
+            </a:r>
+            <a:r>
+              <a:rPr lang="fi-FI" dirty="0"/>
+              <a:t>)</a:t>
+            </a:r>
+          </a:p>
+          <a:p>
+            <a:r>
+              <a:rPr lang="fi-FI" dirty="0"/>
+              <a:t>Java </a:t>
+            </a:r>
+            <a:r>
+              <a:rPr lang="fi-FI" dirty="0" err="1"/>
+              <a:t>Arrays.sort</a:t>
+            </a:r>
+            <a:r>
+              <a:rPr lang="fi-FI" dirty="0"/>
+              <a:t>: aina O(</a:t>
+            </a:r>
+            <a:r>
+              <a:rPr lang="fi-FI" dirty="0" err="1"/>
+              <a:t>nlogn</a:t>
+            </a:r>
+            <a:r>
+              <a:rPr lang="fi-FI" dirty="0"/>
+              <a:t>)</a:t>
+            </a:r>
+          </a:p>
+          <a:p>
+            <a:endParaRPr lang="fi-FI" dirty="0"/>
+          </a:p>
+        </p:txBody>
+      </p:sp>
+      <p:sp>
+        <p:nvSpPr>
+          <p:cNvPr id="5" name="Tekstiruutu 4">
+            <a:extLst>
+              <a:ext uri="{FF2B5EF4-FFF2-40B4-BE49-F238E27FC236}">
+                <a16:creationId xmlns:a16="http://schemas.microsoft.com/office/drawing/2014/main" id="{5C0D7358-585A-408D-F2B4-8B10563F877E}"/>
+              </a:ext>
+            </a:extLst>
+          </p:cNvPr>
+          <p:cNvSpPr txBox="1"/>
+          <p:nvPr/>
+        </p:nvSpPr>
+        <p:spPr>
+          <a:xfrm>
+            <a:off x="2886501" y="4524233"/>
+            <a:ext cx="5669061" cy="1200329"/>
+          </a:xfrm>
+          <a:prstGeom prst="rect">
+            <a:avLst/>
+          </a:prstGeom>
+          <a:noFill/>
+        </p:spPr>
+        <p:txBody>
+          <a:bodyPr wrap="square" rtlCol="0">
+            <a:spAutoFit/>
+          </a:bodyPr>
+          <a:lstStyle/>
+          <a:p>
+            <a:r>
+              <a:rPr lang="fi-FI" dirty="0"/>
+              <a:t>* Riippuu valitusta aloitusvälistä, tässä se on n/2</a:t>
+            </a:r>
+          </a:p>
+          <a:p>
+            <a:r>
+              <a:rPr lang="fi-FI" dirty="0"/>
+              <a:t>** Käytännössä mahdoton, huonoimman mahdollisen tapauksen todennäköisyys  (2^(n – 1)) / n!,  esim. 20 alkiolla </a:t>
+            </a:r>
+            <a:r>
+              <a:rPr lang="fi-FI" dirty="0" err="1"/>
+              <a:t>todennäköissys</a:t>
+            </a:r>
+            <a:r>
+              <a:rPr lang="fi-FI" dirty="0"/>
+              <a:t> n. 1 / 4 600 000 000 000</a:t>
             </a:r>
           </a:p>
         </p:txBody>

--- a/dokumentointi.pptx
+++ b/dokumentointi.pptx
@@ -7,10 +7,12 @@
   <p:sldIdLst>
     <p:sldId id="256" r:id="rId2"/>
     <p:sldId id="257" r:id="rId3"/>
-    <p:sldId id="258" r:id="rId4"/>
-    <p:sldId id="259" r:id="rId5"/>
-    <p:sldId id="260" r:id="rId6"/>
-    <p:sldId id="261" r:id="rId7"/>
+    <p:sldId id="263" r:id="rId4"/>
+    <p:sldId id="262" r:id="rId5"/>
+    <p:sldId id="258" r:id="rId6"/>
+    <p:sldId id="259" r:id="rId7"/>
+    <p:sldId id="260" r:id="rId8"/>
+    <p:sldId id="261" r:id="rId9"/>
   </p:sldIdLst>
   <p:sldSz cx="12192000" cy="6858000"/>
   <p:notesSz cx="6858000" cy="9144000"/>
@@ -3345,8 +3347,8 @@
         </p:nvSpPr>
         <p:spPr>
           <a:xfrm>
-            <a:off x="423082" y="2149522"/>
-            <a:ext cx="3282286" cy="2308324"/>
+            <a:off x="0" y="2176817"/>
+            <a:ext cx="3800901" cy="2585323"/>
           </a:xfrm>
           <a:prstGeom prst="rect">
             <a:avLst/>
@@ -3387,25 +3389,41 @@
             </a:r>
             <a:r>
               <a:rPr lang="fi-FI" dirty="0"/>
-              <a:t>: 20,300ms</a:t>
-            </a:r>
-          </a:p>
-          <a:p>
-            <a:r>
-              <a:rPr lang="fi-FI" dirty="0" err="1"/>
+              <a:t>: 26,075ms</a:t>
+            </a:r>
+          </a:p>
+          <a:p>
+            <a:r>
+              <a:rPr lang="fi-FI" dirty="0" err="1">
+                <a:highlight>
+                  <a:srgbClr val="FF0000"/>
+                </a:highlight>
+              </a:rPr>
               <a:t>Bubble</a:t>
             </a:r>
             <a:r>
-              <a:rPr lang="fi-FI" dirty="0"/>
-              <a:t> </a:t>
-            </a:r>
-            <a:r>
-              <a:rPr lang="fi-FI" dirty="0" err="1"/>
+              <a:rPr lang="fi-FI" dirty="0">
+                <a:highlight>
+                  <a:srgbClr val="FF0000"/>
+                </a:highlight>
+              </a:rPr>
+              <a:t> </a:t>
+            </a:r>
+            <a:r>
+              <a:rPr lang="fi-FI" dirty="0" err="1">
+                <a:highlight>
+                  <a:srgbClr val="FF0000"/>
+                </a:highlight>
+              </a:rPr>
               <a:t>Sort</a:t>
             </a:r>
             <a:r>
-              <a:rPr lang="fi-FI" dirty="0"/>
-              <a:t>: 58,329ms</a:t>
+              <a:rPr lang="fi-FI" dirty="0">
+                <a:highlight>
+                  <a:srgbClr val="FF0000"/>
+                </a:highlight>
+              </a:rPr>
+              <a:t>: 68,403ms</a:t>
             </a:r>
           </a:p>
           <a:p>
@@ -3419,12 +3437,38 @@
             </a:r>
             <a:r>
               <a:rPr lang="fi-FI" dirty="0"/>
-              <a:t>: 3,358ms</a:t>
-            </a:r>
-          </a:p>
-          <a:p>
-            <a:r>
-              <a:rPr lang="fi-FI" b="1" dirty="0" err="1">
+              <a:t>: 3,238ms</a:t>
+            </a:r>
+          </a:p>
+          <a:p>
+            <a:r>
+              <a:rPr lang="fi-FI" dirty="0" err="1"/>
+              <a:t>Knuth</a:t>
+            </a:r>
+            <a:r>
+              <a:rPr lang="fi-FI" dirty="0"/>
+              <a:t> </a:t>
+            </a:r>
+            <a:r>
+              <a:rPr lang="fi-FI" dirty="0" err="1"/>
+              <a:t>Sequence</a:t>
+            </a:r>
+            <a:r>
+              <a:rPr lang="fi-FI" dirty="0"/>
+              <a:t> Shell </a:t>
+            </a:r>
+            <a:r>
+              <a:rPr lang="fi-FI" dirty="0" err="1"/>
+              <a:t>Sort</a:t>
+            </a:r>
+            <a:r>
+              <a:rPr lang="fi-FI" dirty="0"/>
+              <a:t>: 2,961ms</a:t>
+            </a:r>
+          </a:p>
+          <a:p>
+            <a:r>
+              <a:rPr lang="fi-FI" dirty="0" err="1">
                 <a:highlight>
                   <a:srgbClr val="00FF00"/>
                 </a:highlight>
@@ -3432,7 +3476,7 @@
               <a:t>Quick</a:t>
             </a:r>
             <a:r>
-              <a:rPr lang="fi-FI" b="1" dirty="0">
+              <a:rPr lang="fi-FI" dirty="0">
                 <a:highlight>
                   <a:srgbClr val="00FF00"/>
                 </a:highlight>
@@ -3440,7 +3484,7 @@
               <a:t> </a:t>
             </a:r>
             <a:r>
-              <a:rPr lang="fi-FI" b="1" dirty="0" err="1">
+              <a:rPr lang="fi-FI" dirty="0" err="1">
                 <a:highlight>
                   <a:srgbClr val="00FF00"/>
                 </a:highlight>
@@ -3448,18 +3492,13 @@
               <a:t>Sort</a:t>
             </a:r>
             <a:r>
-              <a:rPr lang="fi-FI" b="1" dirty="0">
+              <a:rPr lang="fi-FI" dirty="0">
                 <a:highlight>
                   <a:srgbClr val="00FF00"/>
                 </a:highlight>
               </a:rPr>
-              <a:t>: 2,151ms</a:t>
-            </a:r>
-            <a:endParaRPr lang="fi-FI" dirty="0">
-              <a:highlight>
-                <a:srgbClr val="00FF00"/>
-              </a:highlight>
-            </a:endParaRPr>
+              <a:t>: 1,827ms</a:t>
+            </a:r>
           </a:p>
           <a:p>
             <a:r>
@@ -3484,7 +3523,7 @@
             </a:r>
             <a:r>
               <a:rPr lang="fi-FI" dirty="0"/>
-              <a:t>: 2,694ms</a:t>
+              <a:t>: 2,184ms</a:t>
             </a:r>
           </a:p>
           <a:p>
@@ -3502,7 +3541,7 @@
             </a:r>
             <a:r>
               <a:rPr lang="fi-FI" dirty="0"/>
-              <a:t>: 2,758ms</a:t>
+              <a:t>: 2,206ms</a:t>
             </a:r>
           </a:p>
           <a:p>
@@ -3516,7 +3555,7 @@
             </a:r>
             <a:r>
               <a:rPr lang="fi-FI" dirty="0"/>
-              <a:t>: 9,078ms</a:t>
+              <a:t>: 11,606ms</a:t>
             </a:r>
           </a:p>
         </p:txBody>
@@ -3535,8 +3574,8 @@
         </p:nvSpPr>
         <p:spPr>
           <a:xfrm flipH="1">
-            <a:off x="8140889" y="2149522"/>
-            <a:ext cx="3282286" cy="2585323"/>
+            <a:off x="8140887" y="2149522"/>
+            <a:ext cx="4051112" cy="2585323"/>
           </a:xfrm>
           <a:prstGeom prst="rect">
             <a:avLst/>
@@ -3574,25 +3613,41 @@
             </a:r>
             <a:r>
               <a:rPr lang="fi-FI" dirty="0"/>
-              <a:t>: 34,921ms</a:t>
-            </a:r>
-          </a:p>
-          <a:p>
-            <a:r>
-              <a:rPr lang="fi-FI" dirty="0" err="1"/>
+              <a:t>: 37,464ms</a:t>
+            </a:r>
+          </a:p>
+          <a:p>
+            <a:r>
+              <a:rPr lang="fi-FI" dirty="0" err="1">
+                <a:highlight>
+                  <a:srgbClr val="FF0000"/>
+                </a:highlight>
+              </a:rPr>
               <a:t>Bubble</a:t>
             </a:r>
             <a:r>
-              <a:rPr lang="fi-FI" dirty="0"/>
-              <a:t> </a:t>
-            </a:r>
-            <a:r>
-              <a:rPr lang="fi-FI" dirty="0" err="1"/>
+              <a:rPr lang="fi-FI" dirty="0">
+                <a:highlight>
+                  <a:srgbClr val="FF0000"/>
+                </a:highlight>
+              </a:rPr>
+              <a:t> </a:t>
+            </a:r>
+            <a:r>
+              <a:rPr lang="fi-FI" dirty="0" err="1">
+                <a:highlight>
+                  <a:srgbClr val="FF0000"/>
+                </a:highlight>
+              </a:rPr>
               <a:t>Sort</a:t>
             </a:r>
             <a:r>
-              <a:rPr lang="fi-FI" dirty="0"/>
-              <a:t>: 79,532ms</a:t>
+              <a:rPr lang="fi-FI" dirty="0">
+                <a:highlight>
+                  <a:srgbClr val="FF0000"/>
+                </a:highlight>
+              </a:rPr>
+              <a:t>: 82,412ms</a:t>
             </a:r>
           </a:p>
           <a:p>
@@ -3606,7 +3661,57 @@
             </a:r>
             <a:r>
               <a:rPr lang="fi-FI" dirty="0"/>
-              <a:t>: 0,355ms</a:t>
+              <a:t>: 0,165ms</a:t>
+            </a:r>
+          </a:p>
+          <a:p>
+            <a:r>
+              <a:rPr lang="fi-FI" dirty="0" err="1">
+                <a:highlight>
+                  <a:srgbClr val="00FF00"/>
+                </a:highlight>
+              </a:rPr>
+              <a:t>Knuth</a:t>
+            </a:r>
+            <a:r>
+              <a:rPr lang="fi-FI" dirty="0">
+                <a:highlight>
+                  <a:srgbClr val="00FF00"/>
+                </a:highlight>
+              </a:rPr>
+              <a:t> </a:t>
+            </a:r>
+            <a:r>
+              <a:rPr lang="fi-FI" dirty="0" err="1">
+                <a:highlight>
+                  <a:srgbClr val="00FF00"/>
+                </a:highlight>
+              </a:rPr>
+              <a:t>Sequence</a:t>
+            </a:r>
+            <a:r>
+              <a:rPr lang="fi-FI" dirty="0">
+                <a:highlight>
+                  <a:srgbClr val="00FF00"/>
+                </a:highlight>
+              </a:rPr>
+              <a:t> Shell </a:t>
+            </a:r>
+            <a:r>
+              <a:rPr lang="fi-FI" dirty="0" err="1">
+                <a:highlight>
+                  <a:srgbClr val="00FF00"/>
+                </a:highlight>
+              </a:rPr>
+              <a:t>Sort</a:t>
+            </a:r>
+            <a:r>
+              <a:rPr lang="fi-FI" dirty="0">
+                <a:highlight>
+                  <a:srgbClr val="00FF00"/>
+                </a:highlight>
+              </a:rPr>
+              <a:t>: 0,118ms</a:t>
             </a:r>
           </a:p>
           <a:p>
@@ -3624,7 +3729,7 @@
             </a:r>
             <a:r>
               <a:rPr lang="fi-FI" dirty="0"/>
-              <a:t>: 31,412ms</a:t>
+              <a:t>: 29,764ms</a:t>
             </a:r>
           </a:p>
           <a:p>
@@ -3650,7 +3755,7 @@
             </a:r>
             <a:r>
               <a:rPr lang="fi-FI" dirty="0"/>
-              <a:t>: 0,374ms</a:t>
+              <a:t>: 0,542ms</a:t>
             </a:r>
           </a:p>
           <a:p>
@@ -3668,42 +3773,22 @@
             </a:r>
             <a:r>
               <a:rPr lang="fi-FI" dirty="0"/>
-              <a:t>: 0,491ms</a:t>
-            </a:r>
-          </a:p>
-          <a:p>
-            <a:r>
-              <a:rPr lang="fi-FI" b="1" dirty="0">
-                <a:highlight>
-                  <a:srgbClr val="00FF00"/>
-                </a:highlight>
-              </a:rPr>
+              <a:t>: 0,629ms</a:t>
+            </a:r>
+          </a:p>
+          <a:p>
+            <a:r>
+              <a:rPr lang="fi-FI" dirty="0"/>
               <a:t>Java </a:t>
             </a:r>
             <a:r>
-              <a:rPr lang="fi-FI" b="1" dirty="0" err="1">
-                <a:highlight>
-                  <a:srgbClr val="00FF00"/>
-                </a:highlight>
-              </a:rPr>
+              <a:rPr lang="fi-FI" dirty="0" err="1"/>
               <a:t>Arrays.sort</a:t>
             </a:r>
             <a:r>
-              <a:rPr lang="fi-FI" b="1" dirty="0">
-                <a:highlight>
-                  <a:srgbClr val="00FF00"/>
-                </a:highlight>
-              </a:rPr>
-              <a:t>: 0,220ms</a:t>
-            </a:r>
-            <a:endParaRPr lang="fi-FI" dirty="0">
-              <a:highlight>
-                <a:srgbClr val="00FF00"/>
-              </a:highlight>
-            </a:endParaRPr>
-          </a:p>
-          <a:p>
-            <a:endParaRPr lang="fi-FI" dirty="0"/>
+              <a:rPr lang="fi-FI" dirty="0"/>
+              <a:t>: 0,217ms</a:t>
+            </a:r>
           </a:p>
         </p:txBody>
       </p:sp>
@@ -3721,8 +3806,8 @@
         </p:nvSpPr>
         <p:spPr>
           <a:xfrm>
-            <a:off x="4601570" y="2149522"/>
-            <a:ext cx="2988860" cy="2862322"/>
+            <a:off x="4051114" y="2176817"/>
+            <a:ext cx="3789529" cy="2585323"/>
           </a:xfrm>
           <a:prstGeom prst="rect">
             <a:avLst/>
@@ -3747,7 +3832,7 @@
           </a:p>
           <a:p>
             <a:r>
-              <a:rPr lang="fi-FI" b="1" dirty="0" err="1">
+              <a:rPr lang="fi-FI" dirty="0" err="1">
                 <a:highlight>
                   <a:srgbClr val="00FF00"/>
                 </a:highlight>
@@ -3755,7 +3840,7 @@
               <a:t>Insertion</a:t>
             </a:r>
             <a:r>
-              <a:rPr lang="fi-FI" b="1" dirty="0">
+              <a:rPr lang="fi-FI" dirty="0">
                 <a:highlight>
                   <a:srgbClr val="00FF00"/>
                 </a:highlight>
@@ -3763,7 +3848,7 @@
               <a:t> </a:t>
             </a:r>
             <a:r>
-              <a:rPr lang="fi-FI" b="1" dirty="0" err="1">
+              <a:rPr lang="fi-FI" dirty="0" err="1">
                 <a:highlight>
                   <a:srgbClr val="00FF00"/>
                 </a:highlight>
@@ -3771,18 +3856,13 @@
               <a:t>Sort</a:t>
             </a:r>
             <a:r>
-              <a:rPr lang="fi-FI" b="1" dirty="0">
+              <a:rPr lang="fi-FI" dirty="0">
                 <a:highlight>
                   <a:srgbClr val="00FF00"/>
                 </a:highlight>
               </a:rPr>
               <a:t>: 0,032ms</a:t>
             </a:r>
-            <a:endParaRPr lang="fi-FI" dirty="0">
-              <a:highlight>
-                <a:srgbClr val="00FF00"/>
-              </a:highlight>
-            </a:endParaRPr>
           </a:p>
           <a:p>
             <a:r>
@@ -3799,7 +3879,7 @@
             </a:r>
             <a:r>
               <a:rPr lang="fi-FI" dirty="0"/>
-              <a:t>: 0,083ms</a:t>
+              <a:t>: 2,171ms</a:t>
             </a:r>
           </a:p>
           <a:p>
@@ -3813,25 +3893,67 @@
             </a:r>
             <a:r>
               <a:rPr lang="fi-FI" dirty="0"/>
-              <a:t>: 0,362ms</a:t>
-            </a:r>
-          </a:p>
-          <a:p>
-            <a:r>
-              <a:rPr lang="fi-FI" dirty="0" err="1"/>
+              <a:t>: 1,721ms</a:t>
+            </a:r>
+          </a:p>
+          <a:p>
+            <a:r>
+              <a:rPr lang="fi-FI" dirty="0" err="1"/>
+              <a:t>Knuth</a:t>
+            </a:r>
+            <a:r>
+              <a:rPr lang="fi-FI" dirty="0"/>
+              <a:t> </a:t>
+            </a:r>
+            <a:r>
+              <a:rPr lang="fi-FI" dirty="0" err="1"/>
+              <a:t>Sequence</a:t>
+            </a:r>
+            <a:r>
+              <a:rPr lang="fi-FI" dirty="0"/>
+              <a:t> Shell </a:t>
+            </a:r>
+            <a:r>
+              <a:rPr lang="fi-FI" dirty="0" err="1"/>
+              <a:t>Sort</a:t>
+            </a:r>
+            <a:r>
+              <a:rPr lang="fi-FI" dirty="0"/>
+              <a:t>: 0,135ms</a:t>
+            </a:r>
+          </a:p>
+          <a:p>
+            <a:r>
+              <a:rPr lang="fi-FI" dirty="0" err="1">
+                <a:highlight>
+                  <a:srgbClr val="FF0000"/>
+                </a:highlight>
+              </a:rPr>
               <a:t>Quick</a:t>
             </a:r>
             <a:r>
-              <a:rPr lang="fi-FI" dirty="0"/>
-              <a:t> </a:t>
-            </a:r>
-            <a:r>
-              <a:rPr lang="fi-FI" dirty="0" err="1"/>
+              <a:rPr lang="fi-FI" dirty="0">
+                <a:highlight>
+                  <a:srgbClr val="FF0000"/>
+                </a:highlight>
+              </a:rPr>
+              <a:t> </a:t>
+            </a:r>
+            <a:r>
+              <a:rPr lang="fi-FI" dirty="0" err="1">
+                <a:highlight>
+                  <a:srgbClr val="FF0000"/>
+                </a:highlight>
+              </a:rPr>
               <a:t>Sort</a:t>
             </a:r>
             <a:r>
-              <a:rPr lang="fi-FI" dirty="0"/>
-              <a:t>: 62,482ms</a:t>
+              <a:rPr lang="fi-FI" dirty="0">
+                <a:highlight>
+                  <a:srgbClr val="FF0000"/>
+                </a:highlight>
+              </a:rPr>
+              <a:t>: 62,674ms</a:t>
             </a:r>
           </a:p>
           <a:p>
@@ -3857,7 +3979,7 @@
             </a:r>
             <a:r>
               <a:rPr lang="fi-FI" dirty="0"/>
-              <a:t>: 0,348ms</a:t>
+              <a:t>: 0,387ms</a:t>
             </a:r>
           </a:p>
           <a:p>
@@ -3875,7 +3997,7 @@
             </a:r>
             <a:r>
               <a:rPr lang="fi-FI" dirty="0"/>
-              <a:t>: 0,438ms</a:t>
+              <a:t>: 0,573ms</a:t>
             </a:r>
           </a:p>
           <a:p>
@@ -3889,11 +4011,8 @@
             </a:r>
             <a:r>
               <a:rPr lang="fi-FI" dirty="0"/>
-              <a:t>: 0,112ms</a:t>
-            </a:r>
-          </a:p>
-          <a:p>
-            <a:endParaRPr lang="fi-FI" dirty="0"/>
+              <a:t>: 0,101ms</a:t>
+            </a:r>
           </a:p>
         </p:txBody>
       </p:sp>
@@ -3911,7 +4030,7 @@
         </p:nvSpPr>
         <p:spPr>
           <a:xfrm>
-            <a:off x="3951027" y="1057701"/>
+            <a:off x="4410505" y="526368"/>
             <a:ext cx="3070746" cy="646331"/>
           </a:xfrm>
           <a:prstGeom prst="rect">
@@ -3926,8 +4045,57 @@
           <a:lstStyle/>
           <a:p>
             <a:r>
-              <a:rPr lang="fi-FI" sz="3600" dirty="0"/>
+              <a:rPr lang="fi-FI" sz="3600" b="1" dirty="0"/>
               <a:t>10 000 Alkiota</a:t>
+            </a:r>
+          </a:p>
+        </p:txBody>
+      </p:sp>
+      <p:sp>
+        <p:nvSpPr>
+          <p:cNvPr id="6" name="Tekstiruutu 5">
+            <a:extLst>
+              <a:ext uri="{FF2B5EF4-FFF2-40B4-BE49-F238E27FC236}">
+                <a16:creationId xmlns:a16="http://schemas.microsoft.com/office/drawing/2014/main" id="{0BD1C273-19B1-0E5B-20FE-A843661D6610}"/>
+              </a:ext>
+            </a:extLst>
+          </p:cNvPr>
+          <p:cNvSpPr txBox="1"/>
+          <p:nvPr/>
+        </p:nvSpPr>
+        <p:spPr>
+          <a:xfrm>
+            <a:off x="5359021" y="5685301"/>
+            <a:ext cx="1473958" cy="646331"/>
+          </a:xfrm>
+          <a:prstGeom prst="rect">
+            <a:avLst/>
+          </a:prstGeom>
+          <a:noFill/>
+        </p:spPr>
+        <p:txBody>
+          <a:bodyPr wrap="square" rtlCol="0">
+            <a:spAutoFit/>
+          </a:bodyPr>
+          <a:lstStyle/>
+          <a:p>
+            <a:r>
+              <a:rPr lang="fi-FI" dirty="0">
+                <a:highlight>
+                  <a:srgbClr val="00FF00"/>
+                </a:highlight>
+              </a:rPr>
+              <a:t>Paras</a:t>
+            </a:r>
+          </a:p>
+          <a:p>
+            <a:r>
+              <a:rPr lang="fi-FI" dirty="0">
+                <a:highlight>
+                  <a:srgbClr val="FF0000"/>
+                </a:highlight>
+              </a:rPr>
+              <a:t>Huonoin</a:t>
             </a:r>
           </a:p>
         </p:txBody>
@@ -3982,8 +4150,8 @@
         </p:nvSpPr>
         <p:spPr>
           <a:xfrm>
-            <a:off x="423082" y="2149522"/>
-            <a:ext cx="3282286" cy="2585323"/>
+            <a:off x="0" y="2149522"/>
+            <a:ext cx="3896436" cy="2585323"/>
           </a:xfrm>
           <a:prstGeom prst="rect">
             <a:avLst/>
@@ -4020,25 +4188,41 @@
             </a:r>
             <a:r>
               <a:rPr lang="fi-FI" dirty="0"/>
-              <a:t>: 11368,485ms</a:t>
-            </a:r>
-          </a:p>
-          <a:p>
-            <a:r>
-              <a:rPr lang="fi-FI" dirty="0" err="1"/>
+              <a:t>: 15766,262ms</a:t>
+            </a:r>
+          </a:p>
+          <a:p>
+            <a:r>
+              <a:rPr lang="fi-FI" dirty="0" err="1">
+                <a:highlight>
+                  <a:srgbClr val="FF0000"/>
+                </a:highlight>
+              </a:rPr>
               <a:t>Bubble</a:t>
             </a:r>
             <a:r>
-              <a:rPr lang="fi-FI" dirty="0"/>
-              <a:t> </a:t>
-            </a:r>
-            <a:r>
-              <a:rPr lang="fi-FI" dirty="0" err="1"/>
+              <a:rPr lang="fi-FI" dirty="0">
+                <a:highlight>
+                  <a:srgbClr val="FF0000"/>
+                </a:highlight>
+              </a:rPr>
+              <a:t> </a:t>
+            </a:r>
+            <a:r>
+              <a:rPr lang="fi-FI" dirty="0" err="1">
+                <a:highlight>
+                  <a:srgbClr val="FF0000"/>
+                </a:highlight>
+              </a:rPr>
               <a:t>Sort</a:t>
             </a:r>
             <a:r>
-              <a:rPr lang="fi-FI" dirty="0"/>
-              <a:t>: 116265,203ms</a:t>
+              <a:rPr lang="fi-FI" dirty="0">
+                <a:highlight>
+                  <a:srgbClr val="FF0000"/>
+                </a:highlight>
+              </a:rPr>
+              <a:t>: 145833,526ms</a:t>
             </a:r>
           </a:p>
           <a:p>
@@ -4052,12 +4236,38 @@
             </a:r>
             <a:r>
               <a:rPr lang="fi-FI" dirty="0"/>
-              <a:t>: 41,431ms</a:t>
-            </a:r>
-          </a:p>
-          <a:p>
-            <a:r>
-              <a:rPr lang="fi-FI" b="1" dirty="0" err="1">
+              <a:t>: 54,956ms</a:t>
+            </a:r>
+          </a:p>
+          <a:p>
+            <a:r>
+              <a:rPr lang="fi-FI" dirty="0" err="1"/>
+              <a:t>Knuth</a:t>
+            </a:r>
+            <a:r>
+              <a:rPr lang="fi-FI" dirty="0"/>
+              <a:t> </a:t>
+            </a:r>
+            <a:r>
+              <a:rPr lang="fi-FI" dirty="0" err="1"/>
+              <a:t>Sequence</a:t>
+            </a:r>
+            <a:r>
+              <a:rPr lang="fi-FI" dirty="0"/>
+              <a:t> Shell </a:t>
+            </a:r>
+            <a:r>
+              <a:rPr lang="fi-FI" dirty="0" err="1"/>
+              <a:t>Sort</a:t>
+            </a:r>
+            <a:r>
+              <a:rPr lang="fi-FI" dirty="0"/>
+              <a:t>: 46,766ms</a:t>
+            </a:r>
+          </a:p>
+          <a:p>
+            <a:r>
+              <a:rPr lang="fi-FI" dirty="0" err="1">
                 <a:highlight>
                   <a:srgbClr val="00FF00"/>
                 </a:highlight>
@@ -4065,7 +4275,7 @@
               <a:t>Quick</a:t>
             </a:r>
             <a:r>
-              <a:rPr lang="fi-FI" b="1" dirty="0">
+              <a:rPr lang="fi-FI" dirty="0">
                 <a:highlight>
                   <a:srgbClr val="00FF00"/>
                 </a:highlight>
@@ -4073,7 +4283,7 @@
               <a:t> </a:t>
             </a:r>
             <a:r>
-              <a:rPr lang="fi-FI" b="1" dirty="0" err="1">
+              <a:rPr lang="fi-FI" dirty="0" err="1">
                 <a:highlight>
                   <a:srgbClr val="00FF00"/>
                 </a:highlight>
@@ -4081,18 +4291,13 @@
               <a:t>Sort</a:t>
             </a:r>
             <a:r>
-              <a:rPr lang="fi-FI" b="1" dirty="0">
+              <a:rPr lang="fi-FI" dirty="0">
                 <a:highlight>
                   <a:srgbClr val="00FF00"/>
                 </a:highlight>
               </a:rPr>
-              <a:t>: 27,550ms</a:t>
-            </a:r>
-            <a:endParaRPr lang="fi-FI" dirty="0">
-              <a:highlight>
-                <a:srgbClr val="00FF00"/>
-              </a:highlight>
-            </a:endParaRPr>
+              <a:t>: 39,449ms</a:t>
+            </a:r>
           </a:p>
           <a:p>
             <a:r>
@@ -4117,7 +4322,7 @@
             </a:r>
             <a:r>
               <a:rPr lang="fi-FI" dirty="0"/>
-              <a:t>: 32,031ms</a:t>
+              <a:t>: 46,896ms</a:t>
             </a:r>
           </a:p>
           <a:p>
@@ -4135,7 +4340,7 @@
             </a:r>
             <a:r>
               <a:rPr lang="fi-FI" dirty="0"/>
-              <a:t>: 44,241ms</a:t>
+              <a:t>: 61,340ms</a:t>
             </a:r>
           </a:p>
           <a:p>
@@ -4149,7 +4354,7 @@
             </a:r>
             <a:r>
               <a:rPr lang="fi-FI" dirty="0"/>
-              <a:t>: 33,275ms</a:t>
+              <a:t>: 129,775ms</a:t>
             </a:r>
           </a:p>
         </p:txBody>
@@ -4168,8 +4373,8 @@
         </p:nvSpPr>
         <p:spPr>
           <a:xfrm flipH="1">
-            <a:off x="8140889" y="2149522"/>
-            <a:ext cx="3282286" cy="2308324"/>
+            <a:off x="8140888" y="2149522"/>
+            <a:ext cx="4051111" cy="2585323"/>
           </a:xfrm>
           <a:prstGeom prst="rect">
             <a:avLst/>
@@ -4206,25 +4411,41 @@
             </a:r>
             <a:r>
               <a:rPr lang="fi-FI" dirty="0"/>
-              <a:t>: 8082,202ms</a:t>
-            </a:r>
-          </a:p>
-          <a:p>
-            <a:r>
-              <a:rPr lang="fi-FI" dirty="0" err="1"/>
+              <a:t>: 26456,033ms</a:t>
+            </a:r>
+          </a:p>
+          <a:p>
+            <a:r>
+              <a:rPr lang="fi-FI" dirty="0" err="1">
+                <a:highlight>
+                  <a:srgbClr val="FF0000"/>
+                </a:highlight>
+              </a:rPr>
               <a:t>Bubble</a:t>
             </a:r>
             <a:r>
-              <a:rPr lang="fi-FI" dirty="0"/>
-              <a:t> </a:t>
-            </a:r>
-            <a:r>
-              <a:rPr lang="fi-FI" dirty="0" err="1"/>
+              <a:rPr lang="fi-FI" dirty="0">
+                <a:highlight>
+                  <a:srgbClr val="FF0000"/>
+                </a:highlight>
+              </a:rPr>
+              <a:t> </a:t>
+            </a:r>
+            <a:r>
+              <a:rPr lang="fi-FI" dirty="0" err="1">
+                <a:highlight>
+                  <a:srgbClr val="FF0000"/>
+                </a:highlight>
+              </a:rPr>
               <a:t>Sort</a:t>
             </a:r>
             <a:r>
-              <a:rPr lang="fi-FI" dirty="0"/>
-              <a:t>: 50512,729ms</a:t>
+              <a:rPr lang="fi-FI" dirty="0">
+                <a:highlight>
+                  <a:srgbClr val="FF0000"/>
+                </a:highlight>
+              </a:rPr>
+              <a:t>: 57396,893ms</a:t>
             </a:r>
           </a:p>
           <a:p>
@@ -4238,7 +4459,57 @@
             </a:r>
             <a:r>
               <a:rPr lang="fi-FI" dirty="0"/>
-              <a:t>: 8,338ms</a:t>
+              <a:t>: 4,827ms</a:t>
+            </a:r>
+          </a:p>
+          <a:p>
+            <a:r>
+              <a:rPr lang="fi-FI" dirty="0" err="1">
+                <a:highlight>
+                  <a:srgbClr val="00FF00"/>
+                </a:highlight>
+              </a:rPr>
+              <a:t>Knuth</a:t>
+            </a:r>
+            <a:r>
+              <a:rPr lang="fi-FI" dirty="0">
+                <a:highlight>
+                  <a:srgbClr val="00FF00"/>
+                </a:highlight>
+              </a:rPr>
+              <a:t> </a:t>
+            </a:r>
+            <a:r>
+              <a:rPr lang="fi-FI" dirty="0" err="1">
+                <a:highlight>
+                  <a:srgbClr val="00FF00"/>
+                </a:highlight>
+              </a:rPr>
+              <a:t>Sequence</a:t>
+            </a:r>
+            <a:r>
+              <a:rPr lang="fi-FI" dirty="0">
+                <a:highlight>
+                  <a:srgbClr val="00FF00"/>
+                </a:highlight>
+              </a:rPr>
+              <a:t> Shell </a:t>
+            </a:r>
+            <a:r>
+              <a:rPr lang="fi-FI" dirty="0" err="1">
+                <a:highlight>
+                  <a:srgbClr val="00FF00"/>
+                </a:highlight>
+              </a:rPr>
+              <a:t>Sort</a:t>
+            </a:r>
+            <a:r>
+              <a:rPr lang="fi-FI" dirty="0">
+                <a:highlight>
+                  <a:srgbClr val="00FF00"/>
+                </a:highlight>
+              </a:rPr>
+              <a:t>: 3,845ms</a:t>
             </a:r>
           </a:p>
           <a:p>
@@ -4256,7 +4527,7 @@
             </a:r>
             <a:r>
               <a:rPr lang="fi-FI" dirty="0"/>
-              <a:t>: 19471,239ms</a:t>
+              <a:t>: 22869,827ms</a:t>
             </a:r>
           </a:p>
           <a:p>
@@ -4282,7 +4553,7 @@
             </a:r>
             <a:r>
               <a:rPr lang="fi-FI" dirty="0"/>
-              <a:t>: 9,673ms</a:t>
+              <a:t>: 11,923ms</a:t>
             </a:r>
           </a:p>
           <a:p>
@@ -4300,33 +4571,21 @@
             </a:r>
             <a:r>
               <a:rPr lang="fi-FI" dirty="0"/>
-              <a:t>: 10,539ms</a:t>
-            </a:r>
-          </a:p>
-          <a:p>
-            <a:r>
-              <a:rPr lang="fi-FI" b="1" dirty="0">
-                <a:highlight>
-                  <a:srgbClr val="00FF00"/>
-                </a:highlight>
-              </a:rPr>
+              <a:t>: 13,630ms</a:t>
+            </a:r>
+          </a:p>
+          <a:p>
+            <a:r>
+              <a:rPr lang="fi-FI" dirty="0"/>
               <a:t>Java </a:t>
             </a:r>
             <a:r>
-              <a:rPr lang="fi-FI" b="1" dirty="0" err="1">
-                <a:highlight>
-                  <a:srgbClr val="00FF00"/>
-                </a:highlight>
-              </a:rPr>
+              <a:rPr lang="fi-FI" dirty="0" err="1"/>
               <a:t>Arrays.sort</a:t>
             </a:r>
             <a:r>
-              <a:rPr lang="fi-FI" b="1" dirty="0">
-                <a:highlight>
-                  <a:srgbClr val="00FF00"/>
-                </a:highlight>
-              </a:rPr>
-              <a:t>: 5,243ms</a:t>
+              <a:rPr lang="fi-FI" dirty="0"/>
+              <a:t>: 6,944ms</a:t>
             </a:r>
             <a:endParaRPr lang="fi-FI" dirty="0">
               <a:highlight>
@@ -4350,8 +4609,8 @@
         </p:nvSpPr>
         <p:spPr>
           <a:xfrm>
-            <a:off x="4601570" y="2149522"/>
-            <a:ext cx="2988860" cy="2585323"/>
+            <a:off x="4039737" y="2149522"/>
+            <a:ext cx="4051111" cy="2585323"/>
           </a:xfrm>
           <a:prstGeom prst="rect">
             <a:avLst/>
@@ -4388,12 +4647,12 @@
             </a:r>
             <a:r>
               <a:rPr lang="fi-FI" dirty="0"/>
-              <a:t>: 0,872ms</a:t>
-            </a:r>
-          </a:p>
-          <a:p>
-            <a:r>
-              <a:rPr lang="fi-FI" b="1" dirty="0" err="1">
+              <a:t>: 2,659ms</a:t>
+            </a:r>
+          </a:p>
+          <a:p>
+            <a:r>
+              <a:rPr lang="fi-FI" dirty="0" err="1">
                 <a:highlight>
                   <a:srgbClr val="00FF00"/>
                 </a:highlight>
@@ -4401,7 +4660,7 @@
               <a:t>Bubble</a:t>
             </a:r>
             <a:r>
-              <a:rPr lang="fi-FI" b="1" dirty="0">
+              <a:rPr lang="fi-FI" dirty="0">
                 <a:highlight>
                   <a:srgbClr val="00FF00"/>
                 </a:highlight>
@@ -4409,7 +4668,7 @@
               <a:t> </a:t>
             </a:r>
             <a:r>
-              <a:rPr lang="fi-FI" b="1" dirty="0" err="1">
+              <a:rPr lang="fi-FI" dirty="0" err="1">
                 <a:highlight>
                   <a:srgbClr val="00FF00"/>
                 </a:highlight>
@@ -4417,18 +4676,13 @@
               <a:t>Sort</a:t>
             </a:r>
             <a:r>
-              <a:rPr lang="fi-FI" b="1" dirty="0">
+              <a:rPr lang="fi-FI" dirty="0">
                 <a:highlight>
                   <a:srgbClr val="00FF00"/>
                 </a:highlight>
               </a:rPr>
-              <a:t>: 0,352ms</a:t>
-            </a:r>
-            <a:endParaRPr lang="fi-FI" dirty="0">
-              <a:highlight>
-                <a:srgbClr val="00FF00"/>
-              </a:highlight>
-            </a:endParaRPr>
+              <a:t>: 0,347ms</a:t>
+            </a:r>
           </a:p>
           <a:p>
             <a:r>
@@ -4441,25 +4695,67 @@
             </a:r>
             <a:r>
               <a:rPr lang="fi-FI" dirty="0"/>
-              <a:t>: 4,289ms</a:t>
-            </a:r>
-          </a:p>
-          <a:p>
-            <a:r>
-              <a:rPr lang="fi-FI" dirty="0" err="1"/>
+              <a:t>: 14,073ms</a:t>
+            </a:r>
+          </a:p>
+          <a:p>
+            <a:r>
+              <a:rPr lang="fi-FI" dirty="0" err="1"/>
+              <a:t>Knuth</a:t>
+            </a:r>
+            <a:r>
+              <a:rPr lang="fi-FI" dirty="0"/>
+              <a:t> </a:t>
+            </a:r>
+            <a:r>
+              <a:rPr lang="fi-FI" dirty="0" err="1"/>
+              <a:t>Sequence</a:t>
+            </a:r>
+            <a:r>
+              <a:rPr lang="fi-FI" dirty="0"/>
+              <a:t> Shell </a:t>
+            </a:r>
+            <a:r>
+              <a:rPr lang="fi-FI" dirty="0" err="1"/>
+              <a:t>Sort</a:t>
+            </a:r>
+            <a:r>
+              <a:rPr lang="fi-FI" dirty="0"/>
+              <a:t>: 9,760ms</a:t>
+            </a:r>
+          </a:p>
+          <a:p>
+            <a:r>
+              <a:rPr lang="fi-FI" dirty="0" err="1">
+                <a:highlight>
+                  <a:srgbClr val="FF0000"/>
+                </a:highlight>
+              </a:rPr>
               <a:t>Quick</a:t>
             </a:r>
             <a:r>
-              <a:rPr lang="fi-FI" dirty="0"/>
-              <a:t> </a:t>
-            </a:r>
-            <a:r>
-              <a:rPr lang="fi-FI" dirty="0" err="1"/>
+              <a:rPr lang="fi-FI" dirty="0">
+                <a:highlight>
+                  <a:srgbClr val="FF0000"/>
+                </a:highlight>
+              </a:rPr>
+              <a:t> </a:t>
+            </a:r>
+            <a:r>
+              <a:rPr lang="fi-FI" dirty="0" err="1">
+                <a:highlight>
+                  <a:srgbClr val="FF0000"/>
+                </a:highlight>
+              </a:rPr>
               <a:t>Sort</a:t>
             </a:r>
             <a:r>
-              <a:rPr lang="fi-FI" dirty="0"/>
-              <a:t>: 44287,423ms</a:t>
+              <a:rPr lang="fi-FI" dirty="0">
+                <a:highlight>
+                  <a:srgbClr val="FF0000"/>
+                </a:highlight>
+              </a:rPr>
+              <a:t>: 50738,007ms</a:t>
             </a:r>
           </a:p>
           <a:p>
@@ -4485,7 +4781,7 @@
             </a:r>
             <a:r>
               <a:rPr lang="fi-FI" dirty="0"/>
-              <a:t>: 9,336ms</a:t>
+              <a:t>: 8,773ms</a:t>
             </a:r>
           </a:p>
           <a:p>
@@ -4503,7 +4799,7 @@
             </a:r>
             <a:r>
               <a:rPr lang="fi-FI" dirty="0"/>
-              <a:t>: 12,814ms</a:t>
+              <a:t>: 12,783ms</a:t>
             </a:r>
           </a:p>
           <a:p>
@@ -4517,7 +4813,7 @@
             </a:r>
             <a:r>
               <a:rPr lang="fi-FI" dirty="0"/>
-              <a:t>: 2,524ms</a:t>
+              <a:t>: 2,529ms</a:t>
             </a:r>
           </a:p>
         </p:txBody>
@@ -4551,7 +4847,7 @@
           <a:lstStyle/>
           <a:p>
             <a:r>
-              <a:rPr lang="fi-FI" sz="3600" dirty="0"/>
+              <a:rPr lang="fi-FI" sz="3600" b="1" dirty="0"/>
               <a:t>250 000 Alkiota</a:t>
             </a:r>
           </a:p>
@@ -4575,7 +4871,13 @@
   <p:cSld>
     <p:spTree>
       <p:nvGrpSpPr>
-        <p:cNvPr id="1" name=""/>
+        <p:cNvPr id="1" name="">
+          <a:extLst>
+            <a:ext uri="{FF2B5EF4-FFF2-40B4-BE49-F238E27FC236}">
+              <a16:creationId xmlns:a16="http://schemas.microsoft.com/office/drawing/2014/main" id="{2117DD87-401A-7390-AFB4-24CD3957ED87}"/>
+            </a:ext>
+          </a:extLst>
+        </p:cNvPr>
         <p:cNvGrpSpPr/>
         <p:nvPr/>
       </p:nvGrpSpPr>
@@ -4589,10 +4891,10 @@
       </p:grpSpPr>
       <p:sp>
         <p:nvSpPr>
-          <p:cNvPr id="2" name="Tekstiruutu 1">
-            <a:extLst>
-              <a:ext uri="{FF2B5EF4-FFF2-40B4-BE49-F238E27FC236}">
-                <a16:creationId xmlns:a16="http://schemas.microsoft.com/office/drawing/2014/main" id="{AF93C99B-5A88-0A6D-D5A2-72555C60C0A5}"/>
+          <p:cNvPr id="4" name="Tekstiruutu 3">
+            <a:extLst>
+              <a:ext uri="{FF2B5EF4-FFF2-40B4-BE49-F238E27FC236}">
+                <a16:creationId xmlns:a16="http://schemas.microsoft.com/office/drawing/2014/main" id="{1D299D79-8874-68FC-3000-A5C705813ECA}"/>
               </a:ext>
             </a:extLst>
           </p:cNvPr>
@@ -4601,8 +4903,8 @@
         </p:nvSpPr>
         <p:spPr>
           <a:xfrm>
-            <a:off x="1589964" y="648269"/>
-            <a:ext cx="9680984" cy="584775"/>
+            <a:off x="3384644" y="2067636"/>
+            <a:ext cx="5240741" cy="2308324"/>
           </a:xfrm>
           <a:prstGeom prst="rect">
             <a:avLst/>
@@ -4610,32 +4912,210 @@
           <a:noFill/>
         </p:spPr>
         <p:txBody>
-          <a:bodyPr wrap="none" rtlCol="0">
+          <a:bodyPr wrap="square" rtlCol="0">
             <a:spAutoFit/>
           </a:bodyPr>
           <a:lstStyle/>
           <a:p>
             <a:r>
-              <a:rPr lang="fi-FI" sz="3200" dirty="0"/>
-              <a:t>Käytin funktioiden testaamiseen </a:t>
-            </a:r>
-            <a:r>
-              <a:rPr lang="fi-FI" sz="3200" dirty="0" err="1"/>
-              <a:t>function</a:t>
-            </a:r>
-            <a:r>
-              <a:rPr lang="fi-FI" sz="3200" dirty="0"/>
-              <a:t> pointtereita:</a:t>
-            </a:r>
-          </a:p>
-        </p:txBody>
-      </p:sp>
-      <p:sp>
-        <p:nvSpPr>
-          <p:cNvPr id="3" name="Tekstiruutu 2">
-            <a:extLst>
-              <a:ext uri="{FF2B5EF4-FFF2-40B4-BE49-F238E27FC236}">
-                <a16:creationId xmlns:a16="http://schemas.microsoft.com/office/drawing/2014/main" id="{530ADD85-1E03-B10D-94F6-3BBC0D2DCFE4}"/>
+              <a:rPr lang="fi-FI" dirty="0" err="1"/>
+              <a:t>Insertion</a:t>
+            </a:r>
+            <a:r>
+              <a:rPr lang="fi-FI" dirty="0"/>
+              <a:t> </a:t>
+            </a:r>
+            <a:r>
+              <a:rPr lang="fi-FI" dirty="0" err="1"/>
+              <a:t>Sort</a:t>
+            </a:r>
+            <a:r>
+              <a:rPr lang="fi-FI" dirty="0"/>
+              <a:t>: n. 42 sekuntia</a:t>
+            </a:r>
+          </a:p>
+          <a:p>
+            <a:r>
+              <a:rPr lang="fi-FI" dirty="0" err="1">
+                <a:highlight>
+                  <a:srgbClr val="FF0000"/>
+                </a:highlight>
+              </a:rPr>
+              <a:t>Bubble</a:t>
+            </a:r>
+            <a:r>
+              <a:rPr lang="fi-FI" dirty="0">
+                <a:highlight>
+                  <a:srgbClr val="FF0000"/>
+                </a:highlight>
+              </a:rPr>
+              <a:t> </a:t>
+            </a:r>
+            <a:r>
+              <a:rPr lang="fi-FI" dirty="0" err="1">
+                <a:highlight>
+                  <a:srgbClr val="FF0000"/>
+                </a:highlight>
+              </a:rPr>
+              <a:t>Sort</a:t>
+            </a:r>
+            <a:r>
+              <a:rPr lang="fi-FI" dirty="0">
+                <a:highlight>
+                  <a:srgbClr val="FF0000"/>
+                </a:highlight>
+              </a:rPr>
+              <a:t>: n. 2 min 23 sekuntia</a:t>
+            </a:r>
+          </a:p>
+          <a:p>
+            <a:r>
+              <a:rPr lang="fi-FI" dirty="0"/>
+              <a:t>Shell </a:t>
+            </a:r>
+            <a:r>
+              <a:rPr lang="fi-FI" dirty="0" err="1"/>
+              <a:t>Sort</a:t>
+            </a:r>
+            <a:r>
+              <a:rPr lang="fi-FI" dirty="0"/>
+              <a:t>: n. 73 millisekuntia</a:t>
+            </a:r>
+          </a:p>
+          <a:p>
+            <a:r>
+              <a:rPr lang="fi-FI" dirty="0" err="1">
+                <a:highlight>
+                  <a:srgbClr val="00FF00"/>
+                </a:highlight>
+              </a:rPr>
+              <a:t>Knuth</a:t>
+            </a:r>
+            <a:r>
+              <a:rPr lang="fi-FI" dirty="0">
+                <a:highlight>
+                  <a:srgbClr val="00FF00"/>
+                </a:highlight>
+              </a:rPr>
+              <a:t> </a:t>
+            </a:r>
+            <a:r>
+              <a:rPr lang="fi-FI" dirty="0" err="1">
+                <a:highlight>
+                  <a:srgbClr val="00FF00"/>
+                </a:highlight>
+              </a:rPr>
+              <a:t>Sequence</a:t>
+            </a:r>
+            <a:r>
+              <a:rPr lang="fi-FI" dirty="0">
+                <a:highlight>
+                  <a:srgbClr val="00FF00"/>
+                </a:highlight>
+              </a:rPr>
+              <a:t> Shell </a:t>
+            </a:r>
+            <a:r>
+              <a:rPr lang="fi-FI" dirty="0" err="1">
+                <a:highlight>
+                  <a:srgbClr val="00FF00"/>
+                </a:highlight>
+              </a:rPr>
+              <a:t>Sort</a:t>
+            </a:r>
+            <a:r>
+              <a:rPr lang="fi-FI" dirty="0">
+                <a:highlight>
+                  <a:srgbClr val="00FF00"/>
+                </a:highlight>
+              </a:rPr>
+              <a:t>: n. 60 millisekuntia</a:t>
+            </a:r>
+          </a:p>
+          <a:p>
+            <a:r>
+              <a:rPr lang="fi-FI" dirty="0" err="1"/>
+              <a:t>Quick</a:t>
+            </a:r>
+            <a:r>
+              <a:rPr lang="fi-FI" dirty="0"/>
+              <a:t> </a:t>
+            </a:r>
+            <a:r>
+              <a:rPr lang="fi-FI" dirty="0" err="1"/>
+              <a:t>Sort</a:t>
+            </a:r>
+            <a:r>
+              <a:rPr lang="fi-FI" dirty="0"/>
+              <a:t>: n. 73 sekuntia</a:t>
+            </a:r>
+          </a:p>
+          <a:p>
+            <a:r>
+              <a:rPr lang="fi-FI" dirty="0" err="1"/>
+              <a:t>Optimized</a:t>
+            </a:r>
+            <a:r>
+              <a:rPr lang="fi-FI" dirty="0"/>
+              <a:t> </a:t>
+            </a:r>
+            <a:r>
+              <a:rPr lang="fi-FI" dirty="0" err="1"/>
+              <a:t>Quick</a:t>
+            </a:r>
+            <a:r>
+              <a:rPr lang="fi-FI" dirty="0"/>
+              <a:t> </a:t>
+            </a:r>
+            <a:r>
+              <a:rPr lang="fi-FI" dirty="0" err="1"/>
+              <a:t>Sort</a:t>
+            </a:r>
+            <a:r>
+              <a:rPr lang="fi-FI" dirty="0"/>
+              <a:t>: n. 67 millisekuntia</a:t>
+            </a:r>
+          </a:p>
+          <a:p>
+            <a:r>
+              <a:rPr lang="fi-FI" dirty="0" err="1"/>
+              <a:t>Merge</a:t>
+            </a:r>
+            <a:r>
+              <a:rPr lang="fi-FI" dirty="0"/>
+              <a:t> </a:t>
+            </a:r>
+            <a:r>
+              <a:rPr lang="fi-FI" dirty="0" err="1"/>
+              <a:t>Sort</a:t>
+            </a:r>
+            <a:r>
+              <a:rPr lang="fi-FI" dirty="0"/>
+              <a:t>: n. 87 millisekuntia</a:t>
+            </a:r>
+          </a:p>
+          <a:p>
+            <a:r>
+              <a:rPr lang="fi-FI" dirty="0"/>
+              <a:t>Java </a:t>
+            </a:r>
+            <a:r>
+              <a:rPr lang="fi-FI" dirty="0" err="1"/>
+              <a:t>Arrays.sort</a:t>
+            </a:r>
+            <a:r>
+              <a:rPr lang="fi-FI" dirty="0"/>
+              <a:t>: n. 139 millisekuntia</a:t>
+            </a:r>
+          </a:p>
+        </p:txBody>
+      </p:sp>
+      <p:sp>
+        <p:nvSpPr>
+          <p:cNvPr id="5" name="Tekstiruutu 4">
+            <a:extLst>
+              <a:ext uri="{FF2B5EF4-FFF2-40B4-BE49-F238E27FC236}">
+                <a16:creationId xmlns:a16="http://schemas.microsoft.com/office/drawing/2014/main" id="{0BC5C47B-63E5-06A4-C6A6-D03F1932668E}"/>
               </a:ext>
             </a:extLst>
           </p:cNvPr>
@@ -4644,8 +5124,8 @@
         </p:nvSpPr>
         <p:spPr>
           <a:xfrm>
-            <a:off x="921224" y="1899117"/>
-            <a:ext cx="11088805" cy="1754326"/>
+            <a:off x="2257567" y="423080"/>
+            <a:ext cx="7615450" cy="646331"/>
           </a:xfrm>
           <a:prstGeom prst="rect">
             <a:avLst/>
@@ -4659,290 +5139,16 @@
           <a:lstStyle/>
           <a:p>
             <a:r>
-              <a:rPr lang="fi-FI" dirty="0" err="1"/>
-              <a:t>public</a:t>
-            </a:r>
-            <a:r>
-              <a:rPr lang="fi-FI" dirty="0"/>
-              <a:t> </a:t>
-            </a:r>
-            <a:r>
-              <a:rPr lang="fi-FI" dirty="0" err="1"/>
-              <a:t>static</a:t>
-            </a:r>
-            <a:r>
-              <a:rPr lang="fi-FI" dirty="0"/>
-              <a:t> </a:t>
-            </a:r>
-            <a:r>
-              <a:rPr lang="fi-FI" dirty="0" err="1"/>
-              <a:t>void</a:t>
-            </a:r>
-            <a:r>
-              <a:rPr lang="fi-FI" dirty="0"/>
-              <a:t> </a:t>
-            </a:r>
-            <a:r>
-              <a:rPr lang="fi-FI" dirty="0" err="1"/>
-              <a:t>measureExecSpeed</a:t>
-            </a:r>
-            <a:r>
-              <a:rPr lang="fi-FI" dirty="0"/>
-              <a:t>(</a:t>
-            </a:r>
-            <a:r>
-              <a:rPr lang="fi-FI" dirty="0" err="1"/>
-              <a:t>FunctionPointer</a:t>
-            </a:r>
-            <a:r>
-              <a:rPr lang="fi-FI" dirty="0"/>
-              <a:t> </a:t>
-            </a:r>
-            <a:r>
-              <a:rPr lang="fi-FI" dirty="0" err="1"/>
-              <a:t>method</a:t>
-            </a:r>
-            <a:r>
-              <a:rPr lang="fi-FI" dirty="0"/>
-              <a:t>, </a:t>
-            </a:r>
-            <a:r>
-              <a:rPr lang="fi-FI" dirty="0" err="1"/>
-              <a:t>String</a:t>
-            </a:r>
-            <a:r>
-              <a:rPr lang="fi-FI" dirty="0"/>
-              <a:t> </a:t>
-            </a:r>
-            <a:r>
-              <a:rPr lang="fi-FI" dirty="0" err="1"/>
-              <a:t>name</a:t>
-            </a:r>
-            <a:r>
-              <a:rPr lang="fi-FI" dirty="0"/>
-              <a:t>, </a:t>
-            </a:r>
-            <a:r>
-              <a:rPr lang="fi-FI" dirty="0" err="1"/>
-              <a:t>int</a:t>
-            </a:r>
-            <a:r>
-              <a:rPr lang="fi-FI" dirty="0"/>
-              <a:t> </a:t>
-            </a:r>
-            <a:r>
-              <a:rPr lang="fi-FI" dirty="0" err="1"/>
-              <a:t>size</a:t>
-            </a:r>
-            <a:r>
-              <a:rPr lang="fi-FI" dirty="0"/>
-              <a:t>, </a:t>
-            </a:r>
-            <a:r>
-              <a:rPr lang="fi-FI" dirty="0" err="1"/>
-              <a:t>int</a:t>
-            </a:r>
-            <a:r>
-              <a:rPr lang="fi-FI" dirty="0"/>
-              <a:t>[] </a:t>
-            </a:r>
-            <a:r>
-              <a:rPr lang="fi-FI" dirty="0" err="1"/>
-              <a:t>arr</a:t>
-            </a:r>
-            <a:r>
-              <a:rPr lang="fi-FI" dirty="0"/>
-              <a:t>) {</a:t>
-            </a:r>
-          </a:p>
-          <a:p>
-            <a:r>
-              <a:rPr lang="fi-FI" dirty="0"/>
-              <a:t>            long </a:t>
-            </a:r>
-            <a:r>
-              <a:rPr lang="fi-FI" dirty="0" err="1"/>
-              <a:t>start</a:t>
-            </a:r>
-            <a:r>
-              <a:rPr lang="fi-FI" dirty="0"/>
-              <a:t> = </a:t>
-            </a:r>
-            <a:r>
-              <a:rPr lang="fi-FI" dirty="0" err="1"/>
-              <a:t>System.nanoTime</a:t>
-            </a:r>
-            <a:r>
-              <a:rPr lang="fi-FI" dirty="0"/>
-              <a:t>();</a:t>
-            </a:r>
-          </a:p>
-          <a:p>
-            <a:r>
-              <a:rPr lang="fi-FI" dirty="0"/>
-              <a:t>            </a:t>
-            </a:r>
-            <a:r>
-              <a:rPr lang="fi-FI" dirty="0" err="1"/>
-              <a:t>method.methodSignature</a:t>
-            </a:r>
-            <a:r>
-              <a:rPr lang="fi-FI" dirty="0"/>
-              <a:t>(</a:t>
-            </a:r>
-            <a:r>
-              <a:rPr lang="fi-FI" dirty="0" err="1"/>
-              <a:t>arr</a:t>
-            </a:r>
-            <a:r>
-              <a:rPr lang="fi-FI" dirty="0"/>
-              <a:t>);</a:t>
-            </a:r>
-          </a:p>
-          <a:p>
-            <a:r>
-              <a:rPr lang="fi-FI" dirty="0"/>
-              <a:t>            long </a:t>
-            </a:r>
-            <a:r>
-              <a:rPr lang="fi-FI" dirty="0" err="1"/>
-              <a:t>taken</a:t>
-            </a:r>
-            <a:r>
-              <a:rPr lang="fi-FI" dirty="0"/>
-              <a:t> = </a:t>
-            </a:r>
-            <a:r>
-              <a:rPr lang="fi-FI" dirty="0" err="1"/>
-              <a:t>System.nanoTime</a:t>
-            </a:r>
-            <a:r>
-              <a:rPr lang="fi-FI" dirty="0"/>
-              <a:t>() - </a:t>
-            </a:r>
-            <a:r>
-              <a:rPr lang="fi-FI" dirty="0" err="1"/>
-              <a:t>start</a:t>
-            </a:r>
-            <a:r>
-              <a:rPr lang="fi-FI" dirty="0"/>
-              <a:t>;</a:t>
-            </a:r>
-          </a:p>
-          <a:p>
-            <a:r>
-              <a:rPr lang="fi-FI" dirty="0"/>
-              <a:t>            </a:t>
-            </a:r>
-            <a:r>
-              <a:rPr lang="fi-FI" dirty="0" err="1"/>
-              <a:t>System.out.println</a:t>
-            </a:r>
-            <a:r>
-              <a:rPr lang="fi-FI" dirty="0"/>
-              <a:t>(</a:t>
-            </a:r>
-            <a:r>
-              <a:rPr lang="fi-FI" dirty="0" err="1"/>
-              <a:t>name</a:t>
-            </a:r>
-            <a:r>
-              <a:rPr lang="fi-FI" dirty="0"/>
-              <a:t> + ": " + </a:t>
-            </a:r>
-            <a:r>
-              <a:rPr lang="fi-FI" dirty="0" err="1"/>
-              <a:t>String.format</a:t>
-            </a:r>
-            <a:r>
-              <a:rPr lang="fi-FI" dirty="0"/>
-              <a:t>("%.3f", </a:t>
-            </a:r>
-            <a:r>
-              <a:rPr lang="fi-FI" dirty="0" err="1"/>
-              <a:t>taken</a:t>
-            </a:r>
-            <a:r>
-              <a:rPr lang="fi-FI" dirty="0"/>
-              <a:t> / 1000000.0) + "ms");</a:t>
-            </a:r>
-          </a:p>
-          <a:p>
-            <a:r>
-              <a:rPr lang="fi-FI" dirty="0"/>
-              <a:t>}</a:t>
-            </a:r>
-          </a:p>
-        </p:txBody>
-      </p:sp>
-      <p:sp>
-        <p:nvSpPr>
-          <p:cNvPr id="4" name="Tekstiruutu 3">
-            <a:extLst>
-              <a:ext uri="{FF2B5EF4-FFF2-40B4-BE49-F238E27FC236}">
-                <a16:creationId xmlns:a16="http://schemas.microsoft.com/office/drawing/2014/main" id="{BF0ECEAB-ACAF-5669-5497-1F00A2CBF539}"/>
-              </a:ext>
-            </a:extLst>
-          </p:cNvPr>
-          <p:cNvSpPr txBox="1"/>
-          <p:nvPr/>
-        </p:nvSpPr>
-        <p:spPr>
-          <a:xfrm>
-            <a:off x="921224" y="4319516"/>
-            <a:ext cx="4600136" cy="923330"/>
-          </a:xfrm>
-          <a:prstGeom prst="rect">
-            <a:avLst/>
-          </a:prstGeom>
-          <a:noFill/>
-        </p:spPr>
-        <p:txBody>
-          <a:bodyPr wrap="square" rtlCol="0">
-            <a:spAutoFit/>
-          </a:bodyPr>
-          <a:lstStyle/>
-          <a:p>
-            <a:r>
-              <a:rPr lang="en-US" dirty="0"/>
-              <a:t> public interface </a:t>
-            </a:r>
-            <a:r>
-              <a:rPr lang="en-US" dirty="0" err="1"/>
-              <a:t>FunctionPointer</a:t>
-            </a:r>
-            <a:r>
-              <a:rPr lang="en-US" dirty="0"/>
-              <a:t> {</a:t>
-            </a:r>
-          </a:p>
-          <a:p>
-            <a:r>
-              <a:rPr lang="en-US" dirty="0"/>
-              <a:t>            void </a:t>
-            </a:r>
-            <a:r>
-              <a:rPr lang="en-US" dirty="0" err="1"/>
-              <a:t>methodSignature</a:t>
-            </a:r>
-            <a:r>
-              <a:rPr lang="en-US" dirty="0"/>
-              <a:t>(int[] data);</a:t>
-            </a:r>
-          </a:p>
-          <a:p>
-            <a:r>
-              <a:rPr lang="en-US" dirty="0"/>
-              <a:t>        }</a:t>
-            </a:r>
-            <a:endParaRPr lang="fi-FI" dirty="0"/>
+              <a:rPr lang="fi-FI" sz="3600" b="1" dirty="0"/>
+              <a:t>250 000 Alkion yhteenlaskettu aika</a:t>
+            </a:r>
           </a:p>
         </p:txBody>
       </p:sp>
     </p:spTree>
     <p:extLst>
       <p:ext uri="{BB962C8B-B14F-4D97-AF65-F5344CB8AC3E}">
-        <p14:creationId xmlns:p14="http://schemas.microsoft.com/office/powerpoint/2010/main" val="1694672083"/>
+        <p14:creationId xmlns:p14="http://schemas.microsoft.com/office/powerpoint/2010/main" val="1610972868"/>
       </p:ext>
     </p:extLst>
   </p:cSld>
@@ -4974,7 +5180,7 @@
           <p:cNvPr id="2" name="Tekstiruutu 1">
             <a:extLst>
               <a:ext uri="{FF2B5EF4-FFF2-40B4-BE49-F238E27FC236}">
-                <a16:creationId xmlns:a16="http://schemas.microsoft.com/office/drawing/2014/main" id="{52964F3D-4CE3-0808-63AD-72161B88132F}"/>
+                <a16:creationId xmlns:a16="http://schemas.microsoft.com/office/drawing/2014/main" id="{7168F0AB-D104-7978-2FFA-D0FF4F830667}"/>
               </a:ext>
             </a:extLst>
           </p:cNvPr>
@@ -4983,8 +5189,8 @@
         </p:nvSpPr>
         <p:spPr>
           <a:xfrm>
-            <a:off x="590214" y="171857"/>
-            <a:ext cx="11613564" cy="1200329"/>
+            <a:off x="4700041" y="143301"/>
+            <a:ext cx="2791918" cy="646331"/>
           </a:xfrm>
           <a:prstGeom prst="rect">
             <a:avLst/>
@@ -4998,70 +5204,18 @@
           <a:lstStyle/>
           <a:p>
             <a:r>
-              <a:rPr lang="fi-FI" sz="2400" dirty="0"/>
-              <a:t>Optimoin </a:t>
-            </a:r>
-            <a:r>
-              <a:rPr lang="fi-FI" sz="2400" dirty="0" err="1"/>
-              <a:t>Quick</a:t>
-            </a:r>
-            <a:r>
-              <a:rPr lang="fi-FI" sz="2400" dirty="0"/>
-              <a:t> Sortin käyttämällä pivot-alkiona </a:t>
-            </a:r>
-            <a:r>
-              <a:rPr lang="fi-FI" sz="2400" dirty="0" err="1"/>
-              <a:t>random.nextInt</a:t>
-            </a:r>
-            <a:r>
-              <a:rPr lang="fi-FI" sz="2400" dirty="0"/>
-              <a:t>() väliltä </a:t>
-            </a:r>
-            <a:r>
-              <a:rPr lang="fi-FI" sz="2400" dirty="0" err="1"/>
-              <a:t>low</a:t>
-            </a:r>
-            <a:r>
-              <a:rPr lang="fi-FI" sz="2400" dirty="0"/>
-              <a:t> ja </a:t>
-            </a:r>
-            <a:r>
-              <a:rPr lang="fi-FI" sz="2400" dirty="0" err="1"/>
-              <a:t>high</a:t>
-            </a:r>
-            <a:r>
-              <a:rPr lang="fi-FI" sz="2400" dirty="0"/>
-              <a:t> + 1,</a:t>
-            </a:r>
-          </a:p>
-          <a:p>
-            <a:r>
-              <a:rPr lang="fi-FI" sz="2400" dirty="0"/>
-              <a:t>tällöin normaalin </a:t>
-            </a:r>
-            <a:r>
-              <a:rPr lang="fi-FI" sz="2400" dirty="0" err="1"/>
-              <a:t>Quick</a:t>
-            </a:r>
-            <a:r>
-              <a:rPr lang="fi-FI" sz="2400" dirty="0"/>
-              <a:t> Sortin laskevan / nousevan datan O(n^2) huonointa tapausta</a:t>
-            </a:r>
-          </a:p>
-          <a:p>
-            <a:r>
-              <a:rPr lang="fi-FI" sz="2400" dirty="0"/>
-              <a:t>ei tapahdu</a:t>
-            </a:r>
-          </a:p>
-        </p:txBody>
-      </p:sp>
-      <p:sp>
-        <p:nvSpPr>
-          <p:cNvPr id="3" name="Tekstiruutu 2">
-            <a:extLst>
-              <a:ext uri="{FF2B5EF4-FFF2-40B4-BE49-F238E27FC236}">
-                <a16:creationId xmlns:a16="http://schemas.microsoft.com/office/drawing/2014/main" id="{EFC386E7-9FA4-2E6B-8EF8-07E204F26AE2}"/>
+              <a:rPr lang="fi-FI" sz="3600" b="1" dirty="0"/>
+              <a:t>Mittauksista</a:t>
+            </a:r>
+          </a:p>
+        </p:txBody>
+      </p:sp>
+      <p:sp>
+        <p:nvSpPr>
+          <p:cNvPr id="5" name="Tekstiruutu 4">
+            <a:extLst>
+              <a:ext uri="{FF2B5EF4-FFF2-40B4-BE49-F238E27FC236}">
+                <a16:creationId xmlns:a16="http://schemas.microsoft.com/office/drawing/2014/main" id="{E65869A4-8EF4-CC97-9842-F0C74ADF59A9}"/>
               </a:ext>
             </a:extLst>
           </p:cNvPr>
@@ -5070,8 +5224,8 @@
         </p:nvSpPr>
         <p:spPr>
           <a:xfrm>
-            <a:off x="1709926" y="1315329"/>
-            <a:ext cx="8772145" cy="5262979"/>
+            <a:off x="394471" y="846161"/>
+            <a:ext cx="11403058" cy="1200329"/>
           </a:xfrm>
           <a:prstGeom prst="rect">
             <a:avLst/>
@@ -5085,627 +5239,339 @@
           <a:lstStyle/>
           <a:p>
             <a:r>
-              <a:rPr lang="fi-FI" sz="1400" dirty="0" err="1"/>
-              <a:t>private</a:t>
-            </a:r>
-            <a:r>
-              <a:rPr lang="fi-FI" sz="1400" dirty="0"/>
-              <a:t> </a:t>
-            </a:r>
-            <a:r>
-              <a:rPr lang="fi-FI" sz="1400" dirty="0" err="1"/>
-              <a:t>static</a:t>
-            </a:r>
-            <a:r>
-              <a:rPr lang="fi-FI" sz="1400" dirty="0"/>
-              <a:t> </a:t>
-            </a:r>
-            <a:r>
-              <a:rPr lang="fi-FI" sz="1400" dirty="0" err="1"/>
-              <a:t>final</a:t>
-            </a:r>
-            <a:r>
-              <a:rPr lang="fi-FI" sz="1400" dirty="0"/>
-              <a:t> Random </a:t>
-            </a:r>
-            <a:r>
-              <a:rPr lang="fi-FI" sz="1400" dirty="0" err="1"/>
-              <a:t>gen</a:t>
-            </a:r>
-            <a:r>
-              <a:rPr lang="fi-FI" sz="1400" dirty="0"/>
-              <a:t> = </a:t>
-            </a:r>
-            <a:r>
-              <a:rPr lang="fi-FI" sz="1400" dirty="0" err="1"/>
-              <a:t>new</a:t>
-            </a:r>
-            <a:r>
-              <a:rPr lang="fi-FI" sz="1400" dirty="0"/>
-              <a:t> Random();</a:t>
-            </a:r>
-          </a:p>
-          <a:p>
-            <a:r>
-              <a:rPr lang="fi-FI" sz="1400" dirty="0"/>
-              <a:t>        </a:t>
-            </a:r>
-          </a:p>
-          <a:p>
-            <a:r>
-              <a:rPr lang="fi-FI" sz="1400" dirty="0"/>
-              <a:t>        </a:t>
-            </a:r>
-            <a:r>
-              <a:rPr lang="fi-FI" sz="1400" dirty="0" err="1"/>
-              <a:t>public</a:t>
-            </a:r>
-            <a:r>
-              <a:rPr lang="fi-FI" sz="1400" dirty="0"/>
-              <a:t> </a:t>
-            </a:r>
-            <a:r>
-              <a:rPr lang="fi-FI" sz="1400" dirty="0" err="1"/>
-              <a:t>static</a:t>
-            </a:r>
-            <a:r>
-              <a:rPr lang="fi-FI" sz="1400" dirty="0"/>
-              <a:t> </a:t>
-            </a:r>
-            <a:r>
-              <a:rPr lang="fi-FI" sz="1400" dirty="0" err="1"/>
-              <a:t>void</a:t>
-            </a:r>
-            <a:r>
-              <a:rPr lang="fi-FI" sz="1400" dirty="0"/>
-              <a:t> </a:t>
-            </a:r>
-            <a:r>
-              <a:rPr lang="fi-FI" sz="1400" dirty="0" err="1"/>
-              <a:t>optimizedQuickSort</a:t>
-            </a:r>
-            <a:r>
-              <a:rPr lang="fi-FI" sz="1400" dirty="0"/>
-              <a:t>(</a:t>
-            </a:r>
-            <a:r>
-              <a:rPr lang="fi-FI" sz="1400" dirty="0" err="1"/>
-              <a:t>int</a:t>
-            </a:r>
-            <a:r>
-              <a:rPr lang="fi-FI" sz="1400" dirty="0"/>
-              <a:t>[] data, </a:t>
-            </a:r>
-            <a:r>
-              <a:rPr lang="fi-FI" sz="1400" dirty="0" err="1"/>
-              <a:t>int</a:t>
-            </a:r>
-            <a:r>
-              <a:rPr lang="fi-FI" sz="1400" dirty="0"/>
-              <a:t> </a:t>
-            </a:r>
-            <a:r>
-              <a:rPr lang="fi-FI" sz="1400" dirty="0" err="1"/>
-              <a:t>low</a:t>
-            </a:r>
-            <a:r>
-              <a:rPr lang="fi-FI" sz="1400" dirty="0"/>
-              <a:t>, </a:t>
-            </a:r>
-            <a:r>
-              <a:rPr lang="fi-FI" sz="1400" dirty="0" err="1"/>
-              <a:t>int</a:t>
-            </a:r>
-            <a:r>
-              <a:rPr lang="fi-FI" sz="1400" dirty="0"/>
-              <a:t> </a:t>
-            </a:r>
-            <a:r>
-              <a:rPr lang="fi-FI" sz="1400" dirty="0" err="1"/>
-              <a:t>high</a:t>
-            </a:r>
-            <a:r>
-              <a:rPr lang="fi-FI" sz="1400" dirty="0"/>
-              <a:t>) {</a:t>
-            </a:r>
-          </a:p>
-          <a:p>
-            <a:r>
-              <a:rPr lang="fi-FI" sz="1400" dirty="0"/>
-              <a:t>            </a:t>
-            </a:r>
-            <a:r>
-              <a:rPr lang="fi-FI" sz="1400" dirty="0" err="1"/>
+              <a:rPr lang="fi-FI" dirty="0"/>
+              <a:t>Randomilla datalla </a:t>
+            </a:r>
+            <a:r>
+              <a:rPr lang="fi-FI" dirty="0" err="1"/>
+              <a:t>quick</a:t>
+            </a:r>
+            <a:r>
+              <a:rPr lang="fi-FI" dirty="0"/>
+              <a:t> </a:t>
+            </a:r>
+            <a:r>
+              <a:rPr lang="fi-FI" dirty="0" err="1"/>
+              <a:t>sort</a:t>
+            </a:r>
+            <a:r>
+              <a:rPr lang="fi-FI" dirty="0"/>
+              <a:t> on kuningas rekursion ja pienen muistinkäytön ansiosta. </a:t>
+            </a:r>
+            <a:r>
+              <a:rPr lang="fi-FI" dirty="0" err="1"/>
+              <a:t>Knuthin</a:t>
+            </a:r>
+            <a:r>
+              <a:rPr lang="fi-FI" dirty="0"/>
+              <a:t> sarjaa käyttävä</a:t>
+            </a:r>
+          </a:p>
+          <a:p>
+            <a:r>
+              <a:rPr lang="fi-FI" dirty="0" err="1"/>
+              <a:t>shell</a:t>
+            </a:r>
+            <a:r>
+              <a:rPr lang="fi-FI" dirty="0"/>
+              <a:t> </a:t>
+            </a:r>
+            <a:r>
+              <a:rPr lang="fi-FI" dirty="0" err="1"/>
+              <a:t>sort</a:t>
+            </a:r>
+            <a:r>
+              <a:rPr lang="fi-FI" dirty="0"/>
+              <a:t> tuli vahvaksi kakkoseksi. Optimoitu </a:t>
+            </a:r>
+            <a:r>
+              <a:rPr lang="fi-FI" dirty="0" err="1"/>
+              <a:t>quick</a:t>
+            </a:r>
+            <a:r>
+              <a:rPr lang="fi-FI" dirty="0"/>
+              <a:t> </a:t>
+            </a:r>
+            <a:r>
+              <a:rPr lang="fi-FI" dirty="0" err="1"/>
+              <a:t>sort</a:t>
+            </a:r>
+            <a:r>
+              <a:rPr lang="fi-FI" dirty="0"/>
+              <a:t> ei vielä näyttänyt kynsiään, koska uuden random </a:t>
+            </a:r>
+            <a:r>
+              <a:rPr lang="fi-FI" dirty="0" err="1"/>
+              <a:t>integerin</a:t>
+            </a:r>
+            <a:endParaRPr lang="fi-FI" dirty="0"/>
+          </a:p>
+          <a:p>
+            <a:r>
+              <a:rPr lang="fi-FI" dirty="0"/>
+              <a:t>luominen vie suoritusvoimaa. </a:t>
+            </a:r>
+          </a:p>
+          <a:p>
+            <a:r>
+              <a:rPr lang="fi-FI" dirty="0"/>
+              <a:t>Selvästi hitain oli </a:t>
+            </a:r>
+            <a:r>
+              <a:rPr lang="fi-FI" dirty="0" err="1"/>
+              <a:t>bubble</a:t>
+            </a:r>
+            <a:r>
+              <a:rPr lang="fi-FI" dirty="0"/>
+              <a:t> </a:t>
+            </a:r>
+            <a:r>
+              <a:rPr lang="fi-FI" dirty="0" err="1"/>
+              <a:t>sort</a:t>
+            </a:r>
+            <a:r>
+              <a:rPr lang="fi-FI" dirty="0"/>
+              <a:t> sen O(n^2) aikavaatimuksen takia randomilla datalla.</a:t>
+            </a:r>
+          </a:p>
+        </p:txBody>
+      </p:sp>
+      <p:sp>
+        <p:nvSpPr>
+          <p:cNvPr id="6" name="Tekstiruutu 5">
+            <a:extLst>
+              <a:ext uri="{FF2B5EF4-FFF2-40B4-BE49-F238E27FC236}">
+                <a16:creationId xmlns:a16="http://schemas.microsoft.com/office/drawing/2014/main" id="{CD6A10A7-9532-5678-9705-DEBB4D966AAB}"/>
+              </a:ext>
+            </a:extLst>
+          </p:cNvPr>
+          <p:cNvSpPr txBox="1"/>
+          <p:nvPr/>
+        </p:nvSpPr>
+        <p:spPr>
+          <a:xfrm>
+            <a:off x="394471" y="2486167"/>
+            <a:ext cx="11952311" cy="1200329"/>
+          </a:xfrm>
+          <a:prstGeom prst="rect">
+            <a:avLst/>
+          </a:prstGeom>
+          <a:noFill/>
+        </p:spPr>
+        <p:txBody>
+          <a:bodyPr wrap="none" rtlCol="0">
+            <a:spAutoFit/>
+          </a:bodyPr>
+          <a:lstStyle/>
+          <a:p>
+            <a:r>
+              <a:rPr lang="fi-FI" dirty="0"/>
+              <a:t>Nousevalla datalla </a:t>
+            </a:r>
+            <a:r>
+              <a:rPr lang="fi-FI" dirty="0" err="1"/>
+              <a:t>bubble</a:t>
+            </a:r>
+            <a:r>
+              <a:rPr lang="fi-FI" dirty="0"/>
+              <a:t> </a:t>
+            </a:r>
+            <a:r>
+              <a:rPr lang="fi-FI" dirty="0" err="1"/>
+              <a:t>sort</a:t>
+            </a:r>
+            <a:r>
+              <a:rPr lang="fi-FI" dirty="0"/>
+              <a:t> oli selvä voittaja sen </a:t>
+            </a:r>
+            <a:r>
+              <a:rPr lang="fi-FI" dirty="0" err="1"/>
               <a:t>if</a:t>
             </a:r>
             <a:r>
-              <a:rPr lang="fi-FI" sz="1400" dirty="0"/>
-              <a:t> (</a:t>
-            </a:r>
-            <a:r>
-              <a:rPr lang="fi-FI" sz="1400" dirty="0" err="1"/>
-              <a:t>low</a:t>
-            </a:r>
-            <a:r>
-              <a:rPr lang="fi-FI" sz="1400" dirty="0"/>
-              <a:t> &gt;= </a:t>
-            </a:r>
-            <a:r>
-              <a:rPr lang="fi-FI" sz="1400" dirty="0" err="1"/>
-              <a:t>high</a:t>
-            </a:r>
-            <a:r>
-              <a:rPr lang="fi-FI" sz="1400" dirty="0"/>
+              <a:rPr lang="fi-FI" dirty="0"/>
+              <a:t> (!</a:t>
+            </a:r>
+            <a:r>
+              <a:rPr lang="fi-FI" dirty="0" err="1"/>
+              <a:t>swapped</a:t>
+            </a:r>
+            <a:r>
+              <a:rPr lang="fi-FI" dirty="0"/>
               <a:t>) </a:t>
             </a:r>
             <a:r>
-              <a:rPr lang="fi-FI" sz="1400" dirty="0" err="1"/>
+              <a:rPr lang="fi-FI" dirty="0" err="1"/>
               <a:t>return</a:t>
             </a:r>
             <a:r>
-              <a:rPr lang="fi-FI" sz="1400" dirty="0"/>
-              <a:t>;</a:t>
-            </a:r>
-          </a:p>
-          <a:p>
-            <a:r>
-              <a:rPr lang="fi-FI" sz="1400" dirty="0"/>
-              <a:t>            </a:t>
-            </a:r>
-            <a:r>
-              <a:rPr lang="fi-FI" sz="1400" dirty="0" err="1"/>
-              <a:t>int</a:t>
-            </a:r>
-            <a:r>
-              <a:rPr lang="fi-FI" sz="1400" dirty="0"/>
-              <a:t> </a:t>
-            </a:r>
-            <a:r>
-              <a:rPr lang="fi-FI" sz="1400" dirty="0" err="1"/>
-              <a:t>pivotIndex</a:t>
-            </a:r>
-            <a:r>
-              <a:rPr lang="fi-FI" sz="1400" dirty="0"/>
-              <a:t> = </a:t>
-            </a:r>
-            <a:r>
-              <a:rPr lang="fi-FI" sz="1400" dirty="0" err="1"/>
-              <a:t>gen.nextInt</a:t>
-            </a:r>
-            <a:r>
-              <a:rPr lang="fi-FI" sz="1400" dirty="0"/>
-              <a:t>(</a:t>
-            </a:r>
-            <a:r>
-              <a:rPr lang="fi-FI" sz="1400" dirty="0" err="1"/>
-              <a:t>low</a:t>
-            </a:r>
-            <a:r>
-              <a:rPr lang="fi-FI" sz="1400" dirty="0"/>
-              <a:t>, </a:t>
-            </a:r>
-            <a:r>
-              <a:rPr lang="fi-FI" sz="1400" dirty="0" err="1"/>
-              <a:t>high</a:t>
-            </a:r>
-            <a:r>
-              <a:rPr lang="fi-FI" sz="1400" dirty="0"/>
-              <a:t> + 1); // vältetään huonoin O(n^2) tapaus jos lista laskeva tai nouseva</a:t>
-            </a:r>
-          </a:p>
-          <a:p>
-            <a:r>
-              <a:rPr lang="fi-FI" sz="1400" dirty="0"/>
-              <a:t>            </a:t>
-            </a:r>
-            <a:r>
-              <a:rPr lang="fi-FI" sz="1400" dirty="0" err="1"/>
-              <a:t>int</a:t>
-            </a:r>
-            <a:r>
-              <a:rPr lang="fi-FI" sz="1400" dirty="0"/>
-              <a:t> pivot = data[</a:t>
-            </a:r>
-            <a:r>
-              <a:rPr lang="fi-FI" sz="1400" dirty="0" err="1"/>
-              <a:t>pivotIndex</a:t>
-            </a:r>
-            <a:r>
-              <a:rPr lang="fi-FI" sz="1400" dirty="0"/>
-              <a:t>]; // optimoidaan valitsemalla random </a:t>
-            </a:r>
-            <a:r>
-              <a:rPr lang="fi-FI" sz="1400" dirty="0" err="1"/>
-              <a:t>int</a:t>
-            </a:r>
-            <a:r>
-              <a:rPr lang="fi-FI" sz="1400" dirty="0"/>
-              <a:t> </a:t>
-            </a:r>
-            <a:r>
-              <a:rPr lang="fi-FI" sz="1400" dirty="0" err="1"/>
-              <a:t>pivotiksi</a:t>
-            </a:r>
-            <a:endParaRPr lang="fi-FI" sz="1400" dirty="0"/>
-          </a:p>
-          <a:p>
-            <a:r>
-              <a:rPr lang="fi-FI" sz="1400" dirty="0"/>
-              <a:t>            </a:t>
-            </a:r>
-            <a:r>
-              <a:rPr lang="fi-FI" sz="1400" dirty="0" err="1"/>
-              <a:t>int</a:t>
-            </a:r>
-            <a:r>
-              <a:rPr lang="fi-FI" sz="1400" dirty="0"/>
-              <a:t> </a:t>
-            </a:r>
-            <a:r>
-              <a:rPr lang="fi-FI" sz="1400" dirty="0" err="1"/>
-              <a:t>pTemp</a:t>
-            </a:r>
-            <a:r>
-              <a:rPr lang="fi-FI" sz="1400" dirty="0"/>
-              <a:t> = data[</a:t>
-            </a:r>
-            <a:r>
-              <a:rPr lang="fi-FI" sz="1400" dirty="0" err="1"/>
-              <a:t>pivotIndex</a:t>
-            </a:r>
-            <a:r>
-              <a:rPr lang="fi-FI" sz="1400" dirty="0"/>
-              <a:t>];</a:t>
-            </a:r>
-          </a:p>
-          <a:p>
-            <a:r>
-              <a:rPr lang="fi-FI" sz="1400" dirty="0"/>
-              <a:t>            data[</a:t>
-            </a:r>
-            <a:r>
-              <a:rPr lang="fi-FI" sz="1400" dirty="0" err="1"/>
-              <a:t>pivotIndex</a:t>
-            </a:r>
-            <a:r>
-              <a:rPr lang="fi-FI" sz="1400" dirty="0"/>
-              <a:t>] = data[</a:t>
-            </a:r>
-            <a:r>
-              <a:rPr lang="fi-FI" sz="1400" dirty="0" err="1"/>
-              <a:t>high</a:t>
-            </a:r>
-            <a:r>
-              <a:rPr lang="fi-FI" sz="1400" dirty="0"/>
-              <a:t>];</a:t>
-            </a:r>
-          </a:p>
-          <a:p>
-            <a:r>
-              <a:rPr lang="fi-FI" sz="1400" dirty="0"/>
-              <a:t>            data[</a:t>
-            </a:r>
-            <a:r>
-              <a:rPr lang="fi-FI" sz="1400" dirty="0" err="1"/>
-              <a:t>high</a:t>
-            </a:r>
-            <a:r>
-              <a:rPr lang="fi-FI" sz="1400" dirty="0"/>
-              <a:t>] = </a:t>
-            </a:r>
-            <a:r>
-              <a:rPr lang="fi-FI" sz="1400" dirty="0" err="1"/>
-              <a:t>pTemp</a:t>
-            </a:r>
-            <a:r>
-              <a:rPr lang="fi-FI" sz="1400" dirty="0"/>
-              <a:t>;</a:t>
-            </a:r>
-          </a:p>
-          <a:p>
-            <a:r>
-              <a:rPr lang="fi-FI" sz="1400" dirty="0"/>
-              <a:t>            </a:t>
-            </a:r>
-            <a:r>
-              <a:rPr lang="fi-FI" sz="1400" dirty="0" err="1"/>
-              <a:t>int</a:t>
-            </a:r>
-            <a:r>
-              <a:rPr lang="fi-FI" sz="1400" dirty="0"/>
-              <a:t> </a:t>
-            </a:r>
-            <a:r>
-              <a:rPr lang="fi-FI" sz="1400" dirty="0" err="1"/>
-              <a:t>index</a:t>
-            </a:r>
-            <a:r>
-              <a:rPr lang="fi-FI" sz="1400" dirty="0"/>
-              <a:t> = </a:t>
-            </a:r>
-            <a:r>
-              <a:rPr lang="fi-FI" sz="1400" dirty="0" err="1"/>
-              <a:t>low</a:t>
-            </a:r>
-            <a:r>
-              <a:rPr lang="fi-FI" sz="1400" dirty="0"/>
-              <a:t>;</a:t>
-            </a:r>
-          </a:p>
-          <a:p>
-            <a:r>
-              <a:rPr lang="fi-FI" sz="1400" dirty="0"/>
-              <a:t>            for (</a:t>
-            </a:r>
-            <a:r>
-              <a:rPr lang="fi-FI" sz="1400" dirty="0" err="1"/>
-              <a:t>int</a:t>
-            </a:r>
-            <a:r>
-              <a:rPr lang="fi-FI" sz="1400" dirty="0"/>
-              <a:t> i = </a:t>
-            </a:r>
-            <a:r>
-              <a:rPr lang="fi-FI" sz="1400" dirty="0" err="1"/>
-              <a:t>low</a:t>
-            </a:r>
-            <a:r>
-              <a:rPr lang="fi-FI" sz="1400" dirty="0"/>
-              <a:t>; i &lt; </a:t>
-            </a:r>
-            <a:r>
-              <a:rPr lang="fi-FI" sz="1400" dirty="0" err="1"/>
-              <a:t>high</a:t>
-            </a:r>
-            <a:r>
-              <a:rPr lang="fi-FI" sz="1400" dirty="0"/>
-              <a:t>; ++i) {</a:t>
-            </a:r>
-          </a:p>
-          <a:p>
-            <a:r>
-              <a:rPr lang="fi-FI" sz="1400" dirty="0"/>
-              <a:t>                </a:t>
-            </a:r>
-            <a:r>
-              <a:rPr lang="fi-FI" sz="1400" dirty="0" err="1"/>
-              <a:t>if</a:t>
-            </a:r>
-            <a:r>
-              <a:rPr lang="fi-FI" sz="1400" dirty="0"/>
-              <a:t> (data[i] &lt; pivot) {</a:t>
-            </a:r>
-          </a:p>
-          <a:p>
-            <a:r>
-              <a:rPr lang="fi-FI" sz="1400" dirty="0"/>
-              <a:t>                    </a:t>
-            </a:r>
-            <a:r>
-              <a:rPr lang="fi-FI" sz="1400" dirty="0" err="1"/>
-              <a:t>int</a:t>
-            </a:r>
-            <a:r>
-              <a:rPr lang="fi-FI" sz="1400" dirty="0"/>
-              <a:t> </a:t>
-            </a:r>
-            <a:r>
-              <a:rPr lang="fi-FI" sz="1400" dirty="0" err="1"/>
-              <a:t>temp</a:t>
-            </a:r>
-            <a:r>
-              <a:rPr lang="fi-FI" sz="1400" dirty="0"/>
-              <a:t> = data[</a:t>
-            </a:r>
-            <a:r>
-              <a:rPr lang="fi-FI" sz="1400" dirty="0" err="1"/>
-              <a:t>index</a:t>
-            </a:r>
-            <a:r>
-              <a:rPr lang="fi-FI" sz="1400" dirty="0"/>
-              <a:t>];</a:t>
-            </a:r>
-          </a:p>
-          <a:p>
-            <a:r>
-              <a:rPr lang="fi-FI" sz="1400" dirty="0"/>
-              <a:t>                    data[</a:t>
-            </a:r>
-            <a:r>
-              <a:rPr lang="fi-FI" sz="1400" dirty="0" err="1"/>
-              <a:t>index</a:t>
-            </a:r>
-            <a:r>
-              <a:rPr lang="fi-FI" sz="1400" dirty="0"/>
-              <a:t>] = data[i];</a:t>
-            </a:r>
-          </a:p>
-          <a:p>
-            <a:r>
-              <a:rPr lang="fi-FI" sz="1400" dirty="0"/>
-              <a:t>                    data[i] = </a:t>
-            </a:r>
-            <a:r>
-              <a:rPr lang="fi-FI" sz="1400" dirty="0" err="1"/>
-              <a:t>temp</a:t>
-            </a:r>
-            <a:r>
-              <a:rPr lang="fi-FI" sz="1400" dirty="0"/>
-              <a:t>;</a:t>
-            </a:r>
-          </a:p>
-          <a:p>
-            <a:r>
-              <a:rPr lang="fi-FI" sz="1400" dirty="0"/>
-              <a:t>                    ++</a:t>
-            </a:r>
-            <a:r>
-              <a:rPr lang="fi-FI" sz="1400" dirty="0" err="1"/>
-              <a:t>index</a:t>
-            </a:r>
-            <a:r>
-              <a:rPr lang="fi-FI" sz="1400" dirty="0"/>
-              <a:t>;</a:t>
-            </a:r>
-          </a:p>
-          <a:p>
-            <a:r>
-              <a:rPr lang="fi-FI" sz="1400" dirty="0"/>
-              <a:t>                }</a:t>
-            </a:r>
-          </a:p>
-          <a:p>
-            <a:r>
-              <a:rPr lang="fi-FI" sz="1400" dirty="0"/>
-              <a:t>            }</a:t>
-            </a:r>
-          </a:p>
-          <a:p>
-            <a:r>
-              <a:rPr lang="fi-FI" sz="1400" dirty="0"/>
-              <a:t>            </a:t>
-            </a:r>
-            <a:r>
-              <a:rPr lang="fi-FI" sz="1400" dirty="0" err="1"/>
-              <a:t>int</a:t>
-            </a:r>
-            <a:r>
-              <a:rPr lang="fi-FI" sz="1400" dirty="0"/>
-              <a:t> </a:t>
-            </a:r>
-            <a:r>
-              <a:rPr lang="fi-FI" sz="1400" dirty="0" err="1"/>
-              <a:t>temp</a:t>
-            </a:r>
-            <a:r>
-              <a:rPr lang="fi-FI" sz="1400" dirty="0"/>
-              <a:t> = data[</a:t>
-            </a:r>
-            <a:r>
-              <a:rPr lang="fi-FI" sz="1400" dirty="0" err="1"/>
-              <a:t>index</a:t>
-            </a:r>
-            <a:r>
-              <a:rPr lang="fi-FI" sz="1400" dirty="0"/>
-              <a:t>];</a:t>
-            </a:r>
-          </a:p>
-          <a:p>
-            <a:r>
-              <a:rPr lang="fi-FI" sz="1400" dirty="0"/>
-              <a:t>            data[</a:t>
-            </a:r>
-            <a:r>
-              <a:rPr lang="fi-FI" sz="1400" dirty="0" err="1"/>
-              <a:t>index</a:t>
-            </a:r>
-            <a:r>
-              <a:rPr lang="fi-FI" sz="1400" dirty="0"/>
-              <a:t>] = data[</a:t>
-            </a:r>
-            <a:r>
-              <a:rPr lang="fi-FI" sz="1400" dirty="0" err="1"/>
-              <a:t>high</a:t>
-            </a:r>
-            <a:r>
-              <a:rPr lang="fi-FI" sz="1400" dirty="0"/>
-              <a:t>];</a:t>
-            </a:r>
-          </a:p>
-          <a:p>
-            <a:r>
-              <a:rPr lang="fi-FI" sz="1400" dirty="0"/>
-              <a:t>            data[</a:t>
-            </a:r>
-            <a:r>
-              <a:rPr lang="fi-FI" sz="1400" dirty="0" err="1"/>
-              <a:t>high</a:t>
-            </a:r>
-            <a:r>
-              <a:rPr lang="fi-FI" sz="1400" dirty="0"/>
-              <a:t>] = </a:t>
-            </a:r>
-            <a:r>
-              <a:rPr lang="fi-FI" sz="1400" dirty="0" err="1"/>
-              <a:t>temp</a:t>
-            </a:r>
-            <a:r>
-              <a:rPr lang="fi-FI" sz="1400" dirty="0"/>
-              <a:t>;</a:t>
-            </a:r>
-          </a:p>
-          <a:p>
-            <a:r>
-              <a:rPr lang="fi-FI" sz="1400" dirty="0"/>
-              <a:t>            </a:t>
-            </a:r>
-            <a:r>
-              <a:rPr lang="fi-FI" sz="1400" dirty="0" err="1"/>
-              <a:t>optimizedQuickSort</a:t>
-            </a:r>
-            <a:r>
-              <a:rPr lang="fi-FI" sz="1400" dirty="0"/>
-              <a:t>(data, </a:t>
-            </a:r>
-            <a:r>
-              <a:rPr lang="fi-FI" sz="1400" dirty="0" err="1"/>
-              <a:t>low</a:t>
-            </a:r>
-            <a:r>
-              <a:rPr lang="fi-FI" sz="1400" dirty="0"/>
-              <a:t>, </a:t>
-            </a:r>
-            <a:r>
-              <a:rPr lang="fi-FI" sz="1400" dirty="0" err="1"/>
-              <a:t>index</a:t>
-            </a:r>
-            <a:r>
-              <a:rPr lang="fi-FI" sz="1400" dirty="0"/>
-              <a:t> - 1);</a:t>
-            </a:r>
-          </a:p>
-          <a:p>
-            <a:r>
-              <a:rPr lang="fi-FI" sz="1400" dirty="0"/>
-              <a:t>            </a:t>
-            </a:r>
-            <a:r>
-              <a:rPr lang="fi-FI" sz="1400" dirty="0" err="1"/>
-              <a:t>optimizedQuickSort</a:t>
-            </a:r>
-            <a:r>
-              <a:rPr lang="fi-FI" sz="1400" dirty="0"/>
-              <a:t>(data, </a:t>
-            </a:r>
-            <a:r>
-              <a:rPr lang="fi-FI" sz="1400" dirty="0" err="1"/>
-              <a:t>index</a:t>
-            </a:r>
-            <a:r>
-              <a:rPr lang="fi-FI" sz="1400" dirty="0"/>
-              <a:t> + 1, </a:t>
-            </a:r>
-            <a:r>
-              <a:rPr lang="fi-FI" sz="1400" dirty="0" err="1"/>
-              <a:t>high</a:t>
-            </a:r>
-            <a:r>
-              <a:rPr lang="fi-FI" sz="1400" dirty="0"/>
-              <a:t>);</a:t>
-            </a:r>
-          </a:p>
-          <a:p>
-            <a:r>
-              <a:rPr lang="fi-FI" sz="1400" dirty="0"/>
-              <a:t>        }</a:t>
-            </a:r>
+              <a:rPr lang="fi-FI" dirty="0"/>
+              <a:t>; lauseen takia, joka saa nousevalla datalla</a:t>
+            </a:r>
+          </a:p>
+          <a:p>
+            <a:r>
+              <a:rPr lang="fi-FI" dirty="0"/>
+              <a:t>sen aikavaatimukseksi O(n), sillä jos se ei vaihda yhtään elementtiä, se lopettaa funktion.</a:t>
+            </a:r>
+          </a:p>
+          <a:p>
+            <a:r>
+              <a:rPr lang="fi-FI" dirty="0"/>
+              <a:t>Huonoin oli normaali </a:t>
+            </a:r>
+            <a:r>
+              <a:rPr lang="fi-FI" dirty="0" err="1"/>
+              <a:t>quick</a:t>
+            </a:r>
+            <a:r>
+              <a:rPr lang="fi-FI" dirty="0"/>
+              <a:t> </a:t>
+            </a:r>
+            <a:r>
+              <a:rPr lang="fi-FI" dirty="0" err="1"/>
+              <a:t>sort</a:t>
+            </a:r>
+            <a:r>
+              <a:rPr lang="fi-FI" dirty="0"/>
+              <a:t>, sillä </a:t>
+            </a:r>
+            <a:r>
+              <a:rPr lang="fi-FI" dirty="0" err="1"/>
+              <a:t>pivotin</a:t>
+            </a:r>
+            <a:r>
+              <a:rPr lang="fi-FI" dirty="0"/>
+              <a:t> valitseminen listan viimeisestä elementistä tarkoittaa, että funktio </a:t>
+            </a:r>
+            <a:r>
+              <a:rPr lang="fi-FI" dirty="0" err="1"/>
+              <a:t>rekursoi</a:t>
+            </a:r>
+            <a:endParaRPr lang="fi-FI" dirty="0"/>
+          </a:p>
+          <a:p>
+            <a:r>
+              <a:rPr lang="fi-FI" dirty="0"/>
+              <a:t>Itseään </a:t>
+            </a:r>
+            <a:r>
+              <a:rPr lang="fi-FI" dirty="0" err="1"/>
+              <a:t>alkoiden</a:t>
+            </a:r>
+            <a:r>
+              <a:rPr lang="fi-FI" dirty="0"/>
+              <a:t> verran -1. Tästä syntyy yleensä </a:t>
+            </a:r>
+            <a:r>
+              <a:rPr lang="fi-FI" dirty="0" err="1"/>
+              <a:t>stack</a:t>
+            </a:r>
+            <a:r>
+              <a:rPr lang="fi-FI" dirty="0"/>
+              <a:t> </a:t>
+            </a:r>
+            <a:r>
+              <a:rPr lang="fi-FI" dirty="0" err="1"/>
+              <a:t>overflow</a:t>
+            </a:r>
+            <a:r>
+              <a:rPr lang="fi-FI" dirty="0"/>
+              <a:t>, koska muisti ei riitä niin moneen rekursioon. </a:t>
+            </a:r>
+          </a:p>
+        </p:txBody>
+      </p:sp>
+      <p:sp>
+        <p:nvSpPr>
+          <p:cNvPr id="7" name="Tekstiruutu 6">
+            <a:extLst>
+              <a:ext uri="{FF2B5EF4-FFF2-40B4-BE49-F238E27FC236}">
+                <a16:creationId xmlns:a16="http://schemas.microsoft.com/office/drawing/2014/main" id="{D566457E-9D33-D10A-3725-BE86483AD948}"/>
+              </a:ext>
+            </a:extLst>
+          </p:cNvPr>
+          <p:cNvSpPr txBox="1"/>
+          <p:nvPr/>
+        </p:nvSpPr>
+        <p:spPr>
+          <a:xfrm>
+            <a:off x="394471" y="4211346"/>
+            <a:ext cx="11905054" cy="1200329"/>
+          </a:xfrm>
+          <a:prstGeom prst="rect">
+            <a:avLst/>
+          </a:prstGeom>
+          <a:noFill/>
+        </p:spPr>
+        <p:txBody>
+          <a:bodyPr wrap="none" rtlCol="0">
+            <a:spAutoFit/>
+          </a:bodyPr>
+          <a:lstStyle/>
+          <a:p>
+            <a:r>
+              <a:rPr lang="fi-FI" dirty="0"/>
+              <a:t>Laskevalla datalla selvä voittaja oli </a:t>
+            </a:r>
+            <a:r>
+              <a:rPr lang="fi-FI" dirty="0" err="1"/>
+              <a:t>Knuthin</a:t>
+            </a:r>
+            <a:r>
+              <a:rPr lang="fi-FI" dirty="0"/>
+              <a:t> sarjaa käyttävä </a:t>
+            </a:r>
+            <a:r>
+              <a:rPr lang="fi-FI" dirty="0" err="1"/>
+              <a:t>shell</a:t>
+            </a:r>
+            <a:r>
+              <a:rPr lang="fi-FI" dirty="0"/>
+              <a:t> </a:t>
+            </a:r>
+            <a:r>
+              <a:rPr lang="fi-FI" dirty="0" err="1"/>
+              <a:t>sort</a:t>
+            </a:r>
+            <a:r>
+              <a:rPr lang="fi-FI" dirty="0"/>
+              <a:t>, sillä se voi yhdessä kierroksessa vaihtaa useiden </a:t>
+            </a:r>
+          </a:p>
+          <a:p>
+            <a:r>
+              <a:rPr lang="fi-FI" dirty="0"/>
+              <a:t>elementtien paikkaa isojen hyppyjen ansiosta. </a:t>
+            </a:r>
+          </a:p>
+          <a:p>
+            <a:r>
+              <a:rPr lang="fi-FI" dirty="0" err="1"/>
+              <a:t>Bubble</a:t>
+            </a:r>
+            <a:r>
+              <a:rPr lang="fi-FI" dirty="0"/>
+              <a:t> </a:t>
+            </a:r>
+            <a:r>
+              <a:rPr lang="fi-FI" dirty="0" err="1"/>
+              <a:t>sort</a:t>
+            </a:r>
+            <a:r>
+              <a:rPr lang="fi-FI" dirty="0"/>
+              <a:t> hävisi taas suurella määrällä O(n^2) aikavaatimuksen takia.</a:t>
+            </a:r>
+          </a:p>
+          <a:p>
+            <a:endParaRPr lang="fi-FI" dirty="0"/>
           </a:p>
         </p:txBody>
       </p:sp>
     </p:spTree>
     <p:extLst>
       <p:ext uri="{BB962C8B-B14F-4D97-AF65-F5344CB8AC3E}">
-        <p14:creationId xmlns:p14="http://schemas.microsoft.com/office/powerpoint/2010/main" val="2365388853"/>
+        <p14:creationId xmlns:p14="http://schemas.microsoft.com/office/powerpoint/2010/main" val="2625242151"/>
       </p:ext>
     </p:extLst>
   </p:cSld>
@@ -5737,7 +5603,7 @@
           <p:cNvPr id="2" name="Tekstiruutu 1">
             <a:extLst>
               <a:ext uri="{FF2B5EF4-FFF2-40B4-BE49-F238E27FC236}">
-                <a16:creationId xmlns:a16="http://schemas.microsoft.com/office/drawing/2014/main" id="{687B6FA4-5512-90B3-DB23-3A05DF945819}"/>
+                <a16:creationId xmlns:a16="http://schemas.microsoft.com/office/drawing/2014/main" id="{AF93C99B-5A88-0A6D-D5A2-72555C60C0A5}"/>
               </a:ext>
             </a:extLst>
           </p:cNvPr>
@@ -5746,8 +5612,8 @@
         </p:nvSpPr>
         <p:spPr>
           <a:xfrm>
-            <a:off x="3316489" y="436098"/>
-            <a:ext cx="5559022" cy="523220"/>
+            <a:off x="1589964" y="648269"/>
+            <a:ext cx="10282046" cy="584775"/>
           </a:xfrm>
           <a:prstGeom prst="rect">
             <a:avLst/>
@@ -5761,42 +5627,17 @@
           <a:lstStyle/>
           <a:p>
             <a:r>
-              <a:rPr lang="fi-FI" sz="2800" dirty="0" err="1"/>
-              <a:t>Quick</a:t>
-            </a:r>
-            <a:r>
-              <a:rPr lang="fi-FI" sz="2800" dirty="0"/>
-              <a:t> </a:t>
-            </a:r>
-            <a:r>
-              <a:rPr lang="fi-FI" sz="2800" dirty="0" err="1"/>
-              <a:t>Sort</a:t>
-            </a:r>
-            <a:r>
-              <a:rPr lang="fi-FI" sz="2800" dirty="0"/>
-              <a:t> </a:t>
-            </a:r>
-            <a:r>
-              <a:rPr lang="fi-FI" sz="2800" dirty="0" err="1"/>
-              <a:t>vs</a:t>
-            </a:r>
-            <a:r>
-              <a:rPr lang="fi-FI" sz="2800" dirty="0"/>
-              <a:t> Optimoitu </a:t>
-            </a:r>
-            <a:r>
-              <a:rPr lang="fi-FI" sz="2800" dirty="0" err="1"/>
-              <a:t>Quick</a:t>
-            </a:r>
-            <a:r>
-              <a:rPr lang="fi-FI" sz="2800" dirty="0"/>
-              <a:t> </a:t>
-            </a:r>
-            <a:r>
-              <a:rPr lang="fi-FI" sz="2800" dirty="0" err="1"/>
-              <a:t>Sort</a:t>
-            </a:r>
-            <a:endParaRPr lang="fi-FI" sz="2800" dirty="0"/>
+              <a:rPr lang="fi-FI" sz="3200" b="1" dirty="0"/>
+              <a:t>Käytin funktioiden testaamiseen </a:t>
+            </a:r>
+            <a:r>
+              <a:rPr lang="fi-FI" sz="3200" b="1" dirty="0" err="1"/>
+              <a:t>function</a:t>
+            </a:r>
+            <a:r>
+              <a:rPr lang="fi-FI" sz="3200" b="1" dirty="0"/>
+              <a:t> pointtereita:</a:t>
+            </a:r>
           </a:p>
         </p:txBody>
       </p:sp>
@@ -5805,7 +5646,7 @@
           <p:cNvPr id="3" name="Tekstiruutu 2">
             <a:extLst>
               <a:ext uri="{FF2B5EF4-FFF2-40B4-BE49-F238E27FC236}">
-                <a16:creationId xmlns:a16="http://schemas.microsoft.com/office/drawing/2014/main" id="{B6852150-97D0-72C2-281B-8824704D23A2}"/>
+                <a16:creationId xmlns:a16="http://schemas.microsoft.com/office/drawing/2014/main" id="{530ADD85-1E03-B10D-94F6-3BBC0D2DCFE4}"/>
               </a:ext>
             </a:extLst>
           </p:cNvPr>
@@ -5814,8 +5655,8 @@
         </p:nvSpPr>
         <p:spPr>
           <a:xfrm>
-            <a:off x="4166425" y="1235122"/>
-            <a:ext cx="3859149" cy="1200329"/>
+            <a:off x="921224" y="1899117"/>
+            <a:ext cx="11088805" cy="1754326"/>
           </a:xfrm>
           <a:prstGeom prst="rect">
             <a:avLst/>
@@ -5829,65 +5670,228 @@
           <a:lstStyle/>
           <a:p>
             <a:r>
-              <a:rPr lang="fi-FI" dirty="0"/>
-              <a:t>Random: </a:t>
-            </a:r>
-          </a:p>
-          <a:p>
-            <a:r>
-              <a:rPr lang="fi-FI" b="1" dirty="0" err="1"/>
-              <a:t>Quick</a:t>
-            </a:r>
-            <a:r>
-              <a:rPr lang="fi-FI" b="1" dirty="0"/>
-              <a:t> </a:t>
-            </a:r>
-            <a:r>
-              <a:rPr lang="fi-FI" b="1" dirty="0" err="1"/>
-              <a:t>Sort</a:t>
-            </a:r>
-            <a:r>
-              <a:rPr lang="fi-FI" b="1" dirty="0"/>
-              <a:t>: 27,550ms</a:t>
-            </a:r>
-          </a:p>
-          <a:p>
-            <a:r>
-              <a:rPr lang="fi-FI" dirty="0" err="1"/>
-              <a:t>Optimized</a:t>
-            </a:r>
-            <a:r>
-              <a:rPr lang="fi-FI" dirty="0"/>
-              <a:t> </a:t>
-            </a:r>
-            <a:r>
-              <a:rPr lang="fi-FI" dirty="0" err="1"/>
-              <a:t>Quick</a:t>
-            </a:r>
-            <a:r>
-              <a:rPr lang="fi-FI" dirty="0"/>
-              <a:t> </a:t>
-            </a:r>
-            <a:r>
-              <a:rPr lang="fi-FI" dirty="0" err="1"/>
-              <a:t>Sort</a:t>
-            </a:r>
-            <a:r>
-              <a:rPr lang="fi-FI" dirty="0"/>
-              <a:t>: 32,031ms</a:t>
-            </a:r>
-          </a:p>
-          <a:p>
-            <a:endParaRPr lang="fi-FI" dirty="0"/>
-          </a:p>
-        </p:txBody>
-      </p:sp>
-      <p:sp>
-        <p:nvSpPr>
-          <p:cNvPr id="5" name="Tekstiruutu 4">
-            <a:extLst>
-              <a:ext uri="{FF2B5EF4-FFF2-40B4-BE49-F238E27FC236}">
-                <a16:creationId xmlns:a16="http://schemas.microsoft.com/office/drawing/2014/main" id="{3D0FC739-F227-0CE0-D475-EDB33CF7A652}"/>
+              <a:rPr lang="fi-FI" dirty="0" err="1"/>
+              <a:t>public</a:t>
+            </a:r>
+            <a:r>
+              <a:rPr lang="fi-FI" dirty="0"/>
+              <a:t> </a:t>
+            </a:r>
+            <a:r>
+              <a:rPr lang="fi-FI" dirty="0" err="1"/>
+              <a:t>static</a:t>
+            </a:r>
+            <a:r>
+              <a:rPr lang="fi-FI" dirty="0"/>
+              <a:t> </a:t>
+            </a:r>
+            <a:r>
+              <a:rPr lang="fi-FI" dirty="0" err="1"/>
+              <a:t>void</a:t>
+            </a:r>
+            <a:r>
+              <a:rPr lang="fi-FI" dirty="0"/>
+              <a:t> </a:t>
+            </a:r>
+            <a:r>
+              <a:rPr lang="fi-FI" dirty="0" err="1"/>
+              <a:t>measureExecSpeed</a:t>
+            </a:r>
+            <a:r>
+              <a:rPr lang="fi-FI" dirty="0"/>
+              <a:t>(</a:t>
+            </a:r>
+            <a:r>
+              <a:rPr lang="fi-FI" dirty="0" err="1"/>
+              <a:t>FunctionPointer</a:t>
+            </a:r>
+            <a:r>
+              <a:rPr lang="fi-FI" dirty="0"/>
+              <a:t> </a:t>
+            </a:r>
+            <a:r>
+              <a:rPr lang="fi-FI" dirty="0" err="1"/>
+              <a:t>method</a:t>
+            </a:r>
+            <a:r>
+              <a:rPr lang="fi-FI" dirty="0"/>
+              <a:t>, </a:t>
+            </a:r>
+            <a:r>
+              <a:rPr lang="fi-FI" dirty="0" err="1"/>
+              <a:t>String</a:t>
+            </a:r>
+            <a:r>
+              <a:rPr lang="fi-FI" dirty="0"/>
+              <a:t> </a:t>
+            </a:r>
+            <a:r>
+              <a:rPr lang="fi-FI" dirty="0" err="1"/>
+              <a:t>name</a:t>
+            </a:r>
+            <a:r>
+              <a:rPr lang="fi-FI" dirty="0"/>
+              <a:t>, </a:t>
+            </a:r>
+            <a:r>
+              <a:rPr lang="fi-FI" dirty="0" err="1"/>
+              <a:t>int</a:t>
+            </a:r>
+            <a:r>
+              <a:rPr lang="fi-FI" dirty="0"/>
+              <a:t> </a:t>
+            </a:r>
+            <a:r>
+              <a:rPr lang="fi-FI" dirty="0" err="1"/>
+              <a:t>size</a:t>
+            </a:r>
+            <a:r>
+              <a:rPr lang="fi-FI" dirty="0"/>
+              <a:t>, </a:t>
+            </a:r>
+            <a:r>
+              <a:rPr lang="fi-FI" dirty="0" err="1"/>
+              <a:t>int</a:t>
+            </a:r>
+            <a:r>
+              <a:rPr lang="fi-FI" dirty="0"/>
+              <a:t>[] </a:t>
+            </a:r>
+            <a:r>
+              <a:rPr lang="fi-FI" dirty="0" err="1"/>
+              <a:t>arr</a:t>
+            </a:r>
+            <a:r>
+              <a:rPr lang="fi-FI" dirty="0"/>
+              <a:t>) {</a:t>
+            </a:r>
+          </a:p>
+          <a:p>
+            <a:r>
+              <a:rPr lang="fi-FI" dirty="0"/>
+              <a:t>            long </a:t>
+            </a:r>
+            <a:r>
+              <a:rPr lang="fi-FI" dirty="0" err="1"/>
+              <a:t>start</a:t>
+            </a:r>
+            <a:r>
+              <a:rPr lang="fi-FI" dirty="0"/>
+              <a:t> = </a:t>
+            </a:r>
+            <a:r>
+              <a:rPr lang="fi-FI" dirty="0" err="1"/>
+              <a:t>System.nanoTime</a:t>
+            </a:r>
+            <a:r>
+              <a:rPr lang="fi-FI" dirty="0"/>
+              <a:t>();</a:t>
+            </a:r>
+          </a:p>
+          <a:p>
+            <a:r>
+              <a:rPr lang="fi-FI" dirty="0"/>
+              <a:t>            </a:t>
+            </a:r>
+            <a:r>
+              <a:rPr lang="fi-FI" dirty="0" err="1"/>
+              <a:t>method.methodSignature</a:t>
+            </a:r>
+            <a:r>
+              <a:rPr lang="fi-FI" dirty="0"/>
+              <a:t>(</a:t>
+            </a:r>
+            <a:r>
+              <a:rPr lang="fi-FI" dirty="0" err="1"/>
+              <a:t>arr</a:t>
+            </a:r>
+            <a:r>
+              <a:rPr lang="fi-FI" dirty="0"/>
+              <a:t>);</a:t>
+            </a:r>
+          </a:p>
+          <a:p>
+            <a:r>
+              <a:rPr lang="fi-FI" dirty="0"/>
+              <a:t>            long </a:t>
+            </a:r>
+            <a:r>
+              <a:rPr lang="fi-FI" dirty="0" err="1"/>
+              <a:t>taken</a:t>
+            </a:r>
+            <a:r>
+              <a:rPr lang="fi-FI" dirty="0"/>
+              <a:t> = </a:t>
+            </a:r>
+            <a:r>
+              <a:rPr lang="fi-FI" dirty="0" err="1"/>
+              <a:t>System.nanoTime</a:t>
+            </a:r>
+            <a:r>
+              <a:rPr lang="fi-FI" dirty="0"/>
+              <a:t>() - </a:t>
+            </a:r>
+            <a:r>
+              <a:rPr lang="fi-FI" dirty="0" err="1"/>
+              <a:t>start</a:t>
+            </a:r>
+            <a:r>
+              <a:rPr lang="fi-FI" dirty="0"/>
+              <a:t>;</a:t>
+            </a:r>
+          </a:p>
+          <a:p>
+            <a:r>
+              <a:rPr lang="fi-FI" dirty="0"/>
+              <a:t>            </a:t>
+            </a:r>
+            <a:r>
+              <a:rPr lang="fi-FI" dirty="0" err="1"/>
+              <a:t>System.out.println</a:t>
+            </a:r>
+            <a:r>
+              <a:rPr lang="fi-FI" dirty="0"/>
+              <a:t>(</a:t>
+            </a:r>
+            <a:r>
+              <a:rPr lang="fi-FI" dirty="0" err="1"/>
+              <a:t>name</a:t>
+            </a:r>
+            <a:r>
+              <a:rPr lang="fi-FI" dirty="0"/>
+              <a:t> + ": " + </a:t>
+            </a:r>
+            <a:r>
+              <a:rPr lang="fi-FI" dirty="0" err="1"/>
+              <a:t>String.format</a:t>
+            </a:r>
+            <a:r>
+              <a:rPr lang="fi-FI" dirty="0"/>
+              <a:t>("%.3f", </a:t>
+            </a:r>
+            <a:r>
+              <a:rPr lang="fi-FI" dirty="0" err="1"/>
+              <a:t>taken</a:t>
+            </a:r>
+            <a:r>
+              <a:rPr lang="fi-FI" dirty="0"/>
+              <a:t> / 1000000.0) + "ms");</a:t>
+            </a:r>
+          </a:p>
+          <a:p>
+            <a:r>
+              <a:rPr lang="fi-FI" dirty="0"/>
+              <a:t>}</a:t>
+            </a:r>
+          </a:p>
+        </p:txBody>
+      </p:sp>
+      <p:sp>
+        <p:nvSpPr>
+          <p:cNvPr id="4" name="Tekstiruutu 3">
+            <a:extLst>
+              <a:ext uri="{FF2B5EF4-FFF2-40B4-BE49-F238E27FC236}">
+                <a16:creationId xmlns:a16="http://schemas.microsoft.com/office/drawing/2014/main" id="{BF0ECEAB-ACAF-5669-5497-1F00A2CBF539}"/>
               </a:ext>
             </a:extLst>
           </p:cNvPr>
@@ -5896,8 +5900,8 @@
         </p:nvSpPr>
         <p:spPr>
           <a:xfrm>
-            <a:off x="4116233" y="2435451"/>
-            <a:ext cx="3859149" cy="923330"/>
+            <a:off x="921224" y="4319516"/>
+            <a:ext cx="4600136" cy="923330"/>
           </a:xfrm>
           <a:prstGeom prst="rect">
             <a:avLst/>
@@ -5911,139 +5915,45 @@
           <a:lstStyle/>
           <a:p>
             <a:r>
-              <a:rPr lang="fi-FI" dirty="0"/>
-              <a:t>Nouseva: </a:t>
-            </a:r>
-          </a:p>
-          <a:p>
-            <a:r>
-              <a:rPr lang="fi-FI" dirty="0" err="1"/>
-              <a:t>Quick</a:t>
-            </a:r>
-            <a:r>
-              <a:rPr lang="fi-FI" dirty="0"/>
-              <a:t> </a:t>
-            </a:r>
-            <a:r>
-              <a:rPr lang="fi-FI" dirty="0" err="1"/>
-              <a:t>Sort</a:t>
-            </a:r>
-            <a:r>
-              <a:rPr lang="fi-FI" dirty="0"/>
-              <a:t>: 44287,423ms</a:t>
-            </a:r>
-          </a:p>
-          <a:p>
-            <a:r>
-              <a:rPr lang="fi-FI" b="1" dirty="0" err="1"/>
-              <a:t>Optimized</a:t>
-            </a:r>
-            <a:r>
-              <a:rPr lang="fi-FI" b="1" dirty="0"/>
-              <a:t> </a:t>
-            </a:r>
-            <a:r>
-              <a:rPr lang="fi-FI" b="1" dirty="0" err="1"/>
-              <a:t>Quick</a:t>
-            </a:r>
-            <a:r>
-              <a:rPr lang="fi-FI" b="1" dirty="0"/>
-              <a:t> </a:t>
-            </a:r>
-            <a:r>
-              <a:rPr lang="fi-FI" b="1" dirty="0" err="1"/>
-              <a:t>Sort</a:t>
-            </a:r>
-            <a:r>
-              <a:rPr lang="fi-FI" b="1" dirty="0"/>
-              <a:t>: 9,336ms</a:t>
-            </a:r>
-          </a:p>
-        </p:txBody>
-      </p:sp>
-      <p:sp>
-        <p:nvSpPr>
-          <p:cNvPr id="6" name="Tekstiruutu 5">
-            <a:extLst>
-              <a:ext uri="{FF2B5EF4-FFF2-40B4-BE49-F238E27FC236}">
-                <a16:creationId xmlns:a16="http://schemas.microsoft.com/office/drawing/2014/main" id="{115CCFCD-5623-6B9B-7FB9-4DA7335EACB2}"/>
-              </a:ext>
-            </a:extLst>
-          </p:cNvPr>
-          <p:cNvSpPr txBox="1"/>
-          <p:nvPr/>
-        </p:nvSpPr>
-        <p:spPr>
-          <a:xfrm flipH="1">
-            <a:off x="4116232" y="3911584"/>
-            <a:ext cx="3677269" cy="923330"/>
-          </a:xfrm>
-          <a:prstGeom prst="rect">
-            <a:avLst/>
-          </a:prstGeom>
-          <a:noFill/>
-        </p:spPr>
-        <p:txBody>
-          <a:bodyPr wrap="square" rtlCol="0">
-            <a:spAutoFit/>
-          </a:bodyPr>
-          <a:lstStyle/>
-          <a:p>
-            <a:r>
-              <a:rPr lang="fi-FI" dirty="0"/>
-              <a:t>Laskeva: </a:t>
-            </a:r>
-          </a:p>
-          <a:p>
-            <a:r>
-              <a:rPr lang="fi-FI" dirty="0" err="1"/>
-              <a:t>Quick</a:t>
-            </a:r>
-            <a:r>
-              <a:rPr lang="fi-FI" dirty="0"/>
-              <a:t> </a:t>
-            </a:r>
-            <a:r>
-              <a:rPr lang="fi-FI" dirty="0" err="1"/>
-              <a:t>Sort</a:t>
-            </a:r>
-            <a:r>
-              <a:rPr lang="fi-FI" dirty="0"/>
-              <a:t>: 19471,239ms</a:t>
-            </a:r>
-          </a:p>
-          <a:p>
-            <a:r>
-              <a:rPr lang="fi-FI" b="1" dirty="0" err="1"/>
-              <a:t>Optimized</a:t>
-            </a:r>
-            <a:r>
-              <a:rPr lang="fi-FI" b="1" dirty="0"/>
-              <a:t> </a:t>
-            </a:r>
-            <a:r>
-              <a:rPr lang="fi-FI" b="1" dirty="0" err="1"/>
-              <a:t>Quick</a:t>
-            </a:r>
-            <a:r>
-              <a:rPr lang="fi-FI" b="1" dirty="0"/>
-              <a:t> </a:t>
-            </a:r>
-            <a:r>
-              <a:rPr lang="fi-FI" b="1" dirty="0" err="1"/>
-              <a:t>Sort</a:t>
-            </a:r>
-            <a:r>
-              <a:rPr lang="fi-FI" b="1" dirty="0"/>
-              <a:t>: 9,673ms</a:t>
-            </a:r>
+              <a:rPr lang="en-US" dirty="0"/>
+              <a:t> public interface </a:t>
+            </a:r>
+            <a:r>
+              <a:rPr lang="en-US" dirty="0" err="1"/>
+              <a:t>FunctionPointer</a:t>
+            </a:r>
+            <a:r>
+              <a:rPr lang="en-US" dirty="0"/>
+              <a:t> {</a:t>
+            </a:r>
+          </a:p>
+          <a:p>
+            <a:r>
+              <a:rPr lang="en-US" dirty="0"/>
+              <a:t>            void </a:t>
+            </a:r>
+            <a:r>
+              <a:rPr lang="en-US" dirty="0" err="1"/>
+              <a:t>methodSignature</a:t>
+            </a:r>
+            <a:r>
+              <a:rPr lang="en-US" dirty="0"/>
+              <a:t>(int[] data);</a:t>
+            </a:r>
+          </a:p>
+          <a:p>
+            <a:r>
+              <a:rPr lang="en-US" dirty="0"/>
+              <a:t>        }</a:t>
+            </a:r>
+            <a:endParaRPr lang="fi-FI" dirty="0"/>
           </a:p>
         </p:txBody>
       </p:sp>
     </p:spTree>
     <p:extLst>
       <p:ext uri="{BB962C8B-B14F-4D97-AF65-F5344CB8AC3E}">
-        <p14:creationId xmlns:p14="http://schemas.microsoft.com/office/powerpoint/2010/main" val="2984234982"/>
+        <p14:creationId xmlns:p14="http://schemas.microsoft.com/office/powerpoint/2010/main" val="1694672083"/>
       </p:ext>
     </p:extLst>
   </p:cSld>
@@ -6075,6 +5985,1344 @@
           <p:cNvPr id="2" name="Tekstiruutu 1">
             <a:extLst>
               <a:ext uri="{FF2B5EF4-FFF2-40B4-BE49-F238E27FC236}">
+                <a16:creationId xmlns:a16="http://schemas.microsoft.com/office/drawing/2014/main" id="{52964F3D-4CE3-0808-63AD-72161B88132F}"/>
+              </a:ext>
+            </a:extLst>
+          </p:cNvPr>
+          <p:cNvSpPr txBox="1"/>
+          <p:nvPr/>
+        </p:nvSpPr>
+        <p:spPr>
+          <a:xfrm>
+            <a:off x="0" y="115000"/>
+            <a:ext cx="12316385" cy="1200329"/>
+          </a:xfrm>
+          <a:prstGeom prst="rect">
+            <a:avLst/>
+          </a:prstGeom>
+          <a:noFill/>
+        </p:spPr>
+        <p:txBody>
+          <a:bodyPr wrap="none" rtlCol="0">
+            <a:spAutoFit/>
+          </a:bodyPr>
+          <a:lstStyle/>
+          <a:p>
+            <a:r>
+              <a:rPr lang="fi-FI" sz="2400" b="1" dirty="0"/>
+              <a:t>Optimoin </a:t>
+            </a:r>
+            <a:r>
+              <a:rPr lang="fi-FI" sz="2400" b="1" dirty="0" err="1"/>
+              <a:t>Quick</a:t>
+            </a:r>
+            <a:r>
+              <a:rPr lang="fi-FI" sz="2400" b="1" dirty="0"/>
+              <a:t> Sortin käyttämällä </a:t>
+            </a:r>
+            <a:r>
+              <a:rPr lang="fi-FI" sz="2400" b="1" dirty="0">
+                <a:highlight>
+                  <a:srgbClr val="00FF00"/>
+                </a:highlight>
+              </a:rPr>
+              <a:t>pivot-alkiona </a:t>
+            </a:r>
+            <a:r>
+              <a:rPr lang="fi-FI" sz="2400" b="1" dirty="0" err="1">
+                <a:highlight>
+                  <a:srgbClr val="00FF00"/>
+                </a:highlight>
+              </a:rPr>
+              <a:t>random.nextInt</a:t>
+            </a:r>
+            <a:r>
+              <a:rPr lang="fi-FI" sz="2400" b="1" dirty="0">
+                <a:highlight>
+                  <a:srgbClr val="00FF00"/>
+                </a:highlight>
+              </a:rPr>
+              <a:t>() väliltä </a:t>
+            </a:r>
+            <a:r>
+              <a:rPr lang="fi-FI" sz="2400" b="1" dirty="0" err="1">
+                <a:highlight>
+                  <a:srgbClr val="00FF00"/>
+                </a:highlight>
+              </a:rPr>
+              <a:t>low</a:t>
+            </a:r>
+            <a:r>
+              <a:rPr lang="fi-FI" sz="2400" b="1" dirty="0">
+                <a:highlight>
+                  <a:srgbClr val="00FF00"/>
+                </a:highlight>
+              </a:rPr>
+              <a:t> ja </a:t>
+            </a:r>
+            <a:r>
+              <a:rPr lang="fi-FI" sz="2400" b="1" dirty="0" err="1">
+                <a:highlight>
+                  <a:srgbClr val="00FF00"/>
+                </a:highlight>
+              </a:rPr>
+              <a:t>high</a:t>
+            </a:r>
+            <a:r>
+              <a:rPr lang="fi-FI" sz="2400" b="1" dirty="0">
+                <a:highlight>
+                  <a:srgbClr val="00FF00"/>
+                </a:highlight>
+              </a:rPr>
+              <a:t> + 1</a:t>
+            </a:r>
+            <a:r>
+              <a:rPr lang="fi-FI" sz="2400" b="1" dirty="0"/>
+              <a:t>,</a:t>
+            </a:r>
+          </a:p>
+          <a:p>
+            <a:r>
+              <a:rPr lang="fi-FI" sz="2400" b="1" dirty="0"/>
+              <a:t>tällöin normaalin </a:t>
+            </a:r>
+            <a:r>
+              <a:rPr lang="fi-FI" sz="2400" b="1" dirty="0" err="1"/>
+              <a:t>Quick</a:t>
+            </a:r>
+            <a:r>
+              <a:rPr lang="fi-FI" sz="2400" b="1" dirty="0"/>
+              <a:t> Sortin laskevan / nousevan datan O(n^2) huonointa tapausta</a:t>
+            </a:r>
+          </a:p>
+          <a:p>
+            <a:r>
+              <a:rPr lang="fi-FI" sz="2400" b="1" dirty="0"/>
+              <a:t>ei tapahdu</a:t>
+            </a:r>
+          </a:p>
+        </p:txBody>
+      </p:sp>
+      <p:sp>
+        <p:nvSpPr>
+          <p:cNvPr id="3" name="Tekstiruutu 2">
+            <a:extLst>
+              <a:ext uri="{FF2B5EF4-FFF2-40B4-BE49-F238E27FC236}">
+                <a16:creationId xmlns:a16="http://schemas.microsoft.com/office/drawing/2014/main" id="{EFC386E7-9FA4-2E6B-8EF8-07E204F26AE2}"/>
+              </a:ext>
+            </a:extLst>
+          </p:cNvPr>
+          <p:cNvSpPr txBox="1"/>
+          <p:nvPr/>
+        </p:nvSpPr>
+        <p:spPr>
+          <a:xfrm>
+            <a:off x="1709926" y="1315329"/>
+            <a:ext cx="8772145" cy="5262979"/>
+          </a:xfrm>
+          <a:prstGeom prst="rect">
+            <a:avLst/>
+          </a:prstGeom>
+          <a:noFill/>
+        </p:spPr>
+        <p:txBody>
+          <a:bodyPr wrap="none" rtlCol="0">
+            <a:spAutoFit/>
+          </a:bodyPr>
+          <a:lstStyle/>
+          <a:p>
+            <a:r>
+              <a:rPr lang="fi-FI" sz="1400" dirty="0" err="1">
+                <a:highlight>
+                  <a:srgbClr val="00FF00"/>
+                </a:highlight>
+              </a:rPr>
+              <a:t>private</a:t>
+            </a:r>
+            <a:r>
+              <a:rPr lang="fi-FI" sz="1400" dirty="0">
+                <a:highlight>
+                  <a:srgbClr val="00FF00"/>
+                </a:highlight>
+              </a:rPr>
+              <a:t> </a:t>
+            </a:r>
+            <a:r>
+              <a:rPr lang="fi-FI" sz="1400" dirty="0" err="1">
+                <a:highlight>
+                  <a:srgbClr val="00FF00"/>
+                </a:highlight>
+              </a:rPr>
+              <a:t>static</a:t>
+            </a:r>
+            <a:r>
+              <a:rPr lang="fi-FI" sz="1400" dirty="0">
+                <a:highlight>
+                  <a:srgbClr val="00FF00"/>
+                </a:highlight>
+              </a:rPr>
+              <a:t> </a:t>
+            </a:r>
+            <a:r>
+              <a:rPr lang="fi-FI" sz="1400" dirty="0" err="1">
+                <a:highlight>
+                  <a:srgbClr val="00FF00"/>
+                </a:highlight>
+              </a:rPr>
+              <a:t>final</a:t>
+            </a:r>
+            <a:r>
+              <a:rPr lang="fi-FI" sz="1400" dirty="0">
+                <a:highlight>
+                  <a:srgbClr val="00FF00"/>
+                </a:highlight>
+              </a:rPr>
+              <a:t> Random </a:t>
+            </a:r>
+            <a:r>
+              <a:rPr lang="fi-FI" sz="1400" dirty="0" err="1">
+                <a:highlight>
+                  <a:srgbClr val="00FF00"/>
+                </a:highlight>
+              </a:rPr>
+              <a:t>gen</a:t>
+            </a:r>
+            <a:r>
+              <a:rPr lang="fi-FI" sz="1400" dirty="0">
+                <a:highlight>
+                  <a:srgbClr val="00FF00"/>
+                </a:highlight>
+              </a:rPr>
+              <a:t> = </a:t>
+            </a:r>
+            <a:r>
+              <a:rPr lang="fi-FI" sz="1400" dirty="0" err="1">
+                <a:highlight>
+                  <a:srgbClr val="00FF00"/>
+                </a:highlight>
+              </a:rPr>
+              <a:t>new</a:t>
+            </a:r>
+            <a:r>
+              <a:rPr lang="fi-FI" sz="1400" dirty="0">
+                <a:highlight>
+                  <a:srgbClr val="00FF00"/>
+                </a:highlight>
+              </a:rPr>
+              <a:t> Random();</a:t>
+            </a:r>
+          </a:p>
+          <a:p>
+            <a:r>
+              <a:rPr lang="fi-FI" sz="1400" dirty="0"/>
+              <a:t>        </a:t>
+            </a:r>
+          </a:p>
+          <a:p>
+            <a:r>
+              <a:rPr lang="fi-FI" sz="1400" dirty="0"/>
+              <a:t>        </a:t>
+            </a:r>
+            <a:r>
+              <a:rPr lang="fi-FI" sz="1400" dirty="0" err="1"/>
+              <a:t>public</a:t>
+            </a:r>
+            <a:r>
+              <a:rPr lang="fi-FI" sz="1400" dirty="0"/>
+              <a:t> </a:t>
+            </a:r>
+            <a:r>
+              <a:rPr lang="fi-FI" sz="1400" dirty="0" err="1"/>
+              <a:t>static</a:t>
+            </a:r>
+            <a:r>
+              <a:rPr lang="fi-FI" sz="1400" dirty="0"/>
+              <a:t> </a:t>
+            </a:r>
+            <a:r>
+              <a:rPr lang="fi-FI" sz="1400" dirty="0" err="1"/>
+              <a:t>void</a:t>
+            </a:r>
+            <a:r>
+              <a:rPr lang="fi-FI" sz="1400" dirty="0"/>
+              <a:t> </a:t>
+            </a:r>
+            <a:r>
+              <a:rPr lang="fi-FI" sz="1400" dirty="0" err="1"/>
+              <a:t>optimizedQuickSort</a:t>
+            </a:r>
+            <a:r>
+              <a:rPr lang="fi-FI" sz="1400" dirty="0"/>
+              <a:t>(</a:t>
+            </a:r>
+            <a:r>
+              <a:rPr lang="fi-FI" sz="1400" dirty="0" err="1"/>
+              <a:t>int</a:t>
+            </a:r>
+            <a:r>
+              <a:rPr lang="fi-FI" sz="1400" dirty="0"/>
+              <a:t>[] data, </a:t>
+            </a:r>
+            <a:r>
+              <a:rPr lang="fi-FI" sz="1400" dirty="0" err="1"/>
+              <a:t>int</a:t>
+            </a:r>
+            <a:r>
+              <a:rPr lang="fi-FI" sz="1400" dirty="0"/>
+              <a:t> </a:t>
+            </a:r>
+            <a:r>
+              <a:rPr lang="fi-FI" sz="1400" dirty="0" err="1"/>
+              <a:t>low</a:t>
+            </a:r>
+            <a:r>
+              <a:rPr lang="fi-FI" sz="1400" dirty="0"/>
+              <a:t>, </a:t>
+            </a:r>
+            <a:r>
+              <a:rPr lang="fi-FI" sz="1400" dirty="0" err="1"/>
+              <a:t>int</a:t>
+            </a:r>
+            <a:r>
+              <a:rPr lang="fi-FI" sz="1400" dirty="0"/>
+              <a:t> </a:t>
+            </a:r>
+            <a:r>
+              <a:rPr lang="fi-FI" sz="1400" dirty="0" err="1"/>
+              <a:t>high</a:t>
+            </a:r>
+            <a:r>
+              <a:rPr lang="fi-FI" sz="1400" dirty="0"/>
+              <a:t>) {</a:t>
+            </a:r>
+          </a:p>
+          <a:p>
+            <a:r>
+              <a:rPr lang="fi-FI" sz="1400" dirty="0"/>
+              <a:t>            </a:t>
+            </a:r>
+            <a:r>
+              <a:rPr lang="fi-FI" sz="1400" dirty="0" err="1"/>
+              <a:t>if</a:t>
+            </a:r>
+            <a:r>
+              <a:rPr lang="fi-FI" sz="1400" dirty="0"/>
+              <a:t> (</a:t>
+            </a:r>
+            <a:r>
+              <a:rPr lang="fi-FI" sz="1400" dirty="0" err="1"/>
+              <a:t>low</a:t>
+            </a:r>
+            <a:r>
+              <a:rPr lang="fi-FI" sz="1400" dirty="0"/>
+              <a:t> &gt;= </a:t>
+            </a:r>
+            <a:r>
+              <a:rPr lang="fi-FI" sz="1400" dirty="0" err="1"/>
+              <a:t>high</a:t>
+            </a:r>
+            <a:r>
+              <a:rPr lang="fi-FI" sz="1400" dirty="0"/>
+              <a:t>) </a:t>
+            </a:r>
+            <a:r>
+              <a:rPr lang="fi-FI" sz="1400" dirty="0" err="1"/>
+              <a:t>return</a:t>
+            </a:r>
+            <a:r>
+              <a:rPr lang="fi-FI" sz="1400" dirty="0"/>
+              <a:t>;</a:t>
+            </a:r>
+          </a:p>
+          <a:p>
+            <a:r>
+              <a:rPr lang="fi-FI" sz="1400" dirty="0"/>
+              <a:t>            </a:t>
+            </a:r>
+            <a:r>
+              <a:rPr lang="fi-FI" sz="1400" dirty="0" err="1">
+                <a:highlight>
+                  <a:srgbClr val="00FF00"/>
+                </a:highlight>
+              </a:rPr>
+              <a:t>int</a:t>
+            </a:r>
+            <a:r>
+              <a:rPr lang="fi-FI" sz="1400" dirty="0">
+                <a:highlight>
+                  <a:srgbClr val="00FF00"/>
+                </a:highlight>
+              </a:rPr>
+              <a:t> </a:t>
+            </a:r>
+            <a:r>
+              <a:rPr lang="fi-FI" sz="1400" dirty="0" err="1">
+                <a:highlight>
+                  <a:srgbClr val="00FF00"/>
+                </a:highlight>
+              </a:rPr>
+              <a:t>pivotIndex</a:t>
+            </a:r>
+            <a:r>
+              <a:rPr lang="fi-FI" sz="1400" dirty="0">
+                <a:highlight>
+                  <a:srgbClr val="00FF00"/>
+                </a:highlight>
+              </a:rPr>
+              <a:t> = </a:t>
+            </a:r>
+            <a:r>
+              <a:rPr lang="fi-FI" sz="1400" dirty="0" err="1">
+                <a:highlight>
+                  <a:srgbClr val="00FF00"/>
+                </a:highlight>
+              </a:rPr>
+              <a:t>gen.nextInt</a:t>
+            </a:r>
+            <a:r>
+              <a:rPr lang="fi-FI" sz="1400" dirty="0">
+                <a:highlight>
+                  <a:srgbClr val="00FF00"/>
+                </a:highlight>
+              </a:rPr>
+              <a:t>(</a:t>
+            </a:r>
+            <a:r>
+              <a:rPr lang="fi-FI" sz="1400" dirty="0" err="1">
+                <a:highlight>
+                  <a:srgbClr val="00FF00"/>
+                </a:highlight>
+              </a:rPr>
+              <a:t>low</a:t>
+            </a:r>
+            <a:r>
+              <a:rPr lang="fi-FI" sz="1400" dirty="0">
+                <a:highlight>
+                  <a:srgbClr val="00FF00"/>
+                </a:highlight>
+              </a:rPr>
+              <a:t>, </a:t>
+            </a:r>
+            <a:r>
+              <a:rPr lang="fi-FI" sz="1400" dirty="0" err="1">
+                <a:highlight>
+                  <a:srgbClr val="00FF00"/>
+                </a:highlight>
+              </a:rPr>
+              <a:t>high</a:t>
+            </a:r>
+            <a:r>
+              <a:rPr lang="fi-FI" sz="1400" dirty="0">
+                <a:highlight>
+                  <a:srgbClr val="00FF00"/>
+                </a:highlight>
+              </a:rPr>
+              <a:t> + 1</a:t>
+            </a:r>
+            <a:r>
+              <a:rPr lang="fi-FI" sz="1400" dirty="0"/>
+              <a:t>); // vältetään huonoin O(n^2) tapaus jos lista laskeva tai nouseva</a:t>
+            </a:r>
+          </a:p>
+          <a:p>
+            <a:r>
+              <a:rPr lang="fi-FI" sz="1400" dirty="0"/>
+              <a:t>            </a:t>
+            </a:r>
+            <a:r>
+              <a:rPr lang="fi-FI" sz="1400" dirty="0" err="1"/>
+              <a:t>int</a:t>
+            </a:r>
+            <a:r>
+              <a:rPr lang="fi-FI" sz="1400" dirty="0"/>
+              <a:t> pivot = data[</a:t>
+            </a:r>
+            <a:r>
+              <a:rPr lang="fi-FI" sz="1400" dirty="0" err="1"/>
+              <a:t>pivotIndex</a:t>
+            </a:r>
+            <a:r>
+              <a:rPr lang="fi-FI" sz="1400" dirty="0"/>
+              <a:t>]; // optimoidaan valitsemalla random </a:t>
+            </a:r>
+            <a:r>
+              <a:rPr lang="fi-FI" sz="1400" dirty="0" err="1"/>
+              <a:t>int</a:t>
+            </a:r>
+            <a:r>
+              <a:rPr lang="fi-FI" sz="1400" dirty="0"/>
+              <a:t> </a:t>
+            </a:r>
+            <a:r>
+              <a:rPr lang="fi-FI" sz="1400" dirty="0" err="1"/>
+              <a:t>pivotiksi</a:t>
+            </a:r>
+            <a:endParaRPr lang="fi-FI" sz="1400" dirty="0"/>
+          </a:p>
+          <a:p>
+            <a:r>
+              <a:rPr lang="fi-FI" sz="1400" dirty="0"/>
+              <a:t>            </a:t>
+            </a:r>
+            <a:r>
+              <a:rPr lang="fi-FI" sz="1400" dirty="0" err="1"/>
+              <a:t>int</a:t>
+            </a:r>
+            <a:r>
+              <a:rPr lang="fi-FI" sz="1400" dirty="0"/>
+              <a:t> </a:t>
+            </a:r>
+            <a:r>
+              <a:rPr lang="fi-FI" sz="1400" dirty="0" err="1"/>
+              <a:t>pTemp</a:t>
+            </a:r>
+            <a:r>
+              <a:rPr lang="fi-FI" sz="1400" dirty="0"/>
+              <a:t> = data[</a:t>
+            </a:r>
+            <a:r>
+              <a:rPr lang="fi-FI" sz="1400" dirty="0" err="1"/>
+              <a:t>pivotIndex</a:t>
+            </a:r>
+            <a:r>
+              <a:rPr lang="fi-FI" sz="1400" dirty="0"/>
+              <a:t>];</a:t>
+            </a:r>
+          </a:p>
+          <a:p>
+            <a:r>
+              <a:rPr lang="fi-FI" sz="1400" dirty="0"/>
+              <a:t>            data[</a:t>
+            </a:r>
+            <a:r>
+              <a:rPr lang="fi-FI" sz="1400" dirty="0" err="1"/>
+              <a:t>pivotIndex</a:t>
+            </a:r>
+            <a:r>
+              <a:rPr lang="fi-FI" sz="1400" dirty="0"/>
+              <a:t>] = data[</a:t>
+            </a:r>
+            <a:r>
+              <a:rPr lang="fi-FI" sz="1400" dirty="0" err="1"/>
+              <a:t>high</a:t>
+            </a:r>
+            <a:r>
+              <a:rPr lang="fi-FI" sz="1400" dirty="0"/>
+              <a:t>];</a:t>
+            </a:r>
+          </a:p>
+          <a:p>
+            <a:r>
+              <a:rPr lang="fi-FI" sz="1400" dirty="0"/>
+              <a:t>            data[</a:t>
+            </a:r>
+            <a:r>
+              <a:rPr lang="fi-FI" sz="1400" dirty="0" err="1"/>
+              <a:t>high</a:t>
+            </a:r>
+            <a:r>
+              <a:rPr lang="fi-FI" sz="1400" dirty="0"/>
+              <a:t>] = </a:t>
+            </a:r>
+            <a:r>
+              <a:rPr lang="fi-FI" sz="1400" dirty="0" err="1"/>
+              <a:t>pTemp</a:t>
+            </a:r>
+            <a:r>
+              <a:rPr lang="fi-FI" sz="1400" dirty="0"/>
+              <a:t>;</a:t>
+            </a:r>
+          </a:p>
+          <a:p>
+            <a:r>
+              <a:rPr lang="fi-FI" sz="1400" dirty="0"/>
+              <a:t>            </a:t>
+            </a:r>
+            <a:r>
+              <a:rPr lang="fi-FI" sz="1400" dirty="0" err="1"/>
+              <a:t>int</a:t>
+            </a:r>
+            <a:r>
+              <a:rPr lang="fi-FI" sz="1400" dirty="0"/>
+              <a:t> </a:t>
+            </a:r>
+            <a:r>
+              <a:rPr lang="fi-FI" sz="1400" dirty="0" err="1"/>
+              <a:t>index</a:t>
+            </a:r>
+            <a:r>
+              <a:rPr lang="fi-FI" sz="1400" dirty="0"/>
+              <a:t> = </a:t>
+            </a:r>
+            <a:r>
+              <a:rPr lang="fi-FI" sz="1400" dirty="0" err="1"/>
+              <a:t>low</a:t>
+            </a:r>
+            <a:r>
+              <a:rPr lang="fi-FI" sz="1400" dirty="0"/>
+              <a:t>;</a:t>
+            </a:r>
+          </a:p>
+          <a:p>
+            <a:r>
+              <a:rPr lang="fi-FI" sz="1400" dirty="0"/>
+              <a:t>            for (</a:t>
+            </a:r>
+            <a:r>
+              <a:rPr lang="fi-FI" sz="1400" dirty="0" err="1"/>
+              <a:t>int</a:t>
+            </a:r>
+            <a:r>
+              <a:rPr lang="fi-FI" sz="1400" dirty="0"/>
+              <a:t> i = </a:t>
+            </a:r>
+            <a:r>
+              <a:rPr lang="fi-FI" sz="1400" dirty="0" err="1"/>
+              <a:t>low</a:t>
+            </a:r>
+            <a:r>
+              <a:rPr lang="fi-FI" sz="1400" dirty="0"/>
+              <a:t>; i &lt; </a:t>
+            </a:r>
+            <a:r>
+              <a:rPr lang="fi-FI" sz="1400" dirty="0" err="1"/>
+              <a:t>high</a:t>
+            </a:r>
+            <a:r>
+              <a:rPr lang="fi-FI" sz="1400" dirty="0"/>
+              <a:t>; ++i) {</a:t>
+            </a:r>
+          </a:p>
+          <a:p>
+            <a:r>
+              <a:rPr lang="fi-FI" sz="1400" dirty="0"/>
+              <a:t>                </a:t>
+            </a:r>
+            <a:r>
+              <a:rPr lang="fi-FI" sz="1400" dirty="0" err="1"/>
+              <a:t>if</a:t>
+            </a:r>
+            <a:r>
+              <a:rPr lang="fi-FI" sz="1400" dirty="0"/>
+              <a:t> (data[i] &lt; pivot) {</a:t>
+            </a:r>
+          </a:p>
+          <a:p>
+            <a:r>
+              <a:rPr lang="fi-FI" sz="1400" dirty="0"/>
+              <a:t>                    </a:t>
+            </a:r>
+            <a:r>
+              <a:rPr lang="fi-FI" sz="1400" dirty="0" err="1"/>
+              <a:t>int</a:t>
+            </a:r>
+            <a:r>
+              <a:rPr lang="fi-FI" sz="1400" dirty="0"/>
+              <a:t> </a:t>
+            </a:r>
+            <a:r>
+              <a:rPr lang="fi-FI" sz="1400" dirty="0" err="1"/>
+              <a:t>temp</a:t>
+            </a:r>
+            <a:r>
+              <a:rPr lang="fi-FI" sz="1400" dirty="0"/>
+              <a:t> = data[</a:t>
+            </a:r>
+            <a:r>
+              <a:rPr lang="fi-FI" sz="1400" dirty="0" err="1"/>
+              <a:t>index</a:t>
+            </a:r>
+            <a:r>
+              <a:rPr lang="fi-FI" sz="1400" dirty="0"/>
+              <a:t>];</a:t>
+            </a:r>
+          </a:p>
+          <a:p>
+            <a:r>
+              <a:rPr lang="fi-FI" sz="1400" dirty="0"/>
+              <a:t>                    data[</a:t>
+            </a:r>
+            <a:r>
+              <a:rPr lang="fi-FI" sz="1400" dirty="0" err="1"/>
+              <a:t>index</a:t>
+            </a:r>
+            <a:r>
+              <a:rPr lang="fi-FI" sz="1400" dirty="0"/>
+              <a:t>] = data[i];</a:t>
+            </a:r>
+          </a:p>
+          <a:p>
+            <a:r>
+              <a:rPr lang="fi-FI" sz="1400" dirty="0"/>
+              <a:t>                    data[i] = </a:t>
+            </a:r>
+            <a:r>
+              <a:rPr lang="fi-FI" sz="1400" dirty="0" err="1"/>
+              <a:t>temp</a:t>
+            </a:r>
+            <a:r>
+              <a:rPr lang="fi-FI" sz="1400" dirty="0"/>
+              <a:t>;</a:t>
+            </a:r>
+          </a:p>
+          <a:p>
+            <a:r>
+              <a:rPr lang="fi-FI" sz="1400" dirty="0"/>
+              <a:t>                    ++</a:t>
+            </a:r>
+            <a:r>
+              <a:rPr lang="fi-FI" sz="1400" dirty="0" err="1"/>
+              <a:t>index</a:t>
+            </a:r>
+            <a:r>
+              <a:rPr lang="fi-FI" sz="1400" dirty="0"/>
+              <a:t>;</a:t>
+            </a:r>
+          </a:p>
+          <a:p>
+            <a:r>
+              <a:rPr lang="fi-FI" sz="1400" dirty="0"/>
+              <a:t>                }</a:t>
+            </a:r>
+          </a:p>
+          <a:p>
+            <a:r>
+              <a:rPr lang="fi-FI" sz="1400" dirty="0"/>
+              <a:t>            }</a:t>
+            </a:r>
+          </a:p>
+          <a:p>
+            <a:r>
+              <a:rPr lang="fi-FI" sz="1400" dirty="0"/>
+              <a:t>            </a:t>
+            </a:r>
+            <a:r>
+              <a:rPr lang="fi-FI" sz="1400" dirty="0" err="1"/>
+              <a:t>int</a:t>
+            </a:r>
+            <a:r>
+              <a:rPr lang="fi-FI" sz="1400" dirty="0"/>
+              <a:t> </a:t>
+            </a:r>
+            <a:r>
+              <a:rPr lang="fi-FI" sz="1400" dirty="0" err="1"/>
+              <a:t>temp</a:t>
+            </a:r>
+            <a:r>
+              <a:rPr lang="fi-FI" sz="1400" dirty="0"/>
+              <a:t> = data[</a:t>
+            </a:r>
+            <a:r>
+              <a:rPr lang="fi-FI" sz="1400" dirty="0" err="1"/>
+              <a:t>index</a:t>
+            </a:r>
+            <a:r>
+              <a:rPr lang="fi-FI" sz="1400" dirty="0"/>
+              <a:t>];</a:t>
+            </a:r>
+          </a:p>
+          <a:p>
+            <a:r>
+              <a:rPr lang="fi-FI" sz="1400" dirty="0"/>
+              <a:t>            data[</a:t>
+            </a:r>
+            <a:r>
+              <a:rPr lang="fi-FI" sz="1400" dirty="0" err="1"/>
+              <a:t>index</a:t>
+            </a:r>
+            <a:r>
+              <a:rPr lang="fi-FI" sz="1400" dirty="0"/>
+              <a:t>] = data[</a:t>
+            </a:r>
+            <a:r>
+              <a:rPr lang="fi-FI" sz="1400" dirty="0" err="1"/>
+              <a:t>high</a:t>
+            </a:r>
+            <a:r>
+              <a:rPr lang="fi-FI" sz="1400" dirty="0"/>
+              <a:t>];</a:t>
+            </a:r>
+          </a:p>
+          <a:p>
+            <a:r>
+              <a:rPr lang="fi-FI" sz="1400" dirty="0"/>
+              <a:t>            data[</a:t>
+            </a:r>
+            <a:r>
+              <a:rPr lang="fi-FI" sz="1400" dirty="0" err="1"/>
+              <a:t>high</a:t>
+            </a:r>
+            <a:r>
+              <a:rPr lang="fi-FI" sz="1400" dirty="0"/>
+              <a:t>] = </a:t>
+            </a:r>
+            <a:r>
+              <a:rPr lang="fi-FI" sz="1400" dirty="0" err="1"/>
+              <a:t>temp</a:t>
+            </a:r>
+            <a:r>
+              <a:rPr lang="fi-FI" sz="1400" dirty="0"/>
+              <a:t>;</a:t>
+            </a:r>
+          </a:p>
+          <a:p>
+            <a:r>
+              <a:rPr lang="fi-FI" sz="1400" dirty="0"/>
+              <a:t>            </a:t>
+            </a:r>
+            <a:r>
+              <a:rPr lang="fi-FI" sz="1400" dirty="0" err="1"/>
+              <a:t>optimizedQuickSort</a:t>
+            </a:r>
+            <a:r>
+              <a:rPr lang="fi-FI" sz="1400" dirty="0"/>
+              <a:t>(data, </a:t>
+            </a:r>
+            <a:r>
+              <a:rPr lang="fi-FI" sz="1400" dirty="0" err="1"/>
+              <a:t>low</a:t>
+            </a:r>
+            <a:r>
+              <a:rPr lang="fi-FI" sz="1400" dirty="0"/>
+              <a:t>, </a:t>
+            </a:r>
+            <a:r>
+              <a:rPr lang="fi-FI" sz="1400" dirty="0" err="1"/>
+              <a:t>index</a:t>
+            </a:r>
+            <a:r>
+              <a:rPr lang="fi-FI" sz="1400" dirty="0"/>
+              <a:t> - 1);</a:t>
+            </a:r>
+          </a:p>
+          <a:p>
+            <a:r>
+              <a:rPr lang="fi-FI" sz="1400" dirty="0"/>
+              <a:t>            </a:t>
+            </a:r>
+            <a:r>
+              <a:rPr lang="fi-FI" sz="1400" dirty="0" err="1"/>
+              <a:t>optimizedQuickSort</a:t>
+            </a:r>
+            <a:r>
+              <a:rPr lang="fi-FI" sz="1400" dirty="0"/>
+              <a:t>(data, </a:t>
+            </a:r>
+            <a:r>
+              <a:rPr lang="fi-FI" sz="1400" dirty="0" err="1"/>
+              <a:t>index</a:t>
+            </a:r>
+            <a:r>
+              <a:rPr lang="fi-FI" sz="1400" dirty="0"/>
+              <a:t> + 1, </a:t>
+            </a:r>
+            <a:r>
+              <a:rPr lang="fi-FI" sz="1400" dirty="0" err="1"/>
+              <a:t>high</a:t>
+            </a:r>
+            <a:r>
+              <a:rPr lang="fi-FI" sz="1400" dirty="0"/>
+              <a:t>);</a:t>
+            </a:r>
+          </a:p>
+          <a:p>
+            <a:r>
+              <a:rPr lang="fi-FI" sz="1400" dirty="0"/>
+              <a:t>        }</a:t>
+            </a:r>
+          </a:p>
+        </p:txBody>
+      </p:sp>
+    </p:spTree>
+    <p:extLst>
+      <p:ext uri="{BB962C8B-B14F-4D97-AF65-F5344CB8AC3E}">
+        <p14:creationId xmlns:p14="http://schemas.microsoft.com/office/powerpoint/2010/main" val="2365388853"/>
+      </p:ext>
+    </p:extLst>
+  </p:cSld>
+  <p:clrMapOvr>
+    <a:masterClrMapping/>
+  </p:clrMapOvr>
+</p:sld>
+</file>
+
+<file path=ppt/slides/slide7.xml><?xml version="1.0" encoding="utf-8"?>
+<p:sld xmlns:a="http://schemas.openxmlformats.org/drawingml/2006/main" xmlns:r="http://schemas.openxmlformats.org/officeDocument/2006/relationships" xmlns:p="http://schemas.openxmlformats.org/presentationml/2006/main">
+  <p:cSld>
+    <p:spTree>
+      <p:nvGrpSpPr>
+        <p:cNvPr id="1" name=""/>
+        <p:cNvGrpSpPr/>
+        <p:nvPr/>
+      </p:nvGrpSpPr>
+      <p:grpSpPr>
+        <a:xfrm>
+          <a:off x="0" y="0"/>
+          <a:ext cx="0" cy="0"/>
+          <a:chOff x="0" y="0"/>
+          <a:chExt cx="0" cy="0"/>
+        </a:xfrm>
+      </p:grpSpPr>
+      <p:sp>
+        <p:nvSpPr>
+          <p:cNvPr id="2" name="Tekstiruutu 1">
+            <a:extLst>
+              <a:ext uri="{FF2B5EF4-FFF2-40B4-BE49-F238E27FC236}">
+                <a16:creationId xmlns:a16="http://schemas.microsoft.com/office/drawing/2014/main" id="{687B6FA4-5512-90B3-DB23-3A05DF945819}"/>
+              </a:ext>
+            </a:extLst>
+          </p:cNvPr>
+          <p:cNvSpPr txBox="1"/>
+          <p:nvPr/>
+        </p:nvSpPr>
+        <p:spPr>
+          <a:xfrm>
+            <a:off x="3120839" y="331770"/>
+            <a:ext cx="5849935" cy="954107"/>
+          </a:xfrm>
+          <a:prstGeom prst="rect">
+            <a:avLst/>
+          </a:prstGeom>
+          <a:noFill/>
+        </p:spPr>
+        <p:txBody>
+          <a:bodyPr wrap="none" rtlCol="0">
+            <a:spAutoFit/>
+          </a:bodyPr>
+          <a:lstStyle/>
+          <a:p>
+            <a:r>
+              <a:rPr lang="fi-FI" sz="2800" b="1" dirty="0" err="1"/>
+              <a:t>Quick</a:t>
+            </a:r>
+            <a:r>
+              <a:rPr lang="fi-FI" sz="2800" b="1" dirty="0"/>
+              <a:t> </a:t>
+            </a:r>
+            <a:r>
+              <a:rPr lang="fi-FI" sz="2800" b="1" dirty="0" err="1"/>
+              <a:t>Sort</a:t>
+            </a:r>
+            <a:r>
+              <a:rPr lang="fi-FI" sz="2800" b="1" dirty="0"/>
+              <a:t> </a:t>
+            </a:r>
+            <a:r>
+              <a:rPr lang="fi-FI" sz="2800" b="1" dirty="0" err="1"/>
+              <a:t>vs</a:t>
+            </a:r>
+            <a:r>
+              <a:rPr lang="fi-FI" sz="2800" b="1" dirty="0"/>
+              <a:t> Optimoitu </a:t>
+            </a:r>
+            <a:r>
+              <a:rPr lang="fi-FI" sz="2800" b="1" dirty="0" err="1"/>
+              <a:t>Quick</a:t>
+            </a:r>
+            <a:r>
+              <a:rPr lang="fi-FI" sz="2800" b="1" dirty="0"/>
+              <a:t> </a:t>
+            </a:r>
+            <a:r>
+              <a:rPr lang="fi-FI" sz="2800" b="1" dirty="0" err="1"/>
+              <a:t>Sort</a:t>
+            </a:r>
+            <a:endParaRPr lang="fi-FI" sz="2800" b="1" dirty="0"/>
+          </a:p>
+          <a:p>
+            <a:r>
+              <a:rPr lang="fi-FI" sz="2800" b="1" dirty="0"/>
+              <a:t>250 000 alkiolla</a:t>
+            </a:r>
+          </a:p>
+        </p:txBody>
+      </p:sp>
+      <p:sp>
+        <p:nvSpPr>
+          <p:cNvPr id="3" name="Tekstiruutu 2">
+            <a:extLst>
+              <a:ext uri="{FF2B5EF4-FFF2-40B4-BE49-F238E27FC236}">
+                <a16:creationId xmlns:a16="http://schemas.microsoft.com/office/drawing/2014/main" id="{B6852150-97D0-72C2-281B-8824704D23A2}"/>
+              </a:ext>
+            </a:extLst>
+          </p:cNvPr>
+          <p:cNvSpPr txBox="1"/>
+          <p:nvPr/>
+        </p:nvSpPr>
+        <p:spPr>
+          <a:xfrm>
+            <a:off x="4166425" y="1235122"/>
+            <a:ext cx="3859149" cy="1200329"/>
+          </a:xfrm>
+          <a:prstGeom prst="rect">
+            <a:avLst/>
+          </a:prstGeom>
+          <a:noFill/>
+        </p:spPr>
+        <p:txBody>
+          <a:bodyPr wrap="square" rtlCol="0">
+            <a:spAutoFit/>
+          </a:bodyPr>
+          <a:lstStyle/>
+          <a:p>
+            <a:r>
+              <a:rPr lang="fi-FI" b="1" dirty="0"/>
+              <a:t>Random: </a:t>
+            </a:r>
+          </a:p>
+          <a:p>
+            <a:r>
+              <a:rPr lang="fi-FI" dirty="0" err="1">
+                <a:highlight>
+                  <a:srgbClr val="00FF00"/>
+                </a:highlight>
+              </a:rPr>
+              <a:t>Quick</a:t>
+            </a:r>
+            <a:r>
+              <a:rPr lang="fi-FI" dirty="0">
+                <a:highlight>
+                  <a:srgbClr val="00FF00"/>
+                </a:highlight>
+              </a:rPr>
+              <a:t> </a:t>
+            </a:r>
+            <a:r>
+              <a:rPr lang="fi-FI" dirty="0" err="1">
+                <a:highlight>
+                  <a:srgbClr val="00FF00"/>
+                </a:highlight>
+              </a:rPr>
+              <a:t>Sort</a:t>
+            </a:r>
+            <a:r>
+              <a:rPr lang="fi-FI" dirty="0">
+                <a:highlight>
+                  <a:srgbClr val="00FF00"/>
+                </a:highlight>
+              </a:rPr>
+              <a:t>: 39,449ms</a:t>
+            </a:r>
+          </a:p>
+          <a:p>
+            <a:r>
+              <a:rPr lang="fi-FI" dirty="0" err="1"/>
+              <a:t>Optimized</a:t>
+            </a:r>
+            <a:r>
+              <a:rPr lang="fi-FI" dirty="0"/>
+              <a:t> </a:t>
+            </a:r>
+            <a:r>
+              <a:rPr lang="fi-FI" dirty="0" err="1"/>
+              <a:t>Quick</a:t>
+            </a:r>
+            <a:r>
+              <a:rPr lang="fi-FI" dirty="0"/>
+              <a:t> </a:t>
+            </a:r>
+            <a:r>
+              <a:rPr lang="fi-FI" dirty="0" err="1"/>
+              <a:t>Sort</a:t>
+            </a:r>
+            <a:r>
+              <a:rPr lang="fi-FI" dirty="0"/>
+              <a:t>: 46,896ms</a:t>
+            </a:r>
+          </a:p>
+          <a:p>
+            <a:endParaRPr lang="fi-FI" dirty="0"/>
+          </a:p>
+        </p:txBody>
+      </p:sp>
+      <p:sp>
+        <p:nvSpPr>
+          <p:cNvPr id="5" name="Tekstiruutu 4">
+            <a:extLst>
+              <a:ext uri="{FF2B5EF4-FFF2-40B4-BE49-F238E27FC236}">
+                <a16:creationId xmlns:a16="http://schemas.microsoft.com/office/drawing/2014/main" id="{3D0FC739-F227-0CE0-D475-EDB33CF7A652}"/>
+              </a:ext>
+            </a:extLst>
+          </p:cNvPr>
+          <p:cNvSpPr txBox="1"/>
+          <p:nvPr/>
+        </p:nvSpPr>
+        <p:spPr>
+          <a:xfrm>
+            <a:off x="4116233" y="2435451"/>
+            <a:ext cx="3859149" cy="923330"/>
+          </a:xfrm>
+          <a:prstGeom prst="rect">
+            <a:avLst/>
+          </a:prstGeom>
+          <a:noFill/>
+        </p:spPr>
+        <p:txBody>
+          <a:bodyPr wrap="square" rtlCol="0">
+            <a:spAutoFit/>
+          </a:bodyPr>
+          <a:lstStyle/>
+          <a:p>
+            <a:r>
+              <a:rPr lang="fi-FI" b="1" dirty="0"/>
+              <a:t>Nouseva: </a:t>
+            </a:r>
+          </a:p>
+          <a:p>
+            <a:r>
+              <a:rPr lang="fi-FI" dirty="0" err="1"/>
+              <a:t>Quick</a:t>
+            </a:r>
+            <a:r>
+              <a:rPr lang="fi-FI" dirty="0"/>
+              <a:t> </a:t>
+            </a:r>
+            <a:r>
+              <a:rPr lang="fi-FI" dirty="0" err="1"/>
+              <a:t>Sort</a:t>
+            </a:r>
+            <a:r>
+              <a:rPr lang="fi-FI" dirty="0"/>
+              <a:t>: 50738,007ms</a:t>
+            </a:r>
+          </a:p>
+          <a:p>
+            <a:r>
+              <a:rPr lang="fi-FI" dirty="0" err="1">
+                <a:highlight>
+                  <a:srgbClr val="00FF00"/>
+                </a:highlight>
+              </a:rPr>
+              <a:t>Optimized</a:t>
+            </a:r>
+            <a:r>
+              <a:rPr lang="fi-FI" dirty="0">
+                <a:highlight>
+                  <a:srgbClr val="00FF00"/>
+                </a:highlight>
+              </a:rPr>
+              <a:t> </a:t>
+            </a:r>
+            <a:r>
+              <a:rPr lang="fi-FI" dirty="0" err="1">
+                <a:highlight>
+                  <a:srgbClr val="00FF00"/>
+                </a:highlight>
+              </a:rPr>
+              <a:t>Quick</a:t>
+            </a:r>
+            <a:r>
+              <a:rPr lang="fi-FI" dirty="0">
+                <a:highlight>
+                  <a:srgbClr val="00FF00"/>
+                </a:highlight>
+              </a:rPr>
+              <a:t> </a:t>
+            </a:r>
+            <a:r>
+              <a:rPr lang="fi-FI" dirty="0" err="1">
+                <a:highlight>
+                  <a:srgbClr val="00FF00"/>
+                </a:highlight>
+              </a:rPr>
+              <a:t>Sort</a:t>
+            </a:r>
+            <a:r>
+              <a:rPr lang="fi-FI" dirty="0">
+                <a:highlight>
+                  <a:srgbClr val="00FF00"/>
+                </a:highlight>
+              </a:rPr>
+              <a:t>: 8,773ms</a:t>
+            </a:r>
+          </a:p>
+        </p:txBody>
+      </p:sp>
+      <p:sp>
+        <p:nvSpPr>
+          <p:cNvPr id="6" name="Tekstiruutu 5">
+            <a:extLst>
+              <a:ext uri="{FF2B5EF4-FFF2-40B4-BE49-F238E27FC236}">
+                <a16:creationId xmlns:a16="http://schemas.microsoft.com/office/drawing/2014/main" id="{115CCFCD-5623-6B9B-7FB9-4DA7335EACB2}"/>
+              </a:ext>
+            </a:extLst>
+          </p:cNvPr>
+          <p:cNvSpPr txBox="1"/>
+          <p:nvPr/>
+        </p:nvSpPr>
+        <p:spPr>
+          <a:xfrm flipH="1">
+            <a:off x="4116232" y="3911584"/>
+            <a:ext cx="3677269" cy="923330"/>
+          </a:xfrm>
+          <a:prstGeom prst="rect">
+            <a:avLst/>
+          </a:prstGeom>
+          <a:noFill/>
+        </p:spPr>
+        <p:txBody>
+          <a:bodyPr wrap="square" rtlCol="0">
+            <a:spAutoFit/>
+          </a:bodyPr>
+          <a:lstStyle/>
+          <a:p>
+            <a:r>
+              <a:rPr lang="fi-FI" b="1" dirty="0"/>
+              <a:t>Laskeva: </a:t>
+            </a:r>
+          </a:p>
+          <a:p>
+            <a:r>
+              <a:rPr lang="fi-FI" dirty="0" err="1"/>
+              <a:t>Quick</a:t>
+            </a:r>
+            <a:r>
+              <a:rPr lang="fi-FI" dirty="0"/>
+              <a:t> </a:t>
+            </a:r>
+            <a:r>
+              <a:rPr lang="fi-FI" dirty="0" err="1"/>
+              <a:t>Sort</a:t>
+            </a:r>
+            <a:r>
+              <a:rPr lang="fi-FI" dirty="0"/>
+              <a:t>: 22869,827ms</a:t>
+            </a:r>
+          </a:p>
+          <a:p>
+            <a:r>
+              <a:rPr lang="fi-FI" dirty="0" err="1">
+                <a:highlight>
+                  <a:srgbClr val="00FF00"/>
+                </a:highlight>
+              </a:rPr>
+              <a:t>Optimized</a:t>
+            </a:r>
+            <a:r>
+              <a:rPr lang="fi-FI" dirty="0">
+                <a:highlight>
+                  <a:srgbClr val="00FF00"/>
+                </a:highlight>
+              </a:rPr>
+              <a:t> </a:t>
+            </a:r>
+            <a:r>
+              <a:rPr lang="fi-FI" dirty="0" err="1">
+                <a:highlight>
+                  <a:srgbClr val="00FF00"/>
+                </a:highlight>
+              </a:rPr>
+              <a:t>Quick</a:t>
+            </a:r>
+            <a:r>
+              <a:rPr lang="fi-FI" dirty="0">
+                <a:highlight>
+                  <a:srgbClr val="00FF00"/>
+                </a:highlight>
+              </a:rPr>
+              <a:t> </a:t>
+            </a:r>
+            <a:r>
+              <a:rPr lang="fi-FI" dirty="0" err="1">
+                <a:highlight>
+                  <a:srgbClr val="00FF00"/>
+                </a:highlight>
+              </a:rPr>
+              <a:t>Sort</a:t>
+            </a:r>
+            <a:r>
+              <a:rPr lang="fi-FI" dirty="0">
+                <a:highlight>
+                  <a:srgbClr val="00FF00"/>
+                </a:highlight>
+              </a:rPr>
+              <a:t>: 11,923ms</a:t>
+            </a:r>
+          </a:p>
+        </p:txBody>
+      </p:sp>
+      <p:sp>
+        <p:nvSpPr>
+          <p:cNvPr id="4" name="Tekstiruutu 3">
+            <a:extLst>
+              <a:ext uri="{FF2B5EF4-FFF2-40B4-BE49-F238E27FC236}">
+                <a16:creationId xmlns:a16="http://schemas.microsoft.com/office/drawing/2014/main" id="{C2EB1C5D-E25B-1851-487F-EAB17627845D}"/>
+              </a:ext>
+            </a:extLst>
+          </p:cNvPr>
+          <p:cNvSpPr txBox="1"/>
+          <p:nvPr/>
+        </p:nvSpPr>
+        <p:spPr>
+          <a:xfrm>
+            <a:off x="3091218" y="5261212"/>
+            <a:ext cx="5702010" cy="923330"/>
+          </a:xfrm>
+          <a:prstGeom prst="rect">
+            <a:avLst/>
+          </a:prstGeom>
+          <a:noFill/>
+        </p:spPr>
+        <p:txBody>
+          <a:bodyPr wrap="none" rtlCol="0">
+            <a:spAutoFit/>
+          </a:bodyPr>
+          <a:lstStyle/>
+          <a:p>
+            <a:r>
+              <a:rPr lang="fi-FI" dirty="0"/>
+              <a:t>Tästä näkee kuinka tärkeää on valita oikea pivot-indeksi:</a:t>
+            </a:r>
+          </a:p>
+          <a:p>
+            <a:r>
+              <a:rPr lang="fi-FI" dirty="0"/>
+              <a:t>randomilla ero on 7 millisekuntia, mutta nousevalla ja </a:t>
+            </a:r>
+          </a:p>
+          <a:p>
+            <a:r>
+              <a:rPr lang="fi-FI" dirty="0"/>
+              <a:t>laskevalla ero on kymmeniä sekunteja</a:t>
+            </a:r>
+          </a:p>
+        </p:txBody>
+      </p:sp>
+    </p:spTree>
+    <p:extLst>
+      <p:ext uri="{BB962C8B-B14F-4D97-AF65-F5344CB8AC3E}">
+        <p14:creationId xmlns:p14="http://schemas.microsoft.com/office/powerpoint/2010/main" val="2984234982"/>
+      </p:ext>
+    </p:extLst>
+  </p:cSld>
+  <p:clrMapOvr>
+    <a:masterClrMapping/>
+  </p:clrMapOvr>
+</p:sld>
+</file>
+
+<file path=ppt/slides/slide8.xml><?xml version="1.0" encoding="utf-8"?>
+<p:sld xmlns:a="http://schemas.openxmlformats.org/drawingml/2006/main" xmlns:r="http://schemas.openxmlformats.org/officeDocument/2006/relationships" xmlns:p="http://schemas.openxmlformats.org/presentationml/2006/main">
+  <p:cSld>
+    <p:spTree>
+      <p:nvGrpSpPr>
+        <p:cNvPr id="1" name=""/>
+        <p:cNvGrpSpPr/>
+        <p:nvPr/>
+      </p:nvGrpSpPr>
+      <p:grpSpPr>
+        <a:xfrm>
+          <a:off x="0" y="0"/>
+          <a:ext cx="0" cy="0"/>
+          <a:chOff x="0" y="0"/>
+          <a:chExt cx="0" cy="0"/>
+        </a:xfrm>
+      </p:grpSpPr>
+      <p:sp>
+        <p:nvSpPr>
+          <p:cNvPr id="2" name="Tekstiruutu 1">
+            <a:extLst>
+              <a:ext uri="{FF2B5EF4-FFF2-40B4-BE49-F238E27FC236}">
                 <a16:creationId xmlns:a16="http://schemas.microsoft.com/office/drawing/2014/main" id="{272C8927-5E3C-EC87-7CB8-7B90769F20CB}"/>
               </a:ext>
             </a:extLst>
@@ -6119,8 +7367,8 @@
         </p:nvSpPr>
         <p:spPr>
           <a:xfrm>
-            <a:off x="2691156" y="1373160"/>
-            <a:ext cx="3404843" cy="2862322"/>
+            <a:off x="1612866" y="1373160"/>
+            <a:ext cx="3923575" cy="3139321"/>
           </a:xfrm>
           <a:prstGeom prst="rect">
             <a:avLst/>
@@ -6135,7 +7383,7 @@
           <a:p>
             <a:r>
               <a:rPr lang="fi-FI" b="1" dirty="0"/>
-              <a:t>Random datalla:</a:t>
+              <a:t>Random datalla(250 000):</a:t>
             </a:r>
           </a:p>
           <a:p>
@@ -6156,7 +7404,7 @@
             </a:r>
             <a:r>
               <a:rPr lang="fi-FI" dirty="0"/>
-              <a:t>: 11368,485ms</a:t>
+              <a:t>: 15766,262ms</a:t>
             </a:r>
           </a:p>
           <a:p>
@@ -6174,7 +7422,7 @@
             </a:r>
             <a:r>
               <a:rPr lang="fi-FI" dirty="0"/>
-              <a:t>: 116265,203ms</a:t>
+              <a:t>: 145833,526ms</a:t>
             </a:r>
           </a:p>
           <a:p>
@@ -6188,7 +7436,33 @@
             </a:r>
             <a:r>
               <a:rPr lang="fi-FI" dirty="0"/>
-              <a:t>: 41,431ms</a:t>
+              <a:t>: 54,956ms</a:t>
+            </a:r>
+          </a:p>
+          <a:p>
+            <a:r>
+              <a:rPr lang="fi-FI" dirty="0" err="1"/>
+              <a:t>Knuth</a:t>
+            </a:r>
+            <a:r>
+              <a:rPr lang="fi-FI" dirty="0"/>
+              <a:t> </a:t>
+            </a:r>
+            <a:r>
+              <a:rPr lang="fi-FI" dirty="0" err="1"/>
+              <a:t>Sequence</a:t>
+            </a:r>
+            <a:r>
+              <a:rPr lang="fi-FI" dirty="0"/>
+              <a:t> Shell </a:t>
+            </a:r>
+            <a:r>
+              <a:rPr lang="fi-FI" dirty="0" err="1"/>
+              <a:t>Sort</a:t>
+            </a:r>
+            <a:r>
+              <a:rPr lang="fi-FI" dirty="0"/>
+              <a:t>: 46,766ms</a:t>
             </a:r>
           </a:p>
           <a:p>
@@ -6206,7 +7480,7 @@
             </a:r>
             <a:r>
               <a:rPr lang="fi-FI" dirty="0"/>
-              <a:t>: 27,550ms</a:t>
+              <a:t>: 39,449ms</a:t>
             </a:r>
           </a:p>
           <a:p>
@@ -6232,7 +7506,7 @@
             </a:r>
             <a:r>
               <a:rPr lang="fi-FI" dirty="0"/>
-              <a:t>: 32,031ms</a:t>
+              <a:t>: 46,896ms</a:t>
             </a:r>
           </a:p>
           <a:p>
@@ -6250,7 +7524,7 @@
             </a:r>
             <a:r>
               <a:rPr lang="fi-FI" dirty="0"/>
-              <a:t>: 44,241ms</a:t>
+              <a:t>: 61,340ms</a:t>
             </a:r>
           </a:p>
           <a:p>
@@ -6264,7 +7538,7 @@
             </a:r>
             <a:r>
               <a:rPr lang="fi-FI" dirty="0"/>
-              <a:t>: 33,275ms</a:t>
+              <a:t>: 129,775ms</a:t>
             </a:r>
           </a:p>
           <a:p>
@@ -6286,8 +7560,8 @@
         </p:nvSpPr>
         <p:spPr>
           <a:xfrm>
-            <a:off x="6096001" y="1373160"/>
-            <a:ext cx="6095999" cy="2862322"/>
+            <a:off x="6353033" y="1373160"/>
+            <a:ext cx="5588760" cy="3139321"/>
           </a:xfrm>
           <a:prstGeom prst="rect">
             <a:avLst/>
@@ -6355,7 +7629,33 @@
             </a:r>
             <a:r>
               <a:rPr lang="fi-FI" dirty="0"/>
-              <a:t>: KA. O(n^1.5)*, huonoin O(n^2)</a:t>
+              <a:t>: O(n^1.5)*, huonoin O(n^2)</a:t>
+            </a:r>
+          </a:p>
+          <a:p>
+            <a:r>
+              <a:rPr lang="fi-FI" dirty="0" err="1"/>
+              <a:t>Knuth</a:t>
+            </a:r>
+            <a:r>
+              <a:rPr lang="fi-FI" dirty="0"/>
+              <a:t> </a:t>
+            </a:r>
+            <a:r>
+              <a:rPr lang="fi-FI" dirty="0" err="1"/>
+              <a:t>Sequence</a:t>
+            </a:r>
+            <a:r>
+              <a:rPr lang="fi-FI" dirty="0"/>
+              <a:t> Shell </a:t>
+            </a:r>
+            <a:r>
+              <a:rPr lang="fi-FI" dirty="0" err="1"/>
+              <a:t>Sort</a:t>
+            </a:r>
+            <a:r>
+              <a:rPr lang="fi-FI" dirty="0"/>
+              <a:t>: O(n^1.25), huonoin O(n^2)</a:t>
             </a:r>
           </a:p>
           <a:p>
@@ -6373,7 +7673,7 @@
             </a:r>
             <a:r>
               <a:rPr lang="fi-FI" dirty="0"/>
-              <a:t>: KA. O(</a:t>
+              <a:t>: O(</a:t>
             </a:r>
             <a:r>
               <a:rPr lang="fi-FI" dirty="0" err="1"/>
@@ -6485,7 +7785,7 @@
         </p:nvSpPr>
         <p:spPr>
           <a:xfrm>
-            <a:off x="2886501" y="4524233"/>
+            <a:off x="3261468" y="4822044"/>
             <a:ext cx="5669061" cy="1200329"/>
           </a:xfrm>
           <a:prstGeom prst="rect">
@@ -6501,7 +7801,7 @@
           <a:p>
             <a:r>
               <a:rPr lang="fi-FI" dirty="0"/>
-              <a:t>* Riippuu valitusta aloitusvälistä, tässä se on n/2</a:t>
+              <a:t>* Väli n / 2, n/4, n/8… 1</a:t>
             </a:r>
           </a:p>
           <a:p>

--- a/dokumentointi.pptx
+++ b/dokumentointi.pptx
@@ -7,12 +7,11 @@
   <p:sldIdLst>
     <p:sldId id="256" r:id="rId2"/>
     <p:sldId id="257" r:id="rId3"/>
-    <p:sldId id="263" r:id="rId4"/>
-    <p:sldId id="262" r:id="rId5"/>
-    <p:sldId id="258" r:id="rId6"/>
-    <p:sldId id="259" r:id="rId7"/>
-    <p:sldId id="260" r:id="rId8"/>
-    <p:sldId id="261" r:id="rId9"/>
+    <p:sldId id="262" r:id="rId4"/>
+    <p:sldId id="258" r:id="rId5"/>
+    <p:sldId id="259" r:id="rId6"/>
+    <p:sldId id="260" r:id="rId7"/>
+    <p:sldId id="261" r:id="rId8"/>
   </p:sldIdLst>
   <p:sldSz cx="12192000" cy="6858000"/>
   <p:notesSz cx="6858000" cy="9144000"/>
@@ -266,7 +265,7 @@
           <a:p>
             <a:fld id="{404F99CC-D3B6-422F-89CD-7DB5A310BDEB}" type="datetimeFigureOut">
               <a:rPr lang="fi-FI" smtClean="0"/>
-              <a:t>20.1.2026</a:t>
+              <a:t>23.1.2026</a:t>
             </a:fld>
             <a:endParaRPr lang="fi-FI"/>
           </a:p>
@@ -464,7 +463,7 @@
           <a:p>
             <a:fld id="{404F99CC-D3B6-422F-89CD-7DB5A310BDEB}" type="datetimeFigureOut">
               <a:rPr lang="fi-FI" smtClean="0"/>
-              <a:t>20.1.2026</a:t>
+              <a:t>23.1.2026</a:t>
             </a:fld>
             <a:endParaRPr lang="fi-FI"/>
           </a:p>
@@ -672,7 +671,7 @@
           <a:p>
             <a:fld id="{404F99CC-D3B6-422F-89CD-7DB5A310BDEB}" type="datetimeFigureOut">
               <a:rPr lang="fi-FI" smtClean="0"/>
-              <a:t>20.1.2026</a:t>
+              <a:t>23.1.2026</a:t>
             </a:fld>
             <a:endParaRPr lang="fi-FI"/>
           </a:p>
@@ -870,7 +869,7 @@
           <a:p>
             <a:fld id="{404F99CC-D3B6-422F-89CD-7DB5A310BDEB}" type="datetimeFigureOut">
               <a:rPr lang="fi-FI" smtClean="0"/>
-              <a:t>20.1.2026</a:t>
+              <a:t>23.1.2026</a:t>
             </a:fld>
             <a:endParaRPr lang="fi-FI"/>
           </a:p>
@@ -1145,7 +1144,7 @@
           <a:p>
             <a:fld id="{404F99CC-D3B6-422F-89CD-7DB5A310BDEB}" type="datetimeFigureOut">
               <a:rPr lang="fi-FI" smtClean="0"/>
-              <a:t>20.1.2026</a:t>
+              <a:t>23.1.2026</a:t>
             </a:fld>
             <a:endParaRPr lang="fi-FI"/>
           </a:p>
@@ -1410,7 +1409,7 @@
           <a:p>
             <a:fld id="{404F99CC-D3B6-422F-89CD-7DB5A310BDEB}" type="datetimeFigureOut">
               <a:rPr lang="fi-FI" smtClean="0"/>
-              <a:t>20.1.2026</a:t>
+              <a:t>23.1.2026</a:t>
             </a:fld>
             <a:endParaRPr lang="fi-FI"/>
           </a:p>
@@ -1822,7 +1821,7 @@
           <a:p>
             <a:fld id="{404F99CC-D3B6-422F-89CD-7DB5A310BDEB}" type="datetimeFigureOut">
               <a:rPr lang="fi-FI" smtClean="0"/>
-              <a:t>20.1.2026</a:t>
+              <a:t>23.1.2026</a:t>
             </a:fld>
             <a:endParaRPr lang="fi-FI"/>
           </a:p>
@@ -1963,7 +1962,7 @@
           <a:p>
             <a:fld id="{404F99CC-D3B6-422F-89CD-7DB5A310BDEB}" type="datetimeFigureOut">
               <a:rPr lang="fi-FI" smtClean="0"/>
-              <a:t>20.1.2026</a:t>
+              <a:t>23.1.2026</a:t>
             </a:fld>
             <a:endParaRPr lang="fi-FI"/>
           </a:p>
@@ -2076,7 +2075,7 @@
           <a:p>
             <a:fld id="{404F99CC-D3B6-422F-89CD-7DB5A310BDEB}" type="datetimeFigureOut">
               <a:rPr lang="fi-FI" smtClean="0"/>
-              <a:t>20.1.2026</a:t>
+              <a:t>23.1.2026</a:t>
             </a:fld>
             <a:endParaRPr lang="fi-FI"/>
           </a:p>
@@ -2387,7 +2386,7 @@
           <a:p>
             <a:fld id="{404F99CC-D3B6-422F-89CD-7DB5A310BDEB}" type="datetimeFigureOut">
               <a:rPr lang="fi-FI" smtClean="0"/>
-              <a:t>20.1.2026</a:t>
+              <a:t>23.1.2026</a:t>
             </a:fld>
             <a:endParaRPr lang="fi-FI"/>
           </a:p>
@@ -2675,7 +2674,7 @@
           <a:p>
             <a:fld id="{404F99CC-D3B6-422F-89CD-7DB5A310BDEB}" type="datetimeFigureOut">
               <a:rPr lang="fi-FI" smtClean="0"/>
-              <a:t>20.1.2026</a:t>
+              <a:t>23.1.2026</a:t>
             </a:fld>
             <a:endParaRPr lang="fi-FI"/>
           </a:p>
@@ -2916,7 +2915,7 @@
           <a:p>
             <a:fld id="{404F99CC-D3B6-422F-89CD-7DB5A310BDEB}" type="datetimeFigureOut">
               <a:rPr lang="fi-FI" smtClean="0"/>
-              <a:t>20.1.2026</a:t>
+              <a:t>23.1.2026</a:t>
             </a:fld>
             <a:endParaRPr lang="fi-FI"/>
           </a:p>
@@ -3389,7 +3388,7 @@
             </a:r>
             <a:r>
               <a:rPr lang="fi-FI" dirty="0"/>
-              <a:t>: 26,075ms</a:t>
+              <a:t>: 27,539ms</a:t>
             </a:r>
           </a:p>
           <a:p>
@@ -3423,7 +3422,7 @@
                   <a:srgbClr val="FF0000"/>
                 </a:highlight>
               </a:rPr>
-              <a:t>: 68,403ms</a:t>
+              <a:t>: 76,259ms</a:t>
             </a:r>
           </a:p>
           <a:p>
@@ -3437,7 +3436,7 @@
             </a:r>
             <a:r>
               <a:rPr lang="fi-FI" dirty="0"/>
-              <a:t>: 3,238ms</a:t>
+              <a:t>: 5,085ms</a:t>
             </a:r>
           </a:p>
           <a:p>
@@ -3463,7 +3462,7 @@
             </a:r>
             <a:r>
               <a:rPr lang="fi-FI" dirty="0"/>
-              <a:t>: 2,961ms</a:t>
+              <a:t>: 4,861ms</a:t>
             </a:r>
           </a:p>
           <a:p>
@@ -3497,7 +3496,25 @@
                   <a:srgbClr val="00FF00"/>
                 </a:highlight>
               </a:rPr>
-              <a:t>: 1,827ms</a:t>
+              <a:t>: 2,724ms</a:t>
+            </a:r>
+          </a:p>
+          <a:p>
+            <a:r>
+              <a:rPr lang="fi-FI" dirty="0" err="1"/>
+              <a:t>Merge</a:t>
+            </a:r>
+            <a:r>
+              <a:rPr lang="fi-FI" dirty="0"/>
+              <a:t> </a:t>
+            </a:r>
+            <a:r>
+              <a:rPr lang="fi-FI" dirty="0" err="1"/>
+              <a:t>Sort</a:t>
+            </a:r>
+            <a:r>
+              <a:rPr lang="fi-FI" dirty="0"/>
+              <a:t>: 5,014ms</a:t>
             </a:r>
           </a:p>
           <a:p>
@@ -3511,7 +3528,7 @@
             </a:r>
             <a:r>
               <a:rPr lang="fi-FI" dirty="0" err="1"/>
-              <a:t>Quick</a:t>
+              <a:t>Merge</a:t>
             </a:r>
             <a:r>
               <a:rPr lang="fi-FI" dirty="0"/>
@@ -3523,25 +3540,7 @@
             </a:r>
             <a:r>
               <a:rPr lang="fi-FI" dirty="0"/>
-              <a:t>: 2,184ms</a:t>
-            </a:r>
-          </a:p>
-          <a:p>
-            <a:r>
-              <a:rPr lang="fi-FI" dirty="0" err="1"/>
-              <a:t>Merge</a:t>
-            </a:r>
-            <a:r>
-              <a:rPr lang="fi-FI" dirty="0"/>
-              <a:t> </a:t>
-            </a:r>
-            <a:r>
-              <a:rPr lang="fi-FI" dirty="0" err="1"/>
-              <a:t>Sort</a:t>
-            </a:r>
-            <a:r>
-              <a:rPr lang="fi-FI" dirty="0"/>
-              <a:t>: 2,206ms</a:t>
+              <a:t>: 3,891ms</a:t>
             </a:r>
           </a:p>
           <a:p>
@@ -3555,7 +3554,7 @@
             </a:r>
             <a:r>
               <a:rPr lang="fi-FI" dirty="0"/>
-              <a:t>: 11,606ms</a:t>
+              <a:t>: 32,809ms</a:t>
             </a:r>
           </a:p>
         </p:txBody>
@@ -3613,7 +3612,7 @@
             </a:r>
             <a:r>
               <a:rPr lang="fi-FI" dirty="0"/>
-              <a:t>: 37,464ms</a:t>
+              <a:t>: 58,961ms</a:t>
             </a:r>
           </a:p>
           <a:p>
@@ -3647,7 +3646,7 @@
                   <a:srgbClr val="FF0000"/>
                 </a:highlight>
               </a:rPr>
-              <a:t>: 82,412ms</a:t>
+              <a:t>: 99,359ms</a:t>
             </a:r>
           </a:p>
           <a:p>
@@ -3661,7 +3660,7 @@
             </a:r>
             <a:r>
               <a:rPr lang="fi-FI" dirty="0"/>
-              <a:t>: 0,165ms</a:t>
+              <a:t>: 0,656ms</a:t>
             </a:r>
           </a:p>
           <a:p>
@@ -3711,7 +3710,7 @@
                   <a:srgbClr val="00FF00"/>
                 </a:highlight>
               </a:rPr>
-              <a:t>: 0,118ms</a:t>
+              <a:t>: 0,294ms</a:t>
             </a:r>
           </a:p>
           <a:p>
@@ -3729,7 +3728,25 @@
             </a:r>
             <a:r>
               <a:rPr lang="fi-FI" dirty="0"/>
-              <a:t>: 29,764ms</a:t>
+              <a:t>: 0,349ms</a:t>
+            </a:r>
+          </a:p>
+          <a:p>
+            <a:r>
+              <a:rPr lang="fi-FI" dirty="0" err="1"/>
+              <a:t>Merge</a:t>
+            </a:r>
+            <a:r>
+              <a:rPr lang="fi-FI" dirty="0"/>
+              <a:t> </a:t>
+            </a:r>
+            <a:r>
+              <a:rPr lang="fi-FI" dirty="0" err="1"/>
+              <a:t>Sort</a:t>
+            </a:r>
+            <a:r>
+              <a:rPr lang="fi-FI" dirty="0"/>
+              <a:t>: 0,785ms</a:t>
             </a:r>
           </a:p>
           <a:p>
@@ -3743,7 +3760,7 @@
             </a:r>
             <a:r>
               <a:rPr lang="fi-FI" dirty="0" err="1"/>
-              <a:t>Quick</a:t>
+              <a:t>Merge</a:t>
             </a:r>
             <a:r>
               <a:rPr lang="fi-FI" dirty="0"/>
@@ -3755,25 +3772,7 @@
             </a:r>
             <a:r>
               <a:rPr lang="fi-FI" dirty="0"/>
-              <a:t>: 0,542ms</a:t>
-            </a:r>
-          </a:p>
-          <a:p>
-            <a:r>
-              <a:rPr lang="fi-FI" dirty="0" err="1"/>
-              <a:t>Merge</a:t>
-            </a:r>
-            <a:r>
-              <a:rPr lang="fi-FI" dirty="0"/>
-              <a:t> </a:t>
-            </a:r>
-            <a:r>
-              <a:rPr lang="fi-FI" dirty="0" err="1"/>
-              <a:t>Sort</a:t>
-            </a:r>
-            <a:r>
-              <a:rPr lang="fi-FI" dirty="0"/>
-              <a:t>: 0,629ms</a:t>
+              <a:t>: 0,394ms</a:t>
             </a:r>
           </a:p>
           <a:p>
@@ -3787,7 +3786,7 @@
             </a:r>
             <a:r>
               <a:rPr lang="fi-FI" dirty="0"/>
-              <a:t>: 0,217ms</a:t>
+              <a:t>: 0,536ms</a:t>
             </a:r>
           </a:p>
         </p:txBody>
@@ -3834,18 +3833,164 @@
             <a:r>
               <a:rPr lang="fi-FI" dirty="0" err="1">
                 <a:highlight>
-                  <a:srgbClr val="00FF00"/>
+                  <a:srgbClr val="FF0000"/>
                 </a:highlight>
               </a:rPr>
               <a:t>Insertion</a:t>
             </a:r>
+            <a:r>
+              <a:rPr lang="fi-FI" dirty="0">
+                <a:highlight>
+                  <a:srgbClr val="FF0000"/>
+                </a:highlight>
+              </a:rPr>
+              <a:t> </a:t>
+            </a:r>
+            <a:r>
+              <a:rPr lang="fi-FI" dirty="0" err="1">
+                <a:highlight>
+                  <a:srgbClr val="FF0000"/>
+                </a:highlight>
+              </a:rPr>
+              <a:t>Sort</a:t>
+            </a:r>
+            <a:r>
+              <a:rPr lang="fi-FI" dirty="0">
+                <a:highlight>
+                  <a:srgbClr val="FF0000"/>
+                </a:highlight>
+              </a:rPr>
+              <a:t>: 2,478ms</a:t>
+            </a:r>
+          </a:p>
+          <a:p>
+            <a:r>
+              <a:rPr lang="fi-FI" dirty="0" err="1"/>
+              <a:t>Bubble</a:t>
+            </a:r>
+            <a:r>
+              <a:rPr lang="fi-FI" dirty="0"/>
+              <a:t> </a:t>
+            </a:r>
+            <a:r>
+              <a:rPr lang="fi-FI" dirty="0" err="1"/>
+              <a:t>Sort</a:t>
+            </a:r>
+            <a:r>
+              <a:rPr lang="fi-FI" dirty="0"/>
+              <a:t>: 2,122ms</a:t>
+            </a:r>
+          </a:p>
+          <a:p>
+            <a:r>
+              <a:rPr lang="fi-FI" dirty="0"/>
+              <a:t>Shell </a:t>
+            </a:r>
+            <a:r>
+              <a:rPr lang="fi-FI" dirty="0" err="1"/>
+              <a:t>Sort</a:t>
+            </a:r>
+            <a:r>
+              <a:rPr lang="fi-FI" dirty="0"/>
+              <a:t>: 1,125ms</a:t>
+            </a:r>
+          </a:p>
+          <a:p>
+            <a:r>
+              <a:rPr lang="fi-FI" dirty="0" err="1"/>
+              <a:t>Knuth</a:t>
+            </a:r>
+            <a:r>
+              <a:rPr lang="fi-FI" dirty="0"/>
+              <a:t> </a:t>
+            </a:r>
+            <a:r>
+              <a:rPr lang="fi-FI" dirty="0" err="1"/>
+              <a:t>Sequence</a:t>
+            </a:r>
+            <a:r>
+              <a:rPr lang="fi-FI" dirty="0"/>
+              <a:t> Shell </a:t>
+            </a:r>
+            <a:r>
+              <a:rPr lang="fi-FI" dirty="0" err="1"/>
+              <a:t>Sort</a:t>
+            </a:r>
+            <a:r>
+              <a:rPr lang="fi-FI" dirty="0"/>
+              <a:t>: 0,425ms</a:t>
+            </a:r>
+          </a:p>
+          <a:p>
+            <a:r>
+              <a:rPr lang="fi-FI" dirty="0" err="1"/>
+              <a:t>Quick</a:t>
+            </a:r>
+            <a:r>
+              <a:rPr lang="fi-FI" dirty="0"/>
+              <a:t> </a:t>
+            </a:r>
+            <a:r>
+              <a:rPr lang="fi-FI" dirty="0" err="1"/>
+              <a:t>Sort</a:t>
+            </a:r>
+            <a:r>
+              <a:rPr lang="fi-FI" dirty="0"/>
+              <a:t>: 0,273ms</a:t>
+            </a:r>
+          </a:p>
+          <a:p>
+            <a:r>
+              <a:rPr lang="fi-FI" dirty="0" err="1"/>
+              <a:t>Merge</a:t>
+            </a:r>
+            <a:r>
+              <a:rPr lang="fi-FI" dirty="0"/>
+              <a:t> </a:t>
+            </a:r>
+            <a:r>
+              <a:rPr lang="fi-FI" dirty="0" err="1"/>
+              <a:t>Sort</a:t>
+            </a:r>
+            <a:r>
+              <a:rPr lang="fi-FI" dirty="0"/>
+              <a:t>: 0,877ms</a:t>
+            </a:r>
+          </a:p>
+          <a:p>
+            <a:r>
+              <a:rPr lang="fi-FI" dirty="0" err="1"/>
+              <a:t>Optimized</a:t>
+            </a:r>
+            <a:r>
+              <a:rPr lang="fi-FI" dirty="0"/>
+              <a:t> </a:t>
+            </a:r>
+            <a:r>
+              <a:rPr lang="fi-FI" dirty="0" err="1"/>
+              <a:t>Merge</a:t>
+            </a:r>
+            <a:r>
+              <a:rPr lang="fi-FI" dirty="0"/>
+              <a:t> </a:t>
+            </a:r>
+            <a:r>
+              <a:rPr lang="fi-FI" dirty="0" err="1"/>
+              <a:t>Sort</a:t>
+            </a:r>
+            <a:r>
+              <a:rPr lang="fi-FI" dirty="0"/>
+              <a:t>: 1,270ms</a:t>
+            </a:r>
+          </a:p>
+          <a:p>
             <a:r>
               <a:rPr lang="fi-FI" dirty="0">
                 <a:highlight>
                   <a:srgbClr val="00FF00"/>
                 </a:highlight>
               </a:rPr>
-              <a:t> </a:t>
+              <a:t>Java </a:t>
             </a:r>
             <a:r>
               <a:rPr lang="fi-FI" dirty="0" err="1">
@@ -3853,7 +3998,7 @@
                   <a:srgbClr val="00FF00"/>
                 </a:highlight>
               </a:rPr>
-              <a:t>Sort</a:t>
+              <a:t>Arrays.sort</a:t>
             </a:r>
             <a:r>
               <a:rPr lang="fi-FI" dirty="0">
@@ -3861,157 +4006,7 @@
                   <a:srgbClr val="00FF00"/>
                 </a:highlight>
               </a:rPr>
-              <a:t>: 0,032ms</a:t>
-            </a:r>
-          </a:p>
-          <a:p>
-            <a:r>
-              <a:rPr lang="fi-FI" dirty="0" err="1"/>
-              <a:t>Bubble</a:t>
-            </a:r>
-            <a:r>
-              <a:rPr lang="fi-FI" dirty="0"/>
-              <a:t> </a:t>
-            </a:r>
-            <a:r>
-              <a:rPr lang="fi-FI" dirty="0" err="1"/>
-              <a:t>Sort</a:t>
-            </a:r>
-            <a:r>
-              <a:rPr lang="fi-FI" dirty="0"/>
-              <a:t>: 2,171ms</a:t>
-            </a:r>
-          </a:p>
-          <a:p>
-            <a:r>
-              <a:rPr lang="fi-FI" dirty="0"/>
-              <a:t>Shell </a:t>
-            </a:r>
-            <a:r>
-              <a:rPr lang="fi-FI" dirty="0" err="1"/>
-              <a:t>Sort</a:t>
-            </a:r>
-            <a:r>
-              <a:rPr lang="fi-FI" dirty="0"/>
-              <a:t>: 1,721ms</a:t>
-            </a:r>
-          </a:p>
-          <a:p>
-            <a:r>
-              <a:rPr lang="fi-FI" dirty="0" err="1"/>
-              <a:t>Knuth</a:t>
-            </a:r>
-            <a:r>
-              <a:rPr lang="fi-FI" dirty="0"/>
-              <a:t> </a:t>
-            </a:r>
-            <a:r>
-              <a:rPr lang="fi-FI" dirty="0" err="1"/>
-              <a:t>Sequence</a:t>
-            </a:r>
-            <a:r>
-              <a:rPr lang="fi-FI" dirty="0"/>
-              <a:t> Shell </a:t>
-            </a:r>
-            <a:r>
-              <a:rPr lang="fi-FI" dirty="0" err="1"/>
-              <a:t>Sort</a:t>
-            </a:r>
-            <a:r>
-              <a:rPr lang="fi-FI" dirty="0"/>
-              <a:t>: 0,135ms</a:t>
-            </a:r>
-          </a:p>
-          <a:p>
-            <a:r>
-              <a:rPr lang="fi-FI" dirty="0" err="1">
-                <a:highlight>
-                  <a:srgbClr val="FF0000"/>
-                </a:highlight>
-              </a:rPr>
-              <a:t>Quick</a:t>
-            </a:r>
-            <a:r>
-              <a:rPr lang="fi-FI" dirty="0">
-                <a:highlight>
-                  <a:srgbClr val="FF0000"/>
-                </a:highlight>
-              </a:rPr>
-              <a:t> </a:t>
-            </a:r>
-            <a:r>
-              <a:rPr lang="fi-FI" dirty="0" err="1">
-                <a:highlight>
-                  <a:srgbClr val="FF0000"/>
-                </a:highlight>
-              </a:rPr>
-              <a:t>Sort</a:t>
-            </a:r>
-            <a:r>
-              <a:rPr lang="fi-FI" dirty="0">
-                <a:highlight>
-                  <a:srgbClr val="FF0000"/>
-                </a:highlight>
-              </a:rPr>
-              <a:t>: 62,674ms</a:t>
-            </a:r>
-          </a:p>
-          <a:p>
-            <a:r>
-              <a:rPr lang="fi-FI" dirty="0" err="1"/>
-              <a:t>Optimized</a:t>
-            </a:r>
-            <a:r>
-              <a:rPr lang="fi-FI" dirty="0"/>
-              <a:t> </a:t>
-            </a:r>
-            <a:r>
-              <a:rPr lang="fi-FI" dirty="0" err="1"/>
-              <a:t>Quick</a:t>
-            </a:r>
-            <a:r>
-              <a:rPr lang="fi-FI" dirty="0"/>
-              <a:t> </a:t>
-            </a:r>
-            <a:r>
-              <a:rPr lang="fi-FI" dirty="0" err="1"/>
-              <a:t>Sort</a:t>
-            </a:r>
-            <a:r>
-              <a:rPr lang="fi-FI" dirty="0"/>
-              <a:t>: 0,387ms</a:t>
-            </a:r>
-          </a:p>
-          <a:p>
-            <a:r>
-              <a:rPr lang="fi-FI" dirty="0" err="1"/>
-              <a:t>Merge</a:t>
-            </a:r>
-            <a:r>
-              <a:rPr lang="fi-FI" dirty="0"/>
-              <a:t> </a:t>
-            </a:r>
-            <a:r>
-              <a:rPr lang="fi-FI" dirty="0" err="1"/>
-              <a:t>Sort</a:t>
-            </a:r>
-            <a:r>
-              <a:rPr lang="fi-FI" dirty="0"/>
-              <a:t>: 0,573ms</a:t>
-            </a:r>
-          </a:p>
-          <a:p>
-            <a:r>
-              <a:rPr lang="fi-FI" dirty="0"/>
-              <a:t>Java </a:t>
-            </a:r>
-            <a:r>
-              <a:rPr lang="fi-FI" dirty="0" err="1"/>
-              <a:t>Arrays.sort</a:t>
-            </a:r>
-            <a:r>
-              <a:rPr lang="fi-FI" dirty="0"/>
-              <a:t>: 0,101ms</a:t>
+              <a:t>: 0,222ms</a:t>
             </a:r>
           </a:p>
         </p:txBody>
@@ -4151,7 +4146,7 @@
         <p:spPr>
           <a:xfrm>
             <a:off x="0" y="2149522"/>
-            <a:ext cx="3896436" cy="2585323"/>
+            <a:ext cx="4051110" cy="2585323"/>
           </a:xfrm>
           <a:prstGeom prst="rect">
             <a:avLst/>
@@ -4188,7 +4183,7 @@
             </a:r>
             <a:r>
               <a:rPr lang="fi-FI" dirty="0"/>
-              <a:t>: 15766,262ms</a:t>
+              <a:t>: 123813,433ms</a:t>
             </a:r>
           </a:p>
           <a:p>
@@ -4222,7 +4217,7 @@
                   <a:srgbClr val="FF0000"/>
                 </a:highlight>
               </a:rPr>
-              <a:t>: 145833,526ms</a:t>
+              <a:t>: 863038,327ms</a:t>
             </a:r>
           </a:p>
           <a:p>
@@ -4236,7 +4231,7 @@
             </a:r>
             <a:r>
               <a:rPr lang="fi-FI" dirty="0"/>
-              <a:t>: 54,956ms</a:t>
+              <a:t>: 122,003ms</a:t>
             </a:r>
           </a:p>
           <a:p>
@@ -4262,7 +4257,7 @@
             </a:r>
             <a:r>
               <a:rPr lang="fi-FI" dirty="0"/>
-              <a:t>: 46,766ms</a:t>
+              <a:t>: 116,831ms</a:t>
             </a:r>
           </a:p>
           <a:p>
@@ -4296,7 +4291,25 @@
                   <a:srgbClr val="00FF00"/>
                 </a:highlight>
               </a:rPr>
-              <a:t>: 39,449ms</a:t>
+              <a:t>: 77,933ms</a:t>
+            </a:r>
+          </a:p>
+          <a:p>
+            <a:r>
+              <a:rPr lang="fi-FI" dirty="0" err="1"/>
+              <a:t>Merge</a:t>
+            </a:r>
+            <a:r>
+              <a:rPr lang="fi-FI" dirty="0"/>
+              <a:t> </a:t>
+            </a:r>
+            <a:r>
+              <a:rPr lang="fi-FI" dirty="0" err="1"/>
+              <a:t>Sort</a:t>
+            </a:r>
+            <a:r>
+              <a:rPr lang="fi-FI" dirty="0"/>
+              <a:t>: 139,044ms</a:t>
             </a:r>
           </a:p>
           <a:p>
@@ -4310,7 +4323,7 @@
             </a:r>
             <a:r>
               <a:rPr lang="fi-FI" dirty="0" err="1"/>
-              <a:t>Quick</a:t>
+              <a:t>Merge</a:t>
             </a:r>
             <a:r>
               <a:rPr lang="fi-FI" dirty="0"/>
@@ -4322,25 +4335,7 @@
             </a:r>
             <a:r>
               <a:rPr lang="fi-FI" dirty="0"/>
-              <a:t>: 46,896ms</a:t>
-            </a:r>
-          </a:p>
-          <a:p>
-            <a:r>
-              <a:rPr lang="fi-FI" dirty="0" err="1"/>
-              <a:t>Merge</a:t>
-            </a:r>
-            <a:r>
-              <a:rPr lang="fi-FI" dirty="0"/>
-              <a:t> </a:t>
-            </a:r>
-            <a:r>
-              <a:rPr lang="fi-FI" dirty="0" err="1"/>
-              <a:t>Sort</a:t>
-            </a:r>
-            <a:r>
-              <a:rPr lang="fi-FI" dirty="0"/>
-              <a:t>: 61,340ms</a:t>
+              <a:t>: 86,470ms</a:t>
             </a:r>
           </a:p>
           <a:p>
@@ -4354,7 +4349,7 @@
             </a:r>
             <a:r>
               <a:rPr lang="fi-FI" dirty="0"/>
-              <a:t>: 129,775ms</a:t>
+              <a:t>: 83,893ms</a:t>
             </a:r>
           </a:p>
         </p:txBody>
@@ -4411,7 +4406,7 @@
             </a:r>
             <a:r>
               <a:rPr lang="fi-FI" dirty="0"/>
-              <a:t>: 26456,033ms</a:t>
+              <a:t>: 225414,688ms</a:t>
             </a:r>
           </a:p>
           <a:p>
@@ -4445,7 +4440,7 @@
                   <a:srgbClr val="FF0000"/>
                 </a:highlight>
               </a:rPr>
-              <a:t>: 57396,893ms</a:t>
+              <a:t>: 522663,676ms</a:t>
             </a:r>
           </a:p>
           <a:p>
@@ -4459,17 +4454,113 @@
             </a:r>
             <a:r>
               <a:rPr lang="fi-FI" dirty="0"/>
-              <a:t>: 4,827ms</a:t>
-            </a:r>
-          </a:p>
-          <a:p>
+              <a:t>: 44,278ms</a:t>
+            </a:r>
+          </a:p>
+          <a:p>
+            <a:r>
+              <a:rPr lang="fi-FI" dirty="0" err="1"/>
+              <a:t>Knuth</a:t>
+            </a:r>
+            <a:r>
+              <a:rPr lang="fi-FI" dirty="0"/>
+              <a:t> </a:t>
+            </a:r>
+            <a:r>
+              <a:rPr lang="fi-FI" dirty="0" err="1"/>
+              <a:t>Sequence</a:t>
+            </a:r>
+            <a:r>
+              <a:rPr lang="fi-FI" dirty="0"/>
+              <a:t> Shell </a:t>
+            </a:r>
+            <a:r>
+              <a:rPr lang="fi-FI" dirty="0" err="1"/>
+              <a:t>Sort</a:t>
+            </a:r>
+            <a:r>
+              <a:rPr lang="fi-FI" dirty="0"/>
+              <a:t>: 20,619ms</a:t>
+            </a:r>
+          </a:p>
+          <a:p>
+            <a:r>
+              <a:rPr lang="fi-FI" dirty="0" err="1"/>
+              <a:t>Quick</a:t>
+            </a:r>
+            <a:r>
+              <a:rPr lang="fi-FI" dirty="0"/>
+              <a:t> </a:t>
+            </a:r>
+            <a:r>
+              <a:rPr lang="fi-FI" dirty="0" err="1"/>
+              <a:t>Sort</a:t>
+            </a:r>
+            <a:r>
+              <a:rPr lang="fi-FI" dirty="0"/>
+              <a:t>: 22,541ms</a:t>
+            </a:r>
+          </a:p>
+          <a:p>
+            <a:r>
+              <a:rPr lang="fi-FI" dirty="0" err="1"/>
+              <a:t>Merge</a:t>
+            </a:r>
+            <a:r>
+              <a:rPr lang="fi-FI" dirty="0"/>
+              <a:t> </a:t>
+            </a:r>
+            <a:r>
+              <a:rPr lang="fi-FI" dirty="0" err="1"/>
+              <a:t>Sort</a:t>
+            </a:r>
+            <a:r>
+              <a:rPr lang="fi-FI" dirty="0"/>
+              <a:t>: 87,324ms</a:t>
+            </a:r>
+          </a:p>
+          <a:p>
+            <a:r>
+              <a:rPr lang="fi-FI" dirty="0" err="1"/>
+              <a:t>Optimized</a:t>
+            </a:r>
+            <a:r>
+              <a:rPr lang="fi-FI" dirty="0"/>
+              <a:t> </a:t>
+            </a:r>
+            <a:r>
+              <a:rPr lang="fi-FI" dirty="0" err="1"/>
+              <a:t>Merge</a:t>
+            </a:r>
+            <a:r>
+              <a:rPr lang="fi-FI" dirty="0"/>
+              <a:t> </a:t>
+            </a:r>
+            <a:r>
+              <a:rPr lang="fi-FI" dirty="0" err="1"/>
+              <a:t>Sort</a:t>
+            </a:r>
+            <a:r>
+              <a:rPr lang="fi-FI" dirty="0"/>
+              <a:t>: 60,889ms</a:t>
+            </a:r>
+          </a:p>
+          <a:p>
+            <a:r>
+              <a:rPr lang="fi-FI" dirty="0">
+                <a:highlight>
+                  <a:srgbClr val="00FF00"/>
+                </a:highlight>
+              </a:rPr>
+              <a:t>Java </a:t>
+            </a:r>
             <a:r>
               <a:rPr lang="fi-FI" dirty="0" err="1">
                 <a:highlight>
                   <a:srgbClr val="00FF00"/>
                 </a:highlight>
               </a:rPr>
-              <a:t>Knuth</a:t>
+              <a:t>Arrays.sort</a:t>
             </a:r>
             <a:r>
               <a:rPr lang="fi-FI" dirty="0">
@@ -4477,121 +4568,8 @@
                   <a:srgbClr val="00FF00"/>
                 </a:highlight>
               </a:rPr>
-              <a:t> </a:t>
-            </a:r>
-            <a:r>
-              <a:rPr lang="fi-FI" dirty="0" err="1">
-                <a:highlight>
-                  <a:srgbClr val="00FF00"/>
-                </a:highlight>
-              </a:rPr>
-              <a:t>Sequence</a:t>
-            </a:r>
-            <a:r>
-              <a:rPr lang="fi-FI" dirty="0">
-                <a:highlight>
-                  <a:srgbClr val="00FF00"/>
-                </a:highlight>
-              </a:rPr>
-              <a:t> Shell </a:t>
-            </a:r>
-            <a:r>
-              <a:rPr lang="fi-FI" dirty="0" err="1">
-                <a:highlight>
-                  <a:srgbClr val="00FF00"/>
-                </a:highlight>
-              </a:rPr>
-              <a:t>Sort</a:t>
-            </a:r>
-            <a:r>
-              <a:rPr lang="fi-FI" dirty="0">
-                <a:highlight>
-                  <a:srgbClr val="00FF00"/>
-                </a:highlight>
-              </a:rPr>
-              <a:t>: 3,845ms</a:t>
-            </a:r>
-          </a:p>
-          <a:p>
-            <a:r>
-              <a:rPr lang="fi-FI" dirty="0" err="1"/>
-              <a:t>Quick</a:t>
-            </a:r>
-            <a:r>
-              <a:rPr lang="fi-FI" dirty="0"/>
-              <a:t> </a:t>
-            </a:r>
-            <a:r>
-              <a:rPr lang="fi-FI" dirty="0" err="1"/>
-              <a:t>Sort</a:t>
-            </a:r>
-            <a:r>
-              <a:rPr lang="fi-FI" dirty="0"/>
-              <a:t>: 22869,827ms</a:t>
-            </a:r>
-          </a:p>
-          <a:p>
-            <a:r>
-              <a:rPr lang="fi-FI" dirty="0" err="1"/>
-              <a:t>Optimized</a:t>
-            </a:r>
-            <a:r>
-              <a:rPr lang="fi-FI" dirty="0"/>
-              <a:t> </a:t>
-            </a:r>
-            <a:r>
-              <a:rPr lang="fi-FI" dirty="0" err="1"/>
-              <a:t>Quick</a:t>
-            </a:r>
-            <a:r>
-              <a:rPr lang="fi-FI" dirty="0"/>
-              <a:t> </a:t>
-            </a:r>
-            <a:r>
-              <a:rPr lang="fi-FI" dirty="0" err="1"/>
-              <a:t>Sort</a:t>
-            </a:r>
-            <a:r>
-              <a:rPr lang="fi-FI" dirty="0"/>
-              <a:t>: 11,923ms</a:t>
-            </a:r>
-          </a:p>
-          <a:p>
-            <a:r>
-              <a:rPr lang="fi-FI" dirty="0" err="1"/>
-              <a:t>Merge</a:t>
-            </a:r>
-            <a:r>
-              <a:rPr lang="fi-FI" dirty="0"/>
-              <a:t> </a:t>
-            </a:r>
-            <a:r>
-              <a:rPr lang="fi-FI" dirty="0" err="1"/>
-              <a:t>Sort</a:t>
-            </a:r>
-            <a:r>
-              <a:rPr lang="fi-FI" dirty="0"/>
-              <a:t>: 13,630ms</a:t>
-            </a:r>
-          </a:p>
-          <a:p>
-            <a:r>
-              <a:rPr lang="fi-FI" dirty="0"/>
-              <a:t>Java </a:t>
-            </a:r>
-            <a:r>
-              <a:rPr lang="fi-FI" dirty="0" err="1"/>
-              <a:t>Arrays.sort</a:t>
-            </a:r>
-            <a:r>
-              <a:rPr lang="fi-FI" dirty="0"/>
-              <a:t>: 6,944ms</a:t>
-            </a:r>
-            <a:endParaRPr lang="fi-FI" dirty="0">
-              <a:highlight>
-                <a:srgbClr val="00FF00"/>
-              </a:highlight>
-            </a:endParaRPr>
+              <a:t>: 7,402ms</a:t>
+            </a:r>
           </a:p>
         </p:txBody>
       </p:sp>
@@ -4634,30 +4612,12 @@
           </a:p>
           <a:p>
             <a:r>
-              <a:rPr lang="fi-FI" dirty="0" err="1"/>
-              <a:t>Insertion</a:t>
-            </a:r>
-            <a:r>
-              <a:rPr lang="fi-FI" dirty="0"/>
-              <a:t> </a:t>
-            </a:r>
-            <a:r>
-              <a:rPr lang="fi-FI" dirty="0" err="1"/>
-              <a:t>Sort</a:t>
-            </a:r>
-            <a:r>
-              <a:rPr lang="fi-FI" dirty="0"/>
-              <a:t>: 2,659ms</a:t>
-            </a:r>
-          </a:p>
-          <a:p>
-            <a:r>
               <a:rPr lang="fi-FI" dirty="0" err="1">
                 <a:highlight>
                   <a:srgbClr val="00FF00"/>
                 </a:highlight>
               </a:rPr>
-              <a:t>Bubble</a:t>
+              <a:t>Insertion</a:t>
             </a:r>
             <a:r>
               <a:rPr lang="fi-FI" dirty="0">
@@ -4681,7 +4641,25 @@
                   <a:srgbClr val="00FF00"/>
                 </a:highlight>
               </a:rPr>
-              <a:t>: 0,347ms</a:t>
+              <a:t>: 0,590ms</a:t>
+            </a:r>
+          </a:p>
+          <a:p>
+            <a:r>
+              <a:rPr lang="fi-FI" dirty="0" err="1"/>
+              <a:t>Bubble</a:t>
+            </a:r>
+            <a:r>
+              <a:rPr lang="fi-FI" dirty="0"/>
+              <a:t> </a:t>
+            </a:r>
+            <a:r>
+              <a:rPr lang="fi-FI" dirty="0" err="1"/>
+              <a:t>Sort</a:t>
+            </a:r>
+            <a:r>
+              <a:rPr lang="fi-FI" dirty="0"/>
+              <a:t>: 0,650ms</a:t>
             </a:r>
           </a:p>
           <a:p>
@@ -4695,7 +4673,7 @@
             </a:r>
             <a:r>
               <a:rPr lang="fi-FI" dirty="0"/>
-              <a:t>: 14,073ms</a:t>
+              <a:t>: 10,038ms</a:t>
             </a:r>
           </a:p>
           <a:p>
@@ -4721,7 +4699,25 @@
             </a:r>
             <a:r>
               <a:rPr lang="fi-FI" dirty="0"/>
-              <a:t>: 9,760ms</a:t>
+              <a:t>: 9,247ms</a:t>
+            </a:r>
+          </a:p>
+          <a:p>
+            <a:r>
+              <a:rPr lang="fi-FI" dirty="0" err="1"/>
+              <a:t>Quick</a:t>
+            </a:r>
+            <a:r>
+              <a:rPr lang="fi-FI" dirty="0"/>
+              <a:t> </a:t>
+            </a:r>
+            <a:r>
+              <a:rPr lang="fi-FI" dirty="0" err="1"/>
+              <a:t>Sort</a:t>
+            </a:r>
+            <a:r>
+              <a:rPr lang="fi-FI" dirty="0"/>
+              <a:t>: 8,383ms</a:t>
             </a:r>
           </a:p>
           <a:p>
@@ -4731,7 +4727,7 @@
                   <a:srgbClr val="FF0000"/>
                 </a:highlight>
               </a:rPr>
-              <a:t>Quick</a:t>
+              <a:t>Merge</a:t>
             </a:r>
             <a:r>
               <a:rPr lang="fi-FI" dirty="0">
@@ -4755,7 +4751,7 @@
                   <a:srgbClr val="FF0000"/>
                 </a:highlight>
               </a:rPr>
-              <a:t>: 50738,007ms</a:t>
+              <a:t>: 29,802ms</a:t>
             </a:r>
           </a:p>
           <a:p>
@@ -4769,7 +4765,7 @@
             </a:r>
             <a:r>
               <a:rPr lang="fi-FI" dirty="0" err="1"/>
-              <a:t>Quick</a:t>
+              <a:t>Merge</a:t>
             </a:r>
             <a:r>
               <a:rPr lang="fi-FI" dirty="0"/>
@@ -4781,25 +4777,7 @@
             </a:r>
             <a:r>
               <a:rPr lang="fi-FI" dirty="0"/>
-              <a:t>: 8,773ms</a:t>
-            </a:r>
-          </a:p>
-          <a:p>
-            <a:r>
-              <a:rPr lang="fi-FI" dirty="0" err="1"/>
-              <a:t>Merge</a:t>
-            </a:r>
-            <a:r>
-              <a:rPr lang="fi-FI" dirty="0"/>
-              <a:t> </a:t>
-            </a:r>
-            <a:r>
-              <a:rPr lang="fi-FI" dirty="0" err="1"/>
-              <a:t>Sort</a:t>
-            </a:r>
-            <a:r>
-              <a:rPr lang="fi-FI" dirty="0"/>
-              <a:t>: 12,783ms</a:t>
+              <a:t>: 13,096ms</a:t>
             </a:r>
           </a:p>
           <a:p>
@@ -4813,7 +4791,7 @@
             </a:r>
             <a:r>
               <a:rPr lang="fi-FI" dirty="0"/>
-              <a:t>: 2,529ms</a:t>
+              <a:t>: 5,296ms</a:t>
             </a:r>
           </a:p>
         </p:txBody>
@@ -4848,7 +4826,7 @@
           <a:p>
             <a:r>
               <a:rPr lang="fi-FI" sz="3600" b="1" dirty="0"/>
-              <a:t>250 000 Alkiota</a:t>
+              <a:t>500 000 Alkiota</a:t>
             </a:r>
           </a:p>
         </p:txBody>
@@ -4871,13 +4849,7 @@
   <p:cSld>
     <p:spTree>
       <p:nvGrpSpPr>
-        <p:cNvPr id="1" name="">
-          <a:extLst>
-            <a:ext uri="{FF2B5EF4-FFF2-40B4-BE49-F238E27FC236}">
-              <a16:creationId xmlns:a16="http://schemas.microsoft.com/office/drawing/2014/main" id="{2117DD87-401A-7390-AFB4-24CD3957ED87}"/>
-            </a:ext>
-          </a:extLst>
-        </p:cNvPr>
+        <p:cNvPr id="1" name=""/>
         <p:cNvGrpSpPr/>
         <p:nvPr/>
       </p:nvGrpSpPr>
@@ -4891,10 +4863,10 @@
       </p:grpSpPr>
       <p:sp>
         <p:nvSpPr>
-          <p:cNvPr id="4" name="Tekstiruutu 3">
-            <a:extLst>
-              <a:ext uri="{FF2B5EF4-FFF2-40B4-BE49-F238E27FC236}">
-                <a16:creationId xmlns:a16="http://schemas.microsoft.com/office/drawing/2014/main" id="{1D299D79-8874-68FC-3000-A5C705813ECA}"/>
+          <p:cNvPr id="2" name="Tekstiruutu 1">
+            <a:extLst>
+              <a:ext uri="{FF2B5EF4-FFF2-40B4-BE49-F238E27FC236}">
+                <a16:creationId xmlns:a16="http://schemas.microsoft.com/office/drawing/2014/main" id="{7168F0AB-D104-7978-2FFA-D0FF4F830667}"/>
               </a:ext>
             </a:extLst>
           </p:cNvPr>
@@ -4903,8 +4875,8 @@
         </p:nvSpPr>
         <p:spPr>
           <a:xfrm>
-            <a:off x="3384644" y="2067636"/>
-            <a:ext cx="5240741" cy="2308324"/>
+            <a:off x="4700041" y="143301"/>
+            <a:ext cx="2791918" cy="646331"/>
           </a:xfrm>
           <a:prstGeom prst="rect">
             <a:avLst/>
@@ -4912,200 +4884,14 @@
           <a:noFill/>
         </p:spPr>
         <p:txBody>
-          <a:bodyPr wrap="square" rtlCol="0">
+          <a:bodyPr wrap="none" rtlCol="0">
             <a:spAutoFit/>
           </a:bodyPr>
           <a:lstStyle/>
           <a:p>
             <a:r>
-              <a:rPr lang="fi-FI" dirty="0" err="1"/>
-              <a:t>Insertion</a:t>
-            </a:r>
-            <a:r>
-              <a:rPr lang="fi-FI" dirty="0"/>
-              <a:t> </a:t>
-            </a:r>
-            <a:r>
-              <a:rPr lang="fi-FI" dirty="0" err="1"/>
-              <a:t>Sort</a:t>
-            </a:r>
-            <a:r>
-              <a:rPr lang="fi-FI" dirty="0"/>
-              <a:t>: n. 42 sekuntia</a:t>
-            </a:r>
-          </a:p>
-          <a:p>
-            <a:r>
-              <a:rPr lang="fi-FI" dirty="0" err="1">
-                <a:highlight>
-                  <a:srgbClr val="FF0000"/>
-                </a:highlight>
-              </a:rPr>
-              <a:t>Bubble</a:t>
-            </a:r>
-            <a:r>
-              <a:rPr lang="fi-FI" dirty="0">
-                <a:highlight>
-                  <a:srgbClr val="FF0000"/>
-                </a:highlight>
-              </a:rPr>
-              <a:t> </a:t>
-            </a:r>
-            <a:r>
-              <a:rPr lang="fi-FI" dirty="0" err="1">
-                <a:highlight>
-                  <a:srgbClr val="FF0000"/>
-                </a:highlight>
-              </a:rPr>
-              <a:t>Sort</a:t>
-            </a:r>
-            <a:r>
-              <a:rPr lang="fi-FI" dirty="0">
-                <a:highlight>
-                  <a:srgbClr val="FF0000"/>
-                </a:highlight>
-              </a:rPr>
-              <a:t>: n. 2 min 23 sekuntia</a:t>
-            </a:r>
-          </a:p>
-          <a:p>
-            <a:r>
-              <a:rPr lang="fi-FI" dirty="0"/>
-              <a:t>Shell </a:t>
-            </a:r>
-            <a:r>
-              <a:rPr lang="fi-FI" dirty="0" err="1"/>
-              <a:t>Sort</a:t>
-            </a:r>
-            <a:r>
-              <a:rPr lang="fi-FI" dirty="0"/>
-              <a:t>: n. 73 millisekuntia</a:t>
-            </a:r>
-          </a:p>
-          <a:p>
-            <a:r>
-              <a:rPr lang="fi-FI" dirty="0" err="1">
-                <a:highlight>
-                  <a:srgbClr val="00FF00"/>
-                </a:highlight>
-              </a:rPr>
-              <a:t>Knuth</a:t>
-            </a:r>
-            <a:r>
-              <a:rPr lang="fi-FI" dirty="0">
-                <a:highlight>
-                  <a:srgbClr val="00FF00"/>
-                </a:highlight>
-              </a:rPr>
-              <a:t> </a:t>
-            </a:r>
-            <a:r>
-              <a:rPr lang="fi-FI" dirty="0" err="1">
-                <a:highlight>
-                  <a:srgbClr val="00FF00"/>
-                </a:highlight>
-              </a:rPr>
-              <a:t>Sequence</a:t>
-            </a:r>
-            <a:r>
-              <a:rPr lang="fi-FI" dirty="0">
-                <a:highlight>
-                  <a:srgbClr val="00FF00"/>
-                </a:highlight>
-              </a:rPr>
-              <a:t> Shell </a:t>
-            </a:r>
-            <a:r>
-              <a:rPr lang="fi-FI" dirty="0" err="1">
-                <a:highlight>
-                  <a:srgbClr val="00FF00"/>
-                </a:highlight>
-              </a:rPr>
-              <a:t>Sort</a:t>
-            </a:r>
-            <a:r>
-              <a:rPr lang="fi-FI" dirty="0">
-                <a:highlight>
-                  <a:srgbClr val="00FF00"/>
-                </a:highlight>
-              </a:rPr>
-              <a:t>: n. 60 millisekuntia</a:t>
-            </a:r>
-          </a:p>
-          <a:p>
-            <a:r>
-              <a:rPr lang="fi-FI" dirty="0" err="1"/>
-              <a:t>Quick</a:t>
-            </a:r>
-            <a:r>
-              <a:rPr lang="fi-FI" dirty="0"/>
-              <a:t> </a:t>
-            </a:r>
-            <a:r>
-              <a:rPr lang="fi-FI" dirty="0" err="1"/>
-              <a:t>Sort</a:t>
-            </a:r>
-            <a:r>
-              <a:rPr lang="fi-FI" dirty="0"/>
-              <a:t>: n. 73 sekuntia</a:t>
-            </a:r>
-          </a:p>
-          <a:p>
-            <a:r>
-              <a:rPr lang="fi-FI" dirty="0" err="1"/>
-              <a:t>Optimized</a:t>
-            </a:r>
-            <a:r>
-              <a:rPr lang="fi-FI" dirty="0"/>
-              <a:t> </a:t>
-            </a:r>
-            <a:r>
-              <a:rPr lang="fi-FI" dirty="0" err="1"/>
-              <a:t>Quick</a:t>
-            </a:r>
-            <a:r>
-              <a:rPr lang="fi-FI" dirty="0"/>
-              <a:t> </a:t>
-            </a:r>
-            <a:r>
-              <a:rPr lang="fi-FI" dirty="0" err="1"/>
-              <a:t>Sort</a:t>
-            </a:r>
-            <a:r>
-              <a:rPr lang="fi-FI" dirty="0"/>
-              <a:t>: n. 67 millisekuntia</a:t>
-            </a:r>
-          </a:p>
-          <a:p>
-            <a:r>
-              <a:rPr lang="fi-FI" dirty="0" err="1"/>
-              <a:t>Merge</a:t>
-            </a:r>
-            <a:r>
-              <a:rPr lang="fi-FI" dirty="0"/>
-              <a:t> </a:t>
-            </a:r>
-            <a:r>
-              <a:rPr lang="fi-FI" dirty="0" err="1"/>
-              <a:t>Sort</a:t>
-            </a:r>
-            <a:r>
-              <a:rPr lang="fi-FI" dirty="0"/>
-              <a:t>: n. 87 millisekuntia</a:t>
-            </a:r>
-          </a:p>
-          <a:p>
-            <a:r>
-              <a:rPr lang="fi-FI" dirty="0"/>
-              <a:t>Java </a:t>
-            </a:r>
-            <a:r>
-              <a:rPr lang="fi-FI" dirty="0" err="1"/>
-              <a:t>Arrays.sort</a:t>
-            </a:r>
-            <a:r>
-              <a:rPr lang="fi-FI" dirty="0"/>
-              <a:t>: n. 139 millisekuntia</a:t>
+              <a:rPr lang="fi-FI" sz="3600" b="1" dirty="0"/>
+              <a:t>Mittauksista</a:t>
             </a:r>
           </a:p>
         </p:txBody>
@@ -5115,7 +4901,7 @@
           <p:cNvPr id="5" name="Tekstiruutu 4">
             <a:extLst>
               <a:ext uri="{FF2B5EF4-FFF2-40B4-BE49-F238E27FC236}">
-                <a16:creationId xmlns:a16="http://schemas.microsoft.com/office/drawing/2014/main" id="{0BC5C47B-63E5-06A4-C6A6-D03F1932668E}"/>
+                <a16:creationId xmlns:a16="http://schemas.microsoft.com/office/drawing/2014/main" id="{E65869A4-8EF4-CC97-9842-F0C74ADF59A9}"/>
               </a:ext>
             </a:extLst>
           </p:cNvPr>
@@ -5124,8 +4910,8 @@
         </p:nvSpPr>
         <p:spPr>
           <a:xfrm>
-            <a:off x="2257567" y="423080"/>
-            <a:ext cx="7615450" cy="646331"/>
+            <a:off x="163194" y="789632"/>
+            <a:ext cx="12028806" cy="1477328"/>
           </a:xfrm>
           <a:prstGeom prst="rect">
             <a:avLst/>
@@ -5133,14 +4919,379 @@
           <a:noFill/>
         </p:spPr>
         <p:txBody>
-          <a:bodyPr wrap="square" rtlCol="0">
+          <a:bodyPr wrap="none" rtlCol="0">
             <a:spAutoFit/>
           </a:bodyPr>
           <a:lstStyle/>
           <a:p>
             <a:r>
-              <a:rPr lang="fi-FI" sz="3600" b="1" dirty="0"/>
-              <a:t>250 000 Alkion yhteenlaskettu aika</a:t>
+              <a:rPr lang="fi-FI" dirty="0"/>
+              <a:t>Randomilla datalla </a:t>
+            </a:r>
+            <a:r>
+              <a:rPr lang="fi-FI" dirty="0" err="1"/>
+              <a:t>Quick</a:t>
+            </a:r>
+            <a:r>
+              <a:rPr lang="fi-FI" dirty="0"/>
+              <a:t> </a:t>
+            </a:r>
+            <a:r>
+              <a:rPr lang="fi-FI" dirty="0" err="1"/>
+              <a:t>Sort</a:t>
+            </a:r>
+            <a:r>
+              <a:rPr lang="fi-FI" dirty="0"/>
+              <a:t> oli nopein. Nopeimmat alle 10ms erolla olivat </a:t>
+            </a:r>
+            <a:r>
+              <a:rPr lang="fi-FI" dirty="0" err="1"/>
+              <a:t>Quick</a:t>
+            </a:r>
+            <a:r>
+              <a:rPr lang="fi-FI" dirty="0"/>
+              <a:t> </a:t>
+            </a:r>
+            <a:r>
+              <a:rPr lang="fi-FI" dirty="0" err="1"/>
+              <a:t>Sort</a:t>
+            </a:r>
+            <a:r>
+              <a:rPr lang="fi-FI" dirty="0"/>
+              <a:t>, Javan </a:t>
+            </a:r>
+            <a:r>
+              <a:rPr lang="fi-FI" dirty="0" err="1"/>
+              <a:t>Arrays.sort</a:t>
+            </a:r>
+            <a:r>
+              <a:rPr lang="fi-FI" dirty="0"/>
+              <a:t> ja optimoitu </a:t>
+            </a:r>
+          </a:p>
+          <a:p>
+            <a:r>
+              <a:rPr lang="fi-FI" dirty="0" err="1"/>
+              <a:t>Merge</a:t>
+            </a:r>
+            <a:r>
+              <a:rPr lang="fi-FI" dirty="0"/>
+              <a:t> </a:t>
+            </a:r>
+            <a:r>
+              <a:rPr lang="fi-FI" dirty="0" err="1"/>
+              <a:t>Sort</a:t>
+            </a:r>
+            <a:r>
+              <a:rPr lang="fi-FI" dirty="0"/>
+              <a:t>. </a:t>
+            </a:r>
+            <a:r>
+              <a:rPr lang="fi-FI" dirty="0" err="1"/>
+              <a:t>Quick</a:t>
+            </a:r>
+            <a:r>
+              <a:rPr lang="fi-FI" dirty="0"/>
+              <a:t> </a:t>
+            </a:r>
+            <a:r>
+              <a:rPr lang="fi-FI" dirty="0" err="1"/>
+              <a:t>Sort</a:t>
+            </a:r>
+            <a:r>
+              <a:rPr lang="fi-FI" dirty="0"/>
+              <a:t> ja Javan </a:t>
+            </a:r>
+            <a:r>
+              <a:rPr lang="fi-FI" dirty="0" err="1"/>
+              <a:t>Arrays.sort</a:t>
+            </a:r>
+            <a:r>
+              <a:rPr lang="fi-FI" dirty="0"/>
+              <a:t> metodi ovat molemmat samanlaisia algoritmeja, mutta Javan </a:t>
+            </a:r>
+            <a:r>
+              <a:rPr lang="fi-FI" dirty="0" err="1"/>
+              <a:t>Arrays.sort</a:t>
+            </a:r>
+            <a:r>
+              <a:rPr lang="fi-FI" dirty="0"/>
+              <a:t> </a:t>
+            </a:r>
+          </a:p>
+          <a:p>
+            <a:r>
+              <a:rPr lang="fi-FI" dirty="0"/>
+              <a:t>käyttää </a:t>
+            </a:r>
+            <a:r>
+              <a:rPr lang="fi-FI" dirty="0" err="1"/>
+              <a:t>pivottina</a:t>
+            </a:r>
+            <a:r>
+              <a:rPr lang="fi-FI" dirty="0"/>
+              <a:t> kahta elementtiä, eli se jakaa listan kolmeen osaan.</a:t>
+            </a:r>
+          </a:p>
+          <a:p>
+            <a:endParaRPr lang="fi-FI" dirty="0"/>
+          </a:p>
+          <a:p>
+            <a:r>
+              <a:rPr lang="fi-FI" dirty="0" err="1"/>
+              <a:t>Bubble</a:t>
+            </a:r>
+            <a:r>
+              <a:rPr lang="fi-FI" dirty="0"/>
+              <a:t> </a:t>
+            </a:r>
+            <a:r>
+              <a:rPr lang="fi-FI" dirty="0" err="1"/>
+              <a:t>Sort</a:t>
+            </a:r>
+            <a:r>
+              <a:rPr lang="fi-FI" dirty="0"/>
+              <a:t> oli </a:t>
+            </a:r>
+            <a:r>
+              <a:rPr lang="fi-FI" dirty="0" err="1"/>
+              <a:t>selkeästo</a:t>
+            </a:r>
+            <a:r>
+              <a:rPr lang="fi-FI" dirty="0"/>
+              <a:t> huonoin sen O(n^2) aikavaatimuksen takia. Sillä kesti yli 12 minuuttia järjestää 500 000 alkiota. </a:t>
+            </a:r>
+          </a:p>
+        </p:txBody>
+      </p:sp>
+      <p:sp>
+        <p:nvSpPr>
+          <p:cNvPr id="6" name="Tekstiruutu 5">
+            <a:extLst>
+              <a:ext uri="{FF2B5EF4-FFF2-40B4-BE49-F238E27FC236}">
+                <a16:creationId xmlns:a16="http://schemas.microsoft.com/office/drawing/2014/main" id="{CD6A10A7-9532-5678-9705-DEBB4D966AAB}"/>
+              </a:ext>
+            </a:extLst>
+          </p:cNvPr>
+          <p:cNvSpPr txBox="1"/>
+          <p:nvPr/>
+        </p:nvSpPr>
+        <p:spPr>
+          <a:xfrm>
+            <a:off x="163194" y="2554406"/>
+            <a:ext cx="12108764" cy="1200329"/>
+          </a:xfrm>
+          <a:prstGeom prst="rect">
+            <a:avLst/>
+          </a:prstGeom>
+          <a:noFill/>
+        </p:spPr>
+        <p:txBody>
+          <a:bodyPr wrap="none" rtlCol="0">
+            <a:spAutoFit/>
+          </a:bodyPr>
+          <a:lstStyle/>
+          <a:p>
+            <a:r>
+              <a:rPr lang="fi-FI" dirty="0"/>
+              <a:t>Nousevalla datalla </a:t>
+            </a:r>
+            <a:r>
+              <a:rPr lang="fi-FI" dirty="0" err="1"/>
+              <a:t>Insertion</a:t>
+            </a:r>
+            <a:r>
+              <a:rPr lang="fi-FI" dirty="0"/>
+              <a:t> </a:t>
+            </a:r>
+            <a:r>
+              <a:rPr lang="fi-FI" dirty="0" err="1"/>
+              <a:t>Sort</a:t>
+            </a:r>
+            <a:r>
+              <a:rPr lang="fi-FI" dirty="0"/>
+              <a:t> voitti. </a:t>
+            </a:r>
+            <a:r>
+              <a:rPr lang="fi-FI" dirty="0" err="1"/>
+              <a:t>Bubble</a:t>
+            </a:r>
+            <a:r>
+              <a:rPr lang="fi-FI" dirty="0"/>
+              <a:t> </a:t>
+            </a:r>
+            <a:r>
+              <a:rPr lang="fi-FI" dirty="0" err="1"/>
+              <a:t>Sort</a:t>
+            </a:r>
+            <a:r>
+              <a:rPr lang="fi-FI" dirty="0"/>
+              <a:t> tuli vahvaksi kakkoseksi sen </a:t>
+            </a:r>
+            <a:r>
+              <a:rPr lang="fi-FI" dirty="0" err="1"/>
+              <a:t>if</a:t>
+            </a:r>
+            <a:r>
+              <a:rPr lang="fi-FI" dirty="0"/>
+              <a:t> (!</a:t>
+            </a:r>
+            <a:r>
+              <a:rPr lang="fi-FI" dirty="0" err="1"/>
+              <a:t>swapped</a:t>
+            </a:r>
+            <a:r>
+              <a:rPr lang="fi-FI" dirty="0"/>
+              <a:t>) </a:t>
+            </a:r>
+            <a:r>
+              <a:rPr lang="fi-FI" dirty="0" err="1"/>
+              <a:t>return</a:t>
+            </a:r>
+            <a:r>
+              <a:rPr lang="fi-FI" dirty="0"/>
+              <a:t>; ehdon ansiosta. Ne </a:t>
+            </a:r>
+          </a:p>
+          <a:p>
+            <a:r>
+              <a:rPr lang="fi-FI" dirty="0"/>
+              <a:t>ovat nopeimpia pienen muistinkäytön vuoksi.</a:t>
+            </a:r>
+          </a:p>
+          <a:p>
+            <a:endParaRPr lang="fi-FI" dirty="0"/>
+          </a:p>
+          <a:p>
+            <a:r>
+              <a:rPr lang="fi-FI" dirty="0"/>
+              <a:t>Huonoiten pärjäsi  </a:t>
+            </a:r>
+            <a:r>
+              <a:rPr lang="fi-FI" dirty="0" err="1"/>
+              <a:t>Merge</a:t>
+            </a:r>
+            <a:r>
+              <a:rPr lang="fi-FI" dirty="0"/>
+              <a:t> </a:t>
+            </a:r>
+            <a:r>
+              <a:rPr lang="fi-FI" dirty="0" err="1"/>
+              <a:t>Sort</a:t>
+            </a:r>
+            <a:r>
+              <a:rPr lang="fi-FI" dirty="0"/>
+              <a:t> sen rekursion suuren muistinkäytön vuoksi. </a:t>
+            </a:r>
+          </a:p>
+        </p:txBody>
+      </p:sp>
+      <p:sp>
+        <p:nvSpPr>
+          <p:cNvPr id="7" name="Tekstiruutu 6">
+            <a:extLst>
+              <a:ext uri="{FF2B5EF4-FFF2-40B4-BE49-F238E27FC236}">
+                <a16:creationId xmlns:a16="http://schemas.microsoft.com/office/drawing/2014/main" id="{D566457E-9D33-D10A-3725-BE86483AD948}"/>
+              </a:ext>
+            </a:extLst>
+          </p:cNvPr>
+          <p:cNvSpPr txBox="1"/>
+          <p:nvPr/>
+        </p:nvSpPr>
+        <p:spPr>
+          <a:xfrm>
+            <a:off x="163194" y="4511597"/>
+            <a:ext cx="11759309" cy="1200329"/>
+          </a:xfrm>
+          <a:prstGeom prst="rect">
+            <a:avLst/>
+          </a:prstGeom>
+          <a:noFill/>
+        </p:spPr>
+        <p:txBody>
+          <a:bodyPr wrap="none" rtlCol="0">
+            <a:spAutoFit/>
+          </a:bodyPr>
+          <a:lstStyle/>
+          <a:p>
+            <a:r>
+              <a:rPr lang="fi-FI" dirty="0"/>
+              <a:t>Laskevalla datalla selvä voittaja oli Javan </a:t>
+            </a:r>
+            <a:r>
+              <a:rPr lang="fi-FI" dirty="0" err="1"/>
+              <a:t>Arrays.sort</a:t>
+            </a:r>
+            <a:r>
+              <a:rPr lang="fi-FI" dirty="0"/>
+              <a:t> sen kahden </a:t>
+            </a:r>
+            <a:r>
+              <a:rPr lang="fi-FI" dirty="0" err="1"/>
+              <a:t>pivotin</a:t>
+            </a:r>
+            <a:r>
+              <a:rPr lang="fi-FI" dirty="0"/>
+              <a:t> </a:t>
+            </a:r>
+            <a:r>
+              <a:rPr lang="fi-FI" dirty="0" err="1"/>
+              <a:t>Quick</a:t>
+            </a:r>
+            <a:r>
+              <a:rPr lang="fi-FI" dirty="0"/>
+              <a:t> sortin ansiosta. Perinteinen </a:t>
+            </a:r>
+            <a:r>
+              <a:rPr lang="fi-FI" dirty="0" err="1"/>
+              <a:t>Quick</a:t>
+            </a:r>
+            <a:r>
+              <a:rPr lang="fi-FI" dirty="0"/>
+              <a:t> </a:t>
+            </a:r>
+            <a:r>
+              <a:rPr lang="fi-FI" dirty="0" err="1"/>
+              <a:t>Sort</a:t>
+            </a:r>
+            <a:r>
+              <a:rPr lang="fi-FI" dirty="0"/>
+              <a:t> </a:t>
+            </a:r>
+          </a:p>
+          <a:p>
+            <a:r>
+              <a:rPr lang="fi-FI" dirty="0"/>
+              <a:t>hävisi muutamalla millisekunnilla </a:t>
+            </a:r>
+            <a:r>
+              <a:rPr lang="fi-FI" dirty="0" err="1"/>
+              <a:t>Knuthin</a:t>
+            </a:r>
+            <a:r>
+              <a:rPr lang="fi-FI" dirty="0"/>
+              <a:t> algoritmia käyttävälle Shell sortille sen suurien välien ansiosta. </a:t>
+            </a:r>
+          </a:p>
+          <a:p>
+            <a:endParaRPr lang="fi-FI" dirty="0"/>
+          </a:p>
+          <a:p>
+            <a:r>
+              <a:rPr lang="fi-FI" dirty="0" err="1"/>
+              <a:t>Bubble</a:t>
+            </a:r>
+            <a:r>
+              <a:rPr lang="fi-FI" dirty="0"/>
+              <a:t> </a:t>
+            </a:r>
+            <a:r>
+              <a:rPr lang="fi-FI" dirty="0" err="1"/>
+              <a:t>sort</a:t>
+            </a:r>
+            <a:r>
+              <a:rPr lang="fi-FI" dirty="0"/>
+              <a:t> hävisi taas suurella määrällä O(n^2) aikavaatimuksen takia.</a:t>
             </a:r>
           </a:p>
         </p:txBody>
@@ -5148,7 +5299,7 @@
     </p:spTree>
     <p:extLst>
       <p:ext uri="{BB962C8B-B14F-4D97-AF65-F5344CB8AC3E}">
-        <p14:creationId xmlns:p14="http://schemas.microsoft.com/office/powerpoint/2010/main" val="1610972868"/>
+        <p14:creationId xmlns:p14="http://schemas.microsoft.com/office/powerpoint/2010/main" val="2625242151"/>
       </p:ext>
     </p:extLst>
   </p:cSld>
@@ -5180,7 +5331,7 @@
           <p:cNvPr id="2" name="Tekstiruutu 1">
             <a:extLst>
               <a:ext uri="{FF2B5EF4-FFF2-40B4-BE49-F238E27FC236}">
-                <a16:creationId xmlns:a16="http://schemas.microsoft.com/office/drawing/2014/main" id="{7168F0AB-D104-7978-2FFA-D0FF4F830667}"/>
+                <a16:creationId xmlns:a16="http://schemas.microsoft.com/office/drawing/2014/main" id="{AF93C99B-5A88-0A6D-D5A2-72555C60C0A5}"/>
               </a:ext>
             </a:extLst>
           </p:cNvPr>
@@ -5189,8 +5340,8 @@
         </p:nvSpPr>
         <p:spPr>
           <a:xfrm>
-            <a:off x="4700041" y="143301"/>
-            <a:ext cx="2791918" cy="646331"/>
+            <a:off x="1589964" y="648269"/>
+            <a:ext cx="10282046" cy="584775"/>
           </a:xfrm>
           <a:prstGeom prst="rect">
             <a:avLst/>
@@ -5204,18 +5355,26 @@
           <a:lstStyle/>
           <a:p>
             <a:r>
-              <a:rPr lang="fi-FI" sz="3600" b="1" dirty="0"/>
-              <a:t>Mittauksista</a:t>
-            </a:r>
-          </a:p>
-        </p:txBody>
-      </p:sp>
-      <p:sp>
-        <p:nvSpPr>
-          <p:cNvPr id="5" name="Tekstiruutu 4">
-            <a:extLst>
-              <a:ext uri="{FF2B5EF4-FFF2-40B4-BE49-F238E27FC236}">
-                <a16:creationId xmlns:a16="http://schemas.microsoft.com/office/drawing/2014/main" id="{E65869A4-8EF4-CC97-9842-F0C74ADF59A9}"/>
+              <a:rPr lang="fi-FI" sz="3200" b="1" dirty="0"/>
+              <a:t>Käytin funktioiden testaamiseen </a:t>
+            </a:r>
+            <a:r>
+              <a:rPr lang="fi-FI" sz="3200" b="1" dirty="0" err="1"/>
+              <a:t>function</a:t>
+            </a:r>
+            <a:r>
+              <a:rPr lang="fi-FI" sz="3200" b="1" dirty="0"/>
+              <a:t> pointtereita:</a:t>
+            </a:r>
+          </a:p>
+        </p:txBody>
+      </p:sp>
+      <p:sp>
+        <p:nvSpPr>
+          <p:cNvPr id="3" name="Tekstiruutu 2">
+            <a:extLst>
+              <a:ext uri="{FF2B5EF4-FFF2-40B4-BE49-F238E27FC236}">
+                <a16:creationId xmlns:a16="http://schemas.microsoft.com/office/drawing/2014/main" id="{530ADD85-1E03-B10D-94F6-3BBC0D2DCFE4}"/>
               </a:ext>
             </a:extLst>
           </p:cNvPr>
@@ -5224,8 +5383,8 @@
         </p:nvSpPr>
         <p:spPr>
           <a:xfrm>
-            <a:off x="394471" y="846161"/>
-            <a:ext cx="11403058" cy="1200329"/>
+            <a:off x="921224" y="1899117"/>
+            <a:ext cx="11088805" cy="1754326"/>
           </a:xfrm>
           <a:prstGeom prst="rect">
             <a:avLst/>
@@ -5233,115 +5392,540 @@
           <a:noFill/>
         </p:spPr>
         <p:txBody>
-          <a:bodyPr wrap="none" rtlCol="0">
+          <a:bodyPr wrap="square" rtlCol="0">
             <a:spAutoFit/>
           </a:bodyPr>
           <a:lstStyle/>
           <a:p>
             <a:r>
-              <a:rPr lang="fi-FI" dirty="0"/>
-              <a:t>Randomilla datalla </a:t>
-            </a:r>
-            <a:r>
-              <a:rPr lang="fi-FI" dirty="0" err="1"/>
-              <a:t>quick</a:t>
-            </a:r>
-            <a:r>
-              <a:rPr lang="fi-FI" dirty="0"/>
-              <a:t> </a:t>
-            </a:r>
-            <a:r>
-              <a:rPr lang="fi-FI" dirty="0" err="1"/>
-              <a:t>sort</a:t>
-            </a:r>
-            <a:r>
-              <a:rPr lang="fi-FI" dirty="0"/>
-              <a:t> on kuningas rekursion ja pienen muistinkäytön ansiosta. </a:t>
-            </a:r>
-            <a:r>
-              <a:rPr lang="fi-FI" dirty="0" err="1"/>
-              <a:t>Knuthin</a:t>
-            </a:r>
-            <a:r>
-              <a:rPr lang="fi-FI" dirty="0"/>
-              <a:t> sarjaa käyttävä</a:t>
-            </a:r>
-          </a:p>
-          <a:p>
-            <a:r>
-              <a:rPr lang="fi-FI" dirty="0" err="1"/>
-              <a:t>shell</a:t>
-            </a:r>
-            <a:r>
-              <a:rPr lang="fi-FI" dirty="0"/>
-              <a:t> </a:t>
-            </a:r>
-            <a:r>
-              <a:rPr lang="fi-FI" dirty="0" err="1"/>
-              <a:t>sort</a:t>
-            </a:r>
-            <a:r>
-              <a:rPr lang="fi-FI" dirty="0"/>
-              <a:t> tuli vahvaksi kakkoseksi. Optimoitu </a:t>
-            </a:r>
-            <a:r>
-              <a:rPr lang="fi-FI" dirty="0" err="1"/>
-              <a:t>quick</a:t>
-            </a:r>
-            <a:r>
-              <a:rPr lang="fi-FI" dirty="0"/>
-              <a:t> </a:t>
-            </a:r>
-            <a:r>
-              <a:rPr lang="fi-FI" dirty="0" err="1"/>
-              <a:t>sort</a:t>
-            </a:r>
-            <a:r>
-              <a:rPr lang="fi-FI" dirty="0"/>
-              <a:t> ei vielä näyttänyt kynsiään, koska uuden random </a:t>
-            </a:r>
-            <a:r>
-              <a:rPr lang="fi-FI" dirty="0" err="1"/>
-              <a:t>integerin</a:t>
-            </a:r>
-            <a:endParaRPr lang="fi-FI" dirty="0"/>
-          </a:p>
-          <a:p>
-            <a:r>
-              <a:rPr lang="fi-FI" dirty="0"/>
-              <a:t>luominen vie suoritusvoimaa. </a:t>
-            </a:r>
-          </a:p>
-          <a:p>
-            <a:r>
-              <a:rPr lang="fi-FI" dirty="0"/>
-              <a:t>Selvästi hitain oli </a:t>
-            </a:r>
-            <a:r>
-              <a:rPr lang="fi-FI" dirty="0" err="1"/>
-              <a:t>bubble</a:t>
-            </a:r>
-            <a:r>
-              <a:rPr lang="fi-FI" dirty="0"/>
-              <a:t> </a:t>
-            </a:r>
-            <a:r>
-              <a:rPr lang="fi-FI" dirty="0" err="1"/>
-              <a:t>sort</a:t>
-            </a:r>
-            <a:r>
-              <a:rPr lang="fi-FI" dirty="0"/>
-              <a:t> sen O(n^2) aikavaatimuksen takia randomilla datalla.</a:t>
-            </a:r>
-          </a:p>
-        </p:txBody>
-      </p:sp>
-      <p:sp>
-        <p:nvSpPr>
-          <p:cNvPr id="6" name="Tekstiruutu 5">
-            <a:extLst>
-              <a:ext uri="{FF2B5EF4-FFF2-40B4-BE49-F238E27FC236}">
-                <a16:creationId xmlns:a16="http://schemas.microsoft.com/office/drawing/2014/main" id="{CD6A10A7-9532-5678-9705-DEBB4D966AAB}"/>
+              <a:rPr lang="fi-FI" dirty="0" err="1">
+                <a:solidFill>
+                  <a:schemeClr val="accent6">
+                    <a:lumMod val="50000"/>
+                  </a:schemeClr>
+                </a:solidFill>
+              </a:rPr>
+              <a:t>public</a:t>
+            </a:r>
+            <a:r>
+              <a:rPr lang="fi-FI" dirty="0">
+                <a:solidFill>
+                  <a:schemeClr val="accent6">
+                    <a:lumMod val="50000"/>
+                  </a:schemeClr>
+                </a:solidFill>
+              </a:rPr>
+              <a:t> </a:t>
+            </a:r>
+            <a:r>
+              <a:rPr lang="fi-FI" dirty="0" err="1">
+                <a:solidFill>
+                  <a:schemeClr val="accent6">
+                    <a:lumMod val="50000"/>
+                  </a:schemeClr>
+                </a:solidFill>
+              </a:rPr>
+              <a:t>static</a:t>
+            </a:r>
+            <a:r>
+              <a:rPr lang="fi-FI" dirty="0">
+                <a:solidFill>
+                  <a:schemeClr val="accent6">
+                    <a:lumMod val="50000"/>
+                  </a:schemeClr>
+                </a:solidFill>
+              </a:rPr>
+              <a:t> </a:t>
+            </a:r>
+            <a:r>
+              <a:rPr lang="fi-FI" dirty="0" err="1">
+                <a:solidFill>
+                  <a:schemeClr val="accent6">
+                    <a:lumMod val="50000"/>
+                  </a:schemeClr>
+                </a:solidFill>
+              </a:rPr>
+              <a:t>void</a:t>
+            </a:r>
+            <a:r>
+              <a:rPr lang="fi-FI" dirty="0">
+                <a:solidFill>
+                  <a:schemeClr val="accent6">
+                    <a:lumMod val="50000"/>
+                  </a:schemeClr>
+                </a:solidFill>
+              </a:rPr>
+              <a:t> </a:t>
+            </a:r>
+            <a:r>
+              <a:rPr lang="fi-FI" dirty="0" err="1">
+                <a:solidFill>
+                  <a:schemeClr val="accent6">
+                    <a:lumMod val="50000"/>
+                  </a:schemeClr>
+                </a:solidFill>
+              </a:rPr>
+              <a:t>measureExecSpeed</a:t>
+            </a:r>
+            <a:r>
+              <a:rPr lang="fi-FI" dirty="0">
+                <a:solidFill>
+                  <a:schemeClr val="accent6">
+                    <a:lumMod val="50000"/>
+                  </a:schemeClr>
+                </a:solidFill>
+              </a:rPr>
+              <a:t>(</a:t>
+            </a:r>
+            <a:r>
+              <a:rPr lang="fi-FI" dirty="0" err="1">
+                <a:solidFill>
+                  <a:schemeClr val="accent6">
+                    <a:lumMod val="50000"/>
+                  </a:schemeClr>
+                </a:solidFill>
+              </a:rPr>
+              <a:t>FunctionPointer</a:t>
+            </a:r>
+            <a:r>
+              <a:rPr lang="fi-FI" dirty="0">
+                <a:solidFill>
+                  <a:schemeClr val="accent6">
+                    <a:lumMod val="50000"/>
+                  </a:schemeClr>
+                </a:solidFill>
+              </a:rPr>
+              <a:t> </a:t>
+            </a:r>
+            <a:r>
+              <a:rPr lang="fi-FI" dirty="0" err="1">
+                <a:solidFill>
+                  <a:schemeClr val="accent6">
+                    <a:lumMod val="50000"/>
+                  </a:schemeClr>
+                </a:solidFill>
+              </a:rPr>
+              <a:t>method</a:t>
+            </a:r>
+            <a:r>
+              <a:rPr lang="fi-FI" dirty="0">
+                <a:solidFill>
+                  <a:schemeClr val="accent6">
+                    <a:lumMod val="50000"/>
+                  </a:schemeClr>
+                </a:solidFill>
+              </a:rPr>
+              <a:t>, </a:t>
+            </a:r>
+            <a:r>
+              <a:rPr lang="fi-FI" dirty="0" err="1">
+                <a:solidFill>
+                  <a:schemeClr val="accent6">
+                    <a:lumMod val="50000"/>
+                  </a:schemeClr>
+                </a:solidFill>
+              </a:rPr>
+              <a:t>String</a:t>
+            </a:r>
+            <a:r>
+              <a:rPr lang="fi-FI" dirty="0">
+                <a:solidFill>
+                  <a:schemeClr val="accent6">
+                    <a:lumMod val="50000"/>
+                  </a:schemeClr>
+                </a:solidFill>
+              </a:rPr>
+              <a:t> </a:t>
+            </a:r>
+            <a:r>
+              <a:rPr lang="fi-FI" dirty="0" err="1">
+                <a:solidFill>
+                  <a:schemeClr val="accent6">
+                    <a:lumMod val="50000"/>
+                  </a:schemeClr>
+                </a:solidFill>
+              </a:rPr>
+              <a:t>name</a:t>
+            </a:r>
+            <a:r>
+              <a:rPr lang="fi-FI" dirty="0">
+                <a:solidFill>
+                  <a:schemeClr val="accent6">
+                    <a:lumMod val="50000"/>
+                  </a:schemeClr>
+                </a:solidFill>
+              </a:rPr>
+              <a:t>, </a:t>
+            </a:r>
+            <a:r>
+              <a:rPr lang="fi-FI" dirty="0" err="1">
+                <a:solidFill>
+                  <a:schemeClr val="accent6">
+                    <a:lumMod val="50000"/>
+                  </a:schemeClr>
+                </a:solidFill>
+              </a:rPr>
+              <a:t>int</a:t>
+            </a:r>
+            <a:r>
+              <a:rPr lang="fi-FI" dirty="0">
+                <a:solidFill>
+                  <a:schemeClr val="accent6">
+                    <a:lumMod val="50000"/>
+                  </a:schemeClr>
+                </a:solidFill>
+              </a:rPr>
+              <a:t> </a:t>
+            </a:r>
+            <a:r>
+              <a:rPr lang="fi-FI" dirty="0" err="1">
+                <a:solidFill>
+                  <a:schemeClr val="accent6">
+                    <a:lumMod val="50000"/>
+                  </a:schemeClr>
+                </a:solidFill>
+              </a:rPr>
+              <a:t>size</a:t>
+            </a:r>
+            <a:r>
+              <a:rPr lang="fi-FI" dirty="0">
+                <a:solidFill>
+                  <a:schemeClr val="accent6">
+                    <a:lumMod val="50000"/>
+                  </a:schemeClr>
+                </a:solidFill>
+              </a:rPr>
+              <a:t>, </a:t>
+            </a:r>
+            <a:r>
+              <a:rPr lang="fi-FI" dirty="0" err="1">
+                <a:solidFill>
+                  <a:schemeClr val="accent6">
+                    <a:lumMod val="50000"/>
+                  </a:schemeClr>
+                </a:solidFill>
+              </a:rPr>
+              <a:t>int</a:t>
+            </a:r>
+            <a:r>
+              <a:rPr lang="fi-FI" dirty="0">
+                <a:solidFill>
+                  <a:schemeClr val="accent6">
+                    <a:lumMod val="50000"/>
+                  </a:schemeClr>
+                </a:solidFill>
+              </a:rPr>
+              <a:t>[] </a:t>
+            </a:r>
+            <a:r>
+              <a:rPr lang="fi-FI" dirty="0" err="1">
+                <a:solidFill>
+                  <a:schemeClr val="accent6">
+                    <a:lumMod val="50000"/>
+                  </a:schemeClr>
+                </a:solidFill>
+              </a:rPr>
+              <a:t>arr</a:t>
+            </a:r>
+            <a:r>
+              <a:rPr lang="fi-FI" dirty="0">
+                <a:solidFill>
+                  <a:schemeClr val="accent6">
+                    <a:lumMod val="50000"/>
+                  </a:schemeClr>
+                </a:solidFill>
+              </a:rPr>
+              <a:t>) {</a:t>
+            </a:r>
+          </a:p>
+          <a:p>
+            <a:r>
+              <a:rPr lang="fi-FI" dirty="0">
+                <a:solidFill>
+                  <a:schemeClr val="accent6">
+                    <a:lumMod val="50000"/>
+                  </a:schemeClr>
+                </a:solidFill>
+              </a:rPr>
+              <a:t>            long </a:t>
+            </a:r>
+            <a:r>
+              <a:rPr lang="fi-FI" dirty="0" err="1">
+                <a:solidFill>
+                  <a:schemeClr val="accent6">
+                    <a:lumMod val="50000"/>
+                  </a:schemeClr>
+                </a:solidFill>
+              </a:rPr>
+              <a:t>start</a:t>
+            </a:r>
+            <a:r>
+              <a:rPr lang="fi-FI" dirty="0">
+                <a:solidFill>
+                  <a:schemeClr val="accent6">
+                    <a:lumMod val="50000"/>
+                  </a:schemeClr>
+                </a:solidFill>
+              </a:rPr>
+              <a:t> = </a:t>
+            </a:r>
+            <a:r>
+              <a:rPr lang="fi-FI" dirty="0" err="1">
+                <a:solidFill>
+                  <a:schemeClr val="accent6">
+                    <a:lumMod val="50000"/>
+                  </a:schemeClr>
+                </a:solidFill>
+              </a:rPr>
+              <a:t>System.nanoTime</a:t>
+            </a:r>
+            <a:r>
+              <a:rPr lang="fi-FI" dirty="0">
+                <a:solidFill>
+                  <a:schemeClr val="accent6">
+                    <a:lumMod val="50000"/>
+                  </a:schemeClr>
+                </a:solidFill>
+              </a:rPr>
+              <a:t>();</a:t>
+            </a:r>
+          </a:p>
+          <a:p>
+            <a:r>
+              <a:rPr lang="fi-FI" dirty="0">
+                <a:solidFill>
+                  <a:schemeClr val="accent6">
+                    <a:lumMod val="50000"/>
+                  </a:schemeClr>
+                </a:solidFill>
+              </a:rPr>
+              <a:t>            </a:t>
+            </a:r>
+            <a:r>
+              <a:rPr lang="fi-FI" dirty="0" err="1">
+                <a:solidFill>
+                  <a:schemeClr val="accent6">
+                    <a:lumMod val="50000"/>
+                  </a:schemeClr>
+                </a:solidFill>
+              </a:rPr>
+              <a:t>method.methodSignature</a:t>
+            </a:r>
+            <a:r>
+              <a:rPr lang="fi-FI" dirty="0">
+                <a:solidFill>
+                  <a:schemeClr val="accent6">
+                    <a:lumMod val="50000"/>
+                  </a:schemeClr>
+                </a:solidFill>
+              </a:rPr>
+              <a:t>(</a:t>
+            </a:r>
+            <a:r>
+              <a:rPr lang="fi-FI" dirty="0" err="1">
+                <a:solidFill>
+                  <a:schemeClr val="accent6">
+                    <a:lumMod val="50000"/>
+                  </a:schemeClr>
+                </a:solidFill>
+              </a:rPr>
+              <a:t>arr</a:t>
+            </a:r>
+            <a:r>
+              <a:rPr lang="fi-FI" dirty="0">
+                <a:solidFill>
+                  <a:schemeClr val="accent6">
+                    <a:lumMod val="50000"/>
+                  </a:schemeClr>
+                </a:solidFill>
+              </a:rPr>
+              <a:t>);</a:t>
+            </a:r>
+          </a:p>
+          <a:p>
+            <a:r>
+              <a:rPr lang="fi-FI" dirty="0">
+                <a:solidFill>
+                  <a:schemeClr val="accent6">
+                    <a:lumMod val="50000"/>
+                  </a:schemeClr>
+                </a:solidFill>
+              </a:rPr>
+              <a:t>            long </a:t>
+            </a:r>
+            <a:r>
+              <a:rPr lang="fi-FI" dirty="0" err="1">
+                <a:solidFill>
+                  <a:schemeClr val="accent6">
+                    <a:lumMod val="50000"/>
+                  </a:schemeClr>
+                </a:solidFill>
+              </a:rPr>
+              <a:t>taken</a:t>
+            </a:r>
+            <a:r>
+              <a:rPr lang="fi-FI" dirty="0">
+                <a:solidFill>
+                  <a:schemeClr val="accent6">
+                    <a:lumMod val="50000"/>
+                  </a:schemeClr>
+                </a:solidFill>
+              </a:rPr>
+              <a:t> = </a:t>
+            </a:r>
+            <a:r>
+              <a:rPr lang="fi-FI" dirty="0" err="1">
+                <a:solidFill>
+                  <a:schemeClr val="accent6">
+                    <a:lumMod val="50000"/>
+                  </a:schemeClr>
+                </a:solidFill>
+              </a:rPr>
+              <a:t>System.nanoTime</a:t>
+            </a:r>
+            <a:r>
+              <a:rPr lang="fi-FI" dirty="0">
+                <a:solidFill>
+                  <a:schemeClr val="accent6">
+                    <a:lumMod val="50000"/>
+                  </a:schemeClr>
+                </a:solidFill>
+              </a:rPr>
+              <a:t>() - </a:t>
+            </a:r>
+            <a:r>
+              <a:rPr lang="fi-FI" dirty="0" err="1">
+                <a:solidFill>
+                  <a:schemeClr val="accent6">
+                    <a:lumMod val="50000"/>
+                  </a:schemeClr>
+                </a:solidFill>
+              </a:rPr>
+              <a:t>start</a:t>
+            </a:r>
+            <a:r>
+              <a:rPr lang="fi-FI" dirty="0">
+                <a:solidFill>
+                  <a:schemeClr val="accent6">
+                    <a:lumMod val="50000"/>
+                  </a:schemeClr>
+                </a:solidFill>
+              </a:rPr>
+              <a:t>;</a:t>
+            </a:r>
+          </a:p>
+          <a:p>
+            <a:r>
+              <a:rPr lang="fi-FI" dirty="0">
+                <a:solidFill>
+                  <a:schemeClr val="accent6">
+                    <a:lumMod val="50000"/>
+                  </a:schemeClr>
+                </a:solidFill>
+              </a:rPr>
+              <a:t>            </a:t>
+            </a:r>
+            <a:r>
+              <a:rPr lang="fi-FI" dirty="0" err="1">
+                <a:solidFill>
+                  <a:schemeClr val="accent6">
+                    <a:lumMod val="50000"/>
+                  </a:schemeClr>
+                </a:solidFill>
+              </a:rPr>
+              <a:t>System.out.println</a:t>
+            </a:r>
+            <a:r>
+              <a:rPr lang="fi-FI" dirty="0">
+                <a:solidFill>
+                  <a:schemeClr val="accent6">
+                    <a:lumMod val="50000"/>
+                  </a:schemeClr>
+                </a:solidFill>
+              </a:rPr>
+              <a:t>(</a:t>
+            </a:r>
+            <a:r>
+              <a:rPr lang="fi-FI" dirty="0" err="1">
+                <a:solidFill>
+                  <a:schemeClr val="accent6">
+                    <a:lumMod val="50000"/>
+                  </a:schemeClr>
+                </a:solidFill>
+              </a:rPr>
+              <a:t>name</a:t>
+            </a:r>
+            <a:r>
+              <a:rPr lang="fi-FI" dirty="0">
+                <a:solidFill>
+                  <a:schemeClr val="accent6">
+                    <a:lumMod val="50000"/>
+                  </a:schemeClr>
+                </a:solidFill>
+              </a:rPr>
+              <a:t> + ": " + </a:t>
+            </a:r>
+            <a:r>
+              <a:rPr lang="fi-FI" dirty="0" err="1">
+                <a:solidFill>
+                  <a:schemeClr val="accent6">
+                    <a:lumMod val="50000"/>
+                  </a:schemeClr>
+                </a:solidFill>
+              </a:rPr>
+              <a:t>String.format</a:t>
+            </a:r>
+            <a:r>
+              <a:rPr lang="fi-FI" dirty="0">
+                <a:solidFill>
+                  <a:schemeClr val="accent6">
+                    <a:lumMod val="50000"/>
+                  </a:schemeClr>
+                </a:solidFill>
+              </a:rPr>
+              <a:t>("%.3f", </a:t>
+            </a:r>
+            <a:r>
+              <a:rPr lang="fi-FI" dirty="0" err="1">
+                <a:solidFill>
+                  <a:schemeClr val="accent6">
+                    <a:lumMod val="50000"/>
+                  </a:schemeClr>
+                </a:solidFill>
+              </a:rPr>
+              <a:t>taken</a:t>
+            </a:r>
+            <a:r>
+              <a:rPr lang="fi-FI" dirty="0">
+                <a:solidFill>
+                  <a:schemeClr val="accent6">
+                    <a:lumMod val="50000"/>
+                  </a:schemeClr>
+                </a:solidFill>
+              </a:rPr>
+              <a:t> / 1000000.0) + "ms");</a:t>
+            </a:r>
+          </a:p>
+          <a:p>
+            <a:r>
+              <a:rPr lang="fi-FI" dirty="0">
+                <a:solidFill>
+                  <a:schemeClr val="accent6">
+                    <a:lumMod val="50000"/>
+                  </a:schemeClr>
+                </a:solidFill>
+              </a:rPr>
+              <a:t>}</a:t>
+            </a:r>
+          </a:p>
+        </p:txBody>
+      </p:sp>
+      <p:sp>
+        <p:nvSpPr>
+          <p:cNvPr id="4" name="Tekstiruutu 3">
+            <a:extLst>
+              <a:ext uri="{FF2B5EF4-FFF2-40B4-BE49-F238E27FC236}">
+                <a16:creationId xmlns:a16="http://schemas.microsoft.com/office/drawing/2014/main" id="{BF0ECEAB-ACAF-5669-5497-1F00A2CBF539}"/>
               </a:ext>
             </a:extLst>
           </p:cNvPr>
@@ -5350,8 +5934,8 @@
         </p:nvSpPr>
         <p:spPr>
           <a:xfrm>
-            <a:off x="394471" y="2486167"/>
-            <a:ext cx="11952311" cy="1200329"/>
+            <a:off x="921224" y="4319516"/>
+            <a:ext cx="4600136" cy="923330"/>
           </a:xfrm>
           <a:prstGeom prst="rect">
             <a:avLst/>
@@ -5359,219 +5943,99 @@
           <a:noFill/>
         </p:spPr>
         <p:txBody>
-          <a:bodyPr wrap="none" rtlCol="0">
+          <a:bodyPr wrap="square" rtlCol="0">
             <a:spAutoFit/>
           </a:bodyPr>
           <a:lstStyle/>
           <a:p>
             <a:r>
-              <a:rPr lang="fi-FI" dirty="0"/>
-              <a:t>Nousevalla datalla </a:t>
-            </a:r>
-            <a:r>
-              <a:rPr lang="fi-FI" dirty="0" err="1"/>
-              <a:t>bubble</a:t>
-            </a:r>
-            <a:r>
-              <a:rPr lang="fi-FI" dirty="0"/>
-              <a:t> </a:t>
-            </a:r>
-            <a:r>
-              <a:rPr lang="fi-FI" dirty="0" err="1"/>
-              <a:t>sort</a:t>
-            </a:r>
-            <a:r>
-              <a:rPr lang="fi-FI" dirty="0"/>
-              <a:t> oli selvä voittaja sen </a:t>
-            </a:r>
-            <a:r>
-              <a:rPr lang="fi-FI" dirty="0" err="1"/>
-              <a:t>if</a:t>
-            </a:r>
-            <a:r>
-              <a:rPr lang="fi-FI" dirty="0"/>
-              <a:t> (!</a:t>
-            </a:r>
-            <a:r>
-              <a:rPr lang="fi-FI" dirty="0" err="1"/>
-              <a:t>swapped</a:t>
-            </a:r>
-            <a:r>
-              <a:rPr lang="fi-FI" dirty="0"/>
-              <a:t>) </a:t>
-            </a:r>
-            <a:r>
-              <a:rPr lang="fi-FI" dirty="0" err="1"/>
-              <a:t>return</a:t>
-            </a:r>
-            <a:r>
-              <a:rPr lang="fi-FI" dirty="0"/>
-              <a:t>; lauseen takia, joka saa nousevalla datalla</a:t>
-            </a:r>
-          </a:p>
-          <a:p>
-            <a:r>
-              <a:rPr lang="fi-FI" dirty="0"/>
-              <a:t>sen aikavaatimukseksi O(n), sillä jos se ei vaihda yhtään elementtiä, se lopettaa funktion.</a:t>
-            </a:r>
-          </a:p>
-          <a:p>
-            <a:r>
-              <a:rPr lang="fi-FI" dirty="0"/>
-              <a:t>Huonoin oli normaali </a:t>
-            </a:r>
-            <a:r>
-              <a:rPr lang="fi-FI" dirty="0" err="1"/>
-              <a:t>quick</a:t>
-            </a:r>
-            <a:r>
-              <a:rPr lang="fi-FI" dirty="0"/>
-              <a:t> </a:t>
-            </a:r>
-            <a:r>
-              <a:rPr lang="fi-FI" dirty="0" err="1"/>
-              <a:t>sort</a:t>
-            </a:r>
-            <a:r>
-              <a:rPr lang="fi-FI" dirty="0"/>
-              <a:t>, sillä </a:t>
-            </a:r>
-            <a:r>
-              <a:rPr lang="fi-FI" dirty="0" err="1"/>
-              <a:t>pivotin</a:t>
-            </a:r>
-            <a:r>
-              <a:rPr lang="fi-FI" dirty="0"/>
-              <a:t> valitseminen listan viimeisestä elementistä tarkoittaa, että funktio </a:t>
-            </a:r>
-            <a:r>
-              <a:rPr lang="fi-FI" dirty="0" err="1"/>
-              <a:t>rekursoi</a:t>
-            </a:r>
-            <a:endParaRPr lang="fi-FI" dirty="0"/>
-          </a:p>
-          <a:p>
-            <a:r>
-              <a:rPr lang="fi-FI" dirty="0"/>
-              <a:t>Itseään </a:t>
-            </a:r>
-            <a:r>
-              <a:rPr lang="fi-FI" dirty="0" err="1"/>
-              <a:t>alkoiden</a:t>
-            </a:r>
-            <a:r>
-              <a:rPr lang="fi-FI" dirty="0"/>
-              <a:t> verran -1. Tästä syntyy yleensä </a:t>
-            </a:r>
-            <a:r>
-              <a:rPr lang="fi-FI" dirty="0" err="1"/>
-              <a:t>stack</a:t>
-            </a:r>
-            <a:r>
-              <a:rPr lang="fi-FI" dirty="0"/>
-              <a:t> </a:t>
-            </a:r>
-            <a:r>
-              <a:rPr lang="fi-FI" dirty="0" err="1"/>
-              <a:t>overflow</a:t>
-            </a:r>
-            <a:r>
-              <a:rPr lang="fi-FI" dirty="0"/>
-              <a:t>, koska muisti ei riitä niin moneen rekursioon. </a:t>
-            </a:r>
-          </a:p>
-        </p:txBody>
-      </p:sp>
-      <p:sp>
-        <p:nvSpPr>
-          <p:cNvPr id="7" name="Tekstiruutu 6">
-            <a:extLst>
-              <a:ext uri="{FF2B5EF4-FFF2-40B4-BE49-F238E27FC236}">
-                <a16:creationId xmlns:a16="http://schemas.microsoft.com/office/drawing/2014/main" id="{D566457E-9D33-D10A-3725-BE86483AD948}"/>
-              </a:ext>
-            </a:extLst>
-          </p:cNvPr>
-          <p:cNvSpPr txBox="1"/>
-          <p:nvPr/>
-        </p:nvSpPr>
-        <p:spPr>
-          <a:xfrm>
-            <a:off x="394471" y="4211346"/>
-            <a:ext cx="11905054" cy="1200329"/>
-          </a:xfrm>
-          <a:prstGeom prst="rect">
-            <a:avLst/>
-          </a:prstGeom>
-          <a:noFill/>
-        </p:spPr>
-        <p:txBody>
-          <a:bodyPr wrap="none" rtlCol="0">
-            <a:spAutoFit/>
-          </a:bodyPr>
-          <a:lstStyle/>
-          <a:p>
-            <a:r>
-              <a:rPr lang="fi-FI" dirty="0"/>
-              <a:t>Laskevalla datalla selvä voittaja oli </a:t>
-            </a:r>
-            <a:r>
-              <a:rPr lang="fi-FI" dirty="0" err="1"/>
-              <a:t>Knuthin</a:t>
-            </a:r>
-            <a:r>
-              <a:rPr lang="fi-FI" dirty="0"/>
-              <a:t> sarjaa käyttävä </a:t>
-            </a:r>
-            <a:r>
-              <a:rPr lang="fi-FI" dirty="0" err="1"/>
-              <a:t>shell</a:t>
-            </a:r>
-            <a:r>
-              <a:rPr lang="fi-FI" dirty="0"/>
-              <a:t> </a:t>
-            </a:r>
-            <a:r>
-              <a:rPr lang="fi-FI" dirty="0" err="1"/>
-              <a:t>sort</a:t>
-            </a:r>
-            <a:r>
-              <a:rPr lang="fi-FI" dirty="0"/>
-              <a:t>, sillä se voi yhdessä kierroksessa vaihtaa useiden </a:t>
-            </a:r>
-          </a:p>
-          <a:p>
-            <a:r>
-              <a:rPr lang="fi-FI" dirty="0"/>
-              <a:t>elementtien paikkaa isojen hyppyjen ansiosta. </a:t>
-            </a:r>
-          </a:p>
-          <a:p>
-            <a:r>
-              <a:rPr lang="fi-FI" dirty="0" err="1"/>
-              <a:t>Bubble</a:t>
-            </a:r>
-            <a:r>
-              <a:rPr lang="fi-FI" dirty="0"/>
-              <a:t> </a:t>
-            </a:r>
-            <a:r>
-              <a:rPr lang="fi-FI" dirty="0" err="1"/>
-              <a:t>sort</a:t>
-            </a:r>
-            <a:r>
-              <a:rPr lang="fi-FI" dirty="0"/>
-              <a:t> hävisi taas suurella määrällä O(n^2) aikavaatimuksen takia.</a:t>
-            </a:r>
-          </a:p>
-          <a:p>
-            <a:endParaRPr lang="fi-FI" dirty="0"/>
+              <a:rPr lang="en-US" dirty="0">
+                <a:solidFill>
+                  <a:schemeClr val="accent6">
+                    <a:lumMod val="50000"/>
+                  </a:schemeClr>
+                </a:solidFill>
+              </a:rPr>
+              <a:t> public interface </a:t>
+            </a:r>
+            <a:r>
+              <a:rPr lang="en-US" dirty="0" err="1">
+                <a:solidFill>
+                  <a:schemeClr val="accent6">
+                    <a:lumMod val="50000"/>
+                  </a:schemeClr>
+                </a:solidFill>
+              </a:rPr>
+              <a:t>FunctionPointer</a:t>
+            </a:r>
+            <a:r>
+              <a:rPr lang="en-US" dirty="0">
+                <a:solidFill>
+                  <a:schemeClr val="accent6">
+                    <a:lumMod val="50000"/>
+                  </a:schemeClr>
+                </a:solidFill>
+              </a:rPr>
+              <a:t> {</a:t>
+            </a:r>
+          </a:p>
+          <a:p>
+            <a:r>
+              <a:rPr lang="en-US" dirty="0">
+                <a:solidFill>
+                  <a:schemeClr val="accent6">
+                    <a:lumMod val="50000"/>
+                  </a:schemeClr>
+                </a:solidFill>
+              </a:rPr>
+              <a:t>            void </a:t>
+            </a:r>
+            <a:r>
+              <a:rPr lang="en-US" dirty="0" err="1">
+                <a:solidFill>
+                  <a:schemeClr val="accent6">
+                    <a:lumMod val="50000"/>
+                  </a:schemeClr>
+                </a:solidFill>
+              </a:rPr>
+              <a:t>methodSignature</a:t>
+            </a:r>
+            <a:r>
+              <a:rPr lang="en-US" dirty="0">
+                <a:solidFill>
+                  <a:schemeClr val="accent6">
+                    <a:lumMod val="50000"/>
+                  </a:schemeClr>
+                </a:solidFill>
+              </a:rPr>
+              <a:t>(int[] data);</a:t>
+            </a:r>
+          </a:p>
+          <a:p>
+            <a:r>
+              <a:rPr lang="en-US" dirty="0">
+                <a:solidFill>
+                  <a:schemeClr val="accent6">
+                    <a:lumMod val="50000"/>
+                  </a:schemeClr>
+                </a:solidFill>
+              </a:rPr>
+              <a:t>        }</a:t>
+            </a:r>
+            <a:endParaRPr lang="fi-FI" dirty="0">
+              <a:solidFill>
+                <a:schemeClr val="accent6">
+                  <a:lumMod val="50000"/>
+                </a:schemeClr>
+              </a:solidFill>
+            </a:endParaRPr>
           </a:p>
         </p:txBody>
       </p:sp>
     </p:spTree>
     <p:extLst>
       <p:ext uri="{BB962C8B-B14F-4D97-AF65-F5344CB8AC3E}">
-        <p14:creationId xmlns:p14="http://schemas.microsoft.com/office/powerpoint/2010/main" val="2625242151"/>
+        <p14:creationId xmlns:p14="http://schemas.microsoft.com/office/powerpoint/2010/main" val="1694672083"/>
       </p:ext>
     </p:extLst>
   </p:cSld>
@@ -5603,7 +6067,7 @@
           <p:cNvPr id="2" name="Tekstiruutu 1">
             <a:extLst>
               <a:ext uri="{FF2B5EF4-FFF2-40B4-BE49-F238E27FC236}">
-                <a16:creationId xmlns:a16="http://schemas.microsoft.com/office/drawing/2014/main" id="{AF93C99B-5A88-0A6D-D5A2-72555C60C0A5}"/>
+                <a16:creationId xmlns:a16="http://schemas.microsoft.com/office/drawing/2014/main" id="{52964F3D-4CE3-0808-63AD-72161B88132F}"/>
               </a:ext>
             </a:extLst>
           </p:cNvPr>
@@ -5612,8 +6076,8 @@
         </p:nvSpPr>
         <p:spPr>
           <a:xfrm>
-            <a:off x="1589964" y="648269"/>
-            <a:ext cx="10282046" cy="584775"/>
+            <a:off x="4378061" y="0"/>
+            <a:ext cx="3461525" cy="461665"/>
           </a:xfrm>
           <a:prstGeom prst="rect">
             <a:avLst/>
@@ -5627,16 +6091,12 @@
           <a:lstStyle/>
           <a:p>
             <a:r>
-              <a:rPr lang="fi-FI" sz="3200" b="1" dirty="0"/>
-              <a:t>Käytin funktioiden testaamiseen </a:t>
-            </a:r>
-            <a:r>
-              <a:rPr lang="fi-FI" sz="3200" b="1" dirty="0" err="1"/>
-              <a:t>function</a:t>
-            </a:r>
-            <a:r>
-              <a:rPr lang="fi-FI" sz="3200" b="1" dirty="0"/>
-              <a:t> pointtereita:</a:t>
+              <a:rPr lang="fi-FI" sz="2400" b="1" dirty="0" err="1"/>
+              <a:t>Merge</a:t>
+            </a:r>
+            <a:r>
+              <a:rPr lang="fi-FI" sz="2400" b="1" dirty="0"/>
+              <a:t> Sortin optimointi</a:t>
             </a:r>
           </a:p>
         </p:txBody>
@@ -5646,7 +6106,7 @@
           <p:cNvPr id="3" name="Tekstiruutu 2">
             <a:extLst>
               <a:ext uri="{FF2B5EF4-FFF2-40B4-BE49-F238E27FC236}">
-                <a16:creationId xmlns:a16="http://schemas.microsoft.com/office/drawing/2014/main" id="{530ADD85-1E03-B10D-94F6-3BBC0D2DCFE4}"/>
+                <a16:creationId xmlns:a16="http://schemas.microsoft.com/office/drawing/2014/main" id="{EFC386E7-9FA4-2E6B-8EF8-07E204F26AE2}"/>
               </a:ext>
             </a:extLst>
           </p:cNvPr>
@@ -5655,8 +6115,8 @@
         </p:nvSpPr>
         <p:spPr>
           <a:xfrm>
-            <a:off x="921224" y="1899117"/>
-            <a:ext cx="11088805" cy="1754326"/>
+            <a:off x="831417" y="461665"/>
+            <a:ext cx="10921451" cy="5355312"/>
           </a:xfrm>
           <a:prstGeom prst="rect">
             <a:avLst/>
@@ -5664,296 +6124,987 @@
           <a:noFill/>
         </p:spPr>
         <p:txBody>
-          <a:bodyPr wrap="square" rtlCol="0">
+          <a:bodyPr wrap="none" rtlCol="0">
             <a:spAutoFit/>
           </a:bodyPr>
           <a:lstStyle/>
           <a:p>
             <a:r>
-              <a:rPr lang="fi-FI" dirty="0" err="1"/>
-              <a:t>public</a:t>
-            </a:r>
-            <a:r>
-              <a:rPr lang="fi-FI" dirty="0"/>
-              <a:t> </a:t>
-            </a:r>
-            <a:r>
-              <a:rPr lang="fi-FI" dirty="0" err="1"/>
-              <a:t>static</a:t>
-            </a:r>
-            <a:r>
-              <a:rPr lang="fi-FI" dirty="0"/>
-              <a:t> </a:t>
-            </a:r>
-            <a:r>
-              <a:rPr lang="fi-FI" dirty="0" err="1"/>
-              <a:t>void</a:t>
-            </a:r>
-            <a:r>
-              <a:rPr lang="fi-FI" dirty="0"/>
-              <a:t> </a:t>
-            </a:r>
-            <a:r>
-              <a:rPr lang="fi-FI" dirty="0" err="1"/>
-              <a:t>measureExecSpeed</a:t>
-            </a:r>
-            <a:r>
-              <a:rPr lang="fi-FI" dirty="0"/>
-              <a:t>(</a:t>
-            </a:r>
-            <a:r>
-              <a:rPr lang="fi-FI" dirty="0" err="1"/>
-              <a:t>FunctionPointer</a:t>
-            </a:r>
-            <a:r>
-              <a:rPr lang="fi-FI" dirty="0"/>
-              <a:t> </a:t>
-            </a:r>
-            <a:r>
-              <a:rPr lang="fi-FI" dirty="0" err="1"/>
-              <a:t>method</a:t>
-            </a:r>
-            <a:r>
-              <a:rPr lang="fi-FI" dirty="0"/>
+              <a:rPr lang="fi-FI" dirty="0"/>
+              <a:t>Optimoin </a:t>
+            </a:r>
+            <a:r>
+              <a:rPr lang="fi-FI" dirty="0" err="1"/>
+              <a:t>Merge</a:t>
+            </a:r>
+            <a:r>
+              <a:rPr lang="fi-FI" dirty="0"/>
+              <a:t> Sortin käyttämällä pienemmissä </a:t>
+            </a:r>
+            <a:r>
+              <a:rPr lang="fi-FI" dirty="0" err="1"/>
+              <a:t>rekurisoväleissä</a:t>
+            </a:r>
+            <a:r>
+              <a:rPr lang="fi-FI" dirty="0"/>
+              <a:t> </a:t>
+            </a:r>
+            <a:r>
+              <a:rPr lang="fi-FI" dirty="0" err="1"/>
+              <a:t>Insertion</a:t>
+            </a:r>
+            <a:r>
+              <a:rPr lang="fi-FI" dirty="0"/>
+              <a:t> Sorttia:</a:t>
+            </a:r>
+          </a:p>
+          <a:p>
+            <a:r>
+              <a:rPr lang="en-US" sz="1200" dirty="0">
+                <a:solidFill>
+                  <a:schemeClr val="accent6">
+                    <a:lumMod val="50000"/>
+                  </a:schemeClr>
+                </a:solidFill>
+              </a:rPr>
+              <a:t>if (right - left &lt; 16) {</a:t>
+            </a:r>
+          </a:p>
+          <a:p>
+            <a:r>
+              <a:rPr lang="en-US" sz="1200" dirty="0">
+                <a:solidFill>
+                  <a:schemeClr val="accent6">
+                    <a:lumMod val="50000"/>
+                  </a:schemeClr>
+                </a:solidFill>
+              </a:rPr>
+              <a:t>                	</a:t>
+            </a:r>
+            <a:r>
+              <a:rPr lang="en-US" sz="1200" dirty="0" err="1">
+                <a:solidFill>
+                  <a:schemeClr val="accent6">
+                    <a:lumMod val="50000"/>
+                  </a:schemeClr>
+                </a:solidFill>
+              </a:rPr>
+              <a:t>insertionSort</a:t>
+            </a:r>
+            <a:r>
+              <a:rPr lang="en-US" sz="1200" dirty="0">
+                <a:solidFill>
+                  <a:schemeClr val="accent6">
+                    <a:lumMod val="50000"/>
+                  </a:schemeClr>
+                </a:solidFill>
+              </a:rPr>
+              <a:t>(data, left, right);</a:t>
+            </a:r>
+          </a:p>
+          <a:p>
+            <a:r>
+              <a:rPr lang="en-US" sz="1200" dirty="0">
+                <a:solidFill>
+                  <a:schemeClr val="accent6">
+                    <a:lumMod val="50000"/>
+                  </a:schemeClr>
+                </a:solidFill>
+              </a:rPr>
+              <a:t>	return;</a:t>
+            </a:r>
+          </a:p>
+          <a:p>
+            <a:r>
+              <a:rPr lang="en-US" sz="1200" dirty="0">
+                <a:solidFill>
+                  <a:schemeClr val="accent6">
+                    <a:lumMod val="50000"/>
+                  </a:schemeClr>
+                </a:solidFill>
+              </a:rPr>
+              <a:t>}</a:t>
+            </a:r>
+          </a:p>
+          <a:p>
+            <a:r>
+              <a:rPr lang="en-US" dirty="0" err="1"/>
+              <a:t>Tämä</a:t>
+            </a:r>
+            <a:r>
+              <a:rPr lang="en-US" dirty="0"/>
+              <a:t> </a:t>
+            </a:r>
+            <a:r>
+              <a:rPr lang="en-US" dirty="0" err="1"/>
+              <a:t>optimoi</a:t>
+            </a:r>
+            <a:r>
+              <a:rPr lang="en-US" dirty="0"/>
+              <a:t> </a:t>
+            </a:r>
+            <a:r>
+              <a:rPr lang="en-US" dirty="0" err="1"/>
+              <a:t>algoritmia</a:t>
+            </a:r>
+            <a:r>
+              <a:rPr lang="en-US" dirty="0"/>
+              <a:t> </a:t>
+            </a:r>
+            <a:r>
+              <a:rPr lang="en-US" dirty="0" err="1"/>
+              <a:t>siten</a:t>
+            </a:r>
+            <a:r>
+              <a:rPr lang="en-US" dirty="0"/>
               <a:t>, </a:t>
             </a:r>
             <a:r>
-              <a:rPr lang="fi-FI" dirty="0" err="1"/>
-              <a:t>String</a:t>
-            </a:r>
-            <a:r>
-              <a:rPr lang="fi-FI" dirty="0"/>
-              <a:t> </a:t>
-            </a:r>
-            <a:r>
-              <a:rPr lang="fi-FI" dirty="0" err="1"/>
-              <a:t>name</a:t>
-            </a:r>
-            <a:r>
-              <a:rPr lang="fi-FI" dirty="0"/>
+              <a:rPr lang="en-US" dirty="0" err="1"/>
+              <a:t>ettei</a:t>
+            </a:r>
+            <a:r>
+              <a:rPr lang="en-US" dirty="0"/>
+              <a:t> </a:t>
+            </a:r>
+            <a:r>
+              <a:rPr lang="en-US" dirty="0" err="1"/>
+              <a:t>pienillä</a:t>
+            </a:r>
+            <a:r>
+              <a:rPr lang="en-US" dirty="0"/>
+              <a:t> </a:t>
+            </a:r>
+            <a:r>
+              <a:rPr lang="en-US" dirty="0" err="1"/>
+              <a:t>datamäärillä</a:t>
+            </a:r>
+            <a:r>
+              <a:rPr lang="en-US" dirty="0"/>
+              <a:t> </a:t>
+            </a:r>
+            <a:r>
+              <a:rPr lang="en-US" dirty="0" err="1"/>
+              <a:t>tarvitse</a:t>
+            </a:r>
+            <a:r>
+              <a:rPr lang="en-US" dirty="0"/>
+              <a:t> </a:t>
+            </a:r>
+            <a:r>
+              <a:rPr lang="en-US" dirty="0" err="1"/>
+              <a:t>tehdä</a:t>
+            </a:r>
+            <a:r>
+              <a:rPr lang="en-US" dirty="0"/>
+              <a:t> Merge-function </a:t>
+            </a:r>
+            <a:r>
+              <a:rPr lang="en-US" dirty="0" err="1"/>
+              <a:t>kallista</a:t>
+            </a:r>
+            <a:endParaRPr lang="en-US" dirty="0"/>
+          </a:p>
+          <a:p>
+            <a:r>
+              <a:rPr lang="en-US" dirty="0" err="1"/>
+              <a:t>kopiointia</a:t>
+            </a:r>
+            <a:r>
+              <a:rPr lang="en-US" dirty="0"/>
+              <a:t>.</a:t>
+            </a:r>
+          </a:p>
+          <a:p>
+            <a:r>
+              <a:rPr lang="en-US" dirty="0" err="1"/>
+              <a:t>Optimoin</a:t>
+            </a:r>
+            <a:r>
+              <a:rPr lang="en-US" dirty="0"/>
+              <a:t> </a:t>
+            </a:r>
+            <a:r>
+              <a:rPr lang="en-US" dirty="0" err="1"/>
+              <a:t>myös</a:t>
+            </a:r>
+            <a:r>
+              <a:rPr lang="en-US" dirty="0"/>
+              <a:t> Merge-function </a:t>
+            </a:r>
+            <a:r>
+              <a:rPr lang="en-US" dirty="0" err="1"/>
+              <a:t>listan</a:t>
+            </a:r>
+            <a:r>
+              <a:rPr lang="en-US" dirty="0"/>
+              <a:t> </a:t>
+            </a:r>
+            <a:r>
+              <a:rPr lang="en-US" dirty="0" err="1"/>
+              <a:t>kopioinnin</a:t>
+            </a:r>
+            <a:r>
+              <a:rPr lang="en-US" dirty="0"/>
+              <a:t> </a:t>
+            </a:r>
+            <a:r>
+              <a:rPr lang="en-US" dirty="0" err="1"/>
+              <a:t>käyttämällä</a:t>
+            </a:r>
+            <a:r>
+              <a:rPr lang="en-US" dirty="0"/>
+              <a:t> </a:t>
+            </a:r>
+            <a:r>
+              <a:rPr lang="en-US" dirty="0" err="1"/>
+              <a:t>yleistä</a:t>
+            </a:r>
+            <a:r>
+              <a:rPr lang="en-US" dirty="0"/>
+              <a:t> </a:t>
+            </a:r>
+            <a:r>
+              <a:rPr lang="en-US" dirty="0" err="1"/>
+              <a:t>tempArray-listaa</a:t>
+            </a:r>
+            <a:r>
+              <a:rPr lang="en-US" dirty="0"/>
               <a:t>, </a:t>
             </a:r>
             <a:r>
-              <a:rPr lang="fi-FI" dirty="0" err="1"/>
+              <a:rPr lang="en-US" dirty="0" err="1"/>
+              <a:t>johon</a:t>
+            </a:r>
+            <a:r>
+              <a:rPr lang="en-US" dirty="0"/>
+              <a:t> </a:t>
+            </a:r>
+            <a:r>
+              <a:rPr lang="en-US" dirty="0" err="1"/>
+              <a:t>alkiot</a:t>
+            </a:r>
+            <a:r>
+              <a:rPr lang="en-US" dirty="0"/>
+              <a:t> </a:t>
+            </a:r>
+            <a:r>
+              <a:rPr lang="en-US" dirty="0" err="1"/>
+              <a:t>kopioidaan</a:t>
+            </a:r>
+            <a:r>
+              <a:rPr lang="en-US" dirty="0"/>
+              <a:t> </a:t>
+            </a:r>
+          </a:p>
+          <a:p>
+            <a:r>
+              <a:rPr lang="en-US" dirty="0" err="1"/>
+              <a:t>sen</a:t>
+            </a:r>
+            <a:r>
+              <a:rPr lang="en-US" dirty="0"/>
+              <a:t> </a:t>
+            </a:r>
+            <a:r>
+              <a:rPr lang="en-US" dirty="0" err="1"/>
+              <a:t>sijaan</a:t>
+            </a:r>
+            <a:r>
+              <a:rPr lang="en-US" dirty="0"/>
+              <a:t> </a:t>
+            </a:r>
+            <a:r>
+              <a:rPr lang="en-US" dirty="0" err="1"/>
+              <a:t>että</a:t>
+            </a:r>
+            <a:r>
+              <a:rPr lang="en-US" dirty="0"/>
+              <a:t> </a:t>
+            </a:r>
+            <a:r>
+              <a:rPr lang="en-US" dirty="0" err="1"/>
+              <a:t>niistä</a:t>
+            </a:r>
+            <a:r>
+              <a:rPr lang="en-US" dirty="0"/>
+              <a:t> </a:t>
+            </a:r>
+            <a:r>
+              <a:rPr lang="en-US" dirty="0" err="1"/>
+              <a:t>tehtäisiin</a:t>
+            </a:r>
+            <a:r>
+              <a:rPr lang="en-US" dirty="0"/>
+              <a:t> </a:t>
+            </a:r>
+            <a:r>
+              <a:rPr lang="en-US" dirty="0" err="1"/>
+              <a:t>uudet</a:t>
+            </a:r>
+            <a:r>
+              <a:rPr lang="en-US" dirty="0"/>
+              <a:t> </a:t>
+            </a:r>
+            <a:r>
+              <a:rPr lang="en-US" dirty="0" err="1"/>
+              <a:t>listat</a:t>
+            </a:r>
+            <a:r>
+              <a:rPr lang="en-US" dirty="0"/>
+              <a:t>: </a:t>
+            </a:r>
+          </a:p>
+          <a:p>
+            <a:r>
+              <a:rPr lang="fi-FI" sz="1200" dirty="0">
+                <a:solidFill>
+                  <a:schemeClr val="accent6">
+                    <a:lumMod val="50000"/>
+                  </a:schemeClr>
+                </a:solidFill>
+              </a:rPr>
+              <a:t>for (</a:t>
+            </a:r>
+            <a:r>
+              <a:rPr lang="fi-FI" sz="1200" dirty="0" err="1">
+                <a:solidFill>
+                  <a:schemeClr val="accent6">
+                    <a:lumMod val="50000"/>
+                  </a:schemeClr>
+                </a:solidFill>
+              </a:rPr>
               <a:t>int</a:t>
             </a:r>
             <a:r>
-              <a:rPr lang="fi-FI" dirty="0"/>
-              <a:t> </a:t>
-            </a:r>
-            <a:r>
-              <a:rPr lang="fi-FI" dirty="0" err="1"/>
-              <a:t>size</a:t>
-            </a:r>
-            <a:r>
-              <a:rPr lang="fi-FI" dirty="0"/>
-              <a:t>, </a:t>
-            </a:r>
-            <a:r>
-              <a:rPr lang="fi-FI" dirty="0" err="1"/>
+              <a:rPr lang="fi-FI" sz="1200" dirty="0">
+                <a:solidFill>
+                  <a:schemeClr val="accent6">
+                    <a:lumMod val="50000"/>
+                  </a:schemeClr>
+                </a:solidFill>
+              </a:rPr>
+              <a:t> k = </a:t>
+            </a:r>
+            <a:r>
+              <a:rPr lang="fi-FI" sz="1200" dirty="0" err="1">
+                <a:solidFill>
+                  <a:schemeClr val="accent6">
+                    <a:lumMod val="50000"/>
+                  </a:schemeClr>
+                </a:solidFill>
+              </a:rPr>
+              <a:t>left</a:t>
+            </a:r>
+            <a:r>
+              <a:rPr lang="fi-FI" sz="1200" dirty="0">
+                <a:solidFill>
+                  <a:schemeClr val="accent6">
+                    <a:lumMod val="50000"/>
+                  </a:schemeClr>
+                </a:solidFill>
+              </a:rPr>
+              <a:t>; k &lt;= </a:t>
+            </a:r>
+            <a:r>
+              <a:rPr lang="fi-FI" sz="1200" dirty="0" err="1">
+                <a:solidFill>
+                  <a:schemeClr val="accent6">
+                    <a:lumMod val="50000"/>
+                  </a:schemeClr>
+                </a:solidFill>
+              </a:rPr>
+              <a:t>right</a:t>
+            </a:r>
+            <a:r>
+              <a:rPr lang="fi-FI" sz="1200" dirty="0">
+                <a:solidFill>
+                  <a:schemeClr val="accent6">
+                    <a:lumMod val="50000"/>
+                  </a:schemeClr>
+                </a:solidFill>
+              </a:rPr>
+              <a:t>; k++) </a:t>
+            </a:r>
+            <a:r>
+              <a:rPr lang="fi-FI" sz="1200" dirty="0" err="1">
+                <a:solidFill>
+                  <a:schemeClr val="accent6">
+                    <a:lumMod val="50000"/>
+                  </a:schemeClr>
+                </a:solidFill>
+              </a:rPr>
+              <a:t>tempArray</a:t>
+            </a:r>
+            <a:r>
+              <a:rPr lang="fi-FI" sz="1200" dirty="0">
+                <a:solidFill>
+                  <a:schemeClr val="accent6">
+                    <a:lumMod val="50000"/>
+                  </a:schemeClr>
+                </a:solidFill>
+              </a:rPr>
+              <a:t>[k] = data[k];</a:t>
+            </a:r>
+          </a:p>
+          <a:p>
+            <a:r>
+              <a:rPr lang="fi-FI" sz="1200" dirty="0">
+                <a:solidFill>
+                  <a:schemeClr val="accent6">
+                    <a:lumMod val="50000"/>
+                  </a:schemeClr>
+                </a:solidFill>
+              </a:rPr>
+              <a:t>            </a:t>
+            </a:r>
+            <a:r>
+              <a:rPr lang="fi-FI" sz="1200" dirty="0" err="1">
+                <a:solidFill>
+                  <a:schemeClr val="accent6">
+                    <a:lumMod val="50000"/>
+                  </a:schemeClr>
+                </a:solidFill>
+              </a:rPr>
               <a:t>int</a:t>
             </a:r>
             <a:r>
-              <a:rPr lang="fi-FI" dirty="0"/>
-              <a:t>[] </a:t>
-            </a:r>
-            <a:r>
-              <a:rPr lang="fi-FI" dirty="0" err="1"/>
-              <a:t>arr</a:t>
-            </a:r>
-            <a:r>
-              <a:rPr lang="fi-FI" dirty="0"/>
+              <a:rPr lang="fi-FI" sz="1200" dirty="0">
+                <a:solidFill>
+                  <a:schemeClr val="accent6">
+                    <a:lumMod val="50000"/>
+                  </a:schemeClr>
+                </a:solidFill>
+              </a:rPr>
+              <a:t> l = </a:t>
+            </a:r>
+            <a:r>
+              <a:rPr lang="fi-FI" sz="1200" dirty="0" err="1">
+                <a:solidFill>
+                  <a:schemeClr val="accent6">
+                    <a:lumMod val="50000"/>
+                  </a:schemeClr>
+                </a:solidFill>
+              </a:rPr>
+              <a:t>left</a:t>
+            </a:r>
+            <a:r>
+              <a:rPr lang="fi-FI" sz="1200" dirty="0">
+                <a:solidFill>
+                  <a:schemeClr val="accent6">
+                    <a:lumMod val="50000"/>
+                  </a:schemeClr>
+                </a:solidFill>
+              </a:rPr>
+              <a:t>; </a:t>
+            </a:r>
+            <a:r>
+              <a:rPr lang="fi-FI" sz="1200" dirty="0" err="1">
+                <a:solidFill>
+                  <a:schemeClr val="accent6">
+                    <a:lumMod val="50000"/>
+                  </a:schemeClr>
+                </a:solidFill>
+              </a:rPr>
+              <a:t>int</a:t>
+            </a:r>
+            <a:r>
+              <a:rPr lang="fi-FI" sz="1200" dirty="0">
+                <a:solidFill>
+                  <a:schemeClr val="accent6">
+                    <a:lumMod val="50000"/>
+                  </a:schemeClr>
+                </a:solidFill>
+              </a:rPr>
+              <a:t> r = </a:t>
+            </a:r>
+            <a:r>
+              <a:rPr lang="fi-FI" sz="1200" dirty="0" err="1">
+                <a:solidFill>
+                  <a:schemeClr val="accent6">
+                    <a:lumMod val="50000"/>
+                  </a:schemeClr>
+                </a:solidFill>
+              </a:rPr>
+              <a:t>mid</a:t>
+            </a:r>
+            <a:r>
+              <a:rPr lang="fi-FI" sz="1200" dirty="0">
+                <a:solidFill>
+                  <a:schemeClr val="accent6">
+                    <a:lumMod val="50000"/>
+                  </a:schemeClr>
+                </a:solidFill>
+              </a:rPr>
+              <a:t> + 1; </a:t>
+            </a:r>
+            <a:r>
+              <a:rPr lang="fi-FI" sz="1200" dirty="0" err="1">
+                <a:solidFill>
+                  <a:schemeClr val="accent6">
+                    <a:lumMod val="50000"/>
+                  </a:schemeClr>
+                </a:solidFill>
+              </a:rPr>
+              <a:t>int</a:t>
+            </a:r>
+            <a:r>
+              <a:rPr lang="fi-FI" sz="1200" dirty="0">
+                <a:solidFill>
+                  <a:schemeClr val="accent6">
+                    <a:lumMod val="50000"/>
+                  </a:schemeClr>
+                </a:solidFill>
+              </a:rPr>
+              <a:t> i = </a:t>
+            </a:r>
+            <a:r>
+              <a:rPr lang="fi-FI" sz="1200" dirty="0" err="1">
+                <a:solidFill>
+                  <a:schemeClr val="accent6">
+                    <a:lumMod val="50000"/>
+                  </a:schemeClr>
+                </a:solidFill>
+              </a:rPr>
+              <a:t>left</a:t>
+            </a:r>
+            <a:r>
+              <a:rPr lang="fi-FI" sz="1200" dirty="0">
+                <a:solidFill>
+                  <a:schemeClr val="accent6">
+                    <a:lumMod val="50000"/>
+                  </a:schemeClr>
+                </a:solidFill>
+              </a:rPr>
+              <a:t>;</a:t>
+            </a:r>
+          </a:p>
+          <a:p>
+            <a:r>
+              <a:rPr lang="fi-FI" sz="1200" dirty="0">
+                <a:solidFill>
+                  <a:schemeClr val="accent6">
+                    <a:lumMod val="50000"/>
+                  </a:schemeClr>
+                </a:solidFill>
+              </a:rPr>
+              <a:t>            </a:t>
+            </a:r>
+            <a:r>
+              <a:rPr lang="fi-FI" sz="1200" dirty="0" err="1">
+                <a:solidFill>
+                  <a:schemeClr val="accent6">
+                    <a:lumMod val="50000"/>
+                  </a:schemeClr>
+                </a:solidFill>
+              </a:rPr>
+              <a:t>while</a:t>
+            </a:r>
+            <a:r>
+              <a:rPr lang="fi-FI" sz="1200" dirty="0">
+                <a:solidFill>
+                  <a:schemeClr val="accent6">
+                    <a:lumMod val="50000"/>
+                  </a:schemeClr>
+                </a:solidFill>
+              </a:rPr>
+              <a:t> (l &lt;= </a:t>
+            </a:r>
+            <a:r>
+              <a:rPr lang="fi-FI" sz="1200" dirty="0" err="1">
+                <a:solidFill>
+                  <a:schemeClr val="accent6">
+                    <a:lumMod val="50000"/>
+                  </a:schemeClr>
+                </a:solidFill>
+              </a:rPr>
+              <a:t>mid</a:t>
+            </a:r>
+            <a:r>
+              <a:rPr lang="fi-FI" sz="1200" dirty="0">
+                <a:solidFill>
+                  <a:schemeClr val="accent6">
+                    <a:lumMod val="50000"/>
+                  </a:schemeClr>
+                </a:solidFill>
+              </a:rPr>
+              <a:t> &amp;&amp; r &lt;= </a:t>
+            </a:r>
+            <a:r>
+              <a:rPr lang="fi-FI" sz="1200" dirty="0" err="1">
+                <a:solidFill>
+                  <a:schemeClr val="accent6">
+                    <a:lumMod val="50000"/>
+                  </a:schemeClr>
+                </a:solidFill>
+              </a:rPr>
+              <a:t>right</a:t>
+            </a:r>
+            <a:r>
+              <a:rPr lang="fi-FI" sz="1200" dirty="0">
+                <a:solidFill>
+                  <a:schemeClr val="accent6">
+                    <a:lumMod val="50000"/>
+                  </a:schemeClr>
+                </a:solidFill>
+              </a:rPr>
               <a:t>) {</a:t>
             </a:r>
           </a:p>
           <a:p>
             <a:r>
-              <a:rPr lang="fi-FI" dirty="0"/>
-              <a:t>            long </a:t>
-            </a:r>
-            <a:r>
-              <a:rPr lang="fi-FI" dirty="0" err="1"/>
-              <a:t>start</a:t>
-            </a:r>
-            <a:r>
-              <a:rPr lang="fi-FI" dirty="0"/>
-              <a:t> = </a:t>
-            </a:r>
-            <a:r>
-              <a:rPr lang="fi-FI" dirty="0" err="1"/>
-              <a:t>System.nanoTime</a:t>
-            </a:r>
-            <a:r>
-              <a:rPr lang="fi-FI" dirty="0"/>
-              <a:t>();</a:t>
-            </a:r>
-          </a:p>
-          <a:p>
-            <a:r>
-              <a:rPr lang="fi-FI" dirty="0"/>
+              <a:rPr lang="fi-FI" sz="1200" dirty="0">
+                <a:solidFill>
+                  <a:schemeClr val="accent6">
+                    <a:lumMod val="50000"/>
+                  </a:schemeClr>
+                </a:solidFill>
+              </a:rPr>
+              <a:t>                </a:t>
+            </a:r>
+            <a:r>
+              <a:rPr lang="fi-FI" sz="1200" dirty="0" err="1">
+                <a:solidFill>
+                  <a:schemeClr val="accent6">
+                    <a:lumMod val="50000"/>
+                  </a:schemeClr>
+                </a:solidFill>
+              </a:rPr>
+              <a:t>if</a:t>
+            </a:r>
+            <a:r>
+              <a:rPr lang="fi-FI" sz="1200" dirty="0">
+                <a:solidFill>
+                  <a:schemeClr val="accent6">
+                    <a:lumMod val="50000"/>
+                  </a:schemeClr>
+                </a:solidFill>
+              </a:rPr>
+              <a:t> (</a:t>
+            </a:r>
+            <a:r>
+              <a:rPr lang="fi-FI" sz="1200" dirty="0" err="1">
+                <a:solidFill>
+                  <a:schemeClr val="accent6">
+                    <a:lumMod val="50000"/>
+                  </a:schemeClr>
+                </a:solidFill>
+              </a:rPr>
+              <a:t>tempArray</a:t>
+            </a:r>
+            <a:r>
+              <a:rPr lang="fi-FI" sz="1200" dirty="0">
+                <a:solidFill>
+                  <a:schemeClr val="accent6">
+                    <a:lumMod val="50000"/>
+                  </a:schemeClr>
+                </a:solidFill>
+              </a:rPr>
+              <a:t>[l] &lt;= </a:t>
+            </a:r>
+            <a:r>
+              <a:rPr lang="fi-FI" sz="1200" dirty="0" err="1">
+                <a:solidFill>
+                  <a:schemeClr val="accent6">
+                    <a:lumMod val="50000"/>
+                  </a:schemeClr>
+                </a:solidFill>
+              </a:rPr>
+              <a:t>tempArray</a:t>
+            </a:r>
+            <a:r>
+              <a:rPr lang="fi-FI" sz="1200" dirty="0">
+                <a:solidFill>
+                  <a:schemeClr val="accent6">
+                    <a:lumMod val="50000"/>
+                  </a:schemeClr>
+                </a:solidFill>
+              </a:rPr>
+              <a:t>[r]) {</a:t>
+            </a:r>
+          </a:p>
+          <a:p>
+            <a:r>
+              <a:rPr lang="fi-FI" sz="1200" dirty="0">
+                <a:solidFill>
+                  <a:schemeClr val="accent6">
+                    <a:lumMod val="50000"/>
+                  </a:schemeClr>
+                </a:solidFill>
+              </a:rPr>
+              <a:t>                    data[i] = </a:t>
+            </a:r>
+            <a:r>
+              <a:rPr lang="fi-FI" sz="1200" dirty="0" err="1">
+                <a:solidFill>
+                  <a:schemeClr val="accent6">
+                    <a:lumMod val="50000"/>
+                  </a:schemeClr>
+                </a:solidFill>
+              </a:rPr>
+              <a:t>tempArray</a:t>
+            </a:r>
+            <a:r>
+              <a:rPr lang="fi-FI" sz="1200" dirty="0">
+                <a:solidFill>
+                  <a:schemeClr val="accent6">
+                    <a:lumMod val="50000"/>
+                  </a:schemeClr>
+                </a:solidFill>
+              </a:rPr>
+              <a:t>[l];</a:t>
+            </a:r>
+          </a:p>
+          <a:p>
+            <a:r>
+              <a:rPr lang="fi-FI" sz="1200" dirty="0">
+                <a:solidFill>
+                  <a:schemeClr val="accent6">
+                    <a:lumMod val="50000"/>
+                  </a:schemeClr>
+                </a:solidFill>
+              </a:rPr>
+              <a:t>                    ++l;</a:t>
+            </a:r>
+          </a:p>
+          <a:p>
+            <a:r>
+              <a:rPr lang="fi-FI" sz="1200" dirty="0">
+                <a:solidFill>
+                  <a:schemeClr val="accent6">
+                    <a:lumMod val="50000"/>
+                  </a:schemeClr>
+                </a:solidFill>
+              </a:rPr>
+              <a:t>                } </a:t>
+            </a:r>
+            <a:r>
+              <a:rPr lang="fi-FI" sz="1200" dirty="0" err="1">
+                <a:solidFill>
+                  <a:schemeClr val="accent6">
+                    <a:lumMod val="50000"/>
+                  </a:schemeClr>
+                </a:solidFill>
+              </a:rPr>
+              <a:t>else</a:t>
+            </a:r>
+            <a:r>
+              <a:rPr lang="fi-FI" sz="1200" dirty="0">
+                <a:solidFill>
+                  <a:schemeClr val="accent6">
+                    <a:lumMod val="50000"/>
+                  </a:schemeClr>
+                </a:solidFill>
+              </a:rPr>
+              <a:t> {</a:t>
+            </a:r>
+          </a:p>
+          <a:p>
+            <a:r>
+              <a:rPr lang="fi-FI" sz="1200" dirty="0">
+                <a:solidFill>
+                  <a:schemeClr val="accent6">
+                    <a:lumMod val="50000"/>
+                  </a:schemeClr>
+                </a:solidFill>
+              </a:rPr>
+              <a:t>                    data[i] = </a:t>
+            </a:r>
+            <a:r>
+              <a:rPr lang="fi-FI" sz="1200" dirty="0" err="1">
+                <a:solidFill>
+                  <a:schemeClr val="accent6">
+                    <a:lumMod val="50000"/>
+                  </a:schemeClr>
+                </a:solidFill>
+              </a:rPr>
+              <a:t>tempArray</a:t>
+            </a:r>
+            <a:r>
+              <a:rPr lang="fi-FI" sz="1200" dirty="0">
+                <a:solidFill>
+                  <a:schemeClr val="accent6">
+                    <a:lumMod val="50000"/>
+                  </a:schemeClr>
+                </a:solidFill>
+              </a:rPr>
+              <a:t>[r];</a:t>
+            </a:r>
+          </a:p>
+          <a:p>
+            <a:r>
+              <a:rPr lang="fi-FI" sz="1200" dirty="0">
+                <a:solidFill>
+                  <a:schemeClr val="accent6">
+                    <a:lumMod val="50000"/>
+                  </a:schemeClr>
+                </a:solidFill>
+              </a:rPr>
+              <a:t>                    ++r;</a:t>
+            </a:r>
+          </a:p>
+          <a:p>
+            <a:r>
+              <a:rPr lang="fi-FI" sz="1200" dirty="0">
+                <a:solidFill>
+                  <a:schemeClr val="accent6">
+                    <a:lumMod val="50000"/>
+                  </a:schemeClr>
+                </a:solidFill>
+              </a:rPr>
+              <a:t>                }</a:t>
+            </a:r>
+          </a:p>
+          <a:p>
+            <a:r>
+              <a:rPr lang="fi-FI" sz="1200" dirty="0">
+                <a:solidFill>
+                  <a:schemeClr val="accent6">
+                    <a:lumMod val="50000"/>
+                  </a:schemeClr>
+                </a:solidFill>
+              </a:rPr>
+              <a:t>                ++i;</a:t>
+            </a:r>
+          </a:p>
+          <a:p>
+            <a:r>
+              <a:rPr lang="fi-FI" sz="1200" dirty="0">
+                <a:solidFill>
+                  <a:schemeClr val="accent6">
+                    <a:lumMod val="50000"/>
+                  </a:schemeClr>
+                </a:solidFill>
+              </a:rPr>
+              <a:t>            }</a:t>
+            </a:r>
+          </a:p>
+          <a:p>
+            <a:r>
+              <a:rPr lang="fi-FI" sz="1200" dirty="0">
+                <a:solidFill>
+                  <a:schemeClr val="accent6">
+                    <a:lumMod val="50000"/>
+                  </a:schemeClr>
+                </a:solidFill>
+              </a:rPr>
               <a:t>            </a:t>
             </a:r>
             <a:r>
-              <a:rPr lang="fi-FI" dirty="0" err="1"/>
-              <a:t>method.methodSignature</a:t>
-            </a:r>
-            <a:r>
-              <a:rPr lang="fi-FI" dirty="0"/>
-              <a:t>(</a:t>
-            </a:r>
-            <a:r>
-              <a:rPr lang="fi-FI" dirty="0" err="1"/>
-              <a:t>arr</a:t>
-            </a:r>
-            <a:r>
-              <a:rPr lang="fi-FI" dirty="0"/>
-              <a:t>);</a:t>
-            </a:r>
-          </a:p>
-          <a:p>
-            <a:r>
-              <a:rPr lang="fi-FI" dirty="0"/>
-              <a:t>            long </a:t>
-            </a:r>
-            <a:r>
-              <a:rPr lang="fi-FI" dirty="0" err="1"/>
-              <a:t>taken</a:t>
-            </a:r>
-            <a:r>
-              <a:rPr lang="fi-FI" dirty="0"/>
-              <a:t> = </a:t>
-            </a:r>
-            <a:r>
-              <a:rPr lang="fi-FI" dirty="0" err="1"/>
-              <a:t>System.nanoTime</a:t>
-            </a:r>
-            <a:r>
-              <a:rPr lang="fi-FI" dirty="0"/>
-              <a:t>() - </a:t>
-            </a:r>
-            <a:r>
-              <a:rPr lang="fi-FI" dirty="0" err="1"/>
-              <a:t>start</a:t>
-            </a:r>
-            <a:r>
-              <a:rPr lang="fi-FI" dirty="0"/>
-              <a:t>;</a:t>
-            </a:r>
-          </a:p>
-          <a:p>
-            <a:r>
-              <a:rPr lang="fi-FI" dirty="0"/>
-              <a:t>            </a:t>
-            </a:r>
-            <a:r>
-              <a:rPr lang="fi-FI" dirty="0" err="1"/>
-              <a:t>System.out.println</a:t>
-            </a:r>
-            <a:r>
-              <a:rPr lang="fi-FI" dirty="0"/>
-              <a:t>(</a:t>
-            </a:r>
-            <a:r>
-              <a:rPr lang="fi-FI" dirty="0" err="1"/>
-              <a:t>name</a:t>
-            </a:r>
-            <a:r>
-              <a:rPr lang="fi-FI" dirty="0"/>
-              <a:t> + ": " + </a:t>
-            </a:r>
-            <a:r>
-              <a:rPr lang="fi-FI" dirty="0" err="1"/>
-              <a:t>String.format</a:t>
-            </a:r>
-            <a:r>
-              <a:rPr lang="fi-FI" dirty="0"/>
-              <a:t>("%.3f", </a:t>
-            </a:r>
-            <a:r>
-              <a:rPr lang="fi-FI" dirty="0" err="1"/>
-              <a:t>taken</a:t>
-            </a:r>
-            <a:r>
-              <a:rPr lang="fi-FI" dirty="0"/>
-              <a:t> / 1000000.0) + "ms");</a:t>
-            </a:r>
-          </a:p>
-          <a:p>
-            <a:r>
-              <a:rPr lang="fi-FI" dirty="0"/>
-              <a:t>}</a:t>
-            </a:r>
-          </a:p>
-        </p:txBody>
-      </p:sp>
-      <p:sp>
-        <p:nvSpPr>
-          <p:cNvPr id="4" name="Tekstiruutu 3">
-            <a:extLst>
-              <a:ext uri="{FF2B5EF4-FFF2-40B4-BE49-F238E27FC236}">
-                <a16:creationId xmlns:a16="http://schemas.microsoft.com/office/drawing/2014/main" id="{BF0ECEAB-ACAF-5669-5497-1F00A2CBF539}"/>
-              </a:ext>
-            </a:extLst>
-          </p:cNvPr>
-          <p:cNvSpPr txBox="1"/>
-          <p:nvPr/>
-        </p:nvSpPr>
-        <p:spPr>
-          <a:xfrm>
-            <a:off x="921224" y="4319516"/>
-            <a:ext cx="4600136" cy="923330"/>
-          </a:xfrm>
-          <a:prstGeom prst="rect">
-            <a:avLst/>
-          </a:prstGeom>
-          <a:noFill/>
-        </p:spPr>
-        <p:txBody>
-          <a:bodyPr wrap="square" rtlCol="0">
-            <a:spAutoFit/>
-          </a:bodyPr>
-          <a:lstStyle/>
-          <a:p>
-            <a:r>
-              <a:rPr lang="en-US" dirty="0"/>
-              <a:t> public interface </a:t>
-            </a:r>
-            <a:r>
-              <a:rPr lang="en-US" dirty="0" err="1"/>
-              <a:t>FunctionPointer</a:t>
-            </a:r>
-            <a:r>
-              <a:rPr lang="en-US" dirty="0"/>
-              <a:t> {</a:t>
-            </a:r>
-          </a:p>
-          <a:p>
-            <a:r>
-              <a:rPr lang="en-US" dirty="0"/>
-              <a:t>            void </a:t>
-            </a:r>
-            <a:r>
-              <a:rPr lang="en-US" dirty="0" err="1"/>
-              <a:t>methodSignature</a:t>
-            </a:r>
-            <a:r>
-              <a:rPr lang="en-US" dirty="0"/>
-              <a:t>(int[] data);</a:t>
-            </a:r>
-          </a:p>
-          <a:p>
-            <a:r>
-              <a:rPr lang="en-US" dirty="0"/>
-              <a:t>        }</a:t>
-            </a:r>
-            <a:endParaRPr lang="fi-FI" dirty="0"/>
+              <a:rPr lang="fi-FI" sz="1200" dirty="0" err="1">
+                <a:solidFill>
+                  <a:schemeClr val="accent6">
+                    <a:lumMod val="50000"/>
+                  </a:schemeClr>
+                </a:solidFill>
+              </a:rPr>
+              <a:t>while</a:t>
+            </a:r>
+            <a:r>
+              <a:rPr lang="fi-FI" sz="1200" dirty="0">
+                <a:solidFill>
+                  <a:schemeClr val="accent6">
+                    <a:lumMod val="50000"/>
+                  </a:schemeClr>
+                </a:solidFill>
+              </a:rPr>
+              <a:t> (l &lt;= </a:t>
+            </a:r>
+            <a:r>
+              <a:rPr lang="fi-FI" sz="1200" dirty="0" err="1">
+                <a:solidFill>
+                  <a:schemeClr val="accent6">
+                    <a:lumMod val="50000"/>
+                  </a:schemeClr>
+                </a:solidFill>
+              </a:rPr>
+              <a:t>mid</a:t>
+            </a:r>
+            <a:r>
+              <a:rPr lang="fi-FI" sz="1200" dirty="0">
+                <a:solidFill>
+                  <a:schemeClr val="accent6">
+                    <a:lumMod val="50000"/>
+                  </a:schemeClr>
+                </a:solidFill>
+              </a:rPr>
+              <a:t>) {</a:t>
+            </a:r>
+          </a:p>
+          <a:p>
+            <a:r>
+              <a:rPr lang="fi-FI" sz="1200" dirty="0">
+                <a:solidFill>
+                  <a:schemeClr val="accent6">
+                    <a:lumMod val="50000"/>
+                  </a:schemeClr>
+                </a:solidFill>
+              </a:rPr>
+              <a:t>                data[i] = </a:t>
+            </a:r>
+            <a:r>
+              <a:rPr lang="fi-FI" sz="1200" dirty="0" err="1">
+                <a:solidFill>
+                  <a:schemeClr val="accent6">
+                    <a:lumMod val="50000"/>
+                  </a:schemeClr>
+                </a:solidFill>
+              </a:rPr>
+              <a:t>tempArray</a:t>
+            </a:r>
+            <a:r>
+              <a:rPr lang="fi-FI" sz="1200" dirty="0">
+                <a:solidFill>
+                  <a:schemeClr val="accent6">
+                    <a:lumMod val="50000"/>
+                  </a:schemeClr>
+                </a:solidFill>
+              </a:rPr>
+              <a:t>[l];</a:t>
+            </a:r>
+          </a:p>
+          <a:p>
+            <a:r>
+              <a:rPr lang="fi-FI" sz="1200" dirty="0">
+                <a:solidFill>
+                  <a:schemeClr val="accent6">
+                    <a:lumMod val="50000"/>
+                  </a:schemeClr>
+                </a:solidFill>
+              </a:rPr>
+              <a:t>                l++;</a:t>
+            </a:r>
+          </a:p>
+          <a:p>
+            <a:r>
+              <a:rPr lang="fi-FI" sz="1200" dirty="0">
+                <a:solidFill>
+                  <a:schemeClr val="accent6">
+                    <a:lumMod val="50000"/>
+                  </a:schemeClr>
+                </a:solidFill>
+              </a:rPr>
+              <a:t>                i++;</a:t>
+            </a:r>
+          </a:p>
+          <a:p>
+            <a:r>
+              <a:rPr lang="fi-FI" sz="1200" dirty="0">
+                <a:solidFill>
+                  <a:schemeClr val="accent6">
+                    <a:lumMod val="50000"/>
+                  </a:schemeClr>
+                </a:solidFill>
+              </a:rPr>
+              <a:t>            }</a:t>
+            </a:r>
           </a:p>
         </p:txBody>
       </p:sp>
     </p:spTree>
     <p:extLst>
       <p:ext uri="{BB962C8B-B14F-4D97-AF65-F5344CB8AC3E}">
-        <p14:creationId xmlns:p14="http://schemas.microsoft.com/office/powerpoint/2010/main" val="1694672083"/>
+        <p14:creationId xmlns:p14="http://schemas.microsoft.com/office/powerpoint/2010/main" val="2365388853"/>
       </p:ext>
     </p:extLst>
   </p:cSld>
@@ -5985,7 +7136,7 @@
           <p:cNvPr id="2" name="Tekstiruutu 1">
             <a:extLst>
               <a:ext uri="{FF2B5EF4-FFF2-40B4-BE49-F238E27FC236}">
-                <a16:creationId xmlns:a16="http://schemas.microsoft.com/office/drawing/2014/main" id="{52964F3D-4CE3-0808-63AD-72161B88132F}"/>
+                <a16:creationId xmlns:a16="http://schemas.microsoft.com/office/drawing/2014/main" id="{687B6FA4-5512-90B3-DB23-3A05DF945819}"/>
               </a:ext>
             </a:extLst>
           </p:cNvPr>
@@ -5994,8 +7145,8 @@
         </p:nvSpPr>
         <p:spPr>
           <a:xfrm>
-            <a:off x="0" y="115000"/>
-            <a:ext cx="12316385" cy="1200329"/>
+            <a:off x="3120839" y="331770"/>
+            <a:ext cx="6014852" cy="954107"/>
           </a:xfrm>
           <a:prstGeom prst="rect">
             <a:avLst/>
@@ -6009,96 +7160,47 @@
           <a:lstStyle/>
           <a:p>
             <a:r>
-              <a:rPr lang="fi-FI" sz="2400" b="1" dirty="0"/>
-              <a:t>Optimoin </a:t>
-            </a:r>
-            <a:r>
-              <a:rPr lang="fi-FI" sz="2400" b="1" dirty="0" err="1"/>
-              <a:t>Quick</a:t>
-            </a:r>
-            <a:r>
-              <a:rPr lang="fi-FI" sz="2400" b="1" dirty="0"/>
-              <a:t> Sortin käyttämällä </a:t>
-            </a:r>
-            <a:r>
-              <a:rPr lang="fi-FI" sz="2400" b="1" dirty="0">
-                <a:highlight>
-                  <a:srgbClr val="00FF00"/>
-                </a:highlight>
-              </a:rPr>
-              <a:t>pivot-alkiona </a:t>
-            </a:r>
-            <a:r>
-              <a:rPr lang="fi-FI" sz="2400" b="1" dirty="0" err="1">
-                <a:highlight>
-                  <a:srgbClr val="00FF00"/>
-                </a:highlight>
-              </a:rPr>
-              <a:t>random.nextInt</a:t>
-            </a:r>
-            <a:r>
-              <a:rPr lang="fi-FI" sz="2400" b="1" dirty="0">
-                <a:highlight>
-                  <a:srgbClr val="00FF00"/>
-                </a:highlight>
-              </a:rPr>
-              <a:t>() väliltä </a:t>
-            </a:r>
-            <a:r>
-              <a:rPr lang="fi-FI" sz="2400" b="1" dirty="0" err="1">
-                <a:highlight>
-                  <a:srgbClr val="00FF00"/>
-                </a:highlight>
-              </a:rPr>
-              <a:t>low</a:t>
-            </a:r>
-            <a:r>
-              <a:rPr lang="fi-FI" sz="2400" b="1" dirty="0">
-                <a:highlight>
-                  <a:srgbClr val="00FF00"/>
-                </a:highlight>
-              </a:rPr>
-              <a:t> ja </a:t>
-            </a:r>
-            <a:r>
-              <a:rPr lang="fi-FI" sz="2400" b="1" dirty="0" err="1">
-                <a:highlight>
-                  <a:srgbClr val="00FF00"/>
-                </a:highlight>
-              </a:rPr>
-              <a:t>high</a:t>
-            </a:r>
-            <a:r>
-              <a:rPr lang="fi-FI" sz="2400" b="1" dirty="0">
-                <a:highlight>
-                  <a:srgbClr val="00FF00"/>
-                </a:highlight>
-              </a:rPr>
-              <a:t> + 1</a:t>
-            </a:r>
-            <a:r>
-              <a:rPr lang="fi-FI" sz="2400" b="1" dirty="0"/>
-              <a:t>,</a:t>
-            </a:r>
-          </a:p>
-          <a:p>
-            <a:r>
-              <a:rPr lang="fi-FI" sz="2400" b="1" dirty="0"/>
-              <a:t>tällöin normaalin </a:t>
-            </a:r>
-            <a:r>
-              <a:rPr lang="fi-FI" sz="2400" b="1" dirty="0" err="1"/>
-              <a:t>Quick</a:t>
-            </a:r>
-            <a:r>
-              <a:rPr lang="fi-FI" sz="2400" b="1" dirty="0"/>
-              <a:t> Sortin laskevan / nousevan datan O(n^2) huonointa tapausta</a:t>
-            </a:r>
-          </a:p>
-          <a:p>
-            <a:r>
-              <a:rPr lang="fi-FI" sz="2400" b="1" dirty="0"/>
-              <a:t>ei tapahdu</a:t>
+              <a:rPr lang="fi-FI" sz="2800" b="1" dirty="0" err="1"/>
+              <a:t>Merge</a:t>
+            </a:r>
+            <a:r>
+              <a:rPr lang="fi-FI" sz="2800" b="1" dirty="0"/>
+              <a:t> </a:t>
+            </a:r>
+            <a:r>
+              <a:rPr lang="fi-FI" sz="2800" b="1" dirty="0" err="1"/>
+              <a:t>Sort</a:t>
+            </a:r>
+            <a:r>
+              <a:rPr lang="fi-FI" sz="2800" b="1" dirty="0"/>
+              <a:t> </a:t>
+            </a:r>
+            <a:r>
+              <a:rPr lang="fi-FI" sz="2800" b="1" dirty="0" err="1"/>
+              <a:t>vs</a:t>
+            </a:r>
+            <a:r>
+              <a:rPr lang="fi-FI" sz="2800" b="1" dirty="0"/>
+              <a:t> Optimoitu </a:t>
+            </a:r>
+            <a:r>
+              <a:rPr lang="fi-FI" sz="2800" b="1" dirty="0" err="1"/>
+              <a:t>Merge</a:t>
+            </a:r>
+            <a:r>
+              <a:rPr lang="fi-FI" sz="2800" b="1" dirty="0"/>
+              <a:t> </a:t>
+            </a:r>
+            <a:r>
+              <a:rPr lang="fi-FI" sz="2800" b="1" dirty="0" err="1"/>
+              <a:t>Sort</a:t>
+            </a:r>
+            <a:endParaRPr lang="fi-FI" sz="2800" b="1" dirty="0"/>
+          </a:p>
+          <a:p>
+            <a:r>
+              <a:rPr lang="fi-FI" sz="2800" b="1" dirty="0"/>
+              <a:t>500 000 alkiolla</a:t>
             </a:r>
           </a:p>
         </p:txBody>
@@ -6108,7 +7210,7 @@
           <p:cNvPr id="3" name="Tekstiruutu 2">
             <a:extLst>
               <a:ext uri="{FF2B5EF4-FFF2-40B4-BE49-F238E27FC236}">
-                <a16:creationId xmlns:a16="http://schemas.microsoft.com/office/drawing/2014/main" id="{EFC386E7-9FA4-2E6B-8EF8-07E204F26AE2}"/>
+                <a16:creationId xmlns:a16="http://schemas.microsoft.com/office/drawing/2014/main" id="{B6852150-97D0-72C2-281B-8824704D23A2}"/>
               </a:ext>
             </a:extLst>
           </p:cNvPr>
@@ -6117,8 +7219,8 @@
         </p:nvSpPr>
         <p:spPr>
           <a:xfrm>
-            <a:off x="1709926" y="1315329"/>
-            <a:ext cx="8772145" cy="5262979"/>
+            <a:off x="4166425" y="1235122"/>
+            <a:ext cx="3859149" cy="1200329"/>
           </a:xfrm>
           <a:prstGeom prst="rect">
             <a:avLst/>
@@ -6126,717 +7228,389 @@
           <a:noFill/>
         </p:spPr>
         <p:txBody>
+          <a:bodyPr wrap="square" rtlCol="0">
+            <a:spAutoFit/>
+          </a:bodyPr>
+          <a:lstStyle/>
+          <a:p>
+            <a:r>
+              <a:rPr lang="fi-FI" b="1" dirty="0"/>
+              <a:t>Random: </a:t>
+            </a:r>
+          </a:p>
+          <a:p>
+            <a:r>
+              <a:rPr lang="fi-FI" dirty="0" err="1"/>
+              <a:t>Merge</a:t>
+            </a:r>
+            <a:r>
+              <a:rPr lang="fi-FI" dirty="0"/>
+              <a:t> </a:t>
+            </a:r>
+            <a:r>
+              <a:rPr lang="fi-FI" dirty="0" err="1"/>
+              <a:t>Sort</a:t>
+            </a:r>
+            <a:r>
+              <a:rPr lang="fi-FI" dirty="0"/>
+              <a:t>: 139,044ms</a:t>
+            </a:r>
+          </a:p>
+          <a:p>
+            <a:r>
+              <a:rPr lang="fi-FI" dirty="0" err="1">
+                <a:highlight>
+                  <a:srgbClr val="00FF00"/>
+                </a:highlight>
+              </a:rPr>
+              <a:t>Optimized</a:t>
+            </a:r>
+            <a:r>
+              <a:rPr lang="fi-FI" dirty="0">
+                <a:highlight>
+                  <a:srgbClr val="00FF00"/>
+                </a:highlight>
+              </a:rPr>
+              <a:t> </a:t>
+            </a:r>
+            <a:r>
+              <a:rPr lang="fi-FI" dirty="0" err="1">
+                <a:highlight>
+                  <a:srgbClr val="00FF00"/>
+                </a:highlight>
+              </a:rPr>
+              <a:t>Merge</a:t>
+            </a:r>
+            <a:r>
+              <a:rPr lang="fi-FI" dirty="0">
+                <a:highlight>
+                  <a:srgbClr val="00FF00"/>
+                </a:highlight>
+              </a:rPr>
+              <a:t> </a:t>
+            </a:r>
+            <a:r>
+              <a:rPr lang="fi-FI" dirty="0" err="1">
+                <a:highlight>
+                  <a:srgbClr val="00FF00"/>
+                </a:highlight>
+              </a:rPr>
+              <a:t>Sort</a:t>
+            </a:r>
+            <a:r>
+              <a:rPr lang="fi-FI" dirty="0">
+                <a:highlight>
+                  <a:srgbClr val="00FF00"/>
+                </a:highlight>
+              </a:rPr>
+              <a:t>: 86,470ms</a:t>
+            </a:r>
+          </a:p>
+          <a:p>
+            <a:endParaRPr lang="fi-FI" dirty="0"/>
+          </a:p>
+        </p:txBody>
+      </p:sp>
+      <p:sp>
+        <p:nvSpPr>
+          <p:cNvPr id="5" name="Tekstiruutu 4">
+            <a:extLst>
+              <a:ext uri="{FF2B5EF4-FFF2-40B4-BE49-F238E27FC236}">
+                <a16:creationId xmlns:a16="http://schemas.microsoft.com/office/drawing/2014/main" id="{3D0FC739-F227-0CE0-D475-EDB33CF7A652}"/>
+              </a:ext>
+            </a:extLst>
+          </p:cNvPr>
+          <p:cNvSpPr txBox="1"/>
+          <p:nvPr/>
+        </p:nvSpPr>
+        <p:spPr>
+          <a:xfrm>
+            <a:off x="4116233" y="2435451"/>
+            <a:ext cx="3859149" cy="923330"/>
+          </a:xfrm>
+          <a:prstGeom prst="rect">
+            <a:avLst/>
+          </a:prstGeom>
+          <a:noFill/>
+        </p:spPr>
+        <p:txBody>
+          <a:bodyPr wrap="square" rtlCol="0">
+            <a:spAutoFit/>
+          </a:bodyPr>
+          <a:lstStyle/>
+          <a:p>
+            <a:r>
+              <a:rPr lang="fi-FI" b="1" dirty="0"/>
+              <a:t>Nouseva: </a:t>
+            </a:r>
+          </a:p>
+          <a:p>
+            <a:r>
+              <a:rPr lang="fi-FI" dirty="0" err="1"/>
+              <a:t>Merge</a:t>
+            </a:r>
+            <a:r>
+              <a:rPr lang="fi-FI" dirty="0"/>
+              <a:t> </a:t>
+            </a:r>
+            <a:r>
+              <a:rPr lang="fi-FI" dirty="0" err="1"/>
+              <a:t>Sort</a:t>
+            </a:r>
+            <a:r>
+              <a:rPr lang="fi-FI" dirty="0"/>
+              <a:t>: 29,802ms</a:t>
+            </a:r>
+          </a:p>
+          <a:p>
+            <a:r>
+              <a:rPr lang="fi-FI" dirty="0" err="1">
+                <a:highlight>
+                  <a:srgbClr val="00FF00"/>
+                </a:highlight>
+              </a:rPr>
+              <a:t>Optimized</a:t>
+            </a:r>
+            <a:r>
+              <a:rPr lang="fi-FI" dirty="0">
+                <a:highlight>
+                  <a:srgbClr val="00FF00"/>
+                </a:highlight>
+              </a:rPr>
+              <a:t> </a:t>
+            </a:r>
+            <a:r>
+              <a:rPr lang="fi-FI" dirty="0" err="1">
+                <a:highlight>
+                  <a:srgbClr val="00FF00"/>
+                </a:highlight>
+              </a:rPr>
+              <a:t>Merge</a:t>
+            </a:r>
+            <a:r>
+              <a:rPr lang="fi-FI" dirty="0">
+                <a:highlight>
+                  <a:srgbClr val="00FF00"/>
+                </a:highlight>
+              </a:rPr>
+              <a:t> </a:t>
+            </a:r>
+            <a:r>
+              <a:rPr lang="fi-FI" dirty="0" err="1">
+                <a:highlight>
+                  <a:srgbClr val="00FF00"/>
+                </a:highlight>
+              </a:rPr>
+              <a:t>Sort</a:t>
+            </a:r>
+            <a:r>
+              <a:rPr lang="fi-FI" dirty="0">
+                <a:highlight>
+                  <a:srgbClr val="00FF00"/>
+                </a:highlight>
+              </a:rPr>
+              <a:t>: 13,096ms</a:t>
+            </a:r>
+          </a:p>
+        </p:txBody>
+      </p:sp>
+      <p:sp>
+        <p:nvSpPr>
+          <p:cNvPr id="6" name="Tekstiruutu 5">
+            <a:extLst>
+              <a:ext uri="{FF2B5EF4-FFF2-40B4-BE49-F238E27FC236}">
+                <a16:creationId xmlns:a16="http://schemas.microsoft.com/office/drawing/2014/main" id="{115CCFCD-5623-6B9B-7FB9-4DA7335EACB2}"/>
+              </a:ext>
+            </a:extLst>
+          </p:cNvPr>
+          <p:cNvSpPr txBox="1"/>
+          <p:nvPr/>
+        </p:nvSpPr>
+        <p:spPr>
+          <a:xfrm flipH="1">
+            <a:off x="4116232" y="3911584"/>
+            <a:ext cx="3677269" cy="923330"/>
+          </a:xfrm>
+          <a:prstGeom prst="rect">
+            <a:avLst/>
+          </a:prstGeom>
+          <a:noFill/>
+        </p:spPr>
+        <p:txBody>
+          <a:bodyPr wrap="square" rtlCol="0">
+            <a:spAutoFit/>
+          </a:bodyPr>
+          <a:lstStyle/>
+          <a:p>
+            <a:r>
+              <a:rPr lang="fi-FI" b="1" dirty="0"/>
+              <a:t>Laskeva: </a:t>
+            </a:r>
+          </a:p>
+          <a:p>
+            <a:r>
+              <a:rPr lang="fi-FI" dirty="0" err="1"/>
+              <a:t>Merge</a:t>
+            </a:r>
+            <a:r>
+              <a:rPr lang="fi-FI" dirty="0"/>
+              <a:t> </a:t>
+            </a:r>
+            <a:r>
+              <a:rPr lang="fi-FI" dirty="0" err="1"/>
+              <a:t>Sort</a:t>
+            </a:r>
+            <a:r>
+              <a:rPr lang="fi-FI" dirty="0"/>
+              <a:t>: 87,324ms</a:t>
+            </a:r>
+          </a:p>
+          <a:p>
+            <a:r>
+              <a:rPr lang="fi-FI" dirty="0" err="1">
+                <a:highlight>
+                  <a:srgbClr val="00FF00"/>
+                </a:highlight>
+              </a:rPr>
+              <a:t>Optimized</a:t>
+            </a:r>
+            <a:r>
+              <a:rPr lang="fi-FI" dirty="0">
+                <a:highlight>
+                  <a:srgbClr val="00FF00"/>
+                </a:highlight>
+              </a:rPr>
+              <a:t> </a:t>
+            </a:r>
+            <a:r>
+              <a:rPr lang="fi-FI" dirty="0" err="1">
+                <a:highlight>
+                  <a:srgbClr val="00FF00"/>
+                </a:highlight>
+              </a:rPr>
+              <a:t>Merge</a:t>
+            </a:r>
+            <a:r>
+              <a:rPr lang="fi-FI" dirty="0">
+                <a:highlight>
+                  <a:srgbClr val="00FF00"/>
+                </a:highlight>
+              </a:rPr>
+              <a:t> </a:t>
+            </a:r>
+            <a:r>
+              <a:rPr lang="fi-FI" dirty="0" err="1">
+                <a:highlight>
+                  <a:srgbClr val="00FF00"/>
+                </a:highlight>
+              </a:rPr>
+              <a:t>Sort</a:t>
+            </a:r>
+            <a:r>
+              <a:rPr lang="fi-FI" dirty="0">
+                <a:highlight>
+                  <a:srgbClr val="00FF00"/>
+                </a:highlight>
+              </a:rPr>
+              <a:t>: 60,889ms</a:t>
+            </a:r>
+          </a:p>
+        </p:txBody>
+      </p:sp>
+      <p:sp>
+        <p:nvSpPr>
+          <p:cNvPr id="4" name="Tekstiruutu 3">
+            <a:extLst>
+              <a:ext uri="{FF2B5EF4-FFF2-40B4-BE49-F238E27FC236}">
+                <a16:creationId xmlns:a16="http://schemas.microsoft.com/office/drawing/2014/main" id="{C2EB1C5D-E25B-1851-487F-EAB17627845D}"/>
+              </a:ext>
+            </a:extLst>
+          </p:cNvPr>
+          <p:cNvSpPr txBox="1"/>
+          <p:nvPr/>
+        </p:nvSpPr>
+        <p:spPr>
+          <a:xfrm>
+            <a:off x="2264194" y="5387717"/>
+            <a:ext cx="7728141" cy="646331"/>
+          </a:xfrm>
+          <a:prstGeom prst="rect">
+            <a:avLst/>
+          </a:prstGeom>
+          <a:noFill/>
+        </p:spPr>
+        <p:txBody>
           <a:bodyPr wrap="none" rtlCol="0">
             <a:spAutoFit/>
           </a:bodyPr>
           <a:lstStyle/>
           <a:p>
             <a:r>
-              <a:rPr lang="fi-FI" sz="1400" dirty="0" err="1">
-                <a:highlight>
-                  <a:srgbClr val="00FF00"/>
-                </a:highlight>
-              </a:rPr>
-              <a:t>private</a:t>
-            </a:r>
-            <a:r>
-              <a:rPr lang="fi-FI" sz="1400" dirty="0">
-                <a:highlight>
-                  <a:srgbClr val="00FF00"/>
-                </a:highlight>
-              </a:rPr>
-              <a:t> </a:t>
-            </a:r>
-            <a:r>
-              <a:rPr lang="fi-FI" sz="1400" dirty="0" err="1">
-                <a:highlight>
-                  <a:srgbClr val="00FF00"/>
-                </a:highlight>
-              </a:rPr>
-              <a:t>static</a:t>
-            </a:r>
-            <a:r>
-              <a:rPr lang="fi-FI" sz="1400" dirty="0">
-                <a:highlight>
-                  <a:srgbClr val="00FF00"/>
-                </a:highlight>
-              </a:rPr>
-              <a:t> </a:t>
-            </a:r>
-            <a:r>
-              <a:rPr lang="fi-FI" sz="1400" dirty="0" err="1">
-                <a:highlight>
-                  <a:srgbClr val="00FF00"/>
-                </a:highlight>
-              </a:rPr>
-              <a:t>final</a:t>
-            </a:r>
-            <a:r>
-              <a:rPr lang="fi-FI" sz="1400" dirty="0">
-                <a:highlight>
-                  <a:srgbClr val="00FF00"/>
-                </a:highlight>
-              </a:rPr>
-              <a:t> Random </a:t>
-            </a:r>
-            <a:r>
-              <a:rPr lang="fi-FI" sz="1400" dirty="0" err="1">
-                <a:highlight>
-                  <a:srgbClr val="00FF00"/>
-                </a:highlight>
-              </a:rPr>
-              <a:t>gen</a:t>
-            </a:r>
-            <a:r>
-              <a:rPr lang="fi-FI" sz="1400" dirty="0">
-                <a:highlight>
-                  <a:srgbClr val="00FF00"/>
-                </a:highlight>
-              </a:rPr>
-              <a:t> = </a:t>
-            </a:r>
-            <a:r>
-              <a:rPr lang="fi-FI" sz="1400" dirty="0" err="1">
-                <a:highlight>
-                  <a:srgbClr val="00FF00"/>
-                </a:highlight>
-              </a:rPr>
-              <a:t>new</a:t>
-            </a:r>
-            <a:r>
-              <a:rPr lang="fi-FI" sz="1400" dirty="0">
-                <a:highlight>
-                  <a:srgbClr val="00FF00"/>
-                </a:highlight>
-              </a:rPr>
-              <a:t> Random();</a:t>
-            </a:r>
-          </a:p>
-          <a:p>
-            <a:r>
-              <a:rPr lang="fi-FI" sz="1400" dirty="0"/>
-              <a:t>        </a:t>
-            </a:r>
-          </a:p>
-          <a:p>
-            <a:r>
-              <a:rPr lang="fi-FI" sz="1400" dirty="0"/>
-              <a:t>        </a:t>
-            </a:r>
-            <a:r>
-              <a:rPr lang="fi-FI" sz="1400" dirty="0" err="1"/>
-              <a:t>public</a:t>
-            </a:r>
-            <a:r>
-              <a:rPr lang="fi-FI" sz="1400" dirty="0"/>
-              <a:t> </a:t>
-            </a:r>
-            <a:r>
-              <a:rPr lang="fi-FI" sz="1400" dirty="0" err="1"/>
-              <a:t>static</a:t>
-            </a:r>
-            <a:r>
-              <a:rPr lang="fi-FI" sz="1400" dirty="0"/>
-              <a:t> </a:t>
-            </a:r>
-            <a:r>
-              <a:rPr lang="fi-FI" sz="1400" dirty="0" err="1"/>
-              <a:t>void</a:t>
-            </a:r>
-            <a:r>
-              <a:rPr lang="fi-FI" sz="1400" dirty="0"/>
-              <a:t> </a:t>
-            </a:r>
-            <a:r>
-              <a:rPr lang="fi-FI" sz="1400" dirty="0" err="1"/>
-              <a:t>optimizedQuickSort</a:t>
-            </a:r>
-            <a:r>
-              <a:rPr lang="fi-FI" sz="1400" dirty="0"/>
-              <a:t>(</a:t>
-            </a:r>
-            <a:r>
-              <a:rPr lang="fi-FI" sz="1400" dirty="0" err="1"/>
-              <a:t>int</a:t>
-            </a:r>
-            <a:r>
-              <a:rPr lang="fi-FI" sz="1400" dirty="0"/>
-              <a:t>[] data, </a:t>
-            </a:r>
-            <a:r>
-              <a:rPr lang="fi-FI" sz="1400" dirty="0" err="1"/>
-              <a:t>int</a:t>
-            </a:r>
-            <a:r>
-              <a:rPr lang="fi-FI" sz="1400" dirty="0"/>
-              <a:t> </a:t>
-            </a:r>
-            <a:r>
-              <a:rPr lang="fi-FI" sz="1400" dirty="0" err="1"/>
-              <a:t>low</a:t>
-            </a:r>
-            <a:r>
-              <a:rPr lang="fi-FI" sz="1400" dirty="0"/>
-              <a:t>, </a:t>
-            </a:r>
-            <a:r>
-              <a:rPr lang="fi-FI" sz="1400" dirty="0" err="1"/>
-              <a:t>int</a:t>
-            </a:r>
-            <a:r>
-              <a:rPr lang="fi-FI" sz="1400" dirty="0"/>
-              <a:t> </a:t>
-            </a:r>
-            <a:r>
-              <a:rPr lang="fi-FI" sz="1400" dirty="0" err="1"/>
-              <a:t>high</a:t>
-            </a:r>
-            <a:r>
-              <a:rPr lang="fi-FI" sz="1400" dirty="0"/>
-              <a:t>) {</a:t>
-            </a:r>
-          </a:p>
-          <a:p>
-            <a:r>
-              <a:rPr lang="fi-FI" sz="1400" dirty="0"/>
-              <a:t>            </a:t>
-            </a:r>
-            <a:r>
-              <a:rPr lang="fi-FI" sz="1400" dirty="0" err="1"/>
-              <a:t>if</a:t>
-            </a:r>
-            <a:r>
-              <a:rPr lang="fi-FI" sz="1400" dirty="0"/>
-              <a:t> (</a:t>
-            </a:r>
-            <a:r>
-              <a:rPr lang="fi-FI" sz="1400" dirty="0" err="1"/>
-              <a:t>low</a:t>
-            </a:r>
-            <a:r>
-              <a:rPr lang="fi-FI" sz="1400" dirty="0"/>
-              <a:t> &gt;= </a:t>
-            </a:r>
-            <a:r>
-              <a:rPr lang="fi-FI" sz="1400" dirty="0" err="1"/>
-              <a:t>high</a:t>
-            </a:r>
-            <a:r>
-              <a:rPr lang="fi-FI" sz="1400" dirty="0"/>
-              <a:t>) </a:t>
-            </a:r>
-            <a:r>
-              <a:rPr lang="fi-FI" sz="1400" dirty="0" err="1"/>
-              <a:t>return</a:t>
-            </a:r>
-            <a:r>
-              <a:rPr lang="fi-FI" sz="1400" dirty="0"/>
-              <a:t>;</a:t>
-            </a:r>
-          </a:p>
-          <a:p>
-            <a:r>
-              <a:rPr lang="fi-FI" sz="1400" dirty="0"/>
-              <a:t>            </a:t>
-            </a:r>
-            <a:r>
-              <a:rPr lang="fi-FI" sz="1400" dirty="0" err="1">
-                <a:highlight>
-                  <a:srgbClr val="00FF00"/>
-                </a:highlight>
-              </a:rPr>
-              <a:t>int</a:t>
-            </a:r>
-            <a:r>
-              <a:rPr lang="fi-FI" sz="1400" dirty="0">
-                <a:highlight>
-                  <a:srgbClr val="00FF00"/>
-                </a:highlight>
-              </a:rPr>
-              <a:t> </a:t>
-            </a:r>
-            <a:r>
-              <a:rPr lang="fi-FI" sz="1400" dirty="0" err="1">
-                <a:highlight>
-                  <a:srgbClr val="00FF00"/>
-                </a:highlight>
-              </a:rPr>
-              <a:t>pivotIndex</a:t>
-            </a:r>
-            <a:r>
-              <a:rPr lang="fi-FI" sz="1400" dirty="0">
-                <a:highlight>
-                  <a:srgbClr val="00FF00"/>
-                </a:highlight>
-              </a:rPr>
-              <a:t> = </a:t>
-            </a:r>
-            <a:r>
-              <a:rPr lang="fi-FI" sz="1400" dirty="0" err="1">
-                <a:highlight>
-                  <a:srgbClr val="00FF00"/>
-                </a:highlight>
-              </a:rPr>
-              <a:t>gen.nextInt</a:t>
-            </a:r>
-            <a:r>
-              <a:rPr lang="fi-FI" sz="1400" dirty="0">
-                <a:highlight>
-                  <a:srgbClr val="00FF00"/>
-                </a:highlight>
-              </a:rPr>
-              <a:t>(</a:t>
-            </a:r>
-            <a:r>
-              <a:rPr lang="fi-FI" sz="1400" dirty="0" err="1">
-                <a:highlight>
-                  <a:srgbClr val="00FF00"/>
-                </a:highlight>
-              </a:rPr>
-              <a:t>low</a:t>
-            </a:r>
-            <a:r>
-              <a:rPr lang="fi-FI" sz="1400" dirty="0">
-                <a:highlight>
-                  <a:srgbClr val="00FF00"/>
-                </a:highlight>
-              </a:rPr>
-              <a:t>, </a:t>
-            </a:r>
-            <a:r>
-              <a:rPr lang="fi-FI" sz="1400" dirty="0" err="1">
-                <a:highlight>
-                  <a:srgbClr val="00FF00"/>
-                </a:highlight>
-              </a:rPr>
-              <a:t>high</a:t>
-            </a:r>
-            <a:r>
-              <a:rPr lang="fi-FI" sz="1400" dirty="0">
-                <a:highlight>
-                  <a:srgbClr val="00FF00"/>
-                </a:highlight>
-              </a:rPr>
-              <a:t> + 1</a:t>
-            </a:r>
-            <a:r>
-              <a:rPr lang="fi-FI" sz="1400" dirty="0"/>
-              <a:t>); // vältetään huonoin O(n^2) tapaus jos lista laskeva tai nouseva</a:t>
-            </a:r>
-          </a:p>
-          <a:p>
-            <a:r>
-              <a:rPr lang="fi-FI" sz="1400" dirty="0"/>
-              <a:t>            </a:t>
-            </a:r>
-            <a:r>
-              <a:rPr lang="fi-FI" sz="1400" dirty="0" err="1"/>
-              <a:t>int</a:t>
-            </a:r>
-            <a:r>
-              <a:rPr lang="fi-FI" sz="1400" dirty="0"/>
-              <a:t> pivot = data[</a:t>
-            </a:r>
-            <a:r>
-              <a:rPr lang="fi-FI" sz="1400" dirty="0" err="1"/>
-              <a:t>pivotIndex</a:t>
-            </a:r>
-            <a:r>
-              <a:rPr lang="fi-FI" sz="1400" dirty="0"/>
-              <a:t>]; // optimoidaan valitsemalla random </a:t>
-            </a:r>
-            <a:r>
-              <a:rPr lang="fi-FI" sz="1400" dirty="0" err="1"/>
-              <a:t>int</a:t>
-            </a:r>
-            <a:r>
-              <a:rPr lang="fi-FI" sz="1400" dirty="0"/>
-              <a:t> </a:t>
-            </a:r>
-            <a:r>
-              <a:rPr lang="fi-FI" sz="1400" dirty="0" err="1"/>
-              <a:t>pivotiksi</a:t>
-            </a:r>
-            <a:endParaRPr lang="fi-FI" sz="1400" dirty="0"/>
-          </a:p>
-          <a:p>
-            <a:r>
-              <a:rPr lang="fi-FI" sz="1400" dirty="0"/>
-              <a:t>            </a:t>
-            </a:r>
-            <a:r>
-              <a:rPr lang="fi-FI" sz="1400" dirty="0" err="1"/>
-              <a:t>int</a:t>
-            </a:r>
-            <a:r>
-              <a:rPr lang="fi-FI" sz="1400" dirty="0"/>
-              <a:t> </a:t>
-            </a:r>
-            <a:r>
-              <a:rPr lang="fi-FI" sz="1400" dirty="0" err="1"/>
-              <a:t>pTemp</a:t>
-            </a:r>
-            <a:r>
-              <a:rPr lang="fi-FI" sz="1400" dirty="0"/>
-              <a:t> = data[</a:t>
-            </a:r>
-            <a:r>
-              <a:rPr lang="fi-FI" sz="1400" dirty="0" err="1"/>
-              <a:t>pivotIndex</a:t>
-            </a:r>
-            <a:r>
-              <a:rPr lang="fi-FI" sz="1400" dirty="0"/>
-              <a:t>];</a:t>
-            </a:r>
-          </a:p>
-          <a:p>
-            <a:r>
-              <a:rPr lang="fi-FI" sz="1400" dirty="0"/>
-              <a:t>            data[</a:t>
-            </a:r>
-            <a:r>
-              <a:rPr lang="fi-FI" sz="1400" dirty="0" err="1"/>
-              <a:t>pivotIndex</a:t>
-            </a:r>
-            <a:r>
-              <a:rPr lang="fi-FI" sz="1400" dirty="0"/>
-              <a:t>] = data[</a:t>
-            </a:r>
-            <a:r>
-              <a:rPr lang="fi-FI" sz="1400" dirty="0" err="1"/>
-              <a:t>high</a:t>
-            </a:r>
-            <a:r>
-              <a:rPr lang="fi-FI" sz="1400" dirty="0"/>
-              <a:t>];</a:t>
-            </a:r>
-          </a:p>
-          <a:p>
-            <a:r>
-              <a:rPr lang="fi-FI" sz="1400" dirty="0"/>
-              <a:t>            data[</a:t>
-            </a:r>
-            <a:r>
-              <a:rPr lang="fi-FI" sz="1400" dirty="0" err="1"/>
-              <a:t>high</a:t>
-            </a:r>
-            <a:r>
-              <a:rPr lang="fi-FI" sz="1400" dirty="0"/>
-              <a:t>] = </a:t>
-            </a:r>
-            <a:r>
-              <a:rPr lang="fi-FI" sz="1400" dirty="0" err="1"/>
-              <a:t>pTemp</a:t>
-            </a:r>
-            <a:r>
-              <a:rPr lang="fi-FI" sz="1400" dirty="0"/>
-              <a:t>;</a:t>
-            </a:r>
-          </a:p>
-          <a:p>
-            <a:r>
-              <a:rPr lang="fi-FI" sz="1400" dirty="0"/>
-              <a:t>            </a:t>
-            </a:r>
-            <a:r>
-              <a:rPr lang="fi-FI" sz="1400" dirty="0" err="1"/>
-              <a:t>int</a:t>
-            </a:r>
-            <a:r>
-              <a:rPr lang="fi-FI" sz="1400" dirty="0"/>
-              <a:t> </a:t>
-            </a:r>
-            <a:r>
-              <a:rPr lang="fi-FI" sz="1400" dirty="0" err="1"/>
-              <a:t>index</a:t>
-            </a:r>
-            <a:r>
-              <a:rPr lang="fi-FI" sz="1400" dirty="0"/>
-              <a:t> = </a:t>
-            </a:r>
-            <a:r>
-              <a:rPr lang="fi-FI" sz="1400" dirty="0" err="1"/>
-              <a:t>low</a:t>
-            </a:r>
-            <a:r>
-              <a:rPr lang="fi-FI" sz="1400" dirty="0"/>
-              <a:t>;</a:t>
-            </a:r>
-          </a:p>
-          <a:p>
-            <a:r>
-              <a:rPr lang="fi-FI" sz="1400" dirty="0"/>
-              <a:t>            for (</a:t>
-            </a:r>
-            <a:r>
-              <a:rPr lang="fi-FI" sz="1400" dirty="0" err="1"/>
-              <a:t>int</a:t>
-            </a:r>
-            <a:r>
-              <a:rPr lang="fi-FI" sz="1400" dirty="0"/>
-              <a:t> i = </a:t>
-            </a:r>
-            <a:r>
-              <a:rPr lang="fi-FI" sz="1400" dirty="0" err="1"/>
-              <a:t>low</a:t>
-            </a:r>
-            <a:r>
-              <a:rPr lang="fi-FI" sz="1400" dirty="0"/>
-              <a:t>; i &lt; </a:t>
-            </a:r>
-            <a:r>
-              <a:rPr lang="fi-FI" sz="1400" dirty="0" err="1"/>
-              <a:t>high</a:t>
-            </a:r>
-            <a:r>
-              <a:rPr lang="fi-FI" sz="1400" dirty="0"/>
-              <a:t>; ++i) {</a:t>
-            </a:r>
-          </a:p>
-          <a:p>
-            <a:r>
-              <a:rPr lang="fi-FI" sz="1400" dirty="0"/>
-              <a:t>                </a:t>
-            </a:r>
-            <a:r>
-              <a:rPr lang="fi-FI" sz="1400" dirty="0" err="1"/>
-              <a:t>if</a:t>
-            </a:r>
-            <a:r>
-              <a:rPr lang="fi-FI" sz="1400" dirty="0"/>
-              <a:t> (data[i] &lt; pivot) {</a:t>
-            </a:r>
-          </a:p>
-          <a:p>
-            <a:r>
-              <a:rPr lang="fi-FI" sz="1400" dirty="0"/>
-              <a:t>                    </a:t>
-            </a:r>
-            <a:r>
-              <a:rPr lang="fi-FI" sz="1400" dirty="0" err="1"/>
-              <a:t>int</a:t>
-            </a:r>
-            <a:r>
-              <a:rPr lang="fi-FI" sz="1400" dirty="0"/>
-              <a:t> </a:t>
-            </a:r>
-            <a:r>
-              <a:rPr lang="fi-FI" sz="1400" dirty="0" err="1"/>
-              <a:t>temp</a:t>
-            </a:r>
-            <a:r>
-              <a:rPr lang="fi-FI" sz="1400" dirty="0"/>
-              <a:t> = data[</a:t>
-            </a:r>
-            <a:r>
-              <a:rPr lang="fi-FI" sz="1400" dirty="0" err="1"/>
-              <a:t>index</a:t>
-            </a:r>
-            <a:r>
-              <a:rPr lang="fi-FI" sz="1400" dirty="0"/>
-              <a:t>];</a:t>
-            </a:r>
-          </a:p>
-          <a:p>
-            <a:r>
-              <a:rPr lang="fi-FI" sz="1400" dirty="0"/>
-              <a:t>                    data[</a:t>
-            </a:r>
-            <a:r>
-              <a:rPr lang="fi-FI" sz="1400" dirty="0" err="1"/>
-              <a:t>index</a:t>
-            </a:r>
-            <a:r>
-              <a:rPr lang="fi-FI" sz="1400" dirty="0"/>
-              <a:t>] = data[i];</a:t>
-            </a:r>
-          </a:p>
-          <a:p>
-            <a:r>
-              <a:rPr lang="fi-FI" sz="1400" dirty="0"/>
-              <a:t>                    data[i] = </a:t>
-            </a:r>
-            <a:r>
-              <a:rPr lang="fi-FI" sz="1400" dirty="0" err="1"/>
-              <a:t>temp</a:t>
-            </a:r>
-            <a:r>
-              <a:rPr lang="fi-FI" sz="1400" dirty="0"/>
-              <a:t>;</a:t>
-            </a:r>
-          </a:p>
-          <a:p>
-            <a:r>
-              <a:rPr lang="fi-FI" sz="1400" dirty="0"/>
-              <a:t>                    ++</a:t>
-            </a:r>
-            <a:r>
-              <a:rPr lang="fi-FI" sz="1400" dirty="0" err="1"/>
-              <a:t>index</a:t>
-            </a:r>
-            <a:r>
-              <a:rPr lang="fi-FI" sz="1400" dirty="0"/>
-              <a:t>;</a:t>
-            </a:r>
-          </a:p>
-          <a:p>
-            <a:r>
-              <a:rPr lang="fi-FI" sz="1400" dirty="0"/>
-              <a:t>                }</a:t>
-            </a:r>
-          </a:p>
-          <a:p>
-            <a:r>
-              <a:rPr lang="fi-FI" sz="1400" dirty="0"/>
-              <a:t>            }</a:t>
-            </a:r>
-          </a:p>
-          <a:p>
-            <a:r>
-              <a:rPr lang="fi-FI" sz="1400" dirty="0"/>
-              <a:t>            </a:t>
-            </a:r>
-            <a:r>
-              <a:rPr lang="fi-FI" sz="1400" dirty="0" err="1"/>
-              <a:t>int</a:t>
-            </a:r>
-            <a:r>
-              <a:rPr lang="fi-FI" sz="1400" dirty="0"/>
-              <a:t> </a:t>
-            </a:r>
-            <a:r>
-              <a:rPr lang="fi-FI" sz="1400" dirty="0" err="1"/>
-              <a:t>temp</a:t>
-            </a:r>
-            <a:r>
-              <a:rPr lang="fi-FI" sz="1400" dirty="0"/>
-              <a:t> = data[</a:t>
-            </a:r>
-            <a:r>
-              <a:rPr lang="fi-FI" sz="1400" dirty="0" err="1"/>
-              <a:t>index</a:t>
-            </a:r>
-            <a:r>
-              <a:rPr lang="fi-FI" sz="1400" dirty="0"/>
-              <a:t>];</a:t>
-            </a:r>
-          </a:p>
-          <a:p>
-            <a:r>
-              <a:rPr lang="fi-FI" sz="1400" dirty="0"/>
-              <a:t>            data[</a:t>
-            </a:r>
-            <a:r>
-              <a:rPr lang="fi-FI" sz="1400" dirty="0" err="1"/>
-              <a:t>index</a:t>
-            </a:r>
-            <a:r>
-              <a:rPr lang="fi-FI" sz="1400" dirty="0"/>
-              <a:t>] = data[</a:t>
-            </a:r>
-            <a:r>
-              <a:rPr lang="fi-FI" sz="1400" dirty="0" err="1"/>
-              <a:t>high</a:t>
-            </a:r>
-            <a:r>
-              <a:rPr lang="fi-FI" sz="1400" dirty="0"/>
-              <a:t>];</a:t>
-            </a:r>
-          </a:p>
-          <a:p>
-            <a:r>
-              <a:rPr lang="fi-FI" sz="1400" dirty="0"/>
-              <a:t>            data[</a:t>
-            </a:r>
-            <a:r>
-              <a:rPr lang="fi-FI" sz="1400" dirty="0" err="1"/>
-              <a:t>high</a:t>
-            </a:r>
-            <a:r>
-              <a:rPr lang="fi-FI" sz="1400" dirty="0"/>
-              <a:t>] = </a:t>
-            </a:r>
-            <a:r>
-              <a:rPr lang="fi-FI" sz="1400" dirty="0" err="1"/>
-              <a:t>temp</a:t>
-            </a:r>
-            <a:r>
-              <a:rPr lang="fi-FI" sz="1400" dirty="0"/>
-              <a:t>;</a:t>
-            </a:r>
-          </a:p>
-          <a:p>
-            <a:r>
-              <a:rPr lang="fi-FI" sz="1400" dirty="0"/>
-              <a:t>            </a:t>
-            </a:r>
-            <a:r>
-              <a:rPr lang="fi-FI" sz="1400" dirty="0" err="1"/>
-              <a:t>optimizedQuickSort</a:t>
-            </a:r>
-            <a:r>
-              <a:rPr lang="fi-FI" sz="1400" dirty="0"/>
-              <a:t>(data, </a:t>
-            </a:r>
-            <a:r>
-              <a:rPr lang="fi-FI" sz="1400" dirty="0" err="1"/>
-              <a:t>low</a:t>
-            </a:r>
-            <a:r>
-              <a:rPr lang="fi-FI" sz="1400" dirty="0"/>
-              <a:t>, </a:t>
-            </a:r>
-            <a:r>
-              <a:rPr lang="fi-FI" sz="1400" dirty="0" err="1"/>
-              <a:t>index</a:t>
-            </a:r>
-            <a:r>
-              <a:rPr lang="fi-FI" sz="1400" dirty="0"/>
-              <a:t> - 1);</a:t>
-            </a:r>
-          </a:p>
-          <a:p>
-            <a:r>
-              <a:rPr lang="fi-FI" sz="1400" dirty="0"/>
-              <a:t>            </a:t>
-            </a:r>
-            <a:r>
-              <a:rPr lang="fi-FI" sz="1400" dirty="0" err="1"/>
-              <a:t>optimizedQuickSort</a:t>
-            </a:r>
-            <a:r>
-              <a:rPr lang="fi-FI" sz="1400" dirty="0"/>
-              <a:t>(data, </a:t>
-            </a:r>
-            <a:r>
-              <a:rPr lang="fi-FI" sz="1400" dirty="0" err="1"/>
-              <a:t>index</a:t>
-            </a:r>
-            <a:r>
-              <a:rPr lang="fi-FI" sz="1400" dirty="0"/>
-              <a:t> + 1, </a:t>
-            </a:r>
-            <a:r>
-              <a:rPr lang="fi-FI" sz="1400" dirty="0" err="1"/>
-              <a:t>high</a:t>
-            </a:r>
-            <a:r>
-              <a:rPr lang="fi-FI" sz="1400" dirty="0"/>
-              <a:t>);</a:t>
-            </a:r>
-          </a:p>
-          <a:p>
-            <a:r>
-              <a:rPr lang="fi-FI" sz="1400" dirty="0"/>
-              <a:t>        }</a:t>
-            </a:r>
+              <a:rPr lang="fi-FI" dirty="0"/>
+              <a:t>Optimoimalla muistinkäyttöä </a:t>
+            </a:r>
+            <a:r>
+              <a:rPr lang="fi-FI" dirty="0" err="1"/>
+              <a:t>Merge</a:t>
+            </a:r>
+            <a:r>
+              <a:rPr lang="fi-FI" dirty="0"/>
+              <a:t> </a:t>
+            </a:r>
+            <a:r>
+              <a:rPr lang="fi-FI" dirty="0" err="1"/>
+              <a:t>Sort</a:t>
+            </a:r>
+            <a:r>
+              <a:rPr lang="fi-FI" dirty="0"/>
+              <a:t> oli random alkioilla 37% nopeampi.</a:t>
+            </a:r>
+          </a:p>
+          <a:p>
+            <a:r>
+              <a:rPr lang="fi-FI" dirty="0"/>
+              <a:t>Optimoitu </a:t>
+            </a:r>
+            <a:r>
+              <a:rPr lang="fi-FI" dirty="0" err="1"/>
+              <a:t>Merge</a:t>
+            </a:r>
+            <a:r>
+              <a:rPr lang="fi-FI" dirty="0"/>
+              <a:t> </a:t>
+            </a:r>
+            <a:r>
+              <a:rPr lang="fi-FI" dirty="0" err="1"/>
+              <a:t>Sort</a:t>
+            </a:r>
+            <a:r>
+              <a:rPr lang="fi-FI"/>
+              <a:t> oli </a:t>
+            </a:r>
+            <a:r>
+              <a:rPr lang="fi-FI" dirty="0"/>
+              <a:t>n</a:t>
+            </a:r>
+            <a:r>
+              <a:rPr lang="fi-FI"/>
+              <a:t>ousevilla </a:t>
+            </a:r>
+            <a:r>
+              <a:rPr lang="fi-FI" dirty="0"/>
+              <a:t>alkioilla 56% ja laskevilla 30</a:t>
+            </a:r>
+            <a:r>
+              <a:rPr lang="fi-FI"/>
+              <a:t>% nopeampi.</a:t>
+            </a:r>
+            <a:endParaRPr lang="fi-FI" dirty="0"/>
           </a:p>
         </p:txBody>
       </p:sp>
     </p:spTree>
     <p:extLst>
       <p:ext uri="{BB962C8B-B14F-4D97-AF65-F5344CB8AC3E}">
-        <p14:creationId xmlns:p14="http://schemas.microsoft.com/office/powerpoint/2010/main" val="2365388853"/>
+        <p14:creationId xmlns:p14="http://schemas.microsoft.com/office/powerpoint/2010/main" val="2984234982"/>
       </p:ext>
     </p:extLst>
   </p:cSld>
@@ -6868,461 +7642,6 @@
           <p:cNvPr id="2" name="Tekstiruutu 1">
             <a:extLst>
               <a:ext uri="{FF2B5EF4-FFF2-40B4-BE49-F238E27FC236}">
-                <a16:creationId xmlns:a16="http://schemas.microsoft.com/office/drawing/2014/main" id="{687B6FA4-5512-90B3-DB23-3A05DF945819}"/>
-              </a:ext>
-            </a:extLst>
-          </p:cNvPr>
-          <p:cNvSpPr txBox="1"/>
-          <p:nvPr/>
-        </p:nvSpPr>
-        <p:spPr>
-          <a:xfrm>
-            <a:off x="3120839" y="331770"/>
-            <a:ext cx="5849935" cy="954107"/>
-          </a:xfrm>
-          <a:prstGeom prst="rect">
-            <a:avLst/>
-          </a:prstGeom>
-          <a:noFill/>
-        </p:spPr>
-        <p:txBody>
-          <a:bodyPr wrap="none" rtlCol="0">
-            <a:spAutoFit/>
-          </a:bodyPr>
-          <a:lstStyle/>
-          <a:p>
-            <a:r>
-              <a:rPr lang="fi-FI" sz="2800" b="1" dirty="0" err="1"/>
-              <a:t>Quick</a:t>
-            </a:r>
-            <a:r>
-              <a:rPr lang="fi-FI" sz="2800" b="1" dirty="0"/>
-              <a:t> </a:t>
-            </a:r>
-            <a:r>
-              <a:rPr lang="fi-FI" sz="2800" b="1" dirty="0" err="1"/>
-              <a:t>Sort</a:t>
-            </a:r>
-            <a:r>
-              <a:rPr lang="fi-FI" sz="2800" b="1" dirty="0"/>
-              <a:t> </a:t>
-            </a:r>
-            <a:r>
-              <a:rPr lang="fi-FI" sz="2800" b="1" dirty="0" err="1"/>
-              <a:t>vs</a:t>
-            </a:r>
-            <a:r>
-              <a:rPr lang="fi-FI" sz="2800" b="1" dirty="0"/>
-              <a:t> Optimoitu </a:t>
-            </a:r>
-            <a:r>
-              <a:rPr lang="fi-FI" sz="2800" b="1" dirty="0" err="1"/>
-              <a:t>Quick</a:t>
-            </a:r>
-            <a:r>
-              <a:rPr lang="fi-FI" sz="2800" b="1" dirty="0"/>
-              <a:t> </a:t>
-            </a:r>
-            <a:r>
-              <a:rPr lang="fi-FI" sz="2800" b="1" dirty="0" err="1"/>
-              <a:t>Sort</a:t>
-            </a:r>
-            <a:endParaRPr lang="fi-FI" sz="2800" b="1" dirty="0"/>
-          </a:p>
-          <a:p>
-            <a:r>
-              <a:rPr lang="fi-FI" sz="2800" b="1" dirty="0"/>
-              <a:t>250 000 alkiolla</a:t>
-            </a:r>
-          </a:p>
-        </p:txBody>
-      </p:sp>
-      <p:sp>
-        <p:nvSpPr>
-          <p:cNvPr id="3" name="Tekstiruutu 2">
-            <a:extLst>
-              <a:ext uri="{FF2B5EF4-FFF2-40B4-BE49-F238E27FC236}">
-                <a16:creationId xmlns:a16="http://schemas.microsoft.com/office/drawing/2014/main" id="{B6852150-97D0-72C2-281B-8824704D23A2}"/>
-              </a:ext>
-            </a:extLst>
-          </p:cNvPr>
-          <p:cNvSpPr txBox="1"/>
-          <p:nvPr/>
-        </p:nvSpPr>
-        <p:spPr>
-          <a:xfrm>
-            <a:off x="4166425" y="1235122"/>
-            <a:ext cx="3859149" cy="1200329"/>
-          </a:xfrm>
-          <a:prstGeom prst="rect">
-            <a:avLst/>
-          </a:prstGeom>
-          <a:noFill/>
-        </p:spPr>
-        <p:txBody>
-          <a:bodyPr wrap="square" rtlCol="0">
-            <a:spAutoFit/>
-          </a:bodyPr>
-          <a:lstStyle/>
-          <a:p>
-            <a:r>
-              <a:rPr lang="fi-FI" b="1" dirty="0"/>
-              <a:t>Random: </a:t>
-            </a:r>
-          </a:p>
-          <a:p>
-            <a:r>
-              <a:rPr lang="fi-FI" dirty="0" err="1">
-                <a:highlight>
-                  <a:srgbClr val="00FF00"/>
-                </a:highlight>
-              </a:rPr>
-              <a:t>Quick</a:t>
-            </a:r>
-            <a:r>
-              <a:rPr lang="fi-FI" dirty="0">
-                <a:highlight>
-                  <a:srgbClr val="00FF00"/>
-                </a:highlight>
-              </a:rPr>
-              <a:t> </a:t>
-            </a:r>
-            <a:r>
-              <a:rPr lang="fi-FI" dirty="0" err="1">
-                <a:highlight>
-                  <a:srgbClr val="00FF00"/>
-                </a:highlight>
-              </a:rPr>
-              <a:t>Sort</a:t>
-            </a:r>
-            <a:r>
-              <a:rPr lang="fi-FI" dirty="0">
-                <a:highlight>
-                  <a:srgbClr val="00FF00"/>
-                </a:highlight>
-              </a:rPr>
-              <a:t>: 39,449ms</a:t>
-            </a:r>
-          </a:p>
-          <a:p>
-            <a:r>
-              <a:rPr lang="fi-FI" dirty="0" err="1"/>
-              <a:t>Optimized</a:t>
-            </a:r>
-            <a:r>
-              <a:rPr lang="fi-FI" dirty="0"/>
-              <a:t> </a:t>
-            </a:r>
-            <a:r>
-              <a:rPr lang="fi-FI" dirty="0" err="1"/>
-              <a:t>Quick</a:t>
-            </a:r>
-            <a:r>
-              <a:rPr lang="fi-FI" dirty="0"/>
-              <a:t> </a:t>
-            </a:r>
-            <a:r>
-              <a:rPr lang="fi-FI" dirty="0" err="1"/>
-              <a:t>Sort</a:t>
-            </a:r>
-            <a:r>
-              <a:rPr lang="fi-FI" dirty="0"/>
-              <a:t>: 46,896ms</a:t>
-            </a:r>
-          </a:p>
-          <a:p>
-            <a:endParaRPr lang="fi-FI" dirty="0"/>
-          </a:p>
-        </p:txBody>
-      </p:sp>
-      <p:sp>
-        <p:nvSpPr>
-          <p:cNvPr id="5" name="Tekstiruutu 4">
-            <a:extLst>
-              <a:ext uri="{FF2B5EF4-FFF2-40B4-BE49-F238E27FC236}">
-                <a16:creationId xmlns:a16="http://schemas.microsoft.com/office/drawing/2014/main" id="{3D0FC739-F227-0CE0-D475-EDB33CF7A652}"/>
-              </a:ext>
-            </a:extLst>
-          </p:cNvPr>
-          <p:cNvSpPr txBox="1"/>
-          <p:nvPr/>
-        </p:nvSpPr>
-        <p:spPr>
-          <a:xfrm>
-            <a:off x="4116233" y="2435451"/>
-            <a:ext cx="3859149" cy="923330"/>
-          </a:xfrm>
-          <a:prstGeom prst="rect">
-            <a:avLst/>
-          </a:prstGeom>
-          <a:noFill/>
-        </p:spPr>
-        <p:txBody>
-          <a:bodyPr wrap="square" rtlCol="0">
-            <a:spAutoFit/>
-          </a:bodyPr>
-          <a:lstStyle/>
-          <a:p>
-            <a:r>
-              <a:rPr lang="fi-FI" b="1" dirty="0"/>
-              <a:t>Nouseva: </a:t>
-            </a:r>
-          </a:p>
-          <a:p>
-            <a:r>
-              <a:rPr lang="fi-FI" dirty="0" err="1"/>
-              <a:t>Quick</a:t>
-            </a:r>
-            <a:r>
-              <a:rPr lang="fi-FI" dirty="0"/>
-              <a:t> </a:t>
-            </a:r>
-            <a:r>
-              <a:rPr lang="fi-FI" dirty="0" err="1"/>
-              <a:t>Sort</a:t>
-            </a:r>
-            <a:r>
-              <a:rPr lang="fi-FI" dirty="0"/>
-              <a:t>: 50738,007ms</a:t>
-            </a:r>
-          </a:p>
-          <a:p>
-            <a:r>
-              <a:rPr lang="fi-FI" dirty="0" err="1">
-                <a:highlight>
-                  <a:srgbClr val="00FF00"/>
-                </a:highlight>
-              </a:rPr>
-              <a:t>Optimized</a:t>
-            </a:r>
-            <a:r>
-              <a:rPr lang="fi-FI" dirty="0">
-                <a:highlight>
-                  <a:srgbClr val="00FF00"/>
-                </a:highlight>
-              </a:rPr>
-              <a:t> </a:t>
-            </a:r>
-            <a:r>
-              <a:rPr lang="fi-FI" dirty="0" err="1">
-                <a:highlight>
-                  <a:srgbClr val="00FF00"/>
-                </a:highlight>
-              </a:rPr>
-              <a:t>Quick</a:t>
-            </a:r>
-            <a:r>
-              <a:rPr lang="fi-FI" dirty="0">
-                <a:highlight>
-                  <a:srgbClr val="00FF00"/>
-                </a:highlight>
-              </a:rPr>
-              <a:t> </a:t>
-            </a:r>
-            <a:r>
-              <a:rPr lang="fi-FI" dirty="0" err="1">
-                <a:highlight>
-                  <a:srgbClr val="00FF00"/>
-                </a:highlight>
-              </a:rPr>
-              <a:t>Sort</a:t>
-            </a:r>
-            <a:r>
-              <a:rPr lang="fi-FI" dirty="0">
-                <a:highlight>
-                  <a:srgbClr val="00FF00"/>
-                </a:highlight>
-              </a:rPr>
-              <a:t>: 8,773ms</a:t>
-            </a:r>
-          </a:p>
-        </p:txBody>
-      </p:sp>
-      <p:sp>
-        <p:nvSpPr>
-          <p:cNvPr id="6" name="Tekstiruutu 5">
-            <a:extLst>
-              <a:ext uri="{FF2B5EF4-FFF2-40B4-BE49-F238E27FC236}">
-                <a16:creationId xmlns:a16="http://schemas.microsoft.com/office/drawing/2014/main" id="{115CCFCD-5623-6B9B-7FB9-4DA7335EACB2}"/>
-              </a:ext>
-            </a:extLst>
-          </p:cNvPr>
-          <p:cNvSpPr txBox="1"/>
-          <p:nvPr/>
-        </p:nvSpPr>
-        <p:spPr>
-          <a:xfrm flipH="1">
-            <a:off x="4116232" y="3911584"/>
-            <a:ext cx="3677269" cy="923330"/>
-          </a:xfrm>
-          <a:prstGeom prst="rect">
-            <a:avLst/>
-          </a:prstGeom>
-          <a:noFill/>
-        </p:spPr>
-        <p:txBody>
-          <a:bodyPr wrap="square" rtlCol="0">
-            <a:spAutoFit/>
-          </a:bodyPr>
-          <a:lstStyle/>
-          <a:p>
-            <a:r>
-              <a:rPr lang="fi-FI" b="1" dirty="0"/>
-              <a:t>Laskeva: </a:t>
-            </a:r>
-          </a:p>
-          <a:p>
-            <a:r>
-              <a:rPr lang="fi-FI" dirty="0" err="1"/>
-              <a:t>Quick</a:t>
-            </a:r>
-            <a:r>
-              <a:rPr lang="fi-FI" dirty="0"/>
-              <a:t> </a:t>
-            </a:r>
-            <a:r>
-              <a:rPr lang="fi-FI" dirty="0" err="1"/>
-              <a:t>Sort</a:t>
-            </a:r>
-            <a:r>
-              <a:rPr lang="fi-FI" dirty="0"/>
-              <a:t>: 22869,827ms</a:t>
-            </a:r>
-          </a:p>
-          <a:p>
-            <a:r>
-              <a:rPr lang="fi-FI" dirty="0" err="1">
-                <a:highlight>
-                  <a:srgbClr val="00FF00"/>
-                </a:highlight>
-              </a:rPr>
-              <a:t>Optimized</a:t>
-            </a:r>
-            <a:r>
-              <a:rPr lang="fi-FI" dirty="0">
-                <a:highlight>
-                  <a:srgbClr val="00FF00"/>
-                </a:highlight>
-              </a:rPr>
-              <a:t> </a:t>
-            </a:r>
-            <a:r>
-              <a:rPr lang="fi-FI" dirty="0" err="1">
-                <a:highlight>
-                  <a:srgbClr val="00FF00"/>
-                </a:highlight>
-              </a:rPr>
-              <a:t>Quick</a:t>
-            </a:r>
-            <a:r>
-              <a:rPr lang="fi-FI" dirty="0">
-                <a:highlight>
-                  <a:srgbClr val="00FF00"/>
-                </a:highlight>
-              </a:rPr>
-              <a:t> </a:t>
-            </a:r>
-            <a:r>
-              <a:rPr lang="fi-FI" dirty="0" err="1">
-                <a:highlight>
-                  <a:srgbClr val="00FF00"/>
-                </a:highlight>
-              </a:rPr>
-              <a:t>Sort</a:t>
-            </a:r>
-            <a:r>
-              <a:rPr lang="fi-FI" dirty="0">
-                <a:highlight>
-                  <a:srgbClr val="00FF00"/>
-                </a:highlight>
-              </a:rPr>
-              <a:t>: 11,923ms</a:t>
-            </a:r>
-          </a:p>
-        </p:txBody>
-      </p:sp>
-      <p:sp>
-        <p:nvSpPr>
-          <p:cNvPr id="4" name="Tekstiruutu 3">
-            <a:extLst>
-              <a:ext uri="{FF2B5EF4-FFF2-40B4-BE49-F238E27FC236}">
-                <a16:creationId xmlns:a16="http://schemas.microsoft.com/office/drawing/2014/main" id="{C2EB1C5D-E25B-1851-487F-EAB17627845D}"/>
-              </a:ext>
-            </a:extLst>
-          </p:cNvPr>
-          <p:cNvSpPr txBox="1"/>
-          <p:nvPr/>
-        </p:nvSpPr>
-        <p:spPr>
-          <a:xfrm>
-            <a:off x="3091218" y="5261212"/>
-            <a:ext cx="5702010" cy="923330"/>
-          </a:xfrm>
-          <a:prstGeom prst="rect">
-            <a:avLst/>
-          </a:prstGeom>
-          <a:noFill/>
-        </p:spPr>
-        <p:txBody>
-          <a:bodyPr wrap="none" rtlCol="0">
-            <a:spAutoFit/>
-          </a:bodyPr>
-          <a:lstStyle/>
-          <a:p>
-            <a:r>
-              <a:rPr lang="fi-FI" dirty="0"/>
-              <a:t>Tästä näkee kuinka tärkeää on valita oikea pivot-indeksi:</a:t>
-            </a:r>
-          </a:p>
-          <a:p>
-            <a:r>
-              <a:rPr lang="fi-FI" dirty="0"/>
-              <a:t>randomilla ero on 7 millisekuntia, mutta nousevalla ja </a:t>
-            </a:r>
-          </a:p>
-          <a:p>
-            <a:r>
-              <a:rPr lang="fi-FI" dirty="0"/>
-              <a:t>laskevalla ero on kymmeniä sekunteja</a:t>
-            </a:r>
-          </a:p>
-        </p:txBody>
-      </p:sp>
-    </p:spTree>
-    <p:extLst>
-      <p:ext uri="{BB962C8B-B14F-4D97-AF65-F5344CB8AC3E}">
-        <p14:creationId xmlns:p14="http://schemas.microsoft.com/office/powerpoint/2010/main" val="2984234982"/>
-      </p:ext>
-    </p:extLst>
-  </p:cSld>
-  <p:clrMapOvr>
-    <a:masterClrMapping/>
-  </p:clrMapOvr>
-</p:sld>
-</file>
-
-<file path=ppt/slides/slide8.xml><?xml version="1.0" encoding="utf-8"?>
-<p:sld xmlns:a="http://schemas.openxmlformats.org/drawingml/2006/main" xmlns:r="http://schemas.openxmlformats.org/officeDocument/2006/relationships" xmlns:p="http://schemas.openxmlformats.org/presentationml/2006/main">
-  <p:cSld>
-    <p:spTree>
-      <p:nvGrpSpPr>
-        <p:cNvPr id="1" name=""/>
-        <p:cNvGrpSpPr/>
-        <p:nvPr/>
-      </p:nvGrpSpPr>
-      <p:grpSpPr>
-        <a:xfrm>
-          <a:off x="0" y="0"/>
-          <a:ext cx="0" cy="0"/>
-          <a:chOff x="0" y="0"/>
-          <a:chExt cx="0" cy="0"/>
-        </a:xfrm>
-      </p:grpSpPr>
-      <p:sp>
-        <p:nvSpPr>
-          <p:cNvPr id="2" name="Tekstiruutu 1">
-            <a:extLst>
-              <a:ext uri="{FF2B5EF4-FFF2-40B4-BE49-F238E27FC236}">
                 <a16:creationId xmlns:a16="http://schemas.microsoft.com/office/drawing/2014/main" id="{272C8927-5E3C-EC87-7CB8-7B90769F20CB}"/>
               </a:ext>
             </a:extLst>
@@ -7368,7 +7687,7 @@
         <p:spPr>
           <a:xfrm>
             <a:off x="1612866" y="1373160"/>
-            <a:ext cx="3923575" cy="3139321"/>
+            <a:ext cx="4047005" cy="2862322"/>
           </a:xfrm>
           <a:prstGeom prst="rect">
             <a:avLst/>
@@ -7383,7 +7702,7 @@
           <a:p>
             <a:r>
               <a:rPr lang="fi-FI" b="1" dirty="0"/>
-              <a:t>Random datalla(250 000):</a:t>
+              <a:t>Random datalla(500 000):</a:t>
             </a:r>
           </a:p>
           <a:p>
@@ -7404,7 +7723,7 @@
             </a:r>
             <a:r>
               <a:rPr lang="fi-FI" dirty="0"/>
-              <a:t>: 15766,262ms</a:t>
+              <a:t>: 123813,433ms</a:t>
             </a:r>
           </a:p>
           <a:p>
@@ -7422,7 +7741,7 @@
             </a:r>
             <a:r>
               <a:rPr lang="fi-FI" dirty="0"/>
-              <a:t>: 145833,526ms</a:t>
+              <a:t>: 863038,327ms</a:t>
             </a:r>
           </a:p>
           <a:p>
@@ -7436,7 +7755,7 @@
             </a:r>
             <a:r>
               <a:rPr lang="fi-FI" dirty="0"/>
-              <a:t>: 54,956ms</a:t>
+              <a:t>: 122,003ms</a:t>
             </a:r>
           </a:p>
           <a:p>
@@ -7462,7 +7781,7 @@
             </a:r>
             <a:r>
               <a:rPr lang="fi-FI" dirty="0"/>
-              <a:t>: 46,766ms</a:t>
+              <a:t>: 116,831ms</a:t>
             </a:r>
           </a:p>
           <a:p>
@@ -7480,7 +7799,25 @@
             </a:r>
             <a:r>
               <a:rPr lang="fi-FI" dirty="0"/>
-              <a:t>: 39,449ms</a:t>
+              <a:t>: 77,933ms</a:t>
+            </a:r>
+          </a:p>
+          <a:p>
+            <a:r>
+              <a:rPr lang="fi-FI" dirty="0" err="1"/>
+              <a:t>Merge</a:t>
+            </a:r>
+            <a:r>
+              <a:rPr lang="fi-FI" dirty="0"/>
+              <a:t> </a:t>
+            </a:r>
+            <a:r>
+              <a:rPr lang="fi-FI" dirty="0" err="1"/>
+              <a:t>Sort</a:t>
+            </a:r>
+            <a:r>
+              <a:rPr lang="fi-FI" dirty="0"/>
+              <a:t>: 139,044ms</a:t>
             </a:r>
           </a:p>
           <a:p>
@@ -7494,7 +7831,7 @@
             </a:r>
             <a:r>
               <a:rPr lang="fi-FI" dirty="0" err="1"/>
-              <a:t>Quick</a:t>
+              <a:t>Merge</a:t>
             </a:r>
             <a:r>
               <a:rPr lang="fi-FI" dirty="0"/>
@@ -7506,25 +7843,7 @@
             </a:r>
             <a:r>
               <a:rPr lang="fi-FI" dirty="0"/>
-              <a:t>: 46,896ms</a:t>
-            </a:r>
-          </a:p>
-          <a:p>
-            <a:r>
-              <a:rPr lang="fi-FI" dirty="0" err="1"/>
-              <a:t>Merge</a:t>
-            </a:r>
-            <a:r>
-              <a:rPr lang="fi-FI" dirty="0"/>
-              <a:t> </a:t>
-            </a:r>
-            <a:r>
-              <a:rPr lang="fi-FI" dirty="0" err="1"/>
-              <a:t>Sort</a:t>
-            </a:r>
-            <a:r>
-              <a:rPr lang="fi-FI" dirty="0"/>
-              <a:t>: 61,340ms</a:t>
+              <a:t>: 86,470ms</a:t>
             </a:r>
           </a:p>
           <a:p>
@@ -7538,11 +7857,8 @@
             </a:r>
             <a:r>
               <a:rPr lang="fi-FI" dirty="0"/>
-              <a:t>: 129,775ms</a:t>
-            </a:r>
-          </a:p>
-          <a:p>
-            <a:endParaRPr lang="fi-FI" dirty="0"/>
+              <a:t>: 83,893ms</a:t>
+            </a:r>
           </a:p>
         </p:txBody>
       </p:sp>
@@ -7576,7 +7892,7 @@
           <a:p>
             <a:r>
               <a:rPr lang="fi-FI" b="1" dirty="0"/>
-              <a:t>Aikavaatimukset:</a:t>
+              <a:t>Keskimääräiset aikavaatimukset:</a:t>
             </a:r>
           </a:p>
           <a:p>
@@ -7597,7 +7913,7 @@
             </a:r>
             <a:r>
               <a:rPr lang="fi-FI" dirty="0"/>
-              <a:t>: aina O(n^2)</a:t>
+              <a:t>: O(n^2)</a:t>
             </a:r>
           </a:p>
           <a:p>
@@ -7615,7 +7931,7 @@
             </a:r>
             <a:r>
               <a:rPr lang="fi-FI" dirty="0"/>
-              <a:t>: aina O(n^2)</a:t>
+              <a:t>: O(n^2)</a:t>
             </a:r>
           </a:p>
           <a:p>
@@ -7629,7 +7945,7 @@
             </a:r>
             <a:r>
               <a:rPr lang="fi-FI" dirty="0"/>
-              <a:t>: O(n^1.5)*, huonoin O(n^2)</a:t>
+              <a:t>: O(n^1.5)</a:t>
             </a:r>
           </a:p>
           <a:p>
@@ -7655,7 +7971,7 @@
             </a:r>
             <a:r>
               <a:rPr lang="fi-FI" dirty="0"/>
-              <a:t>: O(n^1.25), huonoin O(n^2)</a:t>
+              <a:t>: O(n^4/3)</a:t>
             </a:r>
           </a:p>
           <a:p>
@@ -7681,7 +7997,33 @@
             </a:r>
             <a:r>
               <a:rPr lang="fi-FI" dirty="0"/>
-              <a:t>), huonoin O(n^2)</a:t>
+              <a:t>)</a:t>
+            </a:r>
+          </a:p>
+          <a:p>
+            <a:r>
+              <a:rPr lang="fi-FI" dirty="0" err="1"/>
+              <a:t>Merge</a:t>
+            </a:r>
+            <a:r>
+              <a:rPr lang="fi-FI" dirty="0"/>
+              <a:t> </a:t>
+            </a:r>
+            <a:r>
+              <a:rPr lang="fi-FI" dirty="0" err="1"/>
+              <a:t>Sort</a:t>
+            </a:r>
+            <a:r>
+              <a:rPr lang="fi-FI" dirty="0"/>
+              <a:t>: O(</a:t>
+            </a:r>
+            <a:r>
+              <a:rPr lang="fi-FI" dirty="0" err="1"/>
+              <a:t>nlogn</a:t>
+            </a:r>
+            <a:r>
+              <a:rPr lang="fi-FI" dirty="0"/>
+              <a:t>)</a:t>
             </a:r>
           </a:p>
           <a:p>
@@ -7695,7 +8037,7 @@
             </a:r>
             <a:r>
               <a:rPr lang="fi-FI" dirty="0" err="1"/>
-              <a:t>Quick</a:t>
+              <a:t>Merge</a:t>
             </a:r>
             <a:r>
               <a:rPr lang="fi-FI" dirty="0"/>
@@ -7715,32 +8057,6 @@
             </a:r>
             <a:r>
               <a:rPr lang="fi-FI" dirty="0"/>
-              <a:t>), huonoin O(n^2)**</a:t>
-            </a:r>
-          </a:p>
-          <a:p>
-            <a:r>
-              <a:rPr lang="fi-FI" dirty="0" err="1"/>
-              <a:t>Merge</a:t>
-            </a:r>
-            <a:r>
-              <a:rPr lang="fi-FI" dirty="0"/>
-              <a:t> </a:t>
-            </a:r>
-            <a:r>
-              <a:rPr lang="fi-FI" dirty="0" err="1"/>
-              <a:t>Sort</a:t>
-            </a:r>
-            <a:r>
-              <a:rPr lang="fi-FI" dirty="0"/>
-              <a:t>: aina O(</a:t>
-            </a:r>
-            <a:r>
-              <a:rPr lang="fi-FI" dirty="0" err="1"/>
-              <a:t>nlogn</a:t>
-            </a:r>
-            <a:r>
-              <a:rPr lang="fi-FI" dirty="0"/>
               <a:t>)</a:t>
             </a:r>
           </a:p>
@@ -7755,7 +8071,7 @@
             </a:r>
             <a:r>
               <a:rPr lang="fi-FI" dirty="0"/>
-              <a:t>: aina O(</a:t>
+              <a:t>: O(</a:t>
             </a:r>
             <a:r>
               <a:rPr lang="fi-FI" dirty="0" err="1"/>
@@ -7785,8 +8101,8 @@
         </p:nvSpPr>
         <p:spPr>
           <a:xfrm>
-            <a:off x="3261468" y="4822044"/>
-            <a:ext cx="5669061" cy="1200329"/>
+            <a:off x="4431399" y="5145210"/>
+            <a:ext cx="2456944" cy="369332"/>
           </a:xfrm>
           <a:prstGeom prst="rect">
             <a:avLst/>
@@ -7802,20 +8118,6 @@
             <a:r>
               <a:rPr lang="fi-FI" dirty="0"/>
               <a:t>* Väli n / 2, n/4, n/8… 1</a:t>
-            </a:r>
-          </a:p>
-          <a:p>
-            <a:r>
-              <a:rPr lang="fi-FI" dirty="0"/>
-              <a:t>** Käytännössä mahdoton, huonoimman mahdollisen tapauksen todennäköisyys  (2^(n – 1)) / n!,  esim. 20 alkiolla </a:t>
-            </a:r>
-            <a:r>
-              <a:rPr lang="fi-FI" dirty="0" err="1"/>
-              <a:t>todennäköissys</a:t>
-            </a:r>
-            <a:r>
-              <a:rPr lang="fi-FI" dirty="0"/>
-              <a:t> n. 1 / 4 600 000 000 000</a:t>
             </a:r>
           </a:p>
         </p:txBody>
